--- a/a-mob-mentality.pptx
+++ b/a-mob-mentality.pptx
@@ -21,8 +21,8 @@
     <p:sldId id="324" r:id="rId12"/>
     <p:sldId id="323" r:id="rId13"/>
     <p:sldId id="325" r:id="rId14"/>
-    <p:sldId id="326" r:id="rId15"/>
-    <p:sldId id="327" r:id="rId16"/>
+    <p:sldId id="327" r:id="rId15"/>
+    <p:sldId id="326" r:id="rId16"/>
     <p:sldId id="328" r:id="rId17"/>
     <p:sldId id="329" r:id="rId18"/>
     <p:sldId id="330" r:id="rId19"/>
@@ -271,7 +271,7 @@
           <a:p>
             <a:fld id="{7BBE8AEC-3485-8F42-8DAA-65AC687FA28D}" type="datetimeFigureOut">
               <a:rPr lang="en-US" smtClean="0"/>
-              <a:t>9/20/19</a:t>
+              <a:t>9/23/19</a:t>
             </a:fld>
             <a:endParaRPr lang="en-US"/>
           </a:p>
@@ -436,7 +436,7 @@
           <a:p>
             <a:fld id="{F8C37668-4783-4882-B2E6-3A4D0BC25785}" type="datetimeFigureOut">
               <a:rPr lang="en-GB" smtClean="0"/>
-              <a:t>20/09/2019</a:t>
+              <a:t>23/09/2019</a:t>
             </a:fld>
             <a:endParaRPr lang="en-GB"/>
           </a:p>
@@ -704,6 +704,2201 @@
 </p:notesMaster>
 </file>
 
+<file path=ppt/notesSlides/notesSlide1.xml><?xml version="1.0" encoding="utf-8"?>
+<p:notes xmlns:a="http://schemas.openxmlformats.org/drawingml/2006/main" xmlns:r="http://schemas.openxmlformats.org/officeDocument/2006/relationships" xmlns:p="http://schemas.openxmlformats.org/presentationml/2006/main">
+  <p:cSld>
+    <p:spTree>
+      <p:nvGrpSpPr>
+        <p:cNvPr id="1" name=""/>
+        <p:cNvGrpSpPr/>
+        <p:nvPr/>
+      </p:nvGrpSpPr>
+      <p:grpSpPr>
+        <a:xfrm>
+          <a:off x="0" y="0"/>
+          <a:ext cx="0" cy="0"/>
+          <a:chOff x="0" y="0"/>
+          <a:chExt cx="0" cy="0"/>
+        </a:xfrm>
+      </p:grpSpPr>
+      <p:sp>
+        <p:nvSpPr>
+          <p:cNvPr id="2" name="Slide Image Placeholder 1"/>
+          <p:cNvSpPr>
+            <a:spLocks noGrp="1" noRot="1" noChangeAspect="1"/>
+          </p:cNvSpPr>
+          <p:nvPr>
+            <p:ph type="sldImg"/>
+          </p:nvPr>
+        </p:nvSpPr>
+        <p:spPr/>
+      </p:sp>
+      <p:sp>
+        <p:nvSpPr>
+          <p:cNvPr id="3" name="Notes Placeholder 2"/>
+          <p:cNvSpPr>
+            <a:spLocks noGrp="1"/>
+          </p:cNvSpPr>
+          <p:nvPr>
+            <p:ph type="body" idx="1"/>
+          </p:nvPr>
+        </p:nvSpPr>
+        <p:spPr/>
+        <p:txBody>
+          <a:bodyPr/>
+          <a:lstStyle/>
+          <a:p>
+            <a:r>
+              <a:rPr lang="en-US" dirty="0"/>
+              <a:t>Hi everyone, thanks for coming</a:t>
+            </a:r>
+          </a:p>
+          <a:p>
+            <a:endParaRPr lang="en-US" dirty="0"/>
+          </a:p>
+          <a:p>
+            <a:r>
+              <a:rPr lang="en-US" dirty="0"/>
+              <a:t>I’m here because 5 years ago, someone in my team heard about this anarchic idea of how to develop software together</a:t>
+            </a:r>
+          </a:p>
+          <a:p>
+            <a:endParaRPr lang="en-US" dirty="0"/>
+          </a:p>
+          <a:p>
+            <a:r>
+              <a:rPr lang="en-US" dirty="0"/>
+              <a:t>Apparently over on the west coast of the USA, this team weren’t pair programming</a:t>
+            </a:r>
+          </a:p>
+          <a:p>
+            <a:r>
+              <a:rPr lang="en-US" dirty="0"/>
+              <a:t>Instead they were working all together on the same thing at the same time on the same computer</a:t>
+            </a:r>
+          </a:p>
+          <a:p>
+            <a:pPr marL="0" marR="0" lvl="0" indent="0" algn="l" defTabSz="914400" rtl="0" eaLnBrk="1" fontAlgn="auto" latinLnBrk="0" hangingPunct="1">
+              <a:lnSpc>
+                <a:spcPct val="100000"/>
+              </a:lnSpc>
+              <a:spcBef>
+                <a:spcPts val="0"/>
+              </a:spcBef>
+              <a:spcAft>
+                <a:spcPts val="0"/>
+              </a:spcAft>
+              <a:buClrTx/>
+              <a:buSzTx/>
+              <a:buFontTx/>
+              <a:buNone/>
+              <a:tabLst/>
+              <a:defRPr/>
+            </a:pPr>
+            <a:r>
+              <a:rPr lang="en-US" dirty="0"/>
+              <a:t>The idea was mob programming, also known as mobbing</a:t>
+            </a:r>
+          </a:p>
+          <a:p>
+            <a:endParaRPr lang="en-US" dirty="0"/>
+          </a:p>
+          <a:p>
+            <a:r>
+              <a:rPr lang="en-US" dirty="0"/>
+              <a:t>Never </a:t>
+            </a:r>
+            <a:r>
+              <a:rPr lang="en-US" dirty="0" err="1"/>
+              <a:t>gonna</a:t>
+            </a:r>
+            <a:r>
+              <a:rPr lang="en-US" dirty="0"/>
+              <a:t> work</a:t>
+            </a:r>
+          </a:p>
+          <a:p>
+            <a:pPr marL="0" marR="0" lvl="0" indent="0" algn="l" defTabSz="914400" rtl="0" eaLnBrk="1" fontAlgn="auto" latinLnBrk="0" hangingPunct="1">
+              <a:lnSpc>
+                <a:spcPct val="100000"/>
+              </a:lnSpc>
+              <a:spcBef>
+                <a:spcPts val="0"/>
+              </a:spcBef>
+              <a:spcAft>
+                <a:spcPts val="0"/>
+              </a:spcAft>
+              <a:buClrTx/>
+              <a:buSzTx/>
+              <a:buFontTx/>
+              <a:buNone/>
+              <a:tabLst/>
+              <a:defRPr/>
+            </a:pPr>
+            <a:r>
+              <a:rPr lang="en-US" dirty="0"/>
+              <a:t>Totally impractical</a:t>
+            </a:r>
+          </a:p>
+          <a:p>
+            <a:endParaRPr lang="en-US" dirty="0"/>
+          </a:p>
+          <a:p>
+            <a:r>
+              <a:rPr lang="en-US" dirty="0"/>
+              <a:t>And yet...</a:t>
+            </a:r>
+          </a:p>
+          <a:p>
+            <a:r>
+              <a:rPr lang="en-US" dirty="0"/>
+              <a:t>five years later, the idea’s spread around the company and is  becoming more popular around the world too.</a:t>
+            </a:r>
+          </a:p>
+        </p:txBody>
+      </p:sp>
+      <p:sp>
+        <p:nvSpPr>
+          <p:cNvPr id="4" name="Slide Number Placeholder 3"/>
+          <p:cNvSpPr>
+            <a:spLocks noGrp="1"/>
+          </p:cNvSpPr>
+          <p:nvPr>
+            <p:ph type="sldNum" sz="quarter" idx="5"/>
+          </p:nvPr>
+        </p:nvSpPr>
+        <p:spPr/>
+        <p:txBody>
+          <a:bodyPr/>
+          <a:lstStyle/>
+          <a:p>
+            <a:fld id="{B99E8012-7AEC-4AAD-B52C-DF7E1601EEFE}" type="slidenum">
+              <a:rPr lang="en-GB" smtClean="0"/>
+              <a:t>1</a:t>
+            </a:fld>
+            <a:endParaRPr lang="en-GB"/>
+          </a:p>
+        </p:txBody>
+      </p:sp>
+    </p:spTree>
+    <p:extLst>
+      <p:ext uri="{BB962C8B-B14F-4D97-AF65-F5344CB8AC3E}">
+        <p14:creationId xmlns:p14="http://schemas.microsoft.com/office/powerpoint/2010/main" val="1738934489"/>
+      </p:ext>
+    </p:extLst>
+  </p:cSld>
+  <p:clrMapOvr>
+    <a:masterClrMapping/>
+  </p:clrMapOvr>
+</p:notes>
+</file>
+
+<file path=ppt/notesSlides/notesSlide10.xml><?xml version="1.0" encoding="utf-8"?>
+<p:notes xmlns:a="http://schemas.openxmlformats.org/drawingml/2006/main" xmlns:r="http://schemas.openxmlformats.org/officeDocument/2006/relationships" xmlns:p="http://schemas.openxmlformats.org/presentationml/2006/main">
+  <p:cSld>
+    <p:spTree>
+      <p:nvGrpSpPr>
+        <p:cNvPr id="1" name=""/>
+        <p:cNvGrpSpPr/>
+        <p:nvPr/>
+      </p:nvGrpSpPr>
+      <p:grpSpPr>
+        <a:xfrm>
+          <a:off x="0" y="0"/>
+          <a:ext cx="0" cy="0"/>
+          <a:chOff x="0" y="0"/>
+          <a:chExt cx="0" cy="0"/>
+        </a:xfrm>
+      </p:grpSpPr>
+      <p:sp>
+        <p:nvSpPr>
+          <p:cNvPr id="2" name="Slide Image Placeholder 1"/>
+          <p:cNvSpPr>
+            <a:spLocks noGrp="1" noRot="1" noChangeAspect="1"/>
+          </p:cNvSpPr>
+          <p:nvPr>
+            <p:ph type="sldImg"/>
+          </p:nvPr>
+        </p:nvSpPr>
+        <p:spPr/>
+      </p:sp>
+      <p:sp>
+        <p:nvSpPr>
+          <p:cNvPr id="3" name="Notes Placeholder 2"/>
+          <p:cNvSpPr>
+            <a:spLocks noGrp="1"/>
+          </p:cNvSpPr>
+          <p:nvPr>
+            <p:ph type="body" idx="1"/>
+          </p:nvPr>
+        </p:nvSpPr>
+        <p:spPr/>
+        <p:txBody>
+          <a:bodyPr/>
+          <a:lstStyle/>
+          <a:p>
+            <a:r>
+              <a:rPr lang="en-US" dirty="0"/>
+              <a:t>So someone said</a:t>
+            </a:r>
+          </a:p>
+          <a:p>
+            <a:r>
+              <a:rPr lang="en-US" dirty="0"/>
+              <a:t>“There’s this idea, where we all work on the same thing at the same time”</a:t>
+            </a:r>
+          </a:p>
+          <a:p>
+            <a:endParaRPr lang="en-US" dirty="0"/>
+          </a:p>
+          <a:p>
+            <a:r>
+              <a:rPr lang="en-US" dirty="0"/>
+              <a:t>We were quite frustrated, so we thought we’d give it a go</a:t>
+            </a:r>
+          </a:p>
+        </p:txBody>
+      </p:sp>
+      <p:sp>
+        <p:nvSpPr>
+          <p:cNvPr id="4" name="Slide Number Placeholder 3"/>
+          <p:cNvSpPr>
+            <a:spLocks noGrp="1"/>
+          </p:cNvSpPr>
+          <p:nvPr>
+            <p:ph type="sldNum" sz="quarter" idx="5"/>
+          </p:nvPr>
+        </p:nvSpPr>
+        <p:spPr/>
+        <p:txBody>
+          <a:bodyPr/>
+          <a:lstStyle/>
+          <a:p>
+            <a:fld id="{B99E8012-7AEC-4AAD-B52C-DF7E1601EEFE}" type="slidenum">
+              <a:rPr lang="en-GB" smtClean="0"/>
+              <a:t>10</a:t>
+            </a:fld>
+            <a:endParaRPr lang="en-GB"/>
+          </a:p>
+        </p:txBody>
+      </p:sp>
+    </p:spTree>
+    <p:extLst>
+      <p:ext uri="{BB962C8B-B14F-4D97-AF65-F5344CB8AC3E}">
+        <p14:creationId xmlns:p14="http://schemas.microsoft.com/office/powerpoint/2010/main" val="3330872352"/>
+      </p:ext>
+    </p:extLst>
+  </p:cSld>
+  <p:clrMapOvr>
+    <a:masterClrMapping/>
+  </p:clrMapOvr>
+</p:notes>
+</file>
+
+<file path=ppt/notesSlides/notesSlide11.xml><?xml version="1.0" encoding="utf-8"?>
+<p:notes xmlns:a="http://schemas.openxmlformats.org/drawingml/2006/main" xmlns:r="http://schemas.openxmlformats.org/officeDocument/2006/relationships" xmlns:p="http://schemas.openxmlformats.org/presentationml/2006/main">
+  <p:cSld>
+    <p:spTree>
+      <p:nvGrpSpPr>
+        <p:cNvPr id="1" name=""/>
+        <p:cNvGrpSpPr/>
+        <p:nvPr/>
+      </p:nvGrpSpPr>
+      <p:grpSpPr>
+        <a:xfrm>
+          <a:off x="0" y="0"/>
+          <a:ext cx="0" cy="0"/>
+          <a:chOff x="0" y="0"/>
+          <a:chExt cx="0" cy="0"/>
+        </a:xfrm>
+      </p:grpSpPr>
+      <p:sp>
+        <p:nvSpPr>
+          <p:cNvPr id="2" name="Slide Image Placeholder 1"/>
+          <p:cNvSpPr>
+            <a:spLocks noGrp="1" noRot="1" noChangeAspect="1"/>
+          </p:cNvSpPr>
+          <p:nvPr>
+            <p:ph type="sldImg"/>
+          </p:nvPr>
+        </p:nvSpPr>
+        <p:spPr/>
+      </p:sp>
+      <p:sp>
+        <p:nvSpPr>
+          <p:cNvPr id="3" name="Notes Placeholder 2"/>
+          <p:cNvSpPr>
+            <a:spLocks noGrp="1"/>
+          </p:cNvSpPr>
+          <p:nvPr>
+            <p:ph type="body" idx="1"/>
+          </p:nvPr>
+        </p:nvSpPr>
+        <p:spPr/>
+        <p:txBody>
+          <a:bodyPr/>
+          <a:lstStyle/>
+          <a:p>
+            <a:r>
+              <a:rPr lang="en-GB" dirty="0"/>
+              <a:t>If pair programming is when two people work together on a task at the same time.</a:t>
+            </a:r>
+          </a:p>
+          <a:p>
+            <a:r>
+              <a:rPr lang="en-GB" dirty="0"/>
+              <a:t>Then mob programming takes it to the next level</a:t>
+            </a:r>
+            <a:endParaRPr lang="en-US" dirty="0"/>
+          </a:p>
+          <a:p>
+            <a:r>
+              <a:rPr lang="en-US" dirty="0"/>
+              <a:t>By adding more people</a:t>
+            </a:r>
+          </a:p>
+          <a:p>
+            <a:endParaRPr lang="en-US" dirty="0"/>
+          </a:p>
+          <a:p>
+            <a:r>
+              <a:rPr lang="en-US" dirty="0"/>
+              <a:t>One person still drives, but there are more people there to support that driver</a:t>
+            </a:r>
+          </a:p>
+        </p:txBody>
+      </p:sp>
+      <p:sp>
+        <p:nvSpPr>
+          <p:cNvPr id="4" name="Slide Number Placeholder 3"/>
+          <p:cNvSpPr>
+            <a:spLocks noGrp="1"/>
+          </p:cNvSpPr>
+          <p:nvPr>
+            <p:ph type="sldNum" sz="quarter" idx="5"/>
+          </p:nvPr>
+        </p:nvSpPr>
+        <p:spPr/>
+        <p:txBody>
+          <a:bodyPr/>
+          <a:lstStyle/>
+          <a:p>
+            <a:fld id="{B99E8012-7AEC-4AAD-B52C-DF7E1601EEFE}" type="slidenum">
+              <a:rPr lang="en-GB" smtClean="0"/>
+              <a:t>11</a:t>
+            </a:fld>
+            <a:endParaRPr lang="en-GB"/>
+          </a:p>
+        </p:txBody>
+      </p:sp>
+    </p:spTree>
+    <p:extLst>
+      <p:ext uri="{BB962C8B-B14F-4D97-AF65-F5344CB8AC3E}">
+        <p14:creationId xmlns:p14="http://schemas.microsoft.com/office/powerpoint/2010/main" val="3084261837"/>
+      </p:ext>
+    </p:extLst>
+  </p:cSld>
+  <p:clrMapOvr>
+    <a:masterClrMapping/>
+  </p:clrMapOvr>
+</p:notes>
+</file>
+
+<file path=ppt/notesSlides/notesSlide12.xml><?xml version="1.0" encoding="utf-8"?>
+<p:notes xmlns:a="http://schemas.openxmlformats.org/drawingml/2006/main" xmlns:r="http://schemas.openxmlformats.org/officeDocument/2006/relationships" xmlns:p="http://schemas.openxmlformats.org/presentationml/2006/main">
+  <p:cSld>
+    <p:spTree>
+      <p:nvGrpSpPr>
+        <p:cNvPr id="1" name=""/>
+        <p:cNvGrpSpPr/>
+        <p:nvPr/>
+      </p:nvGrpSpPr>
+      <p:grpSpPr>
+        <a:xfrm>
+          <a:off x="0" y="0"/>
+          <a:ext cx="0" cy="0"/>
+          <a:chOff x="0" y="0"/>
+          <a:chExt cx="0" cy="0"/>
+        </a:xfrm>
+      </p:grpSpPr>
+      <p:sp>
+        <p:nvSpPr>
+          <p:cNvPr id="2" name="Slide Image Placeholder 1"/>
+          <p:cNvSpPr>
+            <a:spLocks noGrp="1" noRot="1" noChangeAspect="1"/>
+          </p:cNvSpPr>
+          <p:nvPr>
+            <p:ph type="sldImg"/>
+          </p:nvPr>
+        </p:nvSpPr>
+        <p:spPr/>
+      </p:sp>
+      <p:sp>
+        <p:nvSpPr>
+          <p:cNvPr id="3" name="Notes Placeholder 2"/>
+          <p:cNvSpPr>
+            <a:spLocks noGrp="1"/>
+          </p:cNvSpPr>
+          <p:nvPr>
+            <p:ph type="body" idx="1"/>
+          </p:nvPr>
+        </p:nvSpPr>
+        <p:spPr/>
+        <p:txBody>
+          <a:bodyPr/>
+          <a:lstStyle/>
+          <a:p>
+            <a:r>
+              <a:rPr lang="en-US" dirty="0"/>
+              <a:t>And we loved it</a:t>
+            </a:r>
+          </a:p>
+        </p:txBody>
+      </p:sp>
+      <p:sp>
+        <p:nvSpPr>
+          <p:cNvPr id="4" name="Slide Number Placeholder 3"/>
+          <p:cNvSpPr>
+            <a:spLocks noGrp="1"/>
+          </p:cNvSpPr>
+          <p:nvPr>
+            <p:ph type="sldNum" sz="quarter" idx="5"/>
+          </p:nvPr>
+        </p:nvSpPr>
+        <p:spPr/>
+        <p:txBody>
+          <a:bodyPr/>
+          <a:lstStyle/>
+          <a:p>
+            <a:fld id="{B99E8012-7AEC-4AAD-B52C-DF7E1601EEFE}" type="slidenum">
+              <a:rPr lang="en-GB" smtClean="0"/>
+              <a:t>12</a:t>
+            </a:fld>
+            <a:endParaRPr lang="en-GB"/>
+          </a:p>
+        </p:txBody>
+      </p:sp>
+    </p:spTree>
+    <p:extLst>
+      <p:ext uri="{BB962C8B-B14F-4D97-AF65-F5344CB8AC3E}">
+        <p14:creationId xmlns:p14="http://schemas.microsoft.com/office/powerpoint/2010/main" val="1101925621"/>
+      </p:ext>
+    </p:extLst>
+  </p:cSld>
+  <p:clrMapOvr>
+    <a:masterClrMapping/>
+  </p:clrMapOvr>
+</p:notes>
+</file>
+
+<file path=ppt/notesSlides/notesSlide13.xml><?xml version="1.0" encoding="utf-8"?>
+<p:notes xmlns:a="http://schemas.openxmlformats.org/drawingml/2006/main" xmlns:r="http://schemas.openxmlformats.org/officeDocument/2006/relationships" xmlns:p="http://schemas.openxmlformats.org/presentationml/2006/main">
+  <p:cSld>
+    <p:spTree>
+      <p:nvGrpSpPr>
+        <p:cNvPr id="1" name=""/>
+        <p:cNvGrpSpPr/>
+        <p:nvPr/>
+      </p:nvGrpSpPr>
+      <p:grpSpPr>
+        <a:xfrm>
+          <a:off x="0" y="0"/>
+          <a:ext cx="0" cy="0"/>
+          <a:chOff x="0" y="0"/>
+          <a:chExt cx="0" cy="0"/>
+        </a:xfrm>
+      </p:grpSpPr>
+      <p:sp>
+        <p:nvSpPr>
+          <p:cNvPr id="2" name="Slide Image Placeholder 1"/>
+          <p:cNvSpPr>
+            <a:spLocks noGrp="1" noRot="1" noChangeAspect="1"/>
+          </p:cNvSpPr>
+          <p:nvPr>
+            <p:ph type="sldImg"/>
+          </p:nvPr>
+        </p:nvSpPr>
+        <p:spPr/>
+      </p:sp>
+      <p:sp>
+        <p:nvSpPr>
+          <p:cNvPr id="3" name="Notes Placeholder 2"/>
+          <p:cNvSpPr>
+            <a:spLocks noGrp="1"/>
+          </p:cNvSpPr>
+          <p:nvPr>
+            <p:ph type="body" idx="1"/>
+          </p:nvPr>
+        </p:nvSpPr>
+        <p:spPr/>
+        <p:txBody>
+          <a:bodyPr/>
+          <a:lstStyle/>
+          <a:p>
+            <a:r>
+              <a:rPr lang="en-US" dirty="0"/>
+              <a:t>Now, mob programming is a bad name</a:t>
+            </a:r>
+          </a:p>
+          <a:p>
+            <a:r>
+              <a:rPr lang="en-US" dirty="0"/>
+              <a:t>And that’s because your first reaction when hearing about it may have been...</a:t>
+            </a:r>
+          </a:p>
+        </p:txBody>
+      </p:sp>
+      <p:sp>
+        <p:nvSpPr>
+          <p:cNvPr id="4" name="Slide Number Placeholder 3"/>
+          <p:cNvSpPr>
+            <a:spLocks noGrp="1"/>
+          </p:cNvSpPr>
+          <p:nvPr>
+            <p:ph type="sldNum" sz="quarter" idx="5"/>
+          </p:nvPr>
+        </p:nvSpPr>
+        <p:spPr/>
+        <p:txBody>
+          <a:bodyPr/>
+          <a:lstStyle/>
+          <a:p>
+            <a:fld id="{B99E8012-7AEC-4AAD-B52C-DF7E1601EEFE}" type="slidenum">
+              <a:rPr lang="en-GB" smtClean="0"/>
+              <a:t>13</a:t>
+            </a:fld>
+            <a:endParaRPr lang="en-GB"/>
+          </a:p>
+        </p:txBody>
+      </p:sp>
+    </p:spTree>
+    <p:extLst>
+      <p:ext uri="{BB962C8B-B14F-4D97-AF65-F5344CB8AC3E}">
+        <p14:creationId xmlns:p14="http://schemas.microsoft.com/office/powerpoint/2010/main" val="3483602981"/>
+      </p:ext>
+    </p:extLst>
+  </p:cSld>
+  <p:clrMapOvr>
+    <a:masterClrMapping/>
+  </p:clrMapOvr>
+</p:notes>
+</file>
+
+<file path=ppt/notesSlides/notesSlide14.xml><?xml version="1.0" encoding="utf-8"?>
+<p:notes xmlns:a="http://schemas.openxmlformats.org/drawingml/2006/main" xmlns:r="http://schemas.openxmlformats.org/officeDocument/2006/relationships" xmlns:p="http://schemas.openxmlformats.org/presentationml/2006/main">
+  <p:cSld>
+    <p:spTree>
+      <p:nvGrpSpPr>
+        <p:cNvPr id="1" name=""/>
+        <p:cNvGrpSpPr/>
+        <p:nvPr/>
+      </p:nvGrpSpPr>
+      <p:grpSpPr>
+        <a:xfrm>
+          <a:off x="0" y="0"/>
+          <a:ext cx="0" cy="0"/>
+          <a:chOff x="0" y="0"/>
+          <a:chExt cx="0" cy="0"/>
+        </a:xfrm>
+      </p:grpSpPr>
+      <p:sp>
+        <p:nvSpPr>
+          <p:cNvPr id="2" name="Slide Image Placeholder 1"/>
+          <p:cNvSpPr>
+            <a:spLocks noGrp="1" noRot="1" noChangeAspect="1"/>
+          </p:cNvSpPr>
+          <p:nvPr>
+            <p:ph type="sldImg"/>
+          </p:nvPr>
+        </p:nvSpPr>
+        <p:spPr/>
+      </p:sp>
+      <p:sp>
+        <p:nvSpPr>
+          <p:cNvPr id="3" name="Notes Placeholder 2"/>
+          <p:cNvSpPr>
+            <a:spLocks noGrp="1"/>
+          </p:cNvSpPr>
+          <p:nvPr>
+            <p:ph type="body" idx="1"/>
+          </p:nvPr>
+        </p:nvSpPr>
+        <p:spPr/>
+        <p:txBody>
+          <a:bodyPr/>
+          <a:lstStyle/>
+          <a:p>
+            <a:r>
+              <a:rPr lang="en-US" dirty="0"/>
+              <a:t>Gangster movies</a:t>
+            </a:r>
+          </a:p>
+        </p:txBody>
+      </p:sp>
+      <p:sp>
+        <p:nvSpPr>
+          <p:cNvPr id="4" name="Slide Number Placeholder 3"/>
+          <p:cNvSpPr>
+            <a:spLocks noGrp="1"/>
+          </p:cNvSpPr>
+          <p:nvPr>
+            <p:ph type="sldNum" sz="quarter" idx="5"/>
+          </p:nvPr>
+        </p:nvSpPr>
+        <p:spPr/>
+        <p:txBody>
+          <a:bodyPr/>
+          <a:lstStyle/>
+          <a:p>
+            <a:fld id="{B99E8012-7AEC-4AAD-B52C-DF7E1601EEFE}" type="slidenum">
+              <a:rPr lang="en-GB" smtClean="0"/>
+              <a:t>14</a:t>
+            </a:fld>
+            <a:endParaRPr lang="en-GB"/>
+          </a:p>
+        </p:txBody>
+      </p:sp>
+    </p:spTree>
+    <p:extLst>
+      <p:ext uri="{BB962C8B-B14F-4D97-AF65-F5344CB8AC3E}">
+        <p14:creationId xmlns:p14="http://schemas.microsoft.com/office/powerpoint/2010/main" val="515928511"/>
+      </p:ext>
+    </p:extLst>
+  </p:cSld>
+  <p:clrMapOvr>
+    <a:masterClrMapping/>
+  </p:clrMapOvr>
+</p:notes>
+</file>
+
+<file path=ppt/notesSlides/notesSlide15.xml><?xml version="1.0" encoding="utf-8"?>
+<p:notes xmlns:a="http://schemas.openxmlformats.org/drawingml/2006/main" xmlns:r="http://schemas.openxmlformats.org/officeDocument/2006/relationships" xmlns:p="http://schemas.openxmlformats.org/presentationml/2006/main">
+  <p:cSld>
+    <p:spTree>
+      <p:nvGrpSpPr>
+        <p:cNvPr id="1" name=""/>
+        <p:cNvGrpSpPr/>
+        <p:nvPr/>
+      </p:nvGrpSpPr>
+      <p:grpSpPr>
+        <a:xfrm>
+          <a:off x="0" y="0"/>
+          <a:ext cx="0" cy="0"/>
+          <a:chOff x="0" y="0"/>
+          <a:chExt cx="0" cy="0"/>
+        </a:xfrm>
+      </p:grpSpPr>
+      <p:sp>
+        <p:nvSpPr>
+          <p:cNvPr id="2" name="Slide Image Placeholder 1"/>
+          <p:cNvSpPr>
+            <a:spLocks noGrp="1" noRot="1" noChangeAspect="1"/>
+          </p:cNvSpPr>
+          <p:nvPr>
+            <p:ph type="sldImg"/>
+          </p:nvPr>
+        </p:nvSpPr>
+        <p:spPr/>
+      </p:sp>
+      <p:sp>
+        <p:nvSpPr>
+          <p:cNvPr id="3" name="Notes Placeholder 2"/>
+          <p:cNvSpPr>
+            <a:spLocks noGrp="1"/>
+          </p:cNvSpPr>
+          <p:nvPr>
+            <p:ph type="body" idx="1"/>
+          </p:nvPr>
+        </p:nvSpPr>
+        <p:spPr/>
+        <p:txBody>
+          <a:bodyPr/>
+          <a:lstStyle/>
+          <a:p>
+            <a:r>
+              <a:rPr lang="en-US" dirty="0"/>
+              <a:t>Or masses of angry people with pitchforks</a:t>
+            </a:r>
+          </a:p>
+        </p:txBody>
+      </p:sp>
+      <p:sp>
+        <p:nvSpPr>
+          <p:cNvPr id="4" name="Slide Number Placeholder 3"/>
+          <p:cNvSpPr>
+            <a:spLocks noGrp="1"/>
+          </p:cNvSpPr>
+          <p:nvPr>
+            <p:ph type="sldNum" sz="quarter" idx="5"/>
+          </p:nvPr>
+        </p:nvSpPr>
+        <p:spPr/>
+        <p:txBody>
+          <a:bodyPr/>
+          <a:lstStyle/>
+          <a:p>
+            <a:fld id="{B99E8012-7AEC-4AAD-B52C-DF7E1601EEFE}" type="slidenum">
+              <a:rPr lang="en-GB" smtClean="0"/>
+              <a:t>15</a:t>
+            </a:fld>
+            <a:endParaRPr lang="en-GB"/>
+          </a:p>
+        </p:txBody>
+      </p:sp>
+    </p:spTree>
+    <p:extLst>
+      <p:ext uri="{BB962C8B-B14F-4D97-AF65-F5344CB8AC3E}">
+        <p14:creationId xmlns:p14="http://schemas.microsoft.com/office/powerpoint/2010/main" val="3725662495"/>
+      </p:ext>
+    </p:extLst>
+  </p:cSld>
+  <p:clrMapOvr>
+    <a:masterClrMapping/>
+  </p:clrMapOvr>
+</p:notes>
+</file>
+
+<file path=ppt/notesSlides/notesSlide16.xml><?xml version="1.0" encoding="utf-8"?>
+<p:notes xmlns:a="http://schemas.openxmlformats.org/drawingml/2006/main" xmlns:r="http://schemas.openxmlformats.org/officeDocument/2006/relationships" xmlns:p="http://schemas.openxmlformats.org/presentationml/2006/main">
+  <p:cSld>
+    <p:spTree>
+      <p:nvGrpSpPr>
+        <p:cNvPr id="1" name=""/>
+        <p:cNvGrpSpPr/>
+        <p:nvPr/>
+      </p:nvGrpSpPr>
+      <p:grpSpPr>
+        <a:xfrm>
+          <a:off x="0" y="0"/>
+          <a:ext cx="0" cy="0"/>
+          <a:chOff x="0" y="0"/>
+          <a:chExt cx="0" cy="0"/>
+        </a:xfrm>
+      </p:grpSpPr>
+      <p:sp>
+        <p:nvSpPr>
+          <p:cNvPr id="2" name="Slide Image Placeholder 1"/>
+          <p:cNvSpPr>
+            <a:spLocks noGrp="1" noRot="1" noChangeAspect="1"/>
+          </p:cNvSpPr>
+          <p:nvPr>
+            <p:ph type="sldImg"/>
+          </p:nvPr>
+        </p:nvSpPr>
+        <p:spPr/>
+      </p:sp>
+      <p:sp>
+        <p:nvSpPr>
+          <p:cNvPr id="3" name="Notes Placeholder 2"/>
+          <p:cNvSpPr>
+            <a:spLocks noGrp="1"/>
+          </p:cNvSpPr>
+          <p:nvPr>
+            <p:ph type="body" idx="1"/>
+          </p:nvPr>
+        </p:nvSpPr>
+        <p:spPr/>
+        <p:txBody>
+          <a:bodyPr/>
+          <a:lstStyle/>
+          <a:p>
+            <a:r>
+              <a:rPr lang="en-US" dirty="0"/>
+              <a:t>Whereas actually, mobbing is the opposite of these things.</a:t>
+            </a:r>
+          </a:p>
+          <a:p>
+            <a:r>
+              <a:rPr lang="en-US" dirty="0"/>
+              <a:t>It is designed to be an inclusive way of helping people work together in harmony.</a:t>
+            </a:r>
+          </a:p>
+          <a:p>
+            <a:r>
+              <a:rPr lang="en-US" dirty="0"/>
+              <a:t>There may or may not be actual unicorns. Certainly I would not rule out unicorns being able to contribute to a mob.</a:t>
+            </a:r>
+          </a:p>
+        </p:txBody>
+      </p:sp>
+      <p:sp>
+        <p:nvSpPr>
+          <p:cNvPr id="4" name="Slide Number Placeholder 3"/>
+          <p:cNvSpPr>
+            <a:spLocks noGrp="1"/>
+          </p:cNvSpPr>
+          <p:nvPr>
+            <p:ph type="sldNum" sz="quarter" idx="5"/>
+          </p:nvPr>
+        </p:nvSpPr>
+        <p:spPr/>
+        <p:txBody>
+          <a:bodyPr/>
+          <a:lstStyle/>
+          <a:p>
+            <a:fld id="{B99E8012-7AEC-4AAD-B52C-DF7E1601EEFE}" type="slidenum">
+              <a:rPr lang="en-GB" smtClean="0"/>
+              <a:t>16</a:t>
+            </a:fld>
+            <a:endParaRPr lang="en-GB"/>
+          </a:p>
+        </p:txBody>
+      </p:sp>
+    </p:spTree>
+    <p:extLst>
+      <p:ext uri="{BB962C8B-B14F-4D97-AF65-F5344CB8AC3E}">
+        <p14:creationId xmlns:p14="http://schemas.microsoft.com/office/powerpoint/2010/main" val="2380138911"/>
+      </p:ext>
+    </p:extLst>
+  </p:cSld>
+  <p:clrMapOvr>
+    <a:masterClrMapping/>
+  </p:clrMapOvr>
+</p:notes>
+</file>
+
+<file path=ppt/notesSlides/notesSlide17.xml><?xml version="1.0" encoding="utf-8"?>
+<p:notes xmlns:a="http://schemas.openxmlformats.org/drawingml/2006/main" xmlns:r="http://schemas.openxmlformats.org/officeDocument/2006/relationships" xmlns:p="http://schemas.openxmlformats.org/presentationml/2006/main">
+  <p:cSld>
+    <p:spTree>
+      <p:nvGrpSpPr>
+        <p:cNvPr id="1" name=""/>
+        <p:cNvGrpSpPr/>
+        <p:nvPr/>
+      </p:nvGrpSpPr>
+      <p:grpSpPr>
+        <a:xfrm>
+          <a:off x="0" y="0"/>
+          <a:ext cx="0" cy="0"/>
+          <a:chOff x="0" y="0"/>
+          <a:chExt cx="0" cy="0"/>
+        </a:xfrm>
+      </p:grpSpPr>
+      <p:sp>
+        <p:nvSpPr>
+          <p:cNvPr id="2" name="Slide Image Placeholder 1"/>
+          <p:cNvSpPr>
+            <a:spLocks noGrp="1" noRot="1" noChangeAspect="1"/>
+          </p:cNvSpPr>
+          <p:nvPr>
+            <p:ph type="sldImg"/>
+          </p:nvPr>
+        </p:nvSpPr>
+        <p:spPr/>
+      </p:sp>
+      <p:sp>
+        <p:nvSpPr>
+          <p:cNvPr id="3" name="Notes Placeholder 2"/>
+          <p:cNvSpPr>
+            <a:spLocks noGrp="1"/>
+          </p:cNvSpPr>
+          <p:nvPr>
+            <p:ph type="body" idx="1"/>
+          </p:nvPr>
+        </p:nvSpPr>
+        <p:spPr/>
+        <p:txBody>
+          <a:bodyPr/>
+          <a:lstStyle/>
+          <a:p>
+            <a:r>
+              <a:rPr lang="en-US" dirty="0"/>
+              <a:t>There’s a famous quote about this, which is...</a:t>
+            </a:r>
+          </a:p>
+          <a:p>
+            <a:endParaRPr lang="en-US" dirty="0"/>
+          </a:p>
+          <a:p>
+            <a:r>
+              <a:rPr lang="en-US" dirty="0"/>
+              <a:t>There are only two hard things in Computer Science: cache invalidation and naming things</a:t>
+            </a:r>
+          </a:p>
+          <a:p>
+            <a:endParaRPr lang="en-US" dirty="0"/>
+          </a:p>
+          <a:p>
+            <a:r>
+              <a:rPr lang="en-US" dirty="0"/>
+              <a:t>And I guess that applies to techniques as well.</a:t>
+            </a:r>
+          </a:p>
+        </p:txBody>
+      </p:sp>
+      <p:sp>
+        <p:nvSpPr>
+          <p:cNvPr id="4" name="Slide Number Placeholder 3"/>
+          <p:cNvSpPr>
+            <a:spLocks noGrp="1"/>
+          </p:cNvSpPr>
+          <p:nvPr>
+            <p:ph type="sldNum" sz="quarter" idx="5"/>
+          </p:nvPr>
+        </p:nvSpPr>
+        <p:spPr/>
+        <p:txBody>
+          <a:bodyPr/>
+          <a:lstStyle/>
+          <a:p>
+            <a:fld id="{B99E8012-7AEC-4AAD-B52C-DF7E1601EEFE}" type="slidenum">
+              <a:rPr lang="en-GB" smtClean="0"/>
+              <a:t>17</a:t>
+            </a:fld>
+            <a:endParaRPr lang="en-GB"/>
+          </a:p>
+        </p:txBody>
+      </p:sp>
+    </p:spTree>
+    <p:extLst>
+      <p:ext uri="{BB962C8B-B14F-4D97-AF65-F5344CB8AC3E}">
+        <p14:creationId xmlns:p14="http://schemas.microsoft.com/office/powerpoint/2010/main" val="515649245"/>
+      </p:ext>
+    </p:extLst>
+  </p:cSld>
+  <p:clrMapOvr>
+    <a:masterClrMapping/>
+  </p:clrMapOvr>
+</p:notes>
+</file>
+
+<file path=ppt/notesSlides/notesSlide18.xml><?xml version="1.0" encoding="utf-8"?>
+<p:notes xmlns:a="http://schemas.openxmlformats.org/drawingml/2006/main" xmlns:r="http://schemas.openxmlformats.org/officeDocument/2006/relationships" xmlns:p="http://schemas.openxmlformats.org/presentationml/2006/main">
+  <p:cSld>
+    <p:spTree>
+      <p:nvGrpSpPr>
+        <p:cNvPr id="1" name=""/>
+        <p:cNvGrpSpPr/>
+        <p:nvPr/>
+      </p:nvGrpSpPr>
+      <p:grpSpPr>
+        <a:xfrm>
+          <a:off x="0" y="0"/>
+          <a:ext cx="0" cy="0"/>
+          <a:chOff x="0" y="0"/>
+          <a:chExt cx="0" cy="0"/>
+        </a:xfrm>
+      </p:grpSpPr>
+      <p:sp>
+        <p:nvSpPr>
+          <p:cNvPr id="2" name="Slide Image Placeholder 1"/>
+          <p:cNvSpPr>
+            <a:spLocks noGrp="1" noRot="1" noChangeAspect="1"/>
+          </p:cNvSpPr>
+          <p:nvPr>
+            <p:ph type="sldImg"/>
+          </p:nvPr>
+        </p:nvSpPr>
+        <p:spPr/>
+      </p:sp>
+      <p:sp>
+        <p:nvSpPr>
+          <p:cNvPr id="3" name="Notes Placeholder 2"/>
+          <p:cNvSpPr>
+            <a:spLocks noGrp="1"/>
+          </p:cNvSpPr>
+          <p:nvPr>
+            <p:ph type="body" idx="1"/>
+          </p:nvPr>
+        </p:nvSpPr>
+        <p:spPr/>
+        <p:txBody>
+          <a:bodyPr/>
+          <a:lstStyle/>
+          <a:p>
+            <a:r>
+              <a:rPr lang="en-US" dirty="0"/>
+              <a:t>Anyway, back to the team.</a:t>
+            </a:r>
+          </a:p>
+          <a:p>
+            <a:r>
+              <a:rPr lang="en-US" dirty="0"/>
+              <a:t>And the expert is back from holiday, hooray!</a:t>
+            </a:r>
+          </a:p>
+          <a:p>
+            <a:endParaRPr lang="en-US" dirty="0"/>
+          </a:p>
+        </p:txBody>
+      </p:sp>
+      <p:sp>
+        <p:nvSpPr>
+          <p:cNvPr id="4" name="Slide Number Placeholder 3"/>
+          <p:cNvSpPr>
+            <a:spLocks noGrp="1"/>
+          </p:cNvSpPr>
+          <p:nvPr>
+            <p:ph type="sldNum" sz="quarter" idx="5"/>
+          </p:nvPr>
+        </p:nvSpPr>
+        <p:spPr/>
+        <p:txBody>
+          <a:bodyPr/>
+          <a:lstStyle/>
+          <a:p>
+            <a:fld id="{B99E8012-7AEC-4AAD-B52C-DF7E1601EEFE}" type="slidenum">
+              <a:rPr lang="en-GB" smtClean="0"/>
+              <a:t>18</a:t>
+            </a:fld>
+            <a:endParaRPr lang="en-GB"/>
+          </a:p>
+        </p:txBody>
+      </p:sp>
+    </p:spTree>
+    <p:extLst>
+      <p:ext uri="{BB962C8B-B14F-4D97-AF65-F5344CB8AC3E}">
+        <p14:creationId xmlns:p14="http://schemas.microsoft.com/office/powerpoint/2010/main" val="3625378757"/>
+      </p:ext>
+    </p:extLst>
+  </p:cSld>
+  <p:clrMapOvr>
+    <a:masterClrMapping/>
+  </p:clrMapOvr>
+</p:notes>
+</file>
+
+<file path=ppt/notesSlides/notesSlide19.xml><?xml version="1.0" encoding="utf-8"?>
+<p:notes xmlns:a="http://schemas.openxmlformats.org/drawingml/2006/main" xmlns:r="http://schemas.openxmlformats.org/officeDocument/2006/relationships" xmlns:p="http://schemas.openxmlformats.org/presentationml/2006/main">
+  <p:cSld>
+    <p:spTree>
+      <p:nvGrpSpPr>
+        <p:cNvPr id="1" name=""/>
+        <p:cNvGrpSpPr/>
+        <p:nvPr/>
+      </p:nvGrpSpPr>
+      <p:grpSpPr>
+        <a:xfrm>
+          <a:off x="0" y="0"/>
+          <a:ext cx="0" cy="0"/>
+          <a:chOff x="0" y="0"/>
+          <a:chExt cx="0" cy="0"/>
+        </a:xfrm>
+      </p:grpSpPr>
+      <p:sp>
+        <p:nvSpPr>
+          <p:cNvPr id="2" name="Slide Image Placeholder 1"/>
+          <p:cNvSpPr>
+            <a:spLocks noGrp="1" noRot="1" noChangeAspect="1"/>
+          </p:cNvSpPr>
+          <p:nvPr>
+            <p:ph type="sldImg"/>
+          </p:nvPr>
+        </p:nvSpPr>
+        <p:spPr/>
+      </p:sp>
+      <p:sp>
+        <p:nvSpPr>
+          <p:cNvPr id="3" name="Notes Placeholder 2"/>
+          <p:cNvSpPr>
+            <a:spLocks noGrp="1"/>
+          </p:cNvSpPr>
+          <p:nvPr>
+            <p:ph type="body" idx="1"/>
+          </p:nvPr>
+        </p:nvSpPr>
+        <p:spPr/>
+        <p:txBody>
+          <a:bodyPr/>
+          <a:lstStyle/>
+          <a:p>
+            <a:r>
+              <a:rPr lang="en-US" dirty="0"/>
+              <a:t>But instead of going back to our old ways,</a:t>
+            </a:r>
+          </a:p>
+          <a:p>
+            <a:r>
+              <a:rPr lang="en-US" dirty="0"/>
+              <a:t>we continue mobbing</a:t>
+            </a:r>
+          </a:p>
+        </p:txBody>
+      </p:sp>
+      <p:sp>
+        <p:nvSpPr>
+          <p:cNvPr id="4" name="Slide Number Placeholder 3"/>
+          <p:cNvSpPr>
+            <a:spLocks noGrp="1"/>
+          </p:cNvSpPr>
+          <p:nvPr>
+            <p:ph type="sldNum" sz="quarter" idx="5"/>
+          </p:nvPr>
+        </p:nvSpPr>
+        <p:spPr/>
+        <p:txBody>
+          <a:bodyPr/>
+          <a:lstStyle/>
+          <a:p>
+            <a:fld id="{B99E8012-7AEC-4AAD-B52C-DF7E1601EEFE}" type="slidenum">
+              <a:rPr lang="en-GB" smtClean="0"/>
+              <a:t>19</a:t>
+            </a:fld>
+            <a:endParaRPr lang="en-GB"/>
+          </a:p>
+        </p:txBody>
+      </p:sp>
+    </p:spTree>
+    <p:extLst>
+      <p:ext uri="{BB962C8B-B14F-4D97-AF65-F5344CB8AC3E}">
+        <p14:creationId xmlns:p14="http://schemas.microsoft.com/office/powerpoint/2010/main" val="570371429"/>
+      </p:ext>
+    </p:extLst>
+  </p:cSld>
+  <p:clrMapOvr>
+    <a:masterClrMapping/>
+  </p:clrMapOvr>
+</p:notes>
+</file>
+
+<file path=ppt/notesSlides/notesSlide2.xml><?xml version="1.0" encoding="utf-8"?>
+<p:notes xmlns:a="http://schemas.openxmlformats.org/drawingml/2006/main" xmlns:r="http://schemas.openxmlformats.org/officeDocument/2006/relationships" xmlns:p="http://schemas.openxmlformats.org/presentationml/2006/main">
+  <p:cSld>
+    <p:spTree>
+      <p:nvGrpSpPr>
+        <p:cNvPr id="1" name=""/>
+        <p:cNvGrpSpPr/>
+        <p:nvPr/>
+      </p:nvGrpSpPr>
+      <p:grpSpPr>
+        <a:xfrm>
+          <a:off x="0" y="0"/>
+          <a:ext cx="0" cy="0"/>
+          <a:chOff x="0" y="0"/>
+          <a:chExt cx="0" cy="0"/>
+        </a:xfrm>
+      </p:grpSpPr>
+      <p:sp>
+        <p:nvSpPr>
+          <p:cNvPr id="2" name="Slide Image Placeholder 1"/>
+          <p:cNvSpPr>
+            <a:spLocks noGrp="1" noRot="1" noChangeAspect="1"/>
+          </p:cNvSpPr>
+          <p:nvPr>
+            <p:ph type="sldImg"/>
+          </p:nvPr>
+        </p:nvSpPr>
+        <p:spPr/>
+      </p:sp>
+      <p:sp>
+        <p:nvSpPr>
+          <p:cNvPr id="3" name="Notes Placeholder 2"/>
+          <p:cNvSpPr>
+            <a:spLocks noGrp="1"/>
+          </p:cNvSpPr>
+          <p:nvPr>
+            <p:ph type="body" idx="1"/>
+          </p:nvPr>
+        </p:nvSpPr>
+        <p:spPr/>
+        <p:txBody>
+          <a:bodyPr/>
+          <a:lstStyle/>
+          <a:p>
+            <a:r>
+              <a:rPr lang="en-US" dirty="0"/>
+              <a:t>I’m Oli Wennell, a tech lead at </a:t>
+            </a:r>
+            <a:r>
+              <a:rPr lang="en-US" dirty="0" err="1"/>
+              <a:t>comparethemarket.com</a:t>
+            </a:r>
+            <a:endParaRPr lang="en-US" dirty="0"/>
+          </a:p>
+          <a:p>
+            <a:r>
+              <a:rPr lang="en-US" dirty="0"/>
+              <a:t>We’re a price comparison website</a:t>
+            </a:r>
+          </a:p>
+          <a:p>
+            <a:r>
+              <a:rPr lang="en-US" dirty="0"/>
+              <a:t>We’re the ones with the adverts on the </a:t>
+            </a:r>
+            <a:r>
+              <a:rPr lang="en-US" dirty="0" err="1"/>
+              <a:t>telly</a:t>
+            </a:r>
+            <a:endParaRPr lang="en-US" dirty="0"/>
+          </a:p>
+          <a:p>
+            <a:r>
+              <a:rPr lang="en-US" dirty="0"/>
+              <a:t>Meerkat adverts, that is</a:t>
+            </a:r>
+          </a:p>
+          <a:p>
+            <a:endParaRPr lang="en-US" dirty="0"/>
+          </a:p>
+          <a:p>
+            <a:r>
+              <a:rPr lang="en-US" dirty="0"/>
+              <a:t>So that’s me, now a bit about you.</a:t>
+            </a:r>
+          </a:p>
+          <a:p>
+            <a:r>
+              <a:rPr lang="en-US" dirty="0"/>
+              <a:t>Could I ask, how many of you have heard of mob programming before?</a:t>
+            </a:r>
+          </a:p>
+          <a:p>
+            <a:r>
+              <a:rPr lang="en-US" dirty="0"/>
+              <a:t>How many have tried it?</a:t>
+            </a:r>
+          </a:p>
+          <a:p>
+            <a:r>
+              <a:rPr lang="en-US" dirty="0"/>
+              <a:t>How many use it regularly?</a:t>
+            </a:r>
+          </a:p>
+          <a:p>
+            <a:r>
+              <a:rPr lang="en-US" dirty="0"/>
+              <a:t>Ok, thanks</a:t>
+            </a:r>
+          </a:p>
+          <a:p>
+            <a:endParaRPr lang="en-US" dirty="0"/>
+          </a:p>
+        </p:txBody>
+      </p:sp>
+      <p:sp>
+        <p:nvSpPr>
+          <p:cNvPr id="4" name="Slide Number Placeholder 3"/>
+          <p:cNvSpPr>
+            <a:spLocks noGrp="1"/>
+          </p:cNvSpPr>
+          <p:nvPr>
+            <p:ph type="sldNum" sz="quarter" idx="5"/>
+          </p:nvPr>
+        </p:nvSpPr>
+        <p:spPr/>
+        <p:txBody>
+          <a:bodyPr/>
+          <a:lstStyle/>
+          <a:p>
+            <a:fld id="{B99E8012-7AEC-4AAD-B52C-DF7E1601EEFE}" type="slidenum">
+              <a:rPr lang="en-GB" smtClean="0"/>
+              <a:t>2</a:t>
+            </a:fld>
+            <a:endParaRPr lang="en-GB"/>
+          </a:p>
+        </p:txBody>
+      </p:sp>
+    </p:spTree>
+    <p:extLst>
+      <p:ext uri="{BB962C8B-B14F-4D97-AF65-F5344CB8AC3E}">
+        <p14:creationId xmlns:p14="http://schemas.microsoft.com/office/powerpoint/2010/main" val="2832548320"/>
+      </p:ext>
+    </p:extLst>
+  </p:cSld>
+  <p:clrMapOvr>
+    <a:masterClrMapping/>
+  </p:clrMapOvr>
+</p:notes>
+</file>
+
+<file path=ppt/notesSlides/notesSlide20.xml><?xml version="1.0" encoding="utf-8"?>
+<p:notes xmlns:a="http://schemas.openxmlformats.org/drawingml/2006/main" xmlns:r="http://schemas.openxmlformats.org/officeDocument/2006/relationships" xmlns:p="http://schemas.openxmlformats.org/presentationml/2006/main">
+  <p:cSld>
+    <p:spTree>
+      <p:nvGrpSpPr>
+        <p:cNvPr id="1" name=""/>
+        <p:cNvGrpSpPr/>
+        <p:nvPr/>
+      </p:nvGrpSpPr>
+      <p:grpSpPr>
+        <a:xfrm>
+          <a:off x="0" y="0"/>
+          <a:ext cx="0" cy="0"/>
+          <a:chOff x="0" y="0"/>
+          <a:chExt cx="0" cy="0"/>
+        </a:xfrm>
+      </p:grpSpPr>
+      <p:sp>
+        <p:nvSpPr>
+          <p:cNvPr id="2" name="Slide Image Placeholder 1"/>
+          <p:cNvSpPr>
+            <a:spLocks noGrp="1" noRot="1" noChangeAspect="1"/>
+          </p:cNvSpPr>
+          <p:nvPr>
+            <p:ph type="sldImg"/>
+          </p:nvPr>
+        </p:nvSpPr>
+        <p:spPr/>
+      </p:sp>
+      <p:sp>
+        <p:nvSpPr>
+          <p:cNvPr id="3" name="Notes Placeholder 2"/>
+          <p:cNvSpPr>
+            <a:spLocks noGrp="1"/>
+          </p:cNvSpPr>
+          <p:nvPr>
+            <p:ph type="body" idx="1"/>
+          </p:nvPr>
+        </p:nvSpPr>
+        <p:spPr/>
+        <p:txBody>
+          <a:bodyPr/>
+          <a:lstStyle/>
+          <a:p>
+            <a:r>
+              <a:rPr lang="en-US" dirty="0"/>
+              <a:t>Why would we carry on, now that we have the expert back?</a:t>
+            </a:r>
+          </a:p>
+          <a:p>
+            <a:endParaRPr lang="en-US" dirty="0"/>
+          </a:p>
+          <a:p>
+            <a:r>
+              <a:rPr lang="en-US" dirty="0"/>
+              <a:t>It’s because we noticed that when we were mobbing we were:</a:t>
+            </a:r>
+          </a:p>
+          <a:p>
+            <a:r>
+              <a:rPr lang="en-US" dirty="0"/>
+              <a:t>Better</a:t>
+            </a:r>
+          </a:p>
+          <a:p>
+            <a:r>
+              <a:rPr lang="en-US" dirty="0"/>
+              <a:t>Faster</a:t>
+            </a:r>
+          </a:p>
+          <a:p>
+            <a:r>
+              <a:rPr lang="en-US"/>
+              <a:t>and stronger</a:t>
+            </a:r>
+            <a:endParaRPr lang="en-US" dirty="0"/>
+          </a:p>
+        </p:txBody>
+      </p:sp>
+      <p:sp>
+        <p:nvSpPr>
+          <p:cNvPr id="4" name="Slide Number Placeholder 3"/>
+          <p:cNvSpPr>
+            <a:spLocks noGrp="1"/>
+          </p:cNvSpPr>
+          <p:nvPr>
+            <p:ph type="sldNum" sz="quarter" idx="5"/>
+          </p:nvPr>
+        </p:nvSpPr>
+        <p:spPr/>
+        <p:txBody>
+          <a:bodyPr/>
+          <a:lstStyle/>
+          <a:p>
+            <a:fld id="{B99E8012-7AEC-4AAD-B52C-DF7E1601EEFE}" type="slidenum">
+              <a:rPr lang="en-GB" smtClean="0"/>
+              <a:t>20</a:t>
+            </a:fld>
+            <a:endParaRPr lang="en-GB"/>
+          </a:p>
+        </p:txBody>
+      </p:sp>
+    </p:spTree>
+    <p:extLst>
+      <p:ext uri="{BB962C8B-B14F-4D97-AF65-F5344CB8AC3E}">
+        <p14:creationId xmlns:p14="http://schemas.microsoft.com/office/powerpoint/2010/main" val="1554729048"/>
+      </p:ext>
+    </p:extLst>
+  </p:cSld>
+  <p:clrMapOvr>
+    <a:masterClrMapping/>
+  </p:clrMapOvr>
+</p:notes>
+</file>
+
+<file path=ppt/notesSlides/notesSlide3.xml><?xml version="1.0" encoding="utf-8"?>
+<p:notes xmlns:a="http://schemas.openxmlformats.org/drawingml/2006/main" xmlns:r="http://schemas.openxmlformats.org/officeDocument/2006/relationships" xmlns:p="http://schemas.openxmlformats.org/presentationml/2006/main">
+  <p:cSld>
+    <p:spTree>
+      <p:nvGrpSpPr>
+        <p:cNvPr id="1" name=""/>
+        <p:cNvGrpSpPr/>
+        <p:nvPr/>
+      </p:nvGrpSpPr>
+      <p:grpSpPr>
+        <a:xfrm>
+          <a:off x="0" y="0"/>
+          <a:ext cx="0" cy="0"/>
+          <a:chOff x="0" y="0"/>
+          <a:chExt cx="0" cy="0"/>
+        </a:xfrm>
+      </p:grpSpPr>
+      <p:sp>
+        <p:nvSpPr>
+          <p:cNvPr id="2" name="Slide Image Placeholder 1"/>
+          <p:cNvSpPr>
+            <a:spLocks noGrp="1" noRot="1" noChangeAspect="1"/>
+          </p:cNvSpPr>
+          <p:nvPr>
+            <p:ph type="sldImg"/>
+          </p:nvPr>
+        </p:nvSpPr>
+        <p:spPr/>
+      </p:sp>
+      <p:sp>
+        <p:nvSpPr>
+          <p:cNvPr id="3" name="Notes Placeholder 2"/>
+          <p:cNvSpPr>
+            <a:spLocks noGrp="1"/>
+          </p:cNvSpPr>
+          <p:nvPr>
+            <p:ph type="body" idx="1"/>
+          </p:nvPr>
+        </p:nvSpPr>
+        <p:spPr/>
+        <p:txBody>
+          <a:bodyPr/>
+          <a:lstStyle/>
+          <a:p>
+            <a:r>
+              <a:rPr lang="en-US" dirty="0"/>
+              <a:t>I’m going to tell the story of three groups of people at </a:t>
+            </a:r>
+            <a:r>
+              <a:rPr lang="en-US" dirty="0" err="1"/>
+              <a:t>comparethemarket</a:t>
+            </a:r>
+            <a:endParaRPr lang="en-US" dirty="0"/>
+          </a:p>
+          <a:p>
+            <a:endParaRPr lang="en-US" dirty="0"/>
+          </a:p>
+          <a:p>
+            <a:r>
+              <a:rPr lang="en-US" dirty="0"/>
+              <a:t>They all tried mobbing</a:t>
+            </a:r>
+          </a:p>
+          <a:p>
+            <a:r>
+              <a:rPr lang="en-US" dirty="0"/>
+              <a:t>I’m going to talk about what went well</a:t>
+            </a:r>
+          </a:p>
+          <a:p>
+            <a:r>
+              <a:rPr lang="en-US" dirty="0"/>
+              <a:t>what went...not so well</a:t>
+            </a:r>
+          </a:p>
+          <a:p>
+            <a:r>
+              <a:rPr lang="en-US" dirty="0"/>
+              <a:t>and what they learned</a:t>
+            </a:r>
+          </a:p>
+          <a:p>
+            <a:endParaRPr lang="en-US" dirty="0"/>
+          </a:p>
+          <a:p>
+            <a:r>
+              <a:rPr lang="en-GB" dirty="0"/>
+              <a:t>I’m hoping that these will encourage you to</a:t>
+            </a:r>
+          </a:p>
+          <a:p>
+            <a:r>
+              <a:rPr lang="en-GB" dirty="0"/>
+              <a:t>give mobbing a go,</a:t>
+            </a:r>
+          </a:p>
+          <a:p>
+            <a:r>
+              <a:rPr lang="en-GB" dirty="0"/>
+              <a:t>or if you already have, find ways to experiment and perhaps make your mobs even better.</a:t>
+            </a:r>
+            <a:endParaRPr lang="en-US" dirty="0"/>
+          </a:p>
+        </p:txBody>
+      </p:sp>
+      <p:sp>
+        <p:nvSpPr>
+          <p:cNvPr id="4" name="Slide Number Placeholder 3"/>
+          <p:cNvSpPr>
+            <a:spLocks noGrp="1"/>
+          </p:cNvSpPr>
+          <p:nvPr>
+            <p:ph type="sldNum" sz="quarter" idx="5"/>
+          </p:nvPr>
+        </p:nvSpPr>
+        <p:spPr/>
+        <p:txBody>
+          <a:bodyPr/>
+          <a:lstStyle/>
+          <a:p>
+            <a:fld id="{B99E8012-7AEC-4AAD-B52C-DF7E1601EEFE}" type="slidenum">
+              <a:rPr lang="en-GB" smtClean="0"/>
+              <a:t>3</a:t>
+            </a:fld>
+            <a:endParaRPr lang="en-GB"/>
+          </a:p>
+        </p:txBody>
+      </p:sp>
+    </p:spTree>
+    <p:extLst>
+      <p:ext uri="{BB962C8B-B14F-4D97-AF65-F5344CB8AC3E}">
+        <p14:creationId xmlns:p14="http://schemas.microsoft.com/office/powerpoint/2010/main" val="1956514631"/>
+      </p:ext>
+    </p:extLst>
+  </p:cSld>
+  <p:clrMapOvr>
+    <a:masterClrMapping/>
+  </p:clrMapOvr>
+</p:notes>
+</file>
+
+<file path=ppt/notesSlides/notesSlide4.xml><?xml version="1.0" encoding="utf-8"?>
+<p:notes xmlns:a="http://schemas.openxmlformats.org/drawingml/2006/main" xmlns:r="http://schemas.openxmlformats.org/officeDocument/2006/relationships" xmlns:p="http://schemas.openxmlformats.org/presentationml/2006/main">
+  <p:cSld>
+    <p:spTree>
+      <p:nvGrpSpPr>
+        <p:cNvPr id="1" name=""/>
+        <p:cNvGrpSpPr/>
+        <p:nvPr/>
+      </p:nvGrpSpPr>
+      <p:grpSpPr>
+        <a:xfrm>
+          <a:off x="0" y="0"/>
+          <a:ext cx="0" cy="0"/>
+          <a:chOff x="0" y="0"/>
+          <a:chExt cx="0" cy="0"/>
+        </a:xfrm>
+      </p:grpSpPr>
+      <p:sp>
+        <p:nvSpPr>
+          <p:cNvPr id="2" name="Slide Image Placeholder 1"/>
+          <p:cNvSpPr>
+            <a:spLocks noGrp="1" noRot="1" noChangeAspect="1"/>
+          </p:cNvSpPr>
+          <p:nvPr>
+            <p:ph type="sldImg"/>
+          </p:nvPr>
+        </p:nvSpPr>
+        <p:spPr/>
+      </p:sp>
+      <p:sp>
+        <p:nvSpPr>
+          <p:cNvPr id="3" name="Notes Placeholder 2"/>
+          <p:cNvSpPr>
+            <a:spLocks noGrp="1"/>
+          </p:cNvSpPr>
+          <p:nvPr>
+            <p:ph type="body" idx="1"/>
+          </p:nvPr>
+        </p:nvSpPr>
+        <p:spPr/>
+        <p:txBody>
+          <a:bodyPr/>
+          <a:lstStyle/>
+          <a:p>
+            <a:r>
+              <a:rPr lang="en-GB" dirty="0"/>
+              <a:t>new team created to gradually rewrite a key system</a:t>
+            </a:r>
+          </a:p>
+          <a:p>
+            <a:endParaRPr lang="en-US" dirty="0"/>
+          </a:p>
+        </p:txBody>
+      </p:sp>
+      <p:sp>
+        <p:nvSpPr>
+          <p:cNvPr id="4" name="Slide Number Placeholder 3"/>
+          <p:cNvSpPr>
+            <a:spLocks noGrp="1"/>
+          </p:cNvSpPr>
+          <p:nvPr>
+            <p:ph type="sldNum" sz="quarter" idx="5"/>
+          </p:nvPr>
+        </p:nvSpPr>
+        <p:spPr/>
+        <p:txBody>
+          <a:bodyPr/>
+          <a:lstStyle/>
+          <a:p>
+            <a:fld id="{B99E8012-7AEC-4AAD-B52C-DF7E1601EEFE}" type="slidenum">
+              <a:rPr lang="en-GB" smtClean="0"/>
+              <a:t>4</a:t>
+            </a:fld>
+            <a:endParaRPr lang="en-GB"/>
+          </a:p>
+        </p:txBody>
+      </p:sp>
+    </p:spTree>
+    <p:extLst>
+      <p:ext uri="{BB962C8B-B14F-4D97-AF65-F5344CB8AC3E}">
+        <p14:creationId xmlns:p14="http://schemas.microsoft.com/office/powerpoint/2010/main" val="2586034769"/>
+      </p:ext>
+    </p:extLst>
+  </p:cSld>
+  <p:clrMapOvr>
+    <a:masterClrMapping/>
+  </p:clrMapOvr>
+</p:notes>
+</file>
+
+<file path=ppt/notesSlides/notesSlide5.xml><?xml version="1.0" encoding="utf-8"?>
+<p:notes xmlns:a="http://schemas.openxmlformats.org/drawingml/2006/main" xmlns:r="http://schemas.openxmlformats.org/officeDocument/2006/relationships" xmlns:p="http://schemas.openxmlformats.org/presentationml/2006/main">
+  <p:cSld>
+    <p:spTree>
+      <p:nvGrpSpPr>
+        <p:cNvPr id="1" name=""/>
+        <p:cNvGrpSpPr/>
+        <p:nvPr/>
+      </p:nvGrpSpPr>
+      <p:grpSpPr>
+        <a:xfrm>
+          <a:off x="0" y="0"/>
+          <a:ext cx="0" cy="0"/>
+          <a:chOff x="0" y="0"/>
+          <a:chExt cx="0" cy="0"/>
+        </a:xfrm>
+      </p:grpSpPr>
+      <p:sp>
+        <p:nvSpPr>
+          <p:cNvPr id="2" name="Slide Image Placeholder 1"/>
+          <p:cNvSpPr>
+            <a:spLocks noGrp="1" noRot="1" noChangeAspect="1"/>
+          </p:cNvSpPr>
+          <p:nvPr>
+            <p:ph type="sldImg"/>
+          </p:nvPr>
+        </p:nvSpPr>
+        <p:spPr/>
+      </p:sp>
+      <p:sp>
+        <p:nvSpPr>
+          <p:cNvPr id="3" name="Notes Placeholder 2"/>
+          <p:cNvSpPr>
+            <a:spLocks noGrp="1"/>
+          </p:cNvSpPr>
+          <p:nvPr>
+            <p:ph type="body" idx="1"/>
+          </p:nvPr>
+        </p:nvSpPr>
+        <p:spPr/>
+        <p:txBody>
+          <a:bodyPr/>
+          <a:lstStyle/>
+          <a:p>
+            <a:r>
+              <a:rPr lang="en-GB" dirty="0" err="1"/>
+              <a:t>i</a:t>
+            </a:r>
+            <a:r>
+              <a:rPr lang="en-GB" dirty="0"/>
+              <a:t> am one of the developers</a:t>
+            </a:r>
+          </a:p>
+          <a:p>
+            <a:r>
+              <a:rPr lang="en-GB" dirty="0"/>
+              <a:t>(I’m the one that’s smiling)</a:t>
+            </a:r>
+          </a:p>
+          <a:p>
+            <a:endParaRPr lang="en-GB" dirty="0"/>
+          </a:p>
+          <a:p>
+            <a:r>
+              <a:rPr lang="en-GB" dirty="0"/>
+              <a:t>We all know bits about domain, tech stack</a:t>
+            </a:r>
+            <a:endParaRPr lang="en-US" dirty="0"/>
+          </a:p>
+        </p:txBody>
+      </p:sp>
+      <p:sp>
+        <p:nvSpPr>
+          <p:cNvPr id="4" name="Slide Number Placeholder 3"/>
+          <p:cNvSpPr>
+            <a:spLocks noGrp="1"/>
+          </p:cNvSpPr>
+          <p:nvPr>
+            <p:ph type="sldNum" sz="quarter" idx="5"/>
+          </p:nvPr>
+        </p:nvSpPr>
+        <p:spPr/>
+        <p:txBody>
+          <a:bodyPr/>
+          <a:lstStyle/>
+          <a:p>
+            <a:fld id="{B99E8012-7AEC-4AAD-B52C-DF7E1601EEFE}" type="slidenum">
+              <a:rPr lang="en-GB" smtClean="0"/>
+              <a:t>5</a:t>
+            </a:fld>
+            <a:endParaRPr lang="en-GB"/>
+          </a:p>
+        </p:txBody>
+      </p:sp>
+    </p:spTree>
+    <p:extLst>
+      <p:ext uri="{BB962C8B-B14F-4D97-AF65-F5344CB8AC3E}">
+        <p14:creationId xmlns:p14="http://schemas.microsoft.com/office/powerpoint/2010/main" val="1745041807"/>
+      </p:ext>
+    </p:extLst>
+  </p:cSld>
+  <p:clrMapOvr>
+    <a:masterClrMapping/>
+  </p:clrMapOvr>
+</p:notes>
+</file>
+
+<file path=ppt/notesSlides/notesSlide6.xml><?xml version="1.0" encoding="utf-8"?>
+<p:notes xmlns:a="http://schemas.openxmlformats.org/drawingml/2006/main" xmlns:r="http://schemas.openxmlformats.org/officeDocument/2006/relationships" xmlns:p="http://schemas.openxmlformats.org/presentationml/2006/main">
+  <p:cSld>
+    <p:spTree>
+      <p:nvGrpSpPr>
+        <p:cNvPr id="1" name=""/>
+        <p:cNvGrpSpPr/>
+        <p:nvPr/>
+      </p:nvGrpSpPr>
+      <p:grpSpPr>
+        <a:xfrm>
+          <a:off x="0" y="0"/>
+          <a:ext cx="0" cy="0"/>
+          <a:chOff x="0" y="0"/>
+          <a:chExt cx="0" cy="0"/>
+        </a:xfrm>
+      </p:grpSpPr>
+      <p:sp>
+        <p:nvSpPr>
+          <p:cNvPr id="2" name="Slide Image Placeholder 1"/>
+          <p:cNvSpPr>
+            <a:spLocks noGrp="1" noRot="1" noChangeAspect="1"/>
+          </p:cNvSpPr>
+          <p:nvPr>
+            <p:ph type="sldImg"/>
+          </p:nvPr>
+        </p:nvSpPr>
+        <p:spPr/>
+      </p:sp>
+      <p:sp>
+        <p:nvSpPr>
+          <p:cNvPr id="3" name="Notes Placeholder 2"/>
+          <p:cNvSpPr>
+            <a:spLocks noGrp="1"/>
+          </p:cNvSpPr>
+          <p:nvPr>
+            <p:ph type="body" idx="1"/>
+          </p:nvPr>
+        </p:nvSpPr>
+        <p:spPr/>
+        <p:txBody>
+          <a:bodyPr/>
+          <a:lstStyle/>
+          <a:p>
+            <a:r>
+              <a:rPr lang="en-GB" dirty="0"/>
+              <a:t>Luckily we also had an expert in the domain/the existing system</a:t>
+            </a:r>
+            <a:endParaRPr lang="en-US" b="1" dirty="0"/>
+          </a:p>
+        </p:txBody>
+      </p:sp>
+      <p:sp>
+        <p:nvSpPr>
+          <p:cNvPr id="4" name="Slide Number Placeholder 3"/>
+          <p:cNvSpPr>
+            <a:spLocks noGrp="1"/>
+          </p:cNvSpPr>
+          <p:nvPr>
+            <p:ph type="sldNum" sz="quarter" idx="5"/>
+          </p:nvPr>
+        </p:nvSpPr>
+        <p:spPr/>
+        <p:txBody>
+          <a:bodyPr/>
+          <a:lstStyle/>
+          <a:p>
+            <a:fld id="{B99E8012-7AEC-4AAD-B52C-DF7E1601EEFE}" type="slidenum">
+              <a:rPr lang="en-GB" smtClean="0"/>
+              <a:t>6</a:t>
+            </a:fld>
+            <a:endParaRPr lang="en-GB"/>
+          </a:p>
+        </p:txBody>
+      </p:sp>
+    </p:spTree>
+    <p:extLst>
+      <p:ext uri="{BB962C8B-B14F-4D97-AF65-F5344CB8AC3E}">
+        <p14:creationId xmlns:p14="http://schemas.microsoft.com/office/powerpoint/2010/main" val="548723764"/>
+      </p:ext>
+    </p:extLst>
+  </p:cSld>
+  <p:clrMapOvr>
+    <a:masterClrMapping/>
+  </p:clrMapOvr>
+</p:notes>
+</file>
+
+<file path=ppt/notesSlides/notesSlide7.xml><?xml version="1.0" encoding="utf-8"?>
+<p:notes xmlns:a="http://schemas.openxmlformats.org/drawingml/2006/main" xmlns:r="http://schemas.openxmlformats.org/officeDocument/2006/relationships" xmlns:p="http://schemas.openxmlformats.org/presentationml/2006/main">
+  <p:cSld>
+    <p:spTree>
+      <p:nvGrpSpPr>
+        <p:cNvPr id="1" name=""/>
+        <p:cNvGrpSpPr/>
+        <p:nvPr/>
+      </p:nvGrpSpPr>
+      <p:grpSpPr>
+        <a:xfrm>
+          <a:off x="0" y="0"/>
+          <a:ext cx="0" cy="0"/>
+          <a:chOff x="0" y="0"/>
+          <a:chExt cx="0" cy="0"/>
+        </a:xfrm>
+      </p:grpSpPr>
+      <p:sp>
+        <p:nvSpPr>
+          <p:cNvPr id="2" name="Slide Image Placeholder 1"/>
+          <p:cNvSpPr>
+            <a:spLocks noGrp="1" noRot="1" noChangeAspect="1"/>
+          </p:cNvSpPr>
+          <p:nvPr>
+            <p:ph type="sldImg"/>
+          </p:nvPr>
+        </p:nvSpPr>
+        <p:spPr/>
+      </p:sp>
+      <p:sp>
+        <p:nvSpPr>
+          <p:cNvPr id="3" name="Notes Placeholder 2"/>
+          <p:cNvSpPr>
+            <a:spLocks noGrp="1"/>
+          </p:cNvSpPr>
+          <p:nvPr>
+            <p:ph type="body" idx="1"/>
+          </p:nvPr>
+        </p:nvSpPr>
+        <p:spPr/>
+        <p:txBody>
+          <a:bodyPr/>
+          <a:lstStyle/>
+          <a:p>
+            <a:r>
+              <a:rPr lang="en-US" dirty="0"/>
+              <a:t>One day, the expert went on a long holiday</a:t>
+            </a:r>
+          </a:p>
+        </p:txBody>
+      </p:sp>
+      <p:sp>
+        <p:nvSpPr>
+          <p:cNvPr id="4" name="Slide Number Placeholder 3"/>
+          <p:cNvSpPr>
+            <a:spLocks noGrp="1"/>
+          </p:cNvSpPr>
+          <p:nvPr>
+            <p:ph type="sldNum" sz="quarter" idx="5"/>
+          </p:nvPr>
+        </p:nvSpPr>
+        <p:spPr/>
+        <p:txBody>
+          <a:bodyPr/>
+          <a:lstStyle/>
+          <a:p>
+            <a:fld id="{B99E8012-7AEC-4AAD-B52C-DF7E1601EEFE}" type="slidenum">
+              <a:rPr lang="en-GB" smtClean="0"/>
+              <a:t>7</a:t>
+            </a:fld>
+            <a:endParaRPr lang="en-GB"/>
+          </a:p>
+        </p:txBody>
+      </p:sp>
+    </p:spTree>
+    <p:extLst>
+      <p:ext uri="{BB962C8B-B14F-4D97-AF65-F5344CB8AC3E}">
+        <p14:creationId xmlns:p14="http://schemas.microsoft.com/office/powerpoint/2010/main" val="3668962055"/>
+      </p:ext>
+    </p:extLst>
+  </p:cSld>
+  <p:clrMapOvr>
+    <a:masterClrMapping/>
+  </p:clrMapOvr>
+</p:notes>
+</file>
+
+<file path=ppt/notesSlides/notesSlide8.xml><?xml version="1.0" encoding="utf-8"?>
+<p:notes xmlns:a="http://schemas.openxmlformats.org/drawingml/2006/main" xmlns:r="http://schemas.openxmlformats.org/officeDocument/2006/relationships" xmlns:p="http://schemas.openxmlformats.org/presentationml/2006/main">
+  <p:cSld>
+    <p:spTree>
+      <p:nvGrpSpPr>
+        <p:cNvPr id="1" name=""/>
+        <p:cNvGrpSpPr/>
+        <p:nvPr/>
+      </p:nvGrpSpPr>
+      <p:grpSpPr>
+        <a:xfrm>
+          <a:off x="0" y="0"/>
+          <a:ext cx="0" cy="0"/>
+          <a:chOff x="0" y="0"/>
+          <a:chExt cx="0" cy="0"/>
+        </a:xfrm>
+      </p:grpSpPr>
+      <p:sp>
+        <p:nvSpPr>
+          <p:cNvPr id="2" name="Slide Image Placeholder 1"/>
+          <p:cNvSpPr>
+            <a:spLocks noGrp="1" noRot="1" noChangeAspect="1"/>
+          </p:cNvSpPr>
+          <p:nvPr>
+            <p:ph type="sldImg"/>
+          </p:nvPr>
+        </p:nvSpPr>
+        <p:spPr/>
+      </p:sp>
+      <p:sp>
+        <p:nvSpPr>
+          <p:cNvPr id="3" name="Notes Placeholder 2"/>
+          <p:cNvSpPr>
+            <a:spLocks noGrp="1"/>
+          </p:cNvSpPr>
+          <p:nvPr>
+            <p:ph type="body" idx="1"/>
+          </p:nvPr>
+        </p:nvSpPr>
+        <p:spPr/>
+        <p:txBody>
+          <a:bodyPr/>
+          <a:lstStyle/>
+          <a:p>
+            <a:r>
+              <a:rPr lang="en-US" dirty="0"/>
+              <a:t>And we very quickly got stuck</a:t>
+            </a:r>
+          </a:p>
+        </p:txBody>
+      </p:sp>
+      <p:sp>
+        <p:nvSpPr>
+          <p:cNvPr id="4" name="Slide Number Placeholder 3"/>
+          <p:cNvSpPr>
+            <a:spLocks noGrp="1"/>
+          </p:cNvSpPr>
+          <p:nvPr>
+            <p:ph type="sldNum" sz="quarter" idx="5"/>
+          </p:nvPr>
+        </p:nvSpPr>
+        <p:spPr/>
+        <p:txBody>
+          <a:bodyPr/>
+          <a:lstStyle/>
+          <a:p>
+            <a:fld id="{B99E8012-7AEC-4AAD-B52C-DF7E1601EEFE}" type="slidenum">
+              <a:rPr lang="en-GB" smtClean="0"/>
+              <a:t>8</a:t>
+            </a:fld>
+            <a:endParaRPr lang="en-GB"/>
+          </a:p>
+        </p:txBody>
+      </p:sp>
+    </p:spTree>
+    <p:extLst>
+      <p:ext uri="{BB962C8B-B14F-4D97-AF65-F5344CB8AC3E}">
+        <p14:creationId xmlns:p14="http://schemas.microsoft.com/office/powerpoint/2010/main" val="1434330160"/>
+      </p:ext>
+    </p:extLst>
+  </p:cSld>
+  <p:clrMapOvr>
+    <a:masterClrMapping/>
+  </p:clrMapOvr>
+</p:notes>
+</file>
+
+<file path=ppt/notesSlides/notesSlide9.xml><?xml version="1.0" encoding="utf-8"?>
+<p:notes xmlns:a="http://schemas.openxmlformats.org/drawingml/2006/main" xmlns:r="http://schemas.openxmlformats.org/officeDocument/2006/relationships" xmlns:p="http://schemas.openxmlformats.org/presentationml/2006/main">
+  <p:cSld>
+    <p:spTree>
+      <p:nvGrpSpPr>
+        <p:cNvPr id="1" name=""/>
+        <p:cNvGrpSpPr/>
+        <p:nvPr/>
+      </p:nvGrpSpPr>
+      <p:grpSpPr>
+        <a:xfrm>
+          <a:off x="0" y="0"/>
+          <a:ext cx="0" cy="0"/>
+          <a:chOff x="0" y="0"/>
+          <a:chExt cx="0" cy="0"/>
+        </a:xfrm>
+      </p:grpSpPr>
+      <p:sp>
+        <p:nvSpPr>
+          <p:cNvPr id="2" name="Slide Image Placeholder 1"/>
+          <p:cNvSpPr>
+            <a:spLocks noGrp="1" noRot="1" noChangeAspect="1"/>
+          </p:cNvSpPr>
+          <p:nvPr>
+            <p:ph type="sldImg"/>
+          </p:nvPr>
+        </p:nvSpPr>
+        <p:spPr/>
+      </p:sp>
+      <p:sp>
+        <p:nvSpPr>
+          <p:cNvPr id="3" name="Notes Placeholder 2"/>
+          <p:cNvSpPr>
+            <a:spLocks noGrp="1"/>
+          </p:cNvSpPr>
+          <p:nvPr>
+            <p:ph type="body" idx="1"/>
+          </p:nvPr>
+        </p:nvSpPr>
+        <p:spPr/>
+        <p:txBody>
+          <a:bodyPr/>
+          <a:lstStyle/>
+          <a:p>
+            <a:r>
+              <a:rPr lang="en-US" dirty="0"/>
+              <a:t>W</a:t>
+            </a:r>
+            <a:r>
+              <a:rPr lang="en-GB" dirty="0"/>
+              <a:t>e are doing pair programming</a:t>
+            </a:r>
+            <a:br>
+              <a:rPr lang="en-GB" dirty="0"/>
+            </a:br>
+            <a:r>
+              <a:rPr lang="en-GB" dirty="0"/>
+              <a:t>Two people to one job</a:t>
+            </a:r>
+          </a:p>
+          <a:p>
+            <a:pPr marL="0" marR="0" lvl="0" indent="0" algn="l" defTabSz="914400" rtl="0" eaLnBrk="1" fontAlgn="auto" latinLnBrk="0" hangingPunct="1">
+              <a:lnSpc>
+                <a:spcPct val="100000"/>
+              </a:lnSpc>
+              <a:spcBef>
+                <a:spcPts val="0"/>
+              </a:spcBef>
+              <a:spcAft>
+                <a:spcPts val="0"/>
+              </a:spcAft>
+              <a:buClrTx/>
+              <a:buSzTx/>
+              <a:buFontTx/>
+              <a:buNone/>
+              <a:tabLst/>
+              <a:defRPr/>
+            </a:pPr>
+            <a:r>
+              <a:rPr lang="en-GB" dirty="0"/>
+              <a:t>One person types, or “drives” and the other person navigates, or says what to do.</a:t>
+            </a:r>
+          </a:p>
+          <a:p>
+            <a:pPr marL="0" marR="0" lvl="0" indent="0" algn="l" defTabSz="914400" rtl="0" eaLnBrk="1" fontAlgn="auto" latinLnBrk="0" hangingPunct="1">
+              <a:lnSpc>
+                <a:spcPct val="100000"/>
+              </a:lnSpc>
+              <a:spcBef>
+                <a:spcPts val="0"/>
+              </a:spcBef>
+              <a:spcAft>
+                <a:spcPts val="0"/>
+              </a:spcAft>
+              <a:buClrTx/>
+              <a:buSzTx/>
+              <a:buFontTx/>
+              <a:buNone/>
+              <a:tabLst/>
+              <a:defRPr/>
+            </a:pPr>
+            <a:r>
+              <a:rPr lang="en-GB" dirty="0"/>
+              <a:t>Usually the pair swap after a while.</a:t>
+            </a:r>
+          </a:p>
+          <a:p>
+            <a:endParaRPr lang="en-GB" dirty="0"/>
+          </a:p>
+          <a:p>
+            <a:r>
+              <a:rPr lang="en-GB" dirty="0"/>
+              <a:t>But knowledge is spread around the team.</a:t>
+            </a:r>
+          </a:p>
+          <a:p>
+            <a:r>
+              <a:rPr lang="en-GB" dirty="0"/>
+              <a:t>And need to get agreement on things.</a:t>
+            </a:r>
+          </a:p>
+          <a:p>
+            <a:r>
+              <a:rPr lang="en-GB" dirty="0"/>
+              <a:t>Each pair keeps interrupting the other.</a:t>
+            </a:r>
+          </a:p>
+          <a:p>
+            <a:r>
+              <a:rPr lang="en-GB" dirty="0"/>
+              <a:t>Frustrating.</a:t>
+            </a:r>
+            <a:br>
+              <a:rPr lang="en-GB" dirty="0"/>
+            </a:br>
+            <a:br>
+              <a:rPr lang="en-GB" dirty="0"/>
+            </a:br>
+            <a:r>
+              <a:rPr lang="en-GB" dirty="0"/>
+              <a:t>We tried having sessions but we would have questions soon after the sessions.</a:t>
+            </a:r>
+            <a:endParaRPr lang="en-US" dirty="0"/>
+          </a:p>
+        </p:txBody>
+      </p:sp>
+      <p:sp>
+        <p:nvSpPr>
+          <p:cNvPr id="4" name="Slide Number Placeholder 3"/>
+          <p:cNvSpPr>
+            <a:spLocks noGrp="1"/>
+          </p:cNvSpPr>
+          <p:nvPr>
+            <p:ph type="sldNum" sz="quarter" idx="5"/>
+          </p:nvPr>
+        </p:nvSpPr>
+        <p:spPr/>
+        <p:txBody>
+          <a:bodyPr/>
+          <a:lstStyle/>
+          <a:p>
+            <a:fld id="{B99E8012-7AEC-4AAD-B52C-DF7E1601EEFE}" type="slidenum">
+              <a:rPr lang="en-GB" smtClean="0"/>
+              <a:t>9</a:t>
+            </a:fld>
+            <a:endParaRPr lang="en-GB"/>
+          </a:p>
+        </p:txBody>
+      </p:sp>
+    </p:spTree>
+    <p:extLst>
+      <p:ext uri="{BB962C8B-B14F-4D97-AF65-F5344CB8AC3E}">
+        <p14:creationId xmlns:p14="http://schemas.microsoft.com/office/powerpoint/2010/main" val="63856759"/>
+      </p:ext>
+    </p:extLst>
+  </p:cSld>
+  <p:clrMapOvr>
+    <a:masterClrMapping/>
+  </p:clrMapOvr>
+</p:notes>
+</file>
+
 <file path=ppt/slideLayouts/slideLayout1.xml><?xml version="1.0" encoding="utf-8"?>
 <p:sldLayout xmlns:a="http://schemas.openxmlformats.org/drawingml/2006/main" xmlns:r="http://schemas.openxmlformats.org/officeDocument/2006/relationships" xmlns:p="http://schemas.openxmlformats.org/presentationml/2006/main" preserve="1" userDrawn="1">
   <p:cSld name="Title Page 01">
@@ -1167,7 +3362,7 @@
               <a:buNone/>
               <a:tabLst/>
             </a:pPr>
-            <a:endParaRPr kumimoji="0" lang="en-US" sz="1800" b="0" i="0" u="none" strike="noStrike" cap="none" normalizeH="0" baseline="0">
+            <a:endParaRPr kumimoji="0" lang="en-US" sz="1800" b="0" i="0" u="none" strike="noStrike" cap="none" normalizeH="0" baseline="0" dirty="0">
               <a:ln>
                 <a:noFill/>
               </a:ln>
@@ -1308,52 +3503,6 @@
           </a:p>
         </p:txBody>
       </p:sp>
-      <p:sp>
-        <p:nvSpPr>
-          <p:cNvPr id="11" name="Slide Number Placeholder 5">
-            <a:extLst>
-              <a:ext uri="{FF2B5EF4-FFF2-40B4-BE49-F238E27FC236}">
-                <a16:creationId xmlns:a16="http://schemas.microsoft.com/office/drawing/2014/main" id="{BF76B099-DE37-6947-AF5B-CB396E03E908}"/>
-              </a:ext>
-            </a:extLst>
-          </p:cNvPr>
-          <p:cNvSpPr>
-            <a:spLocks noGrp="1"/>
-          </p:cNvSpPr>
-          <p:nvPr>
-            <p:ph type="sldNum" sz="quarter" idx="4"/>
-          </p:nvPr>
-        </p:nvSpPr>
-        <p:spPr>
-          <a:xfrm>
-            <a:off x="-57600" y="6332400"/>
-            <a:ext cx="615373" cy="616479"/>
-          </a:xfrm>
-          <a:prstGeom prst="rect">
-            <a:avLst/>
-          </a:prstGeom>
-        </p:spPr>
-        <p:txBody>
-          <a:bodyPr vert="horz" lIns="91440" tIns="45720" rIns="91440" bIns="45720" rtlCol="0" anchor="ctr"/>
-          <a:lstStyle>
-            <a:lvl1pPr algn="ctr">
-              <a:defRPr sz="1200" b="0">
-                <a:solidFill>
-                  <a:schemeClr val="accent1"/>
-                </a:solidFill>
-              </a:defRPr>
-            </a:lvl1pPr>
-          </a:lstStyle>
-          <a:p>
-            <a:fld id="{E27CA991-4457-4ACA-B19F-AE1560789A51}" type="slidenum">
-              <a:rPr lang="en-GB" smtClean="0"/>
-              <a:pPr/>
-              <a:t>‹#›</a:t>
-            </a:fld>
-            <a:endParaRPr lang="en-GB"/>
-          </a:p>
-        </p:txBody>
-      </p:sp>
       <p:pic>
         <p:nvPicPr>
           <p:cNvPr id="12" name="Picture 11">
@@ -1390,6 +3539,123 @@
           </a:prstGeom>
         </p:spPr>
       </p:pic>
+      <p:sp>
+        <p:nvSpPr>
+          <p:cNvPr id="4" name="Date Placeholder 3">
+            <a:extLst>
+              <a:ext uri="{FF2B5EF4-FFF2-40B4-BE49-F238E27FC236}">
+                <a16:creationId xmlns:a16="http://schemas.microsoft.com/office/drawing/2014/main" id="{D5C58EDF-D6AE-D347-BA76-2C7DA00361CC}"/>
+              </a:ext>
+            </a:extLst>
+          </p:cNvPr>
+          <p:cNvSpPr>
+            <a:spLocks noGrp="1"/>
+          </p:cNvSpPr>
+          <p:nvPr>
+            <p:ph type="dt" sz="half" idx="10"/>
+          </p:nvPr>
+        </p:nvSpPr>
+        <p:spPr/>
+        <p:txBody>
+          <a:bodyPr/>
+          <a:lstStyle>
+            <a:lvl1pPr marL="0" marR="0" indent="0" algn="l" defTabSz="389626" rtl="0" eaLnBrk="1" fontAlgn="auto" latinLnBrk="0" hangingPunct="1">
+              <a:lnSpc>
+                <a:spcPct val="100000"/>
+              </a:lnSpc>
+              <a:spcBef>
+                <a:spcPts val="0"/>
+              </a:spcBef>
+              <a:spcAft>
+                <a:spcPts val="0"/>
+              </a:spcAft>
+              <a:buClrTx/>
+              <a:buSzTx/>
+              <a:buFontTx/>
+              <a:buNone/>
+              <a:tabLst/>
+              <a:defRPr sz="1400">
+                <a:solidFill>
+                  <a:schemeClr val="bg1"/>
+                </a:solidFill>
+              </a:defRPr>
+            </a:lvl1pPr>
+          </a:lstStyle>
+          <a:p>
+            <a:r>
+              <a:rPr lang="en-GB"/>
+              <a:t>@owennell</a:t>
+            </a:r>
+            <a:endParaRPr lang="en-US" dirty="0"/>
+          </a:p>
+        </p:txBody>
+      </p:sp>
+      <p:sp>
+        <p:nvSpPr>
+          <p:cNvPr id="5" name="Footer Placeholder 4">
+            <a:extLst>
+              <a:ext uri="{FF2B5EF4-FFF2-40B4-BE49-F238E27FC236}">
+                <a16:creationId xmlns:a16="http://schemas.microsoft.com/office/drawing/2014/main" id="{91F2003F-F7C2-F44F-952C-34ECB1FCA9A6}"/>
+              </a:ext>
+            </a:extLst>
+          </p:cNvPr>
+          <p:cNvSpPr>
+            <a:spLocks noGrp="1"/>
+          </p:cNvSpPr>
+          <p:nvPr>
+            <p:ph type="ftr" sz="quarter" idx="11"/>
+          </p:nvPr>
+        </p:nvSpPr>
+        <p:spPr/>
+        <p:txBody>
+          <a:bodyPr/>
+          <a:lstStyle>
+            <a:lvl1pPr>
+              <a:defRPr sz="1400">
+                <a:solidFill>
+                  <a:schemeClr val="bg1"/>
+                </a:solidFill>
+              </a:defRPr>
+            </a:lvl1pPr>
+          </a:lstStyle>
+          <a:p>
+            <a:r>
+              <a:rPr lang="en-US"/>
+              <a:t>@owennell</a:t>
+            </a:r>
+            <a:endParaRPr lang="en-US" dirty="0"/>
+          </a:p>
+        </p:txBody>
+      </p:sp>
+      <p:sp>
+        <p:nvSpPr>
+          <p:cNvPr id="6" name="Slide Number Placeholder 5">
+            <a:extLst>
+              <a:ext uri="{FF2B5EF4-FFF2-40B4-BE49-F238E27FC236}">
+                <a16:creationId xmlns:a16="http://schemas.microsoft.com/office/drawing/2014/main" id="{49390BAC-D46C-604B-B1AF-4A4182A2FF39}"/>
+              </a:ext>
+            </a:extLst>
+          </p:cNvPr>
+          <p:cNvSpPr>
+            <a:spLocks noGrp="1"/>
+          </p:cNvSpPr>
+          <p:nvPr>
+            <p:ph type="sldNum" sz="quarter" idx="12"/>
+          </p:nvPr>
+        </p:nvSpPr>
+        <p:spPr/>
+        <p:txBody>
+          <a:bodyPr/>
+          <a:lstStyle/>
+          <a:p>
+            <a:fld id="{7DA8BBA7-A9A0-6242-9BBC-77B18E582792}" type="slidenum">
+              <a:rPr lang="en-US" smtClean="0"/>
+              <a:t>‹#›</a:t>
+            </a:fld>
+            <a:endParaRPr lang="en-US"/>
+          </a:p>
+        </p:txBody>
+      </p:sp>
     </p:spTree>
     <p:extLst>
       <p:ext uri="{BB962C8B-B14F-4D97-AF65-F5344CB8AC3E}">
@@ -9463,7 +11729,7 @@
               <a:buNone/>
               <a:tabLst/>
             </a:pPr>
-            <a:endParaRPr kumimoji="0" lang="en-US" sz="1800" b="0" i="0" u="none" strike="noStrike" cap="none" normalizeH="0" baseline="0">
+            <a:endParaRPr kumimoji="0" lang="en-US" sz="1800" b="0" i="0" u="none" strike="noStrike" cap="none" normalizeH="0" baseline="0" dirty="0">
               <a:ln>
                 <a:noFill/>
               </a:ln>
@@ -9473,46 +11739,6 @@
               <a:effectLst/>
               <a:latin typeface="Arial" charset="0"/>
             </a:endParaRPr>
-          </a:p>
-        </p:txBody>
-      </p:sp>
-      <p:sp>
-        <p:nvSpPr>
-          <p:cNvPr id="7" name="Title 1"/>
-          <p:cNvSpPr>
-            <a:spLocks noGrp="1"/>
-          </p:cNvSpPr>
-          <p:nvPr>
-            <p:ph type="title" hasCustomPrompt="1"/>
-          </p:nvPr>
-        </p:nvSpPr>
-        <p:spPr>
-          <a:xfrm>
-            <a:off x="759115" y="565260"/>
-            <a:ext cx="8835309" cy="505604"/>
-          </a:xfrm>
-        </p:spPr>
-        <p:txBody>
-          <a:bodyPr lIns="0">
-            <a:noAutofit/>
-          </a:bodyPr>
-          <a:lstStyle>
-            <a:lvl1pPr algn="l">
-              <a:defRPr sz="4200" b="0" i="0" baseline="0">
-                <a:solidFill>
-                  <a:schemeClr val="bg1"/>
-                </a:solidFill>
-                <a:latin typeface="+mn-lt"/>
-                <a:ea typeface="Arial" charset="0"/>
-                <a:cs typeface="Arial" charset="0"/>
-              </a:defRPr>
-            </a:lvl1pPr>
-          </a:lstStyle>
-          <a:p>
-            <a:r>
-              <a:rPr lang="en-GB" dirty="0"/>
-              <a:t>Copy heavy slide 02</a:t>
-            </a:r>
           </a:p>
         </p:txBody>
       </p:sp>
@@ -9604,52 +11830,6 @@
           </a:p>
         </p:txBody>
       </p:sp>
-      <p:sp>
-        <p:nvSpPr>
-          <p:cNvPr id="11" name="Slide Number Placeholder 5">
-            <a:extLst>
-              <a:ext uri="{FF2B5EF4-FFF2-40B4-BE49-F238E27FC236}">
-                <a16:creationId xmlns:a16="http://schemas.microsoft.com/office/drawing/2014/main" id="{CAA9A683-E5CB-3D4E-A7AE-17FF0EFA302A}"/>
-              </a:ext>
-            </a:extLst>
-          </p:cNvPr>
-          <p:cNvSpPr>
-            <a:spLocks noGrp="1"/>
-          </p:cNvSpPr>
-          <p:nvPr>
-            <p:ph type="sldNum" sz="quarter" idx="4"/>
-          </p:nvPr>
-        </p:nvSpPr>
-        <p:spPr>
-          <a:xfrm>
-            <a:off x="-57600" y="6332400"/>
-            <a:ext cx="615373" cy="616479"/>
-          </a:xfrm>
-          <a:prstGeom prst="rect">
-            <a:avLst/>
-          </a:prstGeom>
-        </p:spPr>
-        <p:txBody>
-          <a:bodyPr vert="horz" lIns="91440" tIns="45720" rIns="91440" bIns="45720" rtlCol="0" anchor="ctr"/>
-          <a:lstStyle>
-            <a:lvl1pPr algn="ctr">
-              <a:defRPr sz="1200" b="0">
-                <a:solidFill>
-                  <a:schemeClr val="accent1"/>
-                </a:solidFill>
-              </a:defRPr>
-            </a:lvl1pPr>
-          </a:lstStyle>
-          <a:p>
-            <a:fld id="{E27CA991-4457-4ACA-B19F-AE1560789A51}" type="slidenum">
-              <a:rPr lang="en-GB" smtClean="0"/>
-              <a:pPr/>
-              <a:t>‹#›</a:t>
-            </a:fld>
-            <a:endParaRPr lang="en-GB"/>
-          </a:p>
-        </p:txBody>
-      </p:sp>
       <p:pic>
         <p:nvPicPr>
           <p:cNvPr id="14" name="Picture 13">
@@ -9686,6 +11866,152 @@
           </a:prstGeom>
         </p:spPr>
       </p:pic>
+      <p:sp>
+        <p:nvSpPr>
+          <p:cNvPr id="2" name="Title 1">
+            <a:extLst>
+              <a:ext uri="{FF2B5EF4-FFF2-40B4-BE49-F238E27FC236}">
+                <a16:creationId xmlns:a16="http://schemas.microsoft.com/office/drawing/2014/main" id="{135EDB26-9479-9D41-B5DE-98C2029CF826}"/>
+              </a:ext>
+            </a:extLst>
+          </p:cNvPr>
+          <p:cNvSpPr>
+            <a:spLocks noGrp="1"/>
+          </p:cNvSpPr>
+          <p:nvPr>
+            <p:ph type="title"/>
+          </p:nvPr>
+        </p:nvSpPr>
+        <p:spPr/>
+        <p:txBody>
+          <a:bodyPr/>
+          <a:lstStyle/>
+          <a:p>
+            <a:r>
+              <a:rPr lang="en-GB"/>
+              <a:t>Click to edit Master title style</a:t>
+            </a:r>
+            <a:endParaRPr lang="en-US"/>
+          </a:p>
+        </p:txBody>
+      </p:sp>
+      <p:sp>
+        <p:nvSpPr>
+          <p:cNvPr id="5" name="Date Placeholder 4">
+            <a:extLst>
+              <a:ext uri="{FF2B5EF4-FFF2-40B4-BE49-F238E27FC236}">
+                <a16:creationId xmlns:a16="http://schemas.microsoft.com/office/drawing/2014/main" id="{6B09379A-9A02-5940-A10B-C03E5EA16CBB}"/>
+              </a:ext>
+            </a:extLst>
+          </p:cNvPr>
+          <p:cNvSpPr>
+            <a:spLocks noGrp="1"/>
+          </p:cNvSpPr>
+          <p:nvPr>
+            <p:ph type="dt" sz="half" idx="10"/>
+          </p:nvPr>
+        </p:nvSpPr>
+        <p:spPr/>
+        <p:txBody>
+          <a:bodyPr/>
+          <a:lstStyle>
+            <a:lvl1pPr>
+              <a:defRPr sz="1400">
+                <a:solidFill>
+                  <a:schemeClr val="bg1"/>
+                </a:solidFill>
+              </a:defRPr>
+            </a:lvl1pPr>
+          </a:lstStyle>
+          <a:p>
+            <a:r>
+              <a:rPr lang="en-GB"/>
+              <a:t>@owennell</a:t>
+            </a:r>
+            <a:endParaRPr lang="en-US" dirty="0"/>
+          </a:p>
+        </p:txBody>
+      </p:sp>
+      <p:sp>
+        <p:nvSpPr>
+          <p:cNvPr id="6" name="Footer Placeholder 5">
+            <a:extLst>
+              <a:ext uri="{FF2B5EF4-FFF2-40B4-BE49-F238E27FC236}">
+                <a16:creationId xmlns:a16="http://schemas.microsoft.com/office/drawing/2014/main" id="{BF2E1CE3-1B1C-8245-B569-438B9E918970}"/>
+              </a:ext>
+            </a:extLst>
+          </p:cNvPr>
+          <p:cNvSpPr>
+            <a:spLocks noGrp="1"/>
+          </p:cNvSpPr>
+          <p:nvPr>
+            <p:ph type="ftr" sz="quarter" idx="11"/>
+          </p:nvPr>
+        </p:nvSpPr>
+        <p:spPr/>
+        <p:txBody>
+          <a:bodyPr/>
+          <a:lstStyle>
+            <a:lvl1pPr marL="0" marR="0" indent="0" algn="ctr" defTabSz="389626" rtl="0" eaLnBrk="1" fontAlgn="auto" latinLnBrk="0" hangingPunct="1">
+              <a:lnSpc>
+                <a:spcPct val="100000"/>
+              </a:lnSpc>
+              <a:spcBef>
+                <a:spcPts val="0"/>
+              </a:spcBef>
+              <a:spcAft>
+                <a:spcPts val="0"/>
+              </a:spcAft>
+              <a:buClrTx/>
+              <a:buSzTx/>
+              <a:buFontTx/>
+              <a:buNone/>
+              <a:tabLst/>
+              <a:defRPr sz="1400">
+                <a:solidFill>
+                  <a:schemeClr val="bg1"/>
+                </a:solidFill>
+              </a:defRPr>
+            </a:lvl1pPr>
+          </a:lstStyle>
+          <a:p>
+            <a:r>
+              <a:rPr lang="en-US"/>
+              <a:t>@owennell</a:t>
+            </a:r>
+            <a:endParaRPr lang="en-US" dirty="0"/>
+          </a:p>
+        </p:txBody>
+      </p:sp>
+      <p:sp>
+        <p:nvSpPr>
+          <p:cNvPr id="12" name="Slide Number Placeholder 11">
+            <a:extLst>
+              <a:ext uri="{FF2B5EF4-FFF2-40B4-BE49-F238E27FC236}">
+                <a16:creationId xmlns:a16="http://schemas.microsoft.com/office/drawing/2014/main" id="{2F429D0B-888B-4240-AD3D-96E5256E60B9}"/>
+              </a:ext>
+            </a:extLst>
+          </p:cNvPr>
+          <p:cNvSpPr>
+            <a:spLocks noGrp="1"/>
+          </p:cNvSpPr>
+          <p:nvPr>
+            <p:ph type="sldNum" sz="quarter" idx="12"/>
+          </p:nvPr>
+        </p:nvSpPr>
+        <p:spPr/>
+        <p:txBody>
+          <a:bodyPr/>
+          <a:lstStyle/>
+          <a:p>
+            <a:fld id="{7DA8BBA7-A9A0-6242-9BBC-77B18E582792}" type="slidenum">
+              <a:rPr lang="en-US" smtClean="0"/>
+              <a:t>‹#›</a:t>
+            </a:fld>
+            <a:endParaRPr lang="en-US"/>
+          </a:p>
+        </p:txBody>
+      </p:sp>
     </p:spTree>
     <p:extLst>
       <p:ext uri="{BB962C8B-B14F-4D97-AF65-F5344CB8AC3E}">
@@ -9852,10 +12178,10 @@
             </a:lvl1pPr>
           </a:lstStyle>
           <a:p>
-            <a:fld id="{FD1377C7-66B0-1242-B663-7341D3DFB65A}" type="datetime1">
-              <a:rPr lang="en-GB" smtClean="0"/>
-              <a:t>20/09/2019</a:t>
-            </a:fld>
+            <a:r>
+              <a:rPr lang="en-GB"/>
+              <a:t>@owennell</a:t>
+            </a:r>
             <a:endParaRPr lang="en-US"/>
           </a:p>
         </p:txBody>
@@ -9893,7 +12219,10 @@
             </a:lvl1pPr>
           </a:lstStyle>
           <a:p>
-            <a:endParaRPr lang="en-US"/>
+            <a:r>
+              <a:rPr lang="en-US"/>
+              <a:t>@owennell</a:t>
+            </a:r>
           </a:p>
         </p:txBody>
       </p:sp>
@@ -9971,7 +12300,7 @@
     <p:sldLayoutId id="2147483674" r:id="rId22"/>
     <p:sldLayoutId id="2147483675" r:id="rId23"/>
   </p:sldLayoutIdLst>
-  <p:hf hdr="0" ftr="0" dt="0"/>
+  <p:hf sldNum="0" hdr="0" ftr="0"/>
   <p:txStyles>
     <p:titleStyle>
       <a:lvl1pPr algn="ctr" defTabSz="389626" rtl="0" eaLnBrk="1" latinLnBrk="0" hangingPunct="1">
@@ -10380,12 +12709,18 @@
       </p:sp>
       <p:sp>
         <p:nvSpPr>
-          <p:cNvPr id="4" name="Slide Number Placeholder 3"/>
-          <p:cNvSpPr>
-            <a:spLocks noGrp="1"/>
-          </p:cNvSpPr>
-          <p:nvPr>
-            <p:ph type="sldNum" sz="quarter" idx="4"/>
+          <p:cNvPr id="5" name="Date Placeholder 4">
+            <a:extLst>
+              <a:ext uri="{FF2B5EF4-FFF2-40B4-BE49-F238E27FC236}">
+                <a16:creationId xmlns:a16="http://schemas.microsoft.com/office/drawing/2014/main" id="{030DCC04-31A2-F94B-934C-BDBBDF9AA8D1}"/>
+              </a:ext>
+            </a:extLst>
+          </p:cNvPr>
+          <p:cNvSpPr>
+            <a:spLocks noGrp="1"/>
+          </p:cNvSpPr>
+          <p:nvPr>
+            <p:ph type="dt" sz="half" idx="10"/>
           </p:nvPr>
         </p:nvSpPr>
         <p:spPr/>
@@ -10393,12 +12728,11 @@
           <a:bodyPr/>
           <a:lstStyle/>
           <a:p>
-            <a:fld id="{E27CA991-4457-4ACA-B19F-AE1560789A51}" type="slidenum">
-              <a:rPr lang="en-GB" smtClean="0"/>
-              <a:pPr/>
-              <a:t>10</a:t>
-            </a:fld>
-            <a:endParaRPr lang="en-GB"/>
+            <a:r>
+              <a:rPr lang="en-GB"/>
+              <a:t>@owennell</a:t>
+            </a:r>
+            <a:endParaRPr lang="en-US" dirty="0"/>
           </a:p>
         </p:txBody>
       </p:sp>
@@ -10444,17 +12778,18 @@
         </p:nvSpPr>
         <p:spPr>
           <a:xfrm>
-            <a:off x="1678346" y="3176198"/>
-            <a:ext cx="8835309" cy="505604"/>
+            <a:off x="844732" y="3176198"/>
+            <a:ext cx="10502537" cy="505604"/>
           </a:xfrm>
         </p:spPr>
         <p:txBody>
           <a:bodyPr/>
           <a:lstStyle/>
           <a:p>
-            <a:r>
-              <a:rPr lang="en-GB" sz="9600" dirty="0"/>
-              <a:t>🙂🙂🙂🙂🖥</a:t>
+            <a:pPr algn="ctr"/>
+            <a:r>
+              <a:rPr lang="en-GB" sz="8800" dirty="0"/>
+              <a:t>Mob Programming</a:t>
             </a:r>
             <a:endParaRPr lang="en-GB" dirty="0"/>
           </a:p>
@@ -10462,12 +12797,18 @@
       </p:sp>
       <p:sp>
         <p:nvSpPr>
-          <p:cNvPr id="4" name="Slide Number Placeholder 3"/>
-          <p:cNvSpPr>
-            <a:spLocks noGrp="1"/>
-          </p:cNvSpPr>
-          <p:nvPr>
-            <p:ph type="sldNum" sz="quarter" idx="4"/>
+          <p:cNvPr id="5" name="Date Placeholder 4">
+            <a:extLst>
+              <a:ext uri="{FF2B5EF4-FFF2-40B4-BE49-F238E27FC236}">
+                <a16:creationId xmlns:a16="http://schemas.microsoft.com/office/drawing/2014/main" id="{34A13DB7-FFB3-E343-B106-D28F1625C656}"/>
+              </a:ext>
+            </a:extLst>
+          </p:cNvPr>
+          <p:cNvSpPr>
+            <a:spLocks noGrp="1"/>
+          </p:cNvSpPr>
+          <p:nvPr>
+            <p:ph type="dt" sz="half" idx="10"/>
           </p:nvPr>
         </p:nvSpPr>
         <p:spPr/>
@@ -10475,19 +12816,18 @@
           <a:bodyPr/>
           <a:lstStyle/>
           <a:p>
-            <a:fld id="{E27CA991-4457-4ACA-B19F-AE1560789A51}" type="slidenum">
-              <a:rPr lang="en-GB" smtClean="0"/>
-              <a:pPr/>
-              <a:t>11</a:t>
-            </a:fld>
-            <a:endParaRPr lang="en-GB"/>
+            <a:r>
+              <a:rPr lang="en-GB"/>
+              <a:t>@owennell</a:t>
+            </a:r>
+            <a:endParaRPr lang="en-US" dirty="0"/>
           </a:p>
         </p:txBody>
       </p:sp>
     </p:spTree>
     <p:extLst>
       <p:ext uri="{BB962C8B-B14F-4D97-AF65-F5344CB8AC3E}">
-        <p14:creationId xmlns:p14="http://schemas.microsoft.com/office/powerpoint/2010/main" val="1688421031"/>
+        <p14:creationId xmlns:p14="http://schemas.microsoft.com/office/powerpoint/2010/main" val="3604294869"/>
       </p:ext>
     </p:extLst>
   </p:cSld>
@@ -10526,18 +12866,17 @@
         </p:nvSpPr>
         <p:spPr>
           <a:xfrm>
-            <a:off x="844732" y="3176198"/>
-            <a:ext cx="10502537" cy="505604"/>
+            <a:off x="1678346" y="3176198"/>
+            <a:ext cx="8835309" cy="505604"/>
           </a:xfrm>
         </p:spPr>
         <p:txBody>
           <a:bodyPr/>
           <a:lstStyle/>
           <a:p>
-            <a:pPr algn="ctr"/>
-            <a:r>
-              <a:rPr lang="en-GB" sz="8800" dirty="0"/>
-              <a:t>Mob Programming</a:t>
+            <a:r>
+              <a:rPr lang="en-GB" sz="9600" dirty="0"/>
+              <a:t>🙂🙂🙂🙂🖥</a:t>
             </a:r>
             <a:endParaRPr lang="en-GB" dirty="0"/>
           </a:p>
@@ -10545,12 +12884,18 @@
       </p:sp>
       <p:sp>
         <p:nvSpPr>
-          <p:cNvPr id="4" name="Slide Number Placeholder 3"/>
-          <p:cNvSpPr>
-            <a:spLocks noGrp="1"/>
-          </p:cNvSpPr>
-          <p:nvPr>
-            <p:ph type="sldNum" sz="quarter" idx="4"/>
+          <p:cNvPr id="5" name="Date Placeholder 4">
+            <a:extLst>
+              <a:ext uri="{FF2B5EF4-FFF2-40B4-BE49-F238E27FC236}">
+                <a16:creationId xmlns:a16="http://schemas.microsoft.com/office/drawing/2014/main" id="{5D2444B4-40EB-A84E-BBC1-0C9ED6146229}"/>
+              </a:ext>
+            </a:extLst>
+          </p:cNvPr>
+          <p:cNvSpPr>
+            <a:spLocks noGrp="1"/>
+          </p:cNvSpPr>
+          <p:nvPr>
+            <p:ph type="dt" sz="half" idx="10"/>
           </p:nvPr>
         </p:nvSpPr>
         <p:spPr/>
@@ -10558,19 +12903,18 @@
           <a:bodyPr/>
           <a:lstStyle/>
           <a:p>
-            <a:fld id="{E27CA991-4457-4ACA-B19F-AE1560789A51}" type="slidenum">
-              <a:rPr lang="en-GB" smtClean="0"/>
-              <a:pPr/>
-              <a:t>12</a:t>
-            </a:fld>
-            <a:endParaRPr lang="en-GB"/>
+            <a:r>
+              <a:rPr lang="en-GB"/>
+              <a:t>@owennell</a:t>
+            </a:r>
+            <a:endParaRPr lang="en-US" dirty="0"/>
           </a:p>
         </p:txBody>
       </p:sp>
     </p:spTree>
     <p:extLst>
       <p:ext uri="{BB962C8B-B14F-4D97-AF65-F5344CB8AC3E}">
-        <p14:creationId xmlns:p14="http://schemas.microsoft.com/office/powerpoint/2010/main" val="3604294869"/>
+        <p14:creationId xmlns:p14="http://schemas.microsoft.com/office/powerpoint/2010/main" val="1688421031"/>
       </p:ext>
     </p:extLst>
   </p:cSld>
@@ -10628,12 +12972,18 @@
       </p:sp>
       <p:sp>
         <p:nvSpPr>
-          <p:cNvPr id="4" name="Slide Number Placeholder 3"/>
-          <p:cNvSpPr>
-            <a:spLocks noGrp="1"/>
-          </p:cNvSpPr>
-          <p:nvPr>
-            <p:ph type="sldNum" sz="quarter" idx="4"/>
+          <p:cNvPr id="5" name="Date Placeholder 4">
+            <a:extLst>
+              <a:ext uri="{FF2B5EF4-FFF2-40B4-BE49-F238E27FC236}">
+                <a16:creationId xmlns:a16="http://schemas.microsoft.com/office/drawing/2014/main" id="{17AE4457-FC23-8247-BF91-40E1A9D730DC}"/>
+              </a:ext>
+            </a:extLst>
+          </p:cNvPr>
+          <p:cNvSpPr>
+            <a:spLocks noGrp="1"/>
+          </p:cNvSpPr>
+          <p:nvPr>
+            <p:ph type="dt" sz="half" idx="10"/>
           </p:nvPr>
         </p:nvSpPr>
         <p:spPr/>
@@ -10641,12 +12991,11 @@
           <a:bodyPr/>
           <a:lstStyle/>
           <a:p>
-            <a:fld id="{E27CA991-4457-4ACA-B19F-AE1560789A51}" type="slidenum">
-              <a:rPr lang="en-GB" smtClean="0"/>
-              <a:pPr/>
-              <a:t>13</a:t>
-            </a:fld>
-            <a:endParaRPr lang="en-GB"/>
+            <a:r>
+              <a:rPr lang="en-GB"/>
+              <a:t>@owennell</a:t>
+            </a:r>
+            <a:endParaRPr lang="en-US" dirty="0"/>
           </a:p>
         </p:txBody>
       </p:sp>
@@ -10711,12 +13060,18 @@
       </p:sp>
       <p:sp>
         <p:nvSpPr>
-          <p:cNvPr id="4" name="Slide Number Placeholder 3"/>
-          <p:cNvSpPr>
-            <a:spLocks noGrp="1"/>
-          </p:cNvSpPr>
-          <p:nvPr>
-            <p:ph type="sldNum" sz="quarter" idx="4"/>
+          <p:cNvPr id="5" name="Date Placeholder 4">
+            <a:extLst>
+              <a:ext uri="{FF2B5EF4-FFF2-40B4-BE49-F238E27FC236}">
+                <a16:creationId xmlns:a16="http://schemas.microsoft.com/office/drawing/2014/main" id="{D630E64F-FC7E-8646-8EAF-4B940C8E3796}"/>
+              </a:ext>
+            </a:extLst>
+          </p:cNvPr>
+          <p:cNvSpPr>
+            <a:spLocks noGrp="1"/>
+          </p:cNvSpPr>
+          <p:nvPr>
+            <p:ph type="dt" sz="half" idx="10"/>
           </p:nvPr>
         </p:nvSpPr>
         <p:spPr/>
@@ -10724,12 +13079,11 @@
           <a:bodyPr/>
           <a:lstStyle/>
           <a:p>
-            <a:fld id="{E27CA991-4457-4ACA-B19F-AE1560789A51}" type="slidenum">
-              <a:rPr lang="en-GB" smtClean="0"/>
-              <a:pPr/>
-              <a:t>14</a:t>
-            </a:fld>
-            <a:endParaRPr lang="en-GB"/>
+            <a:r>
+              <a:rPr lang="en-GB"/>
+              <a:t>@owennell</a:t>
+            </a:r>
+            <a:endParaRPr lang="en-US" dirty="0"/>
           </a:p>
         </p:txBody>
       </p:sp>
@@ -10794,12 +13148,18 @@
       </p:sp>
       <p:sp>
         <p:nvSpPr>
-          <p:cNvPr id="4" name="Slide Number Placeholder 3"/>
-          <p:cNvSpPr>
-            <a:spLocks noGrp="1"/>
-          </p:cNvSpPr>
-          <p:nvPr>
-            <p:ph type="sldNum" sz="quarter" idx="4"/>
+          <p:cNvPr id="5" name="Date Placeholder 4">
+            <a:extLst>
+              <a:ext uri="{FF2B5EF4-FFF2-40B4-BE49-F238E27FC236}">
+                <a16:creationId xmlns:a16="http://schemas.microsoft.com/office/drawing/2014/main" id="{D5CBD68C-62A1-724B-BDA3-DE48BD499955}"/>
+              </a:ext>
+            </a:extLst>
+          </p:cNvPr>
+          <p:cNvSpPr>
+            <a:spLocks noGrp="1"/>
+          </p:cNvSpPr>
+          <p:nvPr>
+            <p:ph type="dt" sz="half" idx="10"/>
           </p:nvPr>
         </p:nvSpPr>
         <p:spPr/>
@@ -10807,12 +13167,11 @@
           <a:bodyPr/>
           <a:lstStyle/>
           <a:p>
-            <a:fld id="{E27CA991-4457-4ACA-B19F-AE1560789A51}" type="slidenum">
-              <a:rPr lang="en-GB" smtClean="0"/>
-              <a:pPr/>
-              <a:t>15</a:t>
-            </a:fld>
-            <a:endParaRPr lang="en-GB"/>
+            <a:r>
+              <a:rPr lang="en-GB"/>
+              <a:t>@owennell</a:t>
+            </a:r>
+            <a:endParaRPr lang="en-US" dirty="0"/>
           </a:p>
         </p:txBody>
       </p:sp>
@@ -10877,12 +13236,18 @@
       </p:sp>
       <p:sp>
         <p:nvSpPr>
-          <p:cNvPr id="4" name="Slide Number Placeholder 3"/>
-          <p:cNvSpPr>
-            <a:spLocks noGrp="1"/>
-          </p:cNvSpPr>
-          <p:nvPr>
-            <p:ph type="sldNum" sz="quarter" idx="4"/>
+          <p:cNvPr id="5" name="Date Placeholder 4">
+            <a:extLst>
+              <a:ext uri="{FF2B5EF4-FFF2-40B4-BE49-F238E27FC236}">
+                <a16:creationId xmlns:a16="http://schemas.microsoft.com/office/drawing/2014/main" id="{24EB9376-0765-0141-8913-CA08FBD1AA6D}"/>
+              </a:ext>
+            </a:extLst>
+          </p:cNvPr>
+          <p:cNvSpPr>
+            <a:spLocks noGrp="1"/>
+          </p:cNvSpPr>
+          <p:nvPr>
+            <p:ph type="dt" sz="half" idx="10"/>
           </p:nvPr>
         </p:nvSpPr>
         <p:spPr/>
@@ -10890,12 +13255,11 @@
           <a:bodyPr/>
           <a:lstStyle/>
           <a:p>
-            <a:fld id="{E27CA991-4457-4ACA-B19F-AE1560789A51}" type="slidenum">
-              <a:rPr lang="en-GB" smtClean="0"/>
-              <a:pPr/>
-              <a:t>16</a:t>
-            </a:fld>
-            <a:endParaRPr lang="en-GB"/>
+            <a:r>
+              <a:rPr lang="en-GB"/>
+              <a:t>@owennell</a:t>
+            </a:r>
+            <a:endParaRPr lang="en-US" dirty="0"/>
           </a:p>
         </p:txBody>
       </p:sp>
@@ -10964,30 +13328,6 @@
       </p:sp>
       <p:sp>
         <p:nvSpPr>
-          <p:cNvPr id="4" name="Slide Number Placeholder 3"/>
-          <p:cNvSpPr>
-            <a:spLocks noGrp="1"/>
-          </p:cNvSpPr>
-          <p:nvPr>
-            <p:ph type="sldNum" sz="quarter" idx="4"/>
-          </p:nvPr>
-        </p:nvSpPr>
-        <p:spPr/>
-        <p:txBody>
-          <a:bodyPr/>
-          <a:lstStyle/>
-          <a:p>
-            <a:fld id="{E27CA991-4457-4ACA-B19F-AE1560789A51}" type="slidenum">
-              <a:rPr lang="en-GB" smtClean="0"/>
-              <a:pPr/>
-              <a:t>17</a:t>
-            </a:fld>
-            <a:endParaRPr lang="en-GB"/>
-          </a:p>
-        </p:txBody>
-      </p:sp>
-      <p:sp>
-        <p:nvSpPr>
           <p:cNvPr id="5" name="Title 1">
             <a:extLst>
               <a:ext uri="{FF2B5EF4-FFF2-40B4-BE49-F238E27FC236}">
@@ -11043,6 +13383,35 @@
               <a:t>Computer Science: cache invalidation and naming things.”</a:t>
             </a:r>
             <a:endParaRPr lang="en-GB" i="1" dirty="0"/>
+          </a:p>
+        </p:txBody>
+      </p:sp>
+      <p:sp>
+        <p:nvSpPr>
+          <p:cNvPr id="6" name="Date Placeholder 5">
+            <a:extLst>
+              <a:ext uri="{FF2B5EF4-FFF2-40B4-BE49-F238E27FC236}">
+                <a16:creationId xmlns:a16="http://schemas.microsoft.com/office/drawing/2014/main" id="{B3D3C1DC-301B-EB48-831C-008C68B7C0DA}"/>
+              </a:ext>
+            </a:extLst>
+          </p:cNvPr>
+          <p:cNvSpPr>
+            <a:spLocks noGrp="1"/>
+          </p:cNvSpPr>
+          <p:nvPr>
+            <p:ph type="dt" sz="half" idx="10"/>
+          </p:nvPr>
+        </p:nvSpPr>
+        <p:spPr/>
+        <p:txBody>
+          <a:bodyPr/>
+          <a:lstStyle/>
+          <a:p>
+            <a:r>
+              <a:rPr lang="en-GB"/>
+              <a:t>@owennell</a:t>
+            </a:r>
+            <a:endParaRPr lang="en-US" dirty="0"/>
           </a:p>
         </p:txBody>
       </p:sp>
@@ -11106,12 +13475,18 @@
       </p:sp>
       <p:sp>
         <p:nvSpPr>
-          <p:cNvPr id="4" name="Slide Number Placeholder 3"/>
-          <p:cNvSpPr>
-            <a:spLocks noGrp="1"/>
-          </p:cNvSpPr>
-          <p:nvPr>
-            <p:ph type="sldNum" sz="quarter" idx="4"/>
+          <p:cNvPr id="5" name="Date Placeholder 4">
+            <a:extLst>
+              <a:ext uri="{FF2B5EF4-FFF2-40B4-BE49-F238E27FC236}">
+                <a16:creationId xmlns:a16="http://schemas.microsoft.com/office/drawing/2014/main" id="{C4508405-91BD-BA48-9168-9E7A305E1751}"/>
+              </a:ext>
+            </a:extLst>
+          </p:cNvPr>
+          <p:cNvSpPr>
+            <a:spLocks noGrp="1"/>
+          </p:cNvSpPr>
+          <p:nvPr>
+            <p:ph type="dt" sz="half" idx="10"/>
           </p:nvPr>
         </p:nvSpPr>
         <p:spPr/>
@@ -11119,12 +13494,11 @@
           <a:bodyPr/>
           <a:lstStyle/>
           <a:p>
-            <a:fld id="{E27CA991-4457-4ACA-B19F-AE1560789A51}" type="slidenum">
-              <a:rPr lang="en-GB" smtClean="0"/>
-              <a:pPr/>
-              <a:t>18</a:t>
-            </a:fld>
-            <a:endParaRPr lang="en-GB"/>
+            <a:r>
+              <a:rPr lang="en-GB"/>
+              <a:t>@owennell</a:t>
+            </a:r>
+            <a:endParaRPr lang="en-US" dirty="0"/>
           </a:p>
         </p:txBody>
       </p:sp>
@@ -11188,12 +13562,18 @@
       </p:sp>
       <p:sp>
         <p:nvSpPr>
-          <p:cNvPr id="4" name="Slide Number Placeholder 3"/>
-          <p:cNvSpPr>
-            <a:spLocks noGrp="1"/>
-          </p:cNvSpPr>
-          <p:nvPr>
-            <p:ph type="sldNum" sz="quarter" idx="4"/>
+          <p:cNvPr id="5" name="Date Placeholder 4">
+            <a:extLst>
+              <a:ext uri="{FF2B5EF4-FFF2-40B4-BE49-F238E27FC236}">
+                <a16:creationId xmlns:a16="http://schemas.microsoft.com/office/drawing/2014/main" id="{8E4EBE76-9641-8245-AB5C-B9524482DDD6}"/>
+              </a:ext>
+            </a:extLst>
+          </p:cNvPr>
+          <p:cNvSpPr>
+            <a:spLocks noGrp="1"/>
+          </p:cNvSpPr>
+          <p:nvPr>
+            <p:ph type="dt" sz="half" idx="10"/>
           </p:nvPr>
         </p:nvSpPr>
         <p:spPr/>
@@ -11201,12 +13581,11 @@
           <a:bodyPr/>
           <a:lstStyle/>
           <a:p>
-            <a:fld id="{E27CA991-4457-4ACA-B19F-AE1560789A51}" type="slidenum">
-              <a:rPr lang="en-GB" smtClean="0"/>
-              <a:pPr/>
-              <a:t>19</a:t>
-            </a:fld>
-            <a:endParaRPr lang="en-GB"/>
+            <a:r>
+              <a:rPr lang="en-GB"/>
+              <a:t>@owennell</a:t>
+            </a:r>
+            <a:endParaRPr lang="en-US" dirty="0"/>
           </a:p>
         </p:txBody>
       </p:sp>
@@ -11287,30 +13666,6 @@
           </a:p>
         </p:txBody>
       </p:sp>
-      <p:sp>
-        <p:nvSpPr>
-          <p:cNvPr id="4" name="Slide Number Placeholder 3"/>
-          <p:cNvSpPr>
-            <a:spLocks noGrp="1"/>
-          </p:cNvSpPr>
-          <p:nvPr>
-            <p:ph type="sldNum" sz="quarter" idx="4"/>
-          </p:nvPr>
-        </p:nvSpPr>
-        <p:spPr/>
-        <p:txBody>
-          <a:bodyPr/>
-          <a:lstStyle/>
-          <a:p>
-            <a:fld id="{E27CA991-4457-4ACA-B19F-AE1560789A51}" type="slidenum">
-              <a:rPr lang="en-GB" smtClean="0"/>
-              <a:pPr/>
-              <a:t>2</a:t>
-            </a:fld>
-            <a:endParaRPr lang="en-GB"/>
-          </a:p>
-        </p:txBody>
-      </p:sp>
     </p:spTree>
     <p:extLst>
       <p:ext uri="{BB962C8B-B14F-4D97-AF65-F5344CB8AC3E}">
@@ -11372,30 +13727,6 @@
       </p:sp>
       <p:sp>
         <p:nvSpPr>
-          <p:cNvPr id="4" name="Slide Number Placeholder 3"/>
-          <p:cNvSpPr>
-            <a:spLocks noGrp="1"/>
-          </p:cNvSpPr>
-          <p:nvPr>
-            <p:ph type="sldNum" sz="quarter" idx="4"/>
-          </p:nvPr>
-        </p:nvSpPr>
-        <p:spPr/>
-        <p:txBody>
-          <a:bodyPr/>
-          <a:lstStyle/>
-          <a:p>
-            <a:fld id="{E27CA991-4457-4ACA-B19F-AE1560789A51}" type="slidenum">
-              <a:rPr lang="en-GB" smtClean="0"/>
-              <a:pPr/>
-              <a:t>20</a:t>
-            </a:fld>
-            <a:endParaRPr lang="en-GB"/>
-          </a:p>
-        </p:txBody>
-      </p:sp>
-      <p:sp>
-        <p:nvSpPr>
           <p:cNvPr id="5" name="Title 1">
             <a:extLst>
               <a:ext uri="{FF2B5EF4-FFF2-40B4-BE49-F238E27FC236}">
@@ -11544,6 +13875,35 @@
               <a:rPr lang="en-GB" sz="6600" dirty="0"/>
               <a:t> Stronger 💪</a:t>
             </a:r>
+          </a:p>
+        </p:txBody>
+      </p:sp>
+      <p:sp>
+        <p:nvSpPr>
+          <p:cNvPr id="8" name="Date Placeholder 7">
+            <a:extLst>
+              <a:ext uri="{FF2B5EF4-FFF2-40B4-BE49-F238E27FC236}">
+                <a16:creationId xmlns:a16="http://schemas.microsoft.com/office/drawing/2014/main" id="{80F32D98-8357-0949-AE3C-4C4001CE842C}"/>
+              </a:ext>
+            </a:extLst>
+          </p:cNvPr>
+          <p:cNvSpPr>
+            <a:spLocks noGrp="1"/>
+          </p:cNvSpPr>
+          <p:nvPr>
+            <p:ph type="dt" sz="half" idx="10"/>
+          </p:nvPr>
+        </p:nvSpPr>
+        <p:spPr/>
+        <p:txBody>
+          <a:bodyPr/>
+          <a:lstStyle/>
+          <a:p>
+            <a:r>
+              <a:rPr lang="en-GB"/>
+              <a:t>@owennell</a:t>
+            </a:r>
+            <a:endParaRPr lang="en-US" dirty="0"/>
           </a:p>
         </p:txBody>
       </p:sp>
@@ -11778,12 +14138,18 @@
       </p:sp>
       <p:sp>
         <p:nvSpPr>
-          <p:cNvPr id="4" name="Slide Number Placeholder 3"/>
-          <p:cNvSpPr>
-            <a:spLocks noGrp="1"/>
-          </p:cNvSpPr>
-          <p:nvPr>
-            <p:ph type="sldNum" sz="quarter" idx="4"/>
+          <p:cNvPr id="5" name="Date Placeholder 4">
+            <a:extLst>
+              <a:ext uri="{FF2B5EF4-FFF2-40B4-BE49-F238E27FC236}">
+                <a16:creationId xmlns:a16="http://schemas.microsoft.com/office/drawing/2014/main" id="{3786DDC9-1844-7C45-829A-2DBE36A0C5FB}"/>
+              </a:ext>
+            </a:extLst>
+          </p:cNvPr>
+          <p:cNvSpPr>
+            <a:spLocks noGrp="1"/>
+          </p:cNvSpPr>
+          <p:nvPr>
+            <p:ph type="dt" sz="half" idx="10"/>
           </p:nvPr>
         </p:nvSpPr>
         <p:spPr/>
@@ -11791,12 +14157,11 @@
           <a:bodyPr/>
           <a:lstStyle/>
           <a:p>
-            <a:fld id="{E27CA991-4457-4ACA-B19F-AE1560789A51}" type="slidenum">
-              <a:rPr lang="en-GB" smtClean="0"/>
-              <a:pPr/>
-              <a:t>21</a:t>
-            </a:fld>
-            <a:endParaRPr lang="en-GB"/>
+            <a:r>
+              <a:rPr lang="en-GB"/>
+              <a:t>@owennell</a:t>
+            </a:r>
+            <a:endParaRPr lang="en-US" dirty="0"/>
           </a:p>
         </p:txBody>
       </p:sp>
@@ -11861,12 +14226,18 @@
       </p:sp>
       <p:sp>
         <p:nvSpPr>
-          <p:cNvPr id="4" name="Slide Number Placeholder 3"/>
-          <p:cNvSpPr>
-            <a:spLocks noGrp="1"/>
-          </p:cNvSpPr>
-          <p:nvPr>
-            <p:ph type="sldNum" sz="quarter" idx="4"/>
+          <p:cNvPr id="5" name="Date Placeholder 4">
+            <a:extLst>
+              <a:ext uri="{FF2B5EF4-FFF2-40B4-BE49-F238E27FC236}">
+                <a16:creationId xmlns:a16="http://schemas.microsoft.com/office/drawing/2014/main" id="{4BAAABBF-9E5B-4A44-9106-C11D04CE4D6B}"/>
+              </a:ext>
+            </a:extLst>
+          </p:cNvPr>
+          <p:cNvSpPr>
+            <a:spLocks noGrp="1"/>
+          </p:cNvSpPr>
+          <p:nvPr>
+            <p:ph type="dt" sz="half" idx="10"/>
           </p:nvPr>
         </p:nvSpPr>
         <p:spPr/>
@@ -11874,12 +14245,11 @@
           <a:bodyPr/>
           <a:lstStyle/>
           <a:p>
-            <a:fld id="{E27CA991-4457-4ACA-B19F-AE1560789A51}" type="slidenum">
-              <a:rPr lang="en-GB" smtClean="0"/>
-              <a:pPr/>
-              <a:t>22</a:t>
-            </a:fld>
-            <a:endParaRPr lang="en-GB"/>
+            <a:r>
+              <a:rPr lang="en-GB"/>
+              <a:t>@owennell</a:t>
+            </a:r>
+            <a:endParaRPr lang="en-US" dirty="0"/>
           </a:p>
         </p:txBody>
       </p:sp>
@@ -11944,12 +14314,18 @@
       </p:sp>
       <p:sp>
         <p:nvSpPr>
-          <p:cNvPr id="4" name="Slide Number Placeholder 3"/>
-          <p:cNvSpPr>
-            <a:spLocks noGrp="1"/>
-          </p:cNvSpPr>
-          <p:nvPr>
-            <p:ph type="sldNum" sz="quarter" idx="4"/>
+          <p:cNvPr id="5" name="Date Placeholder 4">
+            <a:extLst>
+              <a:ext uri="{FF2B5EF4-FFF2-40B4-BE49-F238E27FC236}">
+                <a16:creationId xmlns:a16="http://schemas.microsoft.com/office/drawing/2014/main" id="{0280F0D6-D0C2-6E40-B5CA-DA74A9F97EE0}"/>
+              </a:ext>
+            </a:extLst>
+          </p:cNvPr>
+          <p:cNvSpPr>
+            <a:spLocks noGrp="1"/>
+          </p:cNvSpPr>
+          <p:nvPr>
+            <p:ph type="dt" sz="half" idx="10"/>
           </p:nvPr>
         </p:nvSpPr>
         <p:spPr/>
@@ -11957,12 +14333,11 @@
           <a:bodyPr/>
           <a:lstStyle/>
           <a:p>
-            <a:fld id="{E27CA991-4457-4ACA-B19F-AE1560789A51}" type="slidenum">
-              <a:rPr lang="en-GB" smtClean="0"/>
-              <a:pPr/>
-              <a:t>23</a:t>
-            </a:fld>
-            <a:endParaRPr lang="en-GB"/>
+            <a:r>
+              <a:rPr lang="en-GB"/>
+              <a:t>@owennell</a:t>
+            </a:r>
+            <a:endParaRPr lang="en-US" dirty="0"/>
           </a:p>
         </p:txBody>
       </p:sp>
@@ -12027,12 +14402,18 @@
       </p:sp>
       <p:sp>
         <p:nvSpPr>
-          <p:cNvPr id="4" name="Slide Number Placeholder 3"/>
-          <p:cNvSpPr>
-            <a:spLocks noGrp="1"/>
-          </p:cNvSpPr>
-          <p:nvPr>
-            <p:ph type="sldNum" sz="quarter" idx="4"/>
+          <p:cNvPr id="5" name="Date Placeholder 4">
+            <a:extLst>
+              <a:ext uri="{FF2B5EF4-FFF2-40B4-BE49-F238E27FC236}">
+                <a16:creationId xmlns:a16="http://schemas.microsoft.com/office/drawing/2014/main" id="{EE60D85D-FD11-334E-97BA-5F476256A969}"/>
+              </a:ext>
+            </a:extLst>
+          </p:cNvPr>
+          <p:cNvSpPr>
+            <a:spLocks noGrp="1"/>
+          </p:cNvSpPr>
+          <p:nvPr>
+            <p:ph type="dt" sz="half" idx="10"/>
           </p:nvPr>
         </p:nvSpPr>
         <p:spPr/>
@@ -12040,12 +14421,11 @@
           <a:bodyPr/>
           <a:lstStyle/>
           <a:p>
-            <a:fld id="{E27CA991-4457-4ACA-B19F-AE1560789A51}" type="slidenum">
-              <a:rPr lang="en-GB" smtClean="0"/>
-              <a:pPr/>
-              <a:t>24</a:t>
-            </a:fld>
-            <a:endParaRPr lang="en-GB"/>
+            <a:r>
+              <a:rPr lang="en-GB"/>
+              <a:t>@owennell</a:t>
+            </a:r>
+            <a:endParaRPr lang="en-US" dirty="0"/>
           </a:p>
         </p:txBody>
       </p:sp>
@@ -12110,12 +14490,18 @@
       </p:sp>
       <p:sp>
         <p:nvSpPr>
-          <p:cNvPr id="4" name="Slide Number Placeholder 3"/>
-          <p:cNvSpPr>
-            <a:spLocks noGrp="1"/>
-          </p:cNvSpPr>
-          <p:nvPr>
-            <p:ph type="sldNum" sz="quarter" idx="4"/>
+          <p:cNvPr id="5" name="Date Placeholder 4">
+            <a:extLst>
+              <a:ext uri="{FF2B5EF4-FFF2-40B4-BE49-F238E27FC236}">
+                <a16:creationId xmlns:a16="http://schemas.microsoft.com/office/drawing/2014/main" id="{4DE1DA26-D12C-BC43-8C2A-B4073E46C31B}"/>
+              </a:ext>
+            </a:extLst>
+          </p:cNvPr>
+          <p:cNvSpPr>
+            <a:spLocks noGrp="1"/>
+          </p:cNvSpPr>
+          <p:nvPr>
+            <p:ph type="dt" sz="half" idx="10"/>
           </p:nvPr>
         </p:nvSpPr>
         <p:spPr/>
@@ -12123,12 +14509,11 @@
           <a:bodyPr/>
           <a:lstStyle/>
           <a:p>
-            <a:fld id="{E27CA991-4457-4ACA-B19F-AE1560789A51}" type="slidenum">
-              <a:rPr lang="en-GB" smtClean="0"/>
-              <a:pPr/>
-              <a:t>25</a:t>
-            </a:fld>
-            <a:endParaRPr lang="en-GB"/>
+            <a:r>
+              <a:rPr lang="en-GB"/>
+              <a:t>@owennell</a:t>
+            </a:r>
+            <a:endParaRPr lang="en-US" dirty="0"/>
           </a:p>
         </p:txBody>
       </p:sp>
@@ -12193,12 +14578,18 @@
       </p:sp>
       <p:sp>
         <p:nvSpPr>
-          <p:cNvPr id="4" name="Slide Number Placeholder 3"/>
-          <p:cNvSpPr>
-            <a:spLocks noGrp="1"/>
-          </p:cNvSpPr>
-          <p:nvPr>
-            <p:ph type="sldNum" sz="quarter" idx="4"/>
+          <p:cNvPr id="5" name="Date Placeholder 4">
+            <a:extLst>
+              <a:ext uri="{FF2B5EF4-FFF2-40B4-BE49-F238E27FC236}">
+                <a16:creationId xmlns:a16="http://schemas.microsoft.com/office/drawing/2014/main" id="{4F580795-E938-2B4F-BEB3-DCDDE8BEB4C9}"/>
+              </a:ext>
+            </a:extLst>
+          </p:cNvPr>
+          <p:cNvSpPr>
+            <a:spLocks noGrp="1"/>
+          </p:cNvSpPr>
+          <p:nvPr>
+            <p:ph type="dt" sz="half" idx="10"/>
           </p:nvPr>
         </p:nvSpPr>
         <p:spPr/>
@@ -12206,12 +14597,11 @@
           <a:bodyPr/>
           <a:lstStyle/>
           <a:p>
-            <a:fld id="{E27CA991-4457-4ACA-B19F-AE1560789A51}" type="slidenum">
-              <a:rPr lang="en-GB" smtClean="0"/>
-              <a:pPr/>
-              <a:t>26</a:t>
-            </a:fld>
-            <a:endParaRPr lang="en-GB"/>
+            <a:r>
+              <a:rPr lang="en-GB"/>
+              <a:t>@owennell</a:t>
+            </a:r>
+            <a:endParaRPr lang="en-US" dirty="0"/>
           </a:p>
         </p:txBody>
       </p:sp>
@@ -12276,30 +14666,6 @@
       </p:sp>
       <p:sp>
         <p:nvSpPr>
-          <p:cNvPr id="4" name="Slide Number Placeholder 3"/>
-          <p:cNvSpPr>
-            <a:spLocks noGrp="1"/>
-          </p:cNvSpPr>
-          <p:nvPr>
-            <p:ph type="sldNum" sz="quarter" idx="4"/>
-          </p:nvPr>
-        </p:nvSpPr>
-        <p:spPr/>
-        <p:txBody>
-          <a:bodyPr/>
-          <a:lstStyle/>
-          <a:p>
-            <a:fld id="{E27CA991-4457-4ACA-B19F-AE1560789A51}" type="slidenum">
-              <a:rPr lang="en-GB" smtClean="0"/>
-              <a:pPr/>
-              <a:t>27</a:t>
-            </a:fld>
-            <a:endParaRPr lang="en-GB"/>
-          </a:p>
-        </p:txBody>
-      </p:sp>
-      <p:sp>
-        <p:nvSpPr>
           <p:cNvPr id="5" name="Title 1">
             <a:extLst>
               <a:ext uri="{FF2B5EF4-FFF2-40B4-BE49-F238E27FC236}">
@@ -12348,6 +14714,35 @@
               <a:t>Amplification</a:t>
             </a:r>
             <a:endParaRPr lang="en-GB" sz="7200" i="1" dirty="0"/>
+          </a:p>
+        </p:txBody>
+      </p:sp>
+      <p:sp>
+        <p:nvSpPr>
+          <p:cNvPr id="6" name="Date Placeholder 5">
+            <a:extLst>
+              <a:ext uri="{FF2B5EF4-FFF2-40B4-BE49-F238E27FC236}">
+                <a16:creationId xmlns:a16="http://schemas.microsoft.com/office/drawing/2014/main" id="{F367E09A-7AA3-F74D-91FE-C4D78529FB50}"/>
+              </a:ext>
+            </a:extLst>
+          </p:cNvPr>
+          <p:cNvSpPr>
+            <a:spLocks noGrp="1"/>
+          </p:cNvSpPr>
+          <p:nvPr>
+            <p:ph type="dt" sz="half" idx="10"/>
+          </p:nvPr>
+        </p:nvSpPr>
+        <p:spPr/>
+        <p:txBody>
+          <a:bodyPr/>
+          <a:lstStyle/>
+          <a:p>
+            <a:r>
+              <a:rPr lang="en-GB"/>
+              <a:t>@owennell</a:t>
+            </a:r>
+            <a:endParaRPr lang="en-US" dirty="0"/>
           </a:p>
         </p:txBody>
       </p:sp>
@@ -12497,12 +14892,18 @@
       </p:sp>
       <p:sp>
         <p:nvSpPr>
-          <p:cNvPr id="4" name="Slide Number Placeholder 3"/>
-          <p:cNvSpPr>
-            <a:spLocks noGrp="1"/>
-          </p:cNvSpPr>
-          <p:nvPr>
-            <p:ph type="sldNum" sz="quarter" idx="4"/>
+          <p:cNvPr id="5" name="Date Placeholder 4">
+            <a:extLst>
+              <a:ext uri="{FF2B5EF4-FFF2-40B4-BE49-F238E27FC236}">
+                <a16:creationId xmlns:a16="http://schemas.microsoft.com/office/drawing/2014/main" id="{E5763439-ABEF-9B42-80C7-8FD181A7F6D8}"/>
+              </a:ext>
+            </a:extLst>
+          </p:cNvPr>
+          <p:cNvSpPr>
+            <a:spLocks noGrp="1"/>
+          </p:cNvSpPr>
+          <p:nvPr>
+            <p:ph type="dt" sz="half" idx="10"/>
           </p:nvPr>
         </p:nvSpPr>
         <p:spPr/>
@@ -12510,12 +14911,11 @@
           <a:bodyPr/>
           <a:lstStyle/>
           <a:p>
-            <a:fld id="{E27CA991-4457-4ACA-B19F-AE1560789A51}" type="slidenum">
-              <a:rPr lang="en-GB" smtClean="0"/>
-              <a:pPr/>
-              <a:t>28</a:t>
-            </a:fld>
-            <a:endParaRPr lang="en-GB"/>
+            <a:r>
+              <a:rPr lang="en-GB"/>
+              <a:t>@owennell</a:t>
+            </a:r>
+            <a:endParaRPr lang="en-US" dirty="0"/>
           </a:p>
         </p:txBody>
       </p:sp>
@@ -12580,12 +14980,18 @@
       </p:sp>
       <p:sp>
         <p:nvSpPr>
-          <p:cNvPr id="4" name="Slide Number Placeholder 3"/>
-          <p:cNvSpPr>
-            <a:spLocks noGrp="1"/>
-          </p:cNvSpPr>
-          <p:nvPr>
-            <p:ph type="sldNum" sz="quarter" idx="4"/>
+          <p:cNvPr id="5" name="Date Placeholder 4">
+            <a:extLst>
+              <a:ext uri="{FF2B5EF4-FFF2-40B4-BE49-F238E27FC236}">
+                <a16:creationId xmlns:a16="http://schemas.microsoft.com/office/drawing/2014/main" id="{9CAE9C29-D213-8E4F-A948-23AB8DC049EE}"/>
+              </a:ext>
+            </a:extLst>
+          </p:cNvPr>
+          <p:cNvSpPr>
+            <a:spLocks noGrp="1"/>
+          </p:cNvSpPr>
+          <p:nvPr>
+            <p:ph type="dt" sz="half" idx="10"/>
           </p:nvPr>
         </p:nvSpPr>
         <p:spPr/>
@@ -12593,12 +14999,11 @@
           <a:bodyPr/>
           <a:lstStyle/>
           <a:p>
-            <a:fld id="{E27CA991-4457-4ACA-B19F-AE1560789A51}" type="slidenum">
-              <a:rPr lang="en-GB" smtClean="0"/>
-              <a:pPr/>
-              <a:t>29</a:t>
-            </a:fld>
-            <a:endParaRPr lang="en-GB"/>
+            <a:r>
+              <a:rPr lang="en-GB"/>
+              <a:t>@owennell</a:t>
+            </a:r>
+            <a:endParaRPr lang="en-US" dirty="0"/>
           </a:p>
         </p:txBody>
       </p:sp>
@@ -12663,12 +15068,18 @@
       </p:sp>
       <p:sp>
         <p:nvSpPr>
-          <p:cNvPr id="4" name="Slide Number Placeholder 3"/>
-          <p:cNvSpPr>
-            <a:spLocks noGrp="1"/>
-          </p:cNvSpPr>
-          <p:nvPr>
-            <p:ph type="sldNum" sz="quarter" idx="4"/>
+          <p:cNvPr id="5" name="Date Placeholder 4">
+            <a:extLst>
+              <a:ext uri="{FF2B5EF4-FFF2-40B4-BE49-F238E27FC236}">
+                <a16:creationId xmlns:a16="http://schemas.microsoft.com/office/drawing/2014/main" id="{9BB07187-B2F8-A04C-8EE8-73B1926D7AD4}"/>
+              </a:ext>
+            </a:extLst>
+          </p:cNvPr>
+          <p:cNvSpPr>
+            <a:spLocks noGrp="1"/>
+          </p:cNvSpPr>
+          <p:nvPr>
+            <p:ph type="dt" sz="half" idx="10"/>
           </p:nvPr>
         </p:nvSpPr>
         <p:spPr/>
@@ -12676,12 +15087,11 @@
           <a:bodyPr/>
           <a:lstStyle/>
           <a:p>
-            <a:fld id="{E27CA991-4457-4ACA-B19F-AE1560789A51}" type="slidenum">
-              <a:rPr lang="en-GB" smtClean="0"/>
-              <a:pPr/>
-              <a:t>3</a:t>
-            </a:fld>
-            <a:endParaRPr lang="en-GB"/>
+            <a:r>
+              <a:rPr lang="en-GB"/>
+              <a:t>@owennell</a:t>
+            </a:r>
+            <a:endParaRPr lang="en-US" dirty="0"/>
           </a:p>
         </p:txBody>
       </p:sp>
@@ -12746,12 +15156,18 @@
       </p:sp>
       <p:sp>
         <p:nvSpPr>
-          <p:cNvPr id="4" name="Slide Number Placeholder 3"/>
-          <p:cNvSpPr>
-            <a:spLocks noGrp="1"/>
-          </p:cNvSpPr>
-          <p:nvPr>
-            <p:ph type="sldNum" sz="quarter" idx="4"/>
+          <p:cNvPr id="5" name="Date Placeholder 4">
+            <a:extLst>
+              <a:ext uri="{FF2B5EF4-FFF2-40B4-BE49-F238E27FC236}">
+                <a16:creationId xmlns:a16="http://schemas.microsoft.com/office/drawing/2014/main" id="{D35ED5AB-89B0-2C49-9A80-5A4E7BC8B4E3}"/>
+              </a:ext>
+            </a:extLst>
+          </p:cNvPr>
+          <p:cNvSpPr>
+            <a:spLocks noGrp="1"/>
+          </p:cNvSpPr>
+          <p:nvPr>
+            <p:ph type="dt" sz="half" idx="10"/>
           </p:nvPr>
         </p:nvSpPr>
         <p:spPr/>
@@ -12759,12 +15175,11 @@
           <a:bodyPr/>
           <a:lstStyle/>
           <a:p>
-            <a:fld id="{E27CA991-4457-4ACA-B19F-AE1560789A51}" type="slidenum">
-              <a:rPr lang="en-GB" smtClean="0"/>
-              <a:pPr/>
-              <a:t>30</a:t>
-            </a:fld>
-            <a:endParaRPr lang="en-GB"/>
+            <a:r>
+              <a:rPr lang="en-GB"/>
+              <a:t>@owennell</a:t>
+            </a:r>
+            <a:endParaRPr lang="en-US" dirty="0"/>
           </a:p>
         </p:txBody>
       </p:sp>
@@ -12829,12 +15244,18 @@
       </p:sp>
       <p:sp>
         <p:nvSpPr>
-          <p:cNvPr id="4" name="Slide Number Placeholder 3"/>
-          <p:cNvSpPr>
-            <a:spLocks noGrp="1"/>
-          </p:cNvSpPr>
-          <p:nvPr>
-            <p:ph type="sldNum" sz="quarter" idx="4"/>
+          <p:cNvPr id="5" name="Date Placeholder 4">
+            <a:extLst>
+              <a:ext uri="{FF2B5EF4-FFF2-40B4-BE49-F238E27FC236}">
+                <a16:creationId xmlns:a16="http://schemas.microsoft.com/office/drawing/2014/main" id="{A3D7BA19-3A51-B249-BB60-C10BA55B4F1A}"/>
+              </a:ext>
+            </a:extLst>
+          </p:cNvPr>
+          <p:cNvSpPr>
+            <a:spLocks noGrp="1"/>
+          </p:cNvSpPr>
+          <p:nvPr>
+            <p:ph type="dt" sz="half" idx="10"/>
           </p:nvPr>
         </p:nvSpPr>
         <p:spPr/>
@@ -12842,12 +15263,11 @@
           <a:bodyPr/>
           <a:lstStyle/>
           <a:p>
-            <a:fld id="{E27CA991-4457-4ACA-B19F-AE1560789A51}" type="slidenum">
-              <a:rPr lang="en-GB" smtClean="0"/>
-              <a:pPr/>
-              <a:t>31</a:t>
-            </a:fld>
-            <a:endParaRPr lang="en-GB"/>
+            <a:r>
+              <a:rPr lang="en-GB"/>
+              <a:t>@owennell</a:t>
+            </a:r>
+            <a:endParaRPr lang="en-US" dirty="0"/>
           </a:p>
         </p:txBody>
       </p:sp>
@@ -12912,12 +15332,18 @@
       </p:sp>
       <p:sp>
         <p:nvSpPr>
-          <p:cNvPr id="4" name="Slide Number Placeholder 3"/>
-          <p:cNvSpPr>
-            <a:spLocks noGrp="1"/>
-          </p:cNvSpPr>
-          <p:nvPr>
-            <p:ph type="sldNum" sz="quarter" idx="4"/>
+          <p:cNvPr id="5" name="Date Placeholder 4">
+            <a:extLst>
+              <a:ext uri="{FF2B5EF4-FFF2-40B4-BE49-F238E27FC236}">
+                <a16:creationId xmlns:a16="http://schemas.microsoft.com/office/drawing/2014/main" id="{7429B3A2-4530-CC42-9BC7-F6089F4730C3}"/>
+              </a:ext>
+            </a:extLst>
+          </p:cNvPr>
+          <p:cNvSpPr>
+            <a:spLocks noGrp="1"/>
+          </p:cNvSpPr>
+          <p:nvPr>
+            <p:ph type="dt" sz="half" idx="10"/>
           </p:nvPr>
         </p:nvSpPr>
         <p:spPr/>
@@ -12925,12 +15351,11 @@
           <a:bodyPr/>
           <a:lstStyle/>
           <a:p>
-            <a:fld id="{E27CA991-4457-4ACA-B19F-AE1560789A51}" type="slidenum">
-              <a:rPr lang="en-GB" smtClean="0"/>
-              <a:pPr/>
-              <a:t>32</a:t>
-            </a:fld>
-            <a:endParaRPr lang="en-GB"/>
+            <a:r>
+              <a:rPr lang="en-GB"/>
+              <a:t>@owennell</a:t>
+            </a:r>
+            <a:endParaRPr lang="en-US" dirty="0"/>
           </a:p>
         </p:txBody>
       </p:sp>
@@ -12995,12 +15420,18 @@
       </p:sp>
       <p:sp>
         <p:nvSpPr>
-          <p:cNvPr id="4" name="Slide Number Placeholder 3"/>
-          <p:cNvSpPr>
-            <a:spLocks noGrp="1"/>
-          </p:cNvSpPr>
-          <p:nvPr>
-            <p:ph type="sldNum" sz="quarter" idx="4"/>
+          <p:cNvPr id="5" name="Date Placeholder 4">
+            <a:extLst>
+              <a:ext uri="{FF2B5EF4-FFF2-40B4-BE49-F238E27FC236}">
+                <a16:creationId xmlns:a16="http://schemas.microsoft.com/office/drawing/2014/main" id="{A01D19CD-9DF1-E342-A26A-070658E7A8BD}"/>
+              </a:ext>
+            </a:extLst>
+          </p:cNvPr>
+          <p:cNvSpPr>
+            <a:spLocks noGrp="1"/>
+          </p:cNvSpPr>
+          <p:nvPr>
+            <p:ph type="dt" sz="half" idx="10"/>
           </p:nvPr>
         </p:nvSpPr>
         <p:spPr/>
@@ -13008,12 +15439,11 @@
           <a:bodyPr/>
           <a:lstStyle/>
           <a:p>
-            <a:fld id="{E27CA991-4457-4ACA-B19F-AE1560789A51}" type="slidenum">
-              <a:rPr lang="en-GB" smtClean="0"/>
-              <a:pPr/>
-              <a:t>33</a:t>
-            </a:fld>
-            <a:endParaRPr lang="en-GB"/>
+            <a:r>
+              <a:rPr lang="en-GB"/>
+              <a:t>@owennell</a:t>
+            </a:r>
+            <a:endParaRPr lang="en-US" dirty="0"/>
           </a:p>
         </p:txBody>
       </p:sp>
@@ -13078,12 +15508,18 @@
       </p:sp>
       <p:sp>
         <p:nvSpPr>
-          <p:cNvPr id="4" name="Slide Number Placeholder 3"/>
-          <p:cNvSpPr>
-            <a:spLocks noGrp="1"/>
-          </p:cNvSpPr>
-          <p:nvPr>
-            <p:ph type="sldNum" sz="quarter" idx="4"/>
+          <p:cNvPr id="5" name="Date Placeholder 4">
+            <a:extLst>
+              <a:ext uri="{FF2B5EF4-FFF2-40B4-BE49-F238E27FC236}">
+                <a16:creationId xmlns:a16="http://schemas.microsoft.com/office/drawing/2014/main" id="{D631A1A3-40C4-9E48-AF02-6D78985EBAB3}"/>
+              </a:ext>
+            </a:extLst>
+          </p:cNvPr>
+          <p:cNvSpPr>
+            <a:spLocks noGrp="1"/>
+          </p:cNvSpPr>
+          <p:nvPr>
+            <p:ph type="dt" sz="half" idx="10"/>
           </p:nvPr>
         </p:nvSpPr>
         <p:spPr/>
@@ -13091,12 +15527,11 @@
           <a:bodyPr/>
           <a:lstStyle/>
           <a:p>
-            <a:fld id="{E27CA991-4457-4ACA-B19F-AE1560789A51}" type="slidenum">
-              <a:rPr lang="en-GB" smtClean="0"/>
-              <a:pPr/>
-              <a:t>34</a:t>
-            </a:fld>
-            <a:endParaRPr lang="en-GB"/>
+            <a:r>
+              <a:rPr lang="en-GB"/>
+              <a:t>@owennell</a:t>
+            </a:r>
+            <a:endParaRPr lang="en-US" dirty="0"/>
           </a:p>
         </p:txBody>
       </p:sp>
@@ -13161,12 +15596,18 @@
       </p:sp>
       <p:sp>
         <p:nvSpPr>
-          <p:cNvPr id="4" name="Slide Number Placeholder 3"/>
-          <p:cNvSpPr>
-            <a:spLocks noGrp="1"/>
-          </p:cNvSpPr>
-          <p:nvPr>
-            <p:ph type="sldNum" sz="quarter" idx="4"/>
+          <p:cNvPr id="5" name="Date Placeholder 4">
+            <a:extLst>
+              <a:ext uri="{FF2B5EF4-FFF2-40B4-BE49-F238E27FC236}">
+                <a16:creationId xmlns:a16="http://schemas.microsoft.com/office/drawing/2014/main" id="{26A02A8F-FFC0-FE42-ACE4-8BAF36DB8C01}"/>
+              </a:ext>
+            </a:extLst>
+          </p:cNvPr>
+          <p:cNvSpPr>
+            <a:spLocks noGrp="1"/>
+          </p:cNvSpPr>
+          <p:nvPr>
+            <p:ph type="dt" sz="half" idx="10"/>
           </p:nvPr>
         </p:nvSpPr>
         <p:spPr/>
@@ -13174,12 +15615,11 @@
           <a:bodyPr/>
           <a:lstStyle/>
           <a:p>
-            <a:fld id="{E27CA991-4457-4ACA-B19F-AE1560789A51}" type="slidenum">
-              <a:rPr lang="en-GB" smtClean="0"/>
-              <a:pPr/>
-              <a:t>35</a:t>
-            </a:fld>
-            <a:endParaRPr lang="en-GB"/>
+            <a:r>
+              <a:rPr lang="en-GB"/>
+              <a:t>@owennell</a:t>
+            </a:r>
+            <a:endParaRPr lang="en-US" dirty="0"/>
           </a:p>
         </p:txBody>
       </p:sp>
@@ -13244,12 +15684,18 @@
       </p:sp>
       <p:sp>
         <p:nvSpPr>
-          <p:cNvPr id="4" name="Slide Number Placeholder 3"/>
-          <p:cNvSpPr>
-            <a:spLocks noGrp="1"/>
-          </p:cNvSpPr>
-          <p:nvPr>
-            <p:ph type="sldNum" sz="quarter" idx="4"/>
+          <p:cNvPr id="5" name="Date Placeholder 4">
+            <a:extLst>
+              <a:ext uri="{FF2B5EF4-FFF2-40B4-BE49-F238E27FC236}">
+                <a16:creationId xmlns:a16="http://schemas.microsoft.com/office/drawing/2014/main" id="{F63CA60B-A483-7345-A8F7-831C696472D8}"/>
+              </a:ext>
+            </a:extLst>
+          </p:cNvPr>
+          <p:cNvSpPr>
+            <a:spLocks noGrp="1"/>
+          </p:cNvSpPr>
+          <p:nvPr>
+            <p:ph type="dt" sz="half" idx="10"/>
           </p:nvPr>
         </p:nvSpPr>
         <p:spPr/>
@@ -13257,12 +15703,11 @@
           <a:bodyPr/>
           <a:lstStyle/>
           <a:p>
-            <a:fld id="{E27CA991-4457-4ACA-B19F-AE1560789A51}" type="slidenum">
-              <a:rPr lang="en-GB" smtClean="0"/>
-              <a:pPr/>
-              <a:t>36</a:t>
-            </a:fld>
-            <a:endParaRPr lang="en-GB"/>
+            <a:r>
+              <a:rPr lang="en-GB"/>
+              <a:t>@owennell</a:t>
+            </a:r>
+            <a:endParaRPr lang="en-US" dirty="0"/>
           </a:p>
         </p:txBody>
       </p:sp>
@@ -13327,30 +15772,6 @@
       </p:sp>
       <p:sp>
         <p:nvSpPr>
-          <p:cNvPr id="4" name="Slide Number Placeholder 3"/>
-          <p:cNvSpPr>
-            <a:spLocks noGrp="1"/>
-          </p:cNvSpPr>
-          <p:nvPr>
-            <p:ph type="sldNum" sz="quarter" idx="4"/>
-          </p:nvPr>
-        </p:nvSpPr>
-        <p:spPr/>
-        <p:txBody>
-          <a:bodyPr/>
-          <a:lstStyle/>
-          <a:p>
-            <a:fld id="{E27CA991-4457-4ACA-B19F-AE1560789A51}" type="slidenum">
-              <a:rPr lang="en-GB" smtClean="0"/>
-              <a:pPr/>
-              <a:t>37</a:t>
-            </a:fld>
-            <a:endParaRPr lang="en-GB"/>
-          </a:p>
-        </p:txBody>
-      </p:sp>
-      <p:sp>
-        <p:nvSpPr>
           <p:cNvPr id="5" name="Title 1">
             <a:extLst>
               <a:ext uri="{FF2B5EF4-FFF2-40B4-BE49-F238E27FC236}">
@@ -13410,6 +15831,35 @@
               <a:rPr lang="en-GB" sz="4000" dirty="0"/>
               <a:t>, verb)</a:t>
             </a:r>
+          </a:p>
+        </p:txBody>
+      </p:sp>
+      <p:sp>
+        <p:nvSpPr>
+          <p:cNvPr id="6" name="Date Placeholder 5">
+            <a:extLst>
+              <a:ext uri="{FF2B5EF4-FFF2-40B4-BE49-F238E27FC236}">
+                <a16:creationId xmlns:a16="http://schemas.microsoft.com/office/drawing/2014/main" id="{EBD8AF81-C446-5446-928B-950B20A52715}"/>
+              </a:ext>
+            </a:extLst>
+          </p:cNvPr>
+          <p:cNvSpPr>
+            <a:spLocks noGrp="1"/>
+          </p:cNvSpPr>
+          <p:nvPr>
+            <p:ph type="dt" sz="half" idx="10"/>
+          </p:nvPr>
+        </p:nvSpPr>
+        <p:spPr/>
+        <p:txBody>
+          <a:bodyPr/>
+          <a:lstStyle/>
+          <a:p>
+            <a:r>
+              <a:rPr lang="en-GB"/>
+              <a:t>@owennell</a:t>
+            </a:r>
+            <a:endParaRPr lang="en-US" dirty="0"/>
           </a:p>
         </p:txBody>
       </p:sp>
@@ -13482,30 +15932,6 @@
       </p:sp>
       <p:sp>
         <p:nvSpPr>
-          <p:cNvPr id="4" name="Slide Number Placeholder 3"/>
-          <p:cNvSpPr>
-            <a:spLocks noGrp="1"/>
-          </p:cNvSpPr>
-          <p:nvPr>
-            <p:ph type="sldNum" sz="quarter" idx="4"/>
-          </p:nvPr>
-        </p:nvSpPr>
-        <p:spPr/>
-        <p:txBody>
-          <a:bodyPr/>
-          <a:lstStyle/>
-          <a:p>
-            <a:fld id="{E27CA991-4457-4ACA-B19F-AE1560789A51}" type="slidenum">
-              <a:rPr lang="en-GB" smtClean="0"/>
-              <a:pPr/>
-              <a:t>38</a:t>
-            </a:fld>
-            <a:endParaRPr lang="en-GB"/>
-          </a:p>
-        </p:txBody>
-      </p:sp>
-      <p:sp>
-        <p:nvSpPr>
           <p:cNvPr id="5" name="Title 1">
             <a:extLst>
               <a:ext uri="{FF2B5EF4-FFF2-40B4-BE49-F238E27FC236}">
@@ -13573,6 +15999,35 @@
               <a:rPr lang="en-GB" sz="4000" dirty="0"/>
               <a:t>)</a:t>
             </a:r>
+          </a:p>
+        </p:txBody>
+      </p:sp>
+      <p:sp>
+        <p:nvSpPr>
+          <p:cNvPr id="6" name="Date Placeholder 5">
+            <a:extLst>
+              <a:ext uri="{FF2B5EF4-FFF2-40B4-BE49-F238E27FC236}">
+                <a16:creationId xmlns:a16="http://schemas.microsoft.com/office/drawing/2014/main" id="{7AD6B052-D96E-0441-BCB7-A456AC84EAAB}"/>
+              </a:ext>
+            </a:extLst>
+          </p:cNvPr>
+          <p:cNvSpPr>
+            <a:spLocks noGrp="1"/>
+          </p:cNvSpPr>
+          <p:nvPr>
+            <p:ph type="dt" sz="half" idx="10"/>
+          </p:nvPr>
+        </p:nvSpPr>
+        <p:spPr/>
+        <p:txBody>
+          <a:bodyPr/>
+          <a:lstStyle/>
+          <a:p>
+            <a:r>
+              <a:rPr lang="en-GB"/>
+              <a:t>@owennell</a:t>
+            </a:r>
+            <a:endParaRPr lang="en-US" dirty="0"/>
           </a:p>
         </p:txBody>
       </p:sp>
@@ -13637,30 +16092,6 @@
       </p:sp>
       <p:sp>
         <p:nvSpPr>
-          <p:cNvPr id="4" name="Slide Number Placeholder 3"/>
-          <p:cNvSpPr>
-            <a:spLocks noGrp="1"/>
-          </p:cNvSpPr>
-          <p:nvPr>
-            <p:ph type="sldNum" sz="quarter" idx="4"/>
-          </p:nvPr>
-        </p:nvSpPr>
-        <p:spPr/>
-        <p:txBody>
-          <a:bodyPr/>
-          <a:lstStyle/>
-          <a:p>
-            <a:fld id="{E27CA991-4457-4ACA-B19F-AE1560789A51}" type="slidenum">
-              <a:rPr lang="en-GB" smtClean="0"/>
-              <a:pPr/>
-              <a:t>39</a:t>
-            </a:fld>
-            <a:endParaRPr lang="en-GB"/>
-          </a:p>
-        </p:txBody>
-      </p:sp>
-      <p:sp>
-        <p:nvSpPr>
           <p:cNvPr id="5" name="Title 1">
             <a:extLst>
               <a:ext uri="{FF2B5EF4-FFF2-40B4-BE49-F238E27FC236}">
@@ -13709,6 +16140,35 @@
               <a:t>Right Team, Right Job</a:t>
             </a:r>
             <a:endParaRPr lang="en-GB" sz="4800" i="1" dirty="0"/>
+          </a:p>
+        </p:txBody>
+      </p:sp>
+      <p:sp>
+        <p:nvSpPr>
+          <p:cNvPr id="6" name="Date Placeholder 5">
+            <a:extLst>
+              <a:ext uri="{FF2B5EF4-FFF2-40B4-BE49-F238E27FC236}">
+                <a16:creationId xmlns:a16="http://schemas.microsoft.com/office/drawing/2014/main" id="{6E959E85-10F3-284E-9E2B-E9AD2FF785B2}"/>
+              </a:ext>
+            </a:extLst>
+          </p:cNvPr>
+          <p:cNvSpPr>
+            <a:spLocks noGrp="1"/>
+          </p:cNvSpPr>
+          <p:nvPr>
+            <p:ph type="dt" sz="half" idx="10"/>
+          </p:nvPr>
+        </p:nvSpPr>
+        <p:spPr/>
+        <p:txBody>
+          <a:bodyPr/>
+          <a:lstStyle/>
+          <a:p>
+            <a:r>
+              <a:rPr lang="en-GB"/>
+              <a:t>@owennell</a:t>
+            </a:r>
+            <a:endParaRPr lang="en-US" dirty="0"/>
           </a:p>
         </p:txBody>
       </p:sp>
@@ -13857,12 +16317,18 @@
       </p:sp>
       <p:sp>
         <p:nvSpPr>
-          <p:cNvPr id="4" name="Slide Number Placeholder 3"/>
-          <p:cNvSpPr>
-            <a:spLocks noGrp="1"/>
-          </p:cNvSpPr>
-          <p:nvPr>
-            <p:ph type="sldNum" sz="quarter" idx="4"/>
+          <p:cNvPr id="5" name="Date Placeholder 4">
+            <a:extLst>
+              <a:ext uri="{FF2B5EF4-FFF2-40B4-BE49-F238E27FC236}">
+                <a16:creationId xmlns:a16="http://schemas.microsoft.com/office/drawing/2014/main" id="{834FF390-8E03-374C-A591-C483CD43580A}"/>
+              </a:ext>
+            </a:extLst>
+          </p:cNvPr>
+          <p:cNvSpPr>
+            <a:spLocks noGrp="1"/>
+          </p:cNvSpPr>
+          <p:nvPr>
+            <p:ph type="dt" sz="half" idx="10"/>
           </p:nvPr>
         </p:nvSpPr>
         <p:spPr/>
@@ -13870,12 +16336,11 @@
           <a:bodyPr/>
           <a:lstStyle/>
           <a:p>
-            <a:fld id="{E27CA991-4457-4ACA-B19F-AE1560789A51}" type="slidenum">
-              <a:rPr lang="en-GB" smtClean="0"/>
-              <a:pPr/>
-              <a:t>4</a:t>
-            </a:fld>
-            <a:endParaRPr lang="en-GB"/>
+            <a:r>
+              <a:rPr lang="en-GB"/>
+              <a:t>@owennell</a:t>
+            </a:r>
+            <a:endParaRPr lang="en-US" dirty="0"/>
           </a:p>
         </p:txBody>
       </p:sp>
@@ -13947,12 +16412,18 @@
       </p:sp>
       <p:sp>
         <p:nvSpPr>
-          <p:cNvPr id="4" name="Slide Number Placeholder 3"/>
-          <p:cNvSpPr>
-            <a:spLocks noGrp="1"/>
-          </p:cNvSpPr>
-          <p:nvPr>
-            <p:ph type="sldNum" sz="quarter" idx="4"/>
+          <p:cNvPr id="5" name="Date Placeholder 4">
+            <a:extLst>
+              <a:ext uri="{FF2B5EF4-FFF2-40B4-BE49-F238E27FC236}">
+                <a16:creationId xmlns:a16="http://schemas.microsoft.com/office/drawing/2014/main" id="{8BCD51D9-4161-564F-9EA2-43622940C716}"/>
+              </a:ext>
+            </a:extLst>
+          </p:cNvPr>
+          <p:cNvSpPr>
+            <a:spLocks noGrp="1"/>
+          </p:cNvSpPr>
+          <p:nvPr>
+            <p:ph type="dt" sz="half" idx="10"/>
           </p:nvPr>
         </p:nvSpPr>
         <p:spPr/>
@@ -13960,12 +16431,11 @@
           <a:bodyPr/>
           <a:lstStyle/>
           <a:p>
-            <a:fld id="{E27CA991-4457-4ACA-B19F-AE1560789A51}" type="slidenum">
-              <a:rPr lang="en-GB" smtClean="0"/>
-              <a:pPr/>
-              <a:t>40</a:t>
-            </a:fld>
-            <a:endParaRPr lang="en-GB"/>
+            <a:r>
+              <a:rPr lang="en-GB"/>
+              <a:t>@owennell</a:t>
+            </a:r>
+            <a:endParaRPr lang="en-US" dirty="0"/>
           </a:p>
         </p:txBody>
       </p:sp>
@@ -14030,12 +16500,18 @@
       </p:sp>
       <p:sp>
         <p:nvSpPr>
-          <p:cNvPr id="4" name="Slide Number Placeholder 3"/>
-          <p:cNvSpPr>
-            <a:spLocks noGrp="1"/>
-          </p:cNvSpPr>
-          <p:nvPr>
-            <p:ph type="sldNum" sz="quarter" idx="4"/>
+          <p:cNvPr id="5" name="Date Placeholder 4">
+            <a:extLst>
+              <a:ext uri="{FF2B5EF4-FFF2-40B4-BE49-F238E27FC236}">
+                <a16:creationId xmlns:a16="http://schemas.microsoft.com/office/drawing/2014/main" id="{345E0D35-F8CB-B340-BAE4-4C5E7A9C3A23}"/>
+              </a:ext>
+            </a:extLst>
+          </p:cNvPr>
+          <p:cNvSpPr>
+            <a:spLocks noGrp="1"/>
+          </p:cNvSpPr>
+          <p:nvPr>
+            <p:ph type="dt" sz="half" idx="10"/>
           </p:nvPr>
         </p:nvSpPr>
         <p:spPr/>
@@ -14043,12 +16519,11 @@
           <a:bodyPr/>
           <a:lstStyle/>
           <a:p>
-            <a:fld id="{E27CA991-4457-4ACA-B19F-AE1560789A51}" type="slidenum">
-              <a:rPr lang="en-GB" smtClean="0"/>
-              <a:pPr/>
-              <a:t>41</a:t>
-            </a:fld>
-            <a:endParaRPr lang="en-GB"/>
+            <a:r>
+              <a:rPr lang="en-GB"/>
+              <a:t>@owennell</a:t>
+            </a:r>
+            <a:endParaRPr lang="en-US" dirty="0"/>
           </a:p>
         </p:txBody>
       </p:sp>
@@ -14113,12 +16588,18 @@
       </p:sp>
       <p:sp>
         <p:nvSpPr>
-          <p:cNvPr id="4" name="Slide Number Placeholder 3"/>
-          <p:cNvSpPr>
-            <a:spLocks noGrp="1"/>
-          </p:cNvSpPr>
-          <p:nvPr>
-            <p:ph type="sldNum" sz="quarter" idx="4"/>
+          <p:cNvPr id="5" name="Date Placeholder 4">
+            <a:extLst>
+              <a:ext uri="{FF2B5EF4-FFF2-40B4-BE49-F238E27FC236}">
+                <a16:creationId xmlns:a16="http://schemas.microsoft.com/office/drawing/2014/main" id="{DF58B63A-BDC5-044F-BD66-668DB213572C}"/>
+              </a:ext>
+            </a:extLst>
+          </p:cNvPr>
+          <p:cNvSpPr>
+            <a:spLocks noGrp="1"/>
+          </p:cNvSpPr>
+          <p:nvPr>
+            <p:ph type="dt" sz="half" idx="10"/>
           </p:nvPr>
         </p:nvSpPr>
         <p:spPr/>
@@ -14126,12 +16607,11 @@
           <a:bodyPr/>
           <a:lstStyle/>
           <a:p>
-            <a:fld id="{E27CA991-4457-4ACA-B19F-AE1560789A51}" type="slidenum">
-              <a:rPr lang="en-GB" smtClean="0"/>
-              <a:pPr/>
-              <a:t>42</a:t>
-            </a:fld>
-            <a:endParaRPr lang="en-GB"/>
+            <a:r>
+              <a:rPr lang="en-GB"/>
+              <a:t>@owennell</a:t>
+            </a:r>
+            <a:endParaRPr lang="en-US" dirty="0"/>
           </a:p>
         </p:txBody>
       </p:sp>
@@ -14196,12 +16676,18 @@
       </p:sp>
       <p:sp>
         <p:nvSpPr>
-          <p:cNvPr id="4" name="Slide Number Placeholder 3"/>
-          <p:cNvSpPr>
-            <a:spLocks noGrp="1"/>
-          </p:cNvSpPr>
-          <p:nvPr>
-            <p:ph type="sldNum" sz="quarter" idx="4"/>
+          <p:cNvPr id="5" name="Date Placeholder 4">
+            <a:extLst>
+              <a:ext uri="{FF2B5EF4-FFF2-40B4-BE49-F238E27FC236}">
+                <a16:creationId xmlns:a16="http://schemas.microsoft.com/office/drawing/2014/main" id="{55086379-E99E-E240-84E7-92AE08BEDE26}"/>
+              </a:ext>
+            </a:extLst>
+          </p:cNvPr>
+          <p:cNvSpPr>
+            <a:spLocks noGrp="1"/>
+          </p:cNvSpPr>
+          <p:nvPr>
+            <p:ph type="dt" sz="half" idx="10"/>
           </p:nvPr>
         </p:nvSpPr>
         <p:spPr/>
@@ -14209,12 +16695,11 @@
           <a:bodyPr/>
           <a:lstStyle/>
           <a:p>
-            <a:fld id="{E27CA991-4457-4ACA-B19F-AE1560789A51}" type="slidenum">
-              <a:rPr lang="en-GB" smtClean="0"/>
-              <a:pPr/>
-              <a:t>43</a:t>
-            </a:fld>
-            <a:endParaRPr lang="en-GB"/>
+            <a:r>
+              <a:rPr lang="en-GB"/>
+              <a:t>@owennell</a:t>
+            </a:r>
+            <a:endParaRPr lang="en-US" dirty="0"/>
           </a:p>
         </p:txBody>
       </p:sp>
@@ -14279,12 +16764,18 @@
       </p:sp>
       <p:sp>
         <p:nvSpPr>
-          <p:cNvPr id="4" name="Slide Number Placeholder 3"/>
-          <p:cNvSpPr>
-            <a:spLocks noGrp="1"/>
-          </p:cNvSpPr>
-          <p:nvPr>
-            <p:ph type="sldNum" sz="quarter" idx="4"/>
+          <p:cNvPr id="5" name="Date Placeholder 4">
+            <a:extLst>
+              <a:ext uri="{FF2B5EF4-FFF2-40B4-BE49-F238E27FC236}">
+                <a16:creationId xmlns:a16="http://schemas.microsoft.com/office/drawing/2014/main" id="{1072389B-0CD2-D943-91F7-182B0FC74D1A}"/>
+              </a:ext>
+            </a:extLst>
+          </p:cNvPr>
+          <p:cNvSpPr>
+            <a:spLocks noGrp="1"/>
+          </p:cNvSpPr>
+          <p:nvPr>
+            <p:ph type="dt" sz="half" idx="10"/>
           </p:nvPr>
         </p:nvSpPr>
         <p:spPr/>
@@ -14292,12 +16783,11 @@
           <a:bodyPr/>
           <a:lstStyle/>
           <a:p>
-            <a:fld id="{E27CA991-4457-4ACA-B19F-AE1560789A51}" type="slidenum">
-              <a:rPr lang="en-GB" smtClean="0"/>
-              <a:pPr/>
-              <a:t>44</a:t>
-            </a:fld>
-            <a:endParaRPr lang="en-GB"/>
+            <a:r>
+              <a:rPr lang="en-GB"/>
+              <a:t>@owennell</a:t>
+            </a:r>
+            <a:endParaRPr lang="en-US" dirty="0"/>
           </a:p>
         </p:txBody>
       </p:sp>
@@ -14362,12 +16852,18 @@
       </p:sp>
       <p:sp>
         <p:nvSpPr>
-          <p:cNvPr id="4" name="Slide Number Placeholder 3"/>
-          <p:cNvSpPr>
-            <a:spLocks noGrp="1"/>
-          </p:cNvSpPr>
-          <p:nvPr>
-            <p:ph type="sldNum" sz="quarter" idx="4"/>
+          <p:cNvPr id="5" name="Date Placeholder 4">
+            <a:extLst>
+              <a:ext uri="{FF2B5EF4-FFF2-40B4-BE49-F238E27FC236}">
+                <a16:creationId xmlns:a16="http://schemas.microsoft.com/office/drawing/2014/main" id="{230FF871-F7D4-2D4F-9C62-52BF021A2EBD}"/>
+              </a:ext>
+            </a:extLst>
+          </p:cNvPr>
+          <p:cNvSpPr>
+            <a:spLocks noGrp="1"/>
+          </p:cNvSpPr>
+          <p:nvPr>
+            <p:ph type="dt" sz="half" idx="10"/>
           </p:nvPr>
         </p:nvSpPr>
         <p:spPr/>
@@ -14375,12 +16871,11 @@
           <a:bodyPr/>
           <a:lstStyle/>
           <a:p>
-            <a:fld id="{E27CA991-4457-4ACA-B19F-AE1560789A51}" type="slidenum">
-              <a:rPr lang="en-GB" smtClean="0"/>
-              <a:pPr/>
-              <a:t>45</a:t>
-            </a:fld>
-            <a:endParaRPr lang="en-GB"/>
+            <a:r>
+              <a:rPr lang="en-GB"/>
+              <a:t>@owennell</a:t>
+            </a:r>
+            <a:endParaRPr lang="en-US" dirty="0"/>
           </a:p>
         </p:txBody>
       </p:sp>
@@ -14445,12 +16940,18 @@
       </p:sp>
       <p:sp>
         <p:nvSpPr>
-          <p:cNvPr id="4" name="Slide Number Placeholder 3"/>
-          <p:cNvSpPr>
-            <a:spLocks noGrp="1"/>
-          </p:cNvSpPr>
-          <p:nvPr>
-            <p:ph type="sldNum" sz="quarter" idx="4"/>
+          <p:cNvPr id="5" name="Date Placeholder 4">
+            <a:extLst>
+              <a:ext uri="{FF2B5EF4-FFF2-40B4-BE49-F238E27FC236}">
+                <a16:creationId xmlns:a16="http://schemas.microsoft.com/office/drawing/2014/main" id="{31DB6060-B65B-7B45-8D32-6FF7761E6D66}"/>
+              </a:ext>
+            </a:extLst>
+          </p:cNvPr>
+          <p:cNvSpPr>
+            <a:spLocks noGrp="1"/>
+          </p:cNvSpPr>
+          <p:nvPr>
+            <p:ph type="dt" sz="half" idx="10"/>
           </p:nvPr>
         </p:nvSpPr>
         <p:spPr/>
@@ -14458,12 +16959,11 @@
           <a:bodyPr/>
           <a:lstStyle/>
           <a:p>
-            <a:fld id="{E27CA991-4457-4ACA-B19F-AE1560789A51}" type="slidenum">
-              <a:rPr lang="en-GB" smtClean="0"/>
-              <a:pPr/>
-              <a:t>46</a:t>
-            </a:fld>
-            <a:endParaRPr lang="en-GB"/>
+            <a:r>
+              <a:rPr lang="en-GB"/>
+              <a:t>@owennell</a:t>
+            </a:r>
+            <a:endParaRPr lang="en-US" dirty="0"/>
           </a:p>
         </p:txBody>
       </p:sp>
@@ -14528,12 +17028,18 @@
       </p:sp>
       <p:sp>
         <p:nvSpPr>
-          <p:cNvPr id="4" name="Slide Number Placeholder 3"/>
-          <p:cNvSpPr>
-            <a:spLocks noGrp="1"/>
-          </p:cNvSpPr>
-          <p:nvPr>
-            <p:ph type="sldNum" sz="quarter" idx="4"/>
+          <p:cNvPr id="5" name="Date Placeholder 4">
+            <a:extLst>
+              <a:ext uri="{FF2B5EF4-FFF2-40B4-BE49-F238E27FC236}">
+                <a16:creationId xmlns:a16="http://schemas.microsoft.com/office/drawing/2014/main" id="{DEC9A0F5-80F9-7E4A-9BFE-4B446ECF7BD6}"/>
+              </a:ext>
+            </a:extLst>
+          </p:cNvPr>
+          <p:cNvSpPr>
+            <a:spLocks noGrp="1"/>
+          </p:cNvSpPr>
+          <p:nvPr>
+            <p:ph type="dt" sz="half" idx="10"/>
           </p:nvPr>
         </p:nvSpPr>
         <p:spPr/>
@@ -14541,12 +17047,11 @@
           <a:bodyPr/>
           <a:lstStyle/>
           <a:p>
-            <a:fld id="{E27CA991-4457-4ACA-B19F-AE1560789A51}" type="slidenum">
-              <a:rPr lang="en-GB" smtClean="0"/>
-              <a:pPr/>
-              <a:t>47</a:t>
-            </a:fld>
-            <a:endParaRPr lang="en-GB"/>
+            <a:r>
+              <a:rPr lang="en-GB"/>
+              <a:t>@owennell</a:t>
+            </a:r>
+            <a:endParaRPr lang="en-US" dirty="0"/>
           </a:p>
         </p:txBody>
       </p:sp>
@@ -14611,12 +17116,18 @@
       </p:sp>
       <p:sp>
         <p:nvSpPr>
-          <p:cNvPr id="4" name="Slide Number Placeholder 3"/>
-          <p:cNvSpPr>
-            <a:spLocks noGrp="1"/>
-          </p:cNvSpPr>
-          <p:nvPr>
-            <p:ph type="sldNum" sz="quarter" idx="4"/>
+          <p:cNvPr id="5" name="Date Placeholder 4">
+            <a:extLst>
+              <a:ext uri="{FF2B5EF4-FFF2-40B4-BE49-F238E27FC236}">
+                <a16:creationId xmlns:a16="http://schemas.microsoft.com/office/drawing/2014/main" id="{416E96E3-EB76-9A4D-A574-4070FDFC3701}"/>
+              </a:ext>
+            </a:extLst>
+          </p:cNvPr>
+          <p:cNvSpPr>
+            <a:spLocks noGrp="1"/>
+          </p:cNvSpPr>
+          <p:nvPr>
+            <p:ph type="dt" sz="half" idx="10"/>
           </p:nvPr>
         </p:nvSpPr>
         <p:spPr/>
@@ -14624,12 +17135,11 @@
           <a:bodyPr/>
           <a:lstStyle/>
           <a:p>
-            <a:fld id="{E27CA991-4457-4ACA-B19F-AE1560789A51}" type="slidenum">
-              <a:rPr lang="en-GB" smtClean="0"/>
-              <a:pPr/>
-              <a:t>48</a:t>
-            </a:fld>
-            <a:endParaRPr lang="en-GB"/>
+            <a:r>
+              <a:rPr lang="en-GB"/>
+              <a:t>@owennell</a:t>
+            </a:r>
+            <a:endParaRPr lang="en-US" dirty="0"/>
           </a:p>
         </p:txBody>
       </p:sp>
@@ -14698,12 +17208,18 @@
       </p:sp>
       <p:sp>
         <p:nvSpPr>
-          <p:cNvPr id="4" name="Slide Number Placeholder 3"/>
-          <p:cNvSpPr>
-            <a:spLocks noGrp="1"/>
-          </p:cNvSpPr>
-          <p:nvPr>
-            <p:ph type="sldNum" sz="quarter" idx="4"/>
+          <p:cNvPr id="5" name="Date Placeholder 4">
+            <a:extLst>
+              <a:ext uri="{FF2B5EF4-FFF2-40B4-BE49-F238E27FC236}">
+                <a16:creationId xmlns:a16="http://schemas.microsoft.com/office/drawing/2014/main" id="{888E4550-2D55-1949-AF9C-1CACE93D9A0F}"/>
+              </a:ext>
+            </a:extLst>
+          </p:cNvPr>
+          <p:cNvSpPr>
+            <a:spLocks noGrp="1"/>
+          </p:cNvSpPr>
+          <p:nvPr>
+            <p:ph type="dt" sz="half" idx="10"/>
           </p:nvPr>
         </p:nvSpPr>
         <p:spPr/>
@@ -14711,12 +17227,11 @@
           <a:bodyPr/>
           <a:lstStyle/>
           <a:p>
-            <a:fld id="{E27CA991-4457-4ACA-B19F-AE1560789A51}" type="slidenum">
-              <a:rPr lang="en-GB" smtClean="0"/>
-              <a:pPr/>
-              <a:t>49</a:t>
-            </a:fld>
-            <a:endParaRPr lang="en-GB"/>
+            <a:r>
+              <a:rPr lang="en-GB"/>
+              <a:t>@owennell</a:t>
+            </a:r>
+            <a:endParaRPr lang="en-US" dirty="0"/>
           </a:p>
         </p:txBody>
       </p:sp>
@@ -14780,12 +17295,18 @@
       </p:sp>
       <p:sp>
         <p:nvSpPr>
-          <p:cNvPr id="4" name="Slide Number Placeholder 3"/>
-          <p:cNvSpPr>
-            <a:spLocks noGrp="1"/>
-          </p:cNvSpPr>
-          <p:nvPr>
-            <p:ph type="sldNum" sz="quarter" idx="4"/>
+          <p:cNvPr id="5" name="Date Placeholder 4">
+            <a:extLst>
+              <a:ext uri="{FF2B5EF4-FFF2-40B4-BE49-F238E27FC236}">
+                <a16:creationId xmlns:a16="http://schemas.microsoft.com/office/drawing/2014/main" id="{0C3A2489-241E-E147-B969-461500823D27}"/>
+              </a:ext>
+            </a:extLst>
+          </p:cNvPr>
+          <p:cNvSpPr>
+            <a:spLocks noGrp="1"/>
+          </p:cNvSpPr>
+          <p:nvPr>
+            <p:ph type="dt" sz="half" idx="10"/>
           </p:nvPr>
         </p:nvSpPr>
         <p:spPr/>
@@ -14793,12 +17314,11 @@
           <a:bodyPr/>
           <a:lstStyle/>
           <a:p>
-            <a:fld id="{E27CA991-4457-4ACA-B19F-AE1560789A51}" type="slidenum">
-              <a:rPr lang="en-GB" smtClean="0"/>
-              <a:pPr/>
-              <a:t>5</a:t>
-            </a:fld>
-            <a:endParaRPr lang="en-GB"/>
+            <a:r>
+              <a:rPr lang="en-GB"/>
+              <a:t>@owennell</a:t>
+            </a:r>
+            <a:endParaRPr lang="en-US" dirty="0"/>
           </a:p>
         </p:txBody>
       </p:sp>
@@ -14863,30 +17383,6 @@
       </p:sp>
       <p:sp>
         <p:nvSpPr>
-          <p:cNvPr id="4" name="Slide Number Placeholder 3"/>
-          <p:cNvSpPr>
-            <a:spLocks noGrp="1"/>
-          </p:cNvSpPr>
-          <p:nvPr>
-            <p:ph type="sldNum" sz="quarter" idx="4"/>
-          </p:nvPr>
-        </p:nvSpPr>
-        <p:spPr/>
-        <p:txBody>
-          <a:bodyPr/>
-          <a:lstStyle/>
-          <a:p>
-            <a:fld id="{E27CA991-4457-4ACA-B19F-AE1560789A51}" type="slidenum">
-              <a:rPr lang="en-GB" smtClean="0"/>
-              <a:pPr/>
-              <a:t>50</a:t>
-            </a:fld>
-            <a:endParaRPr lang="en-GB"/>
-          </a:p>
-        </p:txBody>
-      </p:sp>
-      <p:sp>
-        <p:nvSpPr>
           <p:cNvPr id="5" name="Title 1">
             <a:extLst>
               <a:ext uri="{FF2B5EF4-FFF2-40B4-BE49-F238E27FC236}">
@@ -14935,6 +17431,35 @@
               <a:t>Experiment</a:t>
             </a:r>
             <a:endParaRPr lang="en-GB" sz="4800" i="1" dirty="0"/>
+          </a:p>
+        </p:txBody>
+      </p:sp>
+      <p:sp>
+        <p:nvSpPr>
+          <p:cNvPr id="6" name="Date Placeholder 5">
+            <a:extLst>
+              <a:ext uri="{FF2B5EF4-FFF2-40B4-BE49-F238E27FC236}">
+                <a16:creationId xmlns:a16="http://schemas.microsoft.com/office/drawing/2014/main" id="{0178A9BC-54C1-F141-BC95-6C5DF1EE4312}"/>
+              </a:ext>
+            </a:extLst>
+          </p:cNvPr>
+          <p:cNvSpPr>
+            <a:spLocks noGrp="1"/>
+          </p:cNvSpPr>
+          <p:nvPr>
+            <p:ph type="dt" sz="half" idx="10"/>
+          </p:nvPr>
+        </p:nvSpPr>
+        <p:spPr/>
+        <p:txBody>
+          <a:bodyPr/>
+          <a:lstStyle/>
+          <a:p>
+            <a:r>
+              <a:rPr lang="en-GB"/>
+              <a:t>@owennell</a:t>
+            </a:r>
+            <a:endParaRPr lang="en-US" dirty="0"/>
           </a:p>
         </p:txBody>
       </p:sp>
@@ -15077,12 +17602,18 @@
       </p:sp>
       <p:sp>
         <p:nvSpPr>
-          <p:cNvPr id="4" name="Slide Number Placeholder 3"/>
-          <p:cNvSpPr>
-            <a:spLocks noGrp="1"/>
-          </p:cNvSpPr>
-          <p:nvPr>
-            <p:ph type="sldNum" sz="quarter" idx="4"/>
+          <p:cNvPr id="5" name="Date Placeholder 4">
+            <a:extLst>
+              <a:ext uri="{FF2B5EF4-FFF2-40B4-BE49-F238E27FC236}">
+                <a16:creationId xmlns:a16="http://schemas.microsoft.com/office/drawing/2014/main" id="{CAC72B13-A2AB-4444-A32E-45E07B537B1E}"/>
+              </a:ext>
+            </a:extLst>
+          </p:cNvPr>
+          <p:cNvSpPr>
+            <a:spLocks noGrp="1"/>
+          </p:cNvSpPr>
+          <p:nvPr>
+            <p:ph type="dt" sz="half" idx="10"/>
           </p:nvPr>
         </p:nvSpPr>
         <p:spPr/>
@@ -15090,12 +17621,11 @@
           <a:bodyPr/>
           <a:lstStyle/>
           <a:p>
-            <a:fld id="{E27CA991-4457-4ACA-B19F-AE1560789A51}" type="slidenum">
-              <a:rPr lang="en-GB" smtClean="0"/>
-              <a:pPr/>
-              <a:t>51</a:t>
-            </a:fld>
-            <a:endParaRPr lang="en-GB"/>
+            <a:r>
+              <a:rPr lang="en-GB"/>
+              <a:t>@owennell</a:t>
+            </a:r>
+            <a:endParaRPr lang="en-US" dirty="0"/>
           </a:p>
         </p:txBody>
       </p:sp>
@@ -15160,12 +17690,18 @@
       </p:sp>
       <p:sp>
         <p:nvSpPr>
-          <p:cNvPr id="4" name="Slide Number Placeholder 3"/>
-          <p:cNvSpPr>
-            <a:spLocks noGrp="1"/>
-          </p:cNvSpPr>
-          <p:nvPr>
-            <p:ph type="sldNum" sz="quarter" idx="4"/>
+          <p:cNvPr id="5" name="Date Placeholder 4">
+            <a:extLst>
+              <a:ext uri="{FF2B5EF4-FFF2-40B4-BE49-F238E27FC236}">
+                <a16:creationId xmlns:a16="http://schemas.microsoft.com/office/drawing/2014/main" id="{26D6769B-860C-034D-9FBA-52F1CC75AAD2}"/>
+              </a:ext>
+            </a:extLst>
+          </p:cNvPr>
+          <p:cNvSpPr>
+            <a:spLocks noGrp="1"/>
+          </p:cNvSpPr>
+          <p:nvPr>
+            <p:ph type="dt" sz="half" idx="10"/>
           </p:nvPr>
         </p:nvSpPr>
         <p:spPr/>
@@ -15173,12 +17709,11 @@
           <a:bodyPr/>
           <a:lstStyle/>
           <a:p>
-            <a:fld id="{E27CA991-4457-4ACA-B19F-AE1560789A51}" type="slidenum">
-              <a:rPr lang="en-GB" smtClean="0"/>
-              <a:pPr/>
-              <a:t>52</a:t>
-            </a:fld>
-            <a:endParaRPr lang="en-GB"/>
+            <a:r>
+              <a:rPr lang="en-GB"/>
+              <a:t>@owennell</a:t>
+            </a:r>
+            <a:endParaRPr lang="en-US" dirty="0"/>
           </a:p>
         </p:txBody>
       </p:sp>
@@ -15243,12 +17778,18 @@
       </p:sp>
       <p:sp>
         <p:nvSpPr>
-          <p:cNvPr id="4" name="Slide Number Placeholder 3"/>
-          <p:cNvSpPr>
-            <a:spLocks noGrp="1"/>
-          </p:cNvSpPr>
-          <p:nvPr>
-            <p:ph type="sldNum" sz="quarter" idx="4"/>
+          <p:cNvPr id="5" name="Date Placeholder 4">
+            <a:extLst>
+              <a:ext uri="{FF2B5EF4-FFF2-40B4-BE49-F238E27FC236}">
+                <a16:creationId xmlns:a16="http://schemas.microsoft.com/office/drawing/2014/main" id="{9824FFE3-6C5B-B840-BE38-DAB059A1D5BC}"/>
+              </a:ext>
+            </a:extLst>
+          </p:cNvPr>
+          <p:cNvSpPr>
+            <a:spLocks noGrp="1"/>
+          </p:cNvSpPr>
+          <p:nvPr>
+            <p:ph type="dt" sz="half" idx="10"/>
           </p:nvPr>
         </p:nvSpPr>
         <p:spPr/>
@@ -15256,12 +17797,11 @@
           <a:bodyPr/>
           <a:lstStyle/>
           <a:p>
-            <a:fld id="{E27CA991-4457-4ACA-B19F-AE1560789A51}" type="slidenum">
-              <a:rPr lang="en-GB" smtClean="0"/>
-              <a:pPr/>
-              <a:t>53</a:t>
-            </a:fld>
-            <a:endParaRPr lang="en-GB"/>
+            <a:r>
+              <a:rPr lang="en-GB"/>
+              <a:t>@owennell</a:t>
+            </a:r>
+            <a:endParaRPr lang="en-US" dirty="0"/>
           </a:p>
         </p:txBody>
       </p:sp>
@@ -15326,12 +17866,18 @@
       </p:sp>
       <p:sp>
         <p:nvSpPr>
-          <p:cNvPr id="4" name="Slide Number Placeholder 3"/>
-          <p:cNvSpPr>
-            <a:spLocks noGrp="1"/>
-          </p:cNvSpPr>
-          <p:nvPr>
-            <p:ph type="sldNum" sz="quarter" idx="4"/>
+          <p:cNvPr id="5" name="Date Placeholder 4">
+            <a:extLst>
+              <a:ext uri="{FF2B5EF4-FFF2-40B4-BE49-F238E27FC236}">
+                <a16:creationId xmlns:a16="http://schemas.microsoft.com/office/drawing/2014/main" id="{4C4B0612-36B4-7A42-A7F4-653A4D6FFDB4}"/>
+              </a:ext>
+            </a:extLst>
+          </p:cNvPr>
+          <p:cNvSpPr>
+            <a:spLocks noGrp="1"/>
+          </p:cNvSpPr>
+          <p:nvPr>
+            <p:ph type="dt" sz="half" idx="10"/>
           </p:nvPr>
         </p:nvSpPr>
         <p:spPr/>
@@ -15339,12 +17885,11 @@
           <a:bodyPr/>
           <a:lstStyle/>
           <a:p>
-            <a:fld id="{E27CA991-4457-4ACA-B19F-AE1560789A51}" type="slidenum">
-              <a:rPr lang="en-GB" smtClean="0"/>
-              <a:pPr/>
-              <a:t>54</a:t>
-            </a:fld>
-            <a:endParaRPr lang="en-GB"/>
+            <a:r>
+              <a:rPr lang="en-GB"/>
+              <a:t>@owennell</a:t>
+            </a:r>
+            <a:endParaRPr lang="en-US" dirty="0"/>
           </a:p>
         </p:txBody>
       </p:sp>
@@ -15409,12 +17954,18 @@
       </p:sp>
       <p:sp>
         <p:nvSpPr>
-          <p:cNvPr id="4" name="Slide Number Placeholder 3"/>
-          <p:cNvSpPr>
-            <a:spLocks noGrp="1"/>
-          </p:cNvSpPr>
-          <p:nvPr>
-            <p:ph type="sldNum" sz="quarter" idx="4"/>
+          <p:cNvPr id="5" name="Date Placeholder 4">
+            <a:extLst>
+              <a:ext uri="{FF2B5EF4-FFF2-40B4-BE49-F238E27FC236}">
+                <a16:creationId xmlns:a16="http://schemas.microsoft.com/office/drawing/2014/main" id="{552E98FD-94AD-6D4E-89E1-FCBE15BA089D}"/>
+              </a:ext>
+            </a:extLst>
+          </p:cNvPr>
+          <p:cNvSpPr>
+            <a:spLocks noGrp="1"/>
+          </p:cNvSpPr>
+          <p:nvPr>
+            <p:ph type="dt" sz="half" idx="10"/>
           </p:nvPr>
         </p:nvSpPr>
         <p:spPr/>
@@ -15422,12 +17973,11 @@
           <a:bodyPr/>
           <a:lstStyle/>
           <a:p>
-            <a:fld id="{E27CA991-4457-4ACA-B19F-AE1560789A51}" type="slidenum">
-              <a:rPr lang="en-GB" smtClean="0"/>
-              <a:pPr/>
-              <a:t>55</a:t>
-            </a:fld>
-            <a:endParaRPr lang="en-GB"/>
+            <a:r>
+              <a:rPr lang="en-GB"/>
+              <a:t>@owennell</a:t>
+            </a:r>
+            <a:endParaRPr lang="en-US" dirty="0"/>
           </a:p>
         </p:txBody>
       </p:sp>
@@ -15492,30 +18042,6 @@
       </p:sp>
       <p:sp>
         <p:nvSpPr>
-          <p:cNvPr id="4" name="Slide Number Placeholder 3"/>
-          <p:cNvSpPr>
-            <a:spLocks noGrp="1"/>
-          </p:cNvSpPr>
-          <p:nvPr>
-            <p:ph type="sldNum" sz="quarter" idx="4"/>
-          </p:nvPr>
-        </p:nvSpPr>
-        <p:spPr/>
-        <p:txBody>
-          <a:bodyPr/>
-          <a:lstStyle/>
-          <a:p>
-            <a:fld id="{E27CA991-4457-4ACA-B19F-AE1560789A51}" type="slidenum">
-              <a:rPr lang="en-GB" smtClean="0"/>
-              <a:pPr/>
-              <a:t>56</a:t>
-            </a:fld>
-            <a:endParaRPr lang="en-GB"/>
-          </a:p>
-        </p:txBody>
-      </p:sp>
-      <p:sp>
-        <p:nvSpPr>
           <p:cNvPr id="5" name="Title 1">
             <a:extLst>
               <a:ext uri="{FF2B5EF4-FFF2-40B4-BE49-F238E27FC236}">
@@ -15617,6 +18143,35 @@
               <a:t>Experiment</a:t>
             </a:r>
             <a:endParaRPr lang="en-GB" dirty="0"/>
+          </a:p>
+        </p:txBody>
+      </p:sp>
+      <p:sp>
+        <p:nvSpPr>
+          <p:cNvPr id="7" name="Date Placeholder 6">
+            <a:extLst>
+              <a:ext uri="{FF2B5EF4-FFF2-40B4-BE49-F238E27FC236}">
+                <a16:creationId xmlns:a16="http://schemas.microsoft.com/office/drawing/2014/main" id="{2819C7F3-D8E6-2B4F-9290-1A2405D62B5A}"/>
+              </a:ext>
+            </a:extLst>
+          </p:cNvPr>
+          <p:cNvSpPr>
+            <a:spLocks noGrp="1"/>
+          </p:cNvSpPr>
+          <p:nvPr>
+            <p:ph type="dt" sz="half" idx="10"/>
+          </p:nvPr>
+        </p:nvSpPr>
+        <p:spPr/>
+        <p:txBody>
+          <a:bodyPr/>
+          <a:lstStyle/>
+          <a:p>
+            <a:r>
+              <a:rPr lang="en-GB"/>
+              <a:t>@owennell</a:t>
+            </a:r>
+            <a:endParaRPr lang="en-US" dirty="0"/>
           </a:p>
         </p:txBody>
       </p:sp>
@@ -15851,12 +18406,18 @@
       </p:sp>
       <p:sp>
         <p:nvSpPr>
-          <p:cNvPr id="4" name="Slide Number Placeholder 3"/>
-          <p:cNvSpPr>
-            <a:spLocks noGrp="1"/>
-          </p:cNvSpPr>
-          <p:nvPr>
-            <p:ph type="sldNum" sz="quarter" idx="4"/>
+          <p:cNvPr id="5" name="Date Placeholder 4">
+            <a:extLst>
+              <a:ext uri="{FF2B5EF4-FFF2-40B4-BE49-F238E27FC236}">
+                <a16:creationId xmlns:a16="http://schemas.microsoft.com/office/drawing/2014/main" id="{EDADEECE-2FC2-7644-B595-1FCECD7096A5}"/>
+              </a:ext>
+            </a:extLst>
+          </p:cNvPr>
+          <p:cNvSpPr>
+            <a:spLocks noGrp="1"/>
+          </p:cNvSpPr>
+          <p:nvPr>
+            <p:ph type="dt" sz="half" idx="10"/>
           </p:nvPr>
         </p:nvSpPr>
         <p:spPr/>
@@ -15864,12 +18425,11 @@
           <a:bodyPr/>
           <a:lstStyle/>
           <a:p>
-            <a:fld id="{E27CA991-4457-4ACA-B19F-AE1560789A51}" type="slidenum">
-              <a:rPr lang="en-GB" smtClean="0"/>
-              <a:pPr/>
-              <a:t>57</a:t>
-            </a:fld>
-            <a:endParaRPr lang="en-GB"/>
+            <a:r>
+              <a:rPr lang="en-GB"/>
+              <a:t>@owennell</a:t>
+            </a:r>
+            <a:endParaRPr lang="en-US" dirty="0"/>
           </a:p>
         </p:txBody>
       </p:sp>
@@ -15977,7 +18537,15 @@
               <a:rPr lang="en-GB" sz="3200" dirty="0">
                 <a:hlinkClick r:id="rId4"/>
               </a:rPr>
-              <a:t>“Mob Mentality” on YouTube</a:t>
+              <a:t>Mob Mentality Show</a:t>
+            </a:r>
+            <a:r>
+              <a:rPr lang="en-GB" sz="3200" dirty="0"/>
+              <a:t> </a:t>
+            </a:r>
+            <a:r>
+              <a:rPr lang="en-GB" sz="3200"/>
+              <a:t>on YouTube</a:t>
             </a:r>
             <a:br>
               <a:rPr lang="en-GB" sz="3200" dirty="0"/>
@@ -15995,30 +18563,6 @@
               <a:t>)</a:t>
             </a:r>
             <a:endParaRPr lang="en-GB" sz="3200" i="1" dirty="0"/>
-          </a:p>
-        </p:txBody>
-      </p:sp>
-      <p:sp>
-        <p:nvSpPr>
-          <p:cNvPr id="4" name="Slide Number Placeholder 3"/>
-          <p:cNvSpPr>
-            <a:spLocks noGrp="1"/>
-          </p:cNvSpPr>
-          <p:nvPr>
-            <p:ph type="sldNum" sz="quarter" idx="4"/>
-          </p:nvPr>
-        </p:nvSpPr>
-        <p:spPr/>
-        <p:txBody>
-          <a:bodyPr/>
-          <a:lstStyle/>
-          <a:p>
-            <a:fld id="{E27CA991-4457-4ACA-B19F-AE1560789A51}" type="slidenum">
-              <a:rPr lang="en-GB" smtClean="0"/>
-              <a:pPr/>
-              <a:t>58</a:t>
-            </a:fld>
-            <a:endParaRPr lang="en-GB"/>
           </a:p>
         </p:txBody>
       </p:sp>
@@ -16072,6 +18616,35 @@
               <a:t>Links</a:t>
             </a:r>
             <a:endParaRPr lang="en-GB" sz="3200" dirty="0"/>
+          </a:p>
+        </p:txBody>
+      </p:sp>
+      <p:sp>
+        <p:nvSpPr>
+          <p:cNvPr id="6" name="Date Placeholder 5">
+            <a:extLst>
+              <a:ext uri="{FF2B5EF4-FFF2-40B4-BE49-F238E27FC236}">
+                <a16:creationId xmlns:a16="http://schemas.microsoft.com/office/drawing/2014/main" id="{F97E6501-23CF-4C45-B785-96F6DD5FB904}"/>
+              </a:ext>
+            </a:extLst>
+          </p:cNvPr>
+          <p:cNvSpPr>
+            <a:spLocks noGrp="1"/>
+          </p:cNvSpPr>
+          <p:nvPr>
+            <p:ph type="dt" sz="half" idx="10"/>
+          </p:nvPr>
+        </p:nvSpPr>
+        <p:spPr/>
+        <p:txBody>
+          <a:bodyPr/>
+          <a:lstStyle/>
+          <a:p>
+            <a:r>
+              <a:rPr lang="en-GB"/>
+              <a:t>@owennell</a:t>
+            </a:r>
+            <a:endParaRPr lang="en-US" dirty="0"/>
           </a:p>
         </p:txBody>
       </p:sp>
@@ -16135,12 +18708,18 @@
       </p:sp>
       <p:sp>
         <p:nvSpPr>
-          <p:cNvPr id="4" name="Slide Number Placeholder 3"/>
-          <p:cNvSpPr>
-            <a:spLocks noGrp="1"/>
-          </p:cNvSpPr>
-          <p:nvPr>
-            <p:ph type="sldNum" sz="quarter" idx="4"/>
+          <p:cNvPr id="5" name="Date Placeholder 4">
+            <a:extLst>
+              <a:ext uri="{FF2B5EF4-FFF2-40B4-BE49-F238E27FC236}">
+                <a16:creationId xmlns:a16="http://schemas.microsoft.com/office/drawing/2014/main" id="{302BFF03-0B35-E544-BA52-CD1B402E90BE}"/>
+              </a:ext>
+            </a:extLst>
+          </p:cNvPr>
+          <p:cNvSpPr>
+            <a:spLocks noGrp="1"/>
+          </p:cNvSpPr>
+          <p:nvPr>
+            <p:ph type="dt" sz="half" idx="10"/>
           </p:nvPr>
         </p:nvSpPr>
         <p:spPr/>
@@ -16148,12 +18727,11 @@
           <a:bodyPr/>
           <a:lstStyle/>
           <a:p>
-            <a:fld id="{E27CA991-4457-4ACA-B19F-AE1560789A51}" type="slidenum">
-              <a:rPr lang="en-GB" smtClean="0"/>
-              <a:pPr/>
-              <a:t>6</a:t>
-            </a:fld>
-            <a:endParaRPr lang="en-GB"/>
+            <a:r>
+              <a:rPr lang="en-GB"/>
+              <a:t>@owennell</a:t>
+            </a:r>
+            <a:endParaRPr lang="en-US" dirty="0"/>
           </a:p>
         </p:txBody>
       </p:sp>
@@ -16217,12 +18795,18 @@
       </p:sp>
       <p:sp>
         <p:nvSpPr>
-          <p:cNvPr id="4" name="Slide Number Placeholder 3"/>
-          <p:cNvSpPr>
-            <a:spLocks noGrp="1"/>
-          </p:cNvSpPr>
-          <p:nvPr>
-            <p:ph type="sldNum" sz="quarter" idx="4"/>
+          <p:cNvPr id="5" name="Date Placeholder 4">
+            <a:extLst>
+              <a:ext uri="{FF2B5EF4-FFF2-40B4-BE49-F238E27FC236}">
+                <a16:creationId xmlns:a16="http://schemas.microsoft.com/office/drawing/2014/main" id="{143E1B59-AED5-C04C-B9A6-565290E1DF2C}"/>
+              </a:ext>
+            </a:extLst>
+          </p:cNvPr>
+          <p:cNvSpPr>
+            <a:spLocks noGrp="1"/>
+          </p:cNvSpPr>
+          <p:nvPr>
+            <p:ph type="dt" sz="half" idx="10"/>
           </p:nvPr>
         </p:nvSpPr>
         <p:spPr/>
@@ -16230,12 +18814,11 @@
           <a:bodyPr/>
           <a:lstStyle/>
           <a:p>
-            <a:fld id="{E27CA991-4457-4ACA-B19F-AE1560789A51}" type="slidenum">
-              <a:rPr lang="en-GB" smtClean="0"/>
-              <a:pPr/>
-              <a:t>7</a:t>
-            </a:fld>
-            <a:endParaRPr lang="en-GB"/>
+            <a:r>
+              <a:rPr lang="en-GB"/>
+              <a:t>@owennell</a:t>
+            </a:r>
+            <a:endParaRPr lang="en-US" dirty="0"/>
           </a:p>
         </p:txBody>
       </p:sp>
@@ -16299,12 +18882,18 @@
       </p:sp>
       <p:sp>
         <p:nvSpPr>
-          <p:cNvPr id="4" name="Slide Number Placeholder 3"/>
-          <p:cNvSpPr>
-            <a:spLocks noGrp="1"/>
-          </p:cNvSpPr>
-          <p:nvPr>
-            <p:ph type="sldNum" sz="quarter" idx="4"/>
+          <p:cNvPr id="5" name="Date Placeholder 4">
+            <a:extLst>
+              <a:ext uri="{FF2B5EF4-FFF2-40B4-BE49-F238E27FC236}">
+                <a16:creationId xmlns:a16="http://schemas.microsoft.com/office/drawing/2014/main" id="{A1E0D03C-B9B4-1D42-B0D3-85668E400AFF}"/>
+              </a:ext>
+            </a:extLst>
+          </p:cNvPr>
+          <p:cNvSpPr>
+            <a:spLocks noGrp="1"/>
+          </p:cNvSpPr>
+          <p:nvPr>
+            <p:ph type="dt" sz="half" idx="10"/>
           </p:nvPr>
         </p:nvSpPr>
         <p:spPr/>
@@ -16312,12 +18901,11 @@
           <a:bodyPr/>
           <a:lstStyle/>
           <a:p>
-            <a:fld id="{E27CA991-4457-4ACA-B19F-AE1560789A51}" type="slidenum">
-              <a:rPr lang="en-GB" smtClean="0"/>
-              <a:pPr/>
-              <a:t>8</a:t>
-            </a:fld>
-            <a:endParaRPr lang="en-GB"/>
+            <a:r>
+              <a:rPr lang="en-GB"/>
+              <a:t>@owennell</a:t>
+            </a:r>
+            <a:endParaRPr lang="en-US" dirty="0"/>
           </a:p>
         </p:txBody>
       </p:sp>
@@ -16381,12 +18969,18 @@
       </p:sp>
       <p:sp>
         <p:nvSpPr>
-          <p:cNvPr id="4" name="Slide Number Placeholder 3"/>
-          <p:cNvSpPr>
-            <a:spLocks noGrp="1"/>
-          </p:cNvSpPr>
-          <p:nvPr>
-            <p:ph type="sldNum" sz="quarter" idx="4"/>
+          <p:cNvPr id="5" name="Date Placeholder 4">
+            <a:extLst>
+              <a:ext uri="{FF2B5EF4-FFF2-40B4-BE49-F238E27FC236}">
+                <a16:creationId xmlns:a16="http://schemas.microsoft.com/office/drawing/2014/main" id="{88F09422-9BC5-4A4E-9C49-7D35F76138BB}"/>
+              </a:ext>
+            </a:extLst>
+          </p:cNvPr>
+          <p:cNvSpPr>
+            <a:spLocks noGrp="1"/>
+          </p:cNvSpPr>
+          <p:nvPr>
+            <p:ph type="dt" sz="half" idx="10"/>
           </p:nvPr>
         </p:nvSpPr>
         <p:spPr/>
@@ -16394,12 +18988,11 @@
           <a:bodyPr/>
           <a:lstStyle/>
           <a:p>
-            <a:fld id="{E27CA991-4457-4ACA-B19F-AE1560789A51}" type="slidenum">
-              <a:rPr lang="en-GB" smtClean="0"/>
-              <a:pPr/>
-              <a:t>9</a:t>
-            </a:fld>
-            <a:endParaRPr lang="en-GB"/>
+            <a:r>
+              <a:rPr lang="en-GB"/>
+              <a:t>@owennell</a:t>
+            </a:r>
+            <a:endParaRPr lang="en-US" dirty="0"/>
           </a:p>
         </p:txBody>
       </p:sp>
@@ -17283,6 +19876,12 @@
 </file>
 
 <file path=customXml/item1.xml><?xml version="1.0" encoding="utf-8"?>
+<p:properties xmlns:p="http://schemas.microsoft.com/office/2006/metadata/properties" xmlns:xsi="http://www.w3.org/2001/XMLSchema-instance">
+  <documentManagement/>
+</p:properties>
+</file>
+
+<file path=customXml/item2.xml><?xml version="1.0" encoding="utf-8"?>
 <?mso-contentType ?>
 <FormTemplates xmlns="http://schemas.microsoft.com/sharepoint/v3/contenttype/forms">
   <Display>DocumentLibraryForm</Display>
@@ -17291,7 +19890,7 @@
 </FormTemplates>
 </file>
 
-<file path=customXml/item2.xml><?xml version="1.0" encoding="utf-8"?>
+<file path=customXml/item3.xml><?xml version="1.0" encoding="utf-8"?>
 <ct:contentTypeSchema xmlns:ct="http://schemas.microsoft.com/office/2006/metadata/contentType" xmlns:ma="http://schemas.microsoft.com/office/2006/metadata/properties/metaAttributes" ct:_="" ma:_="" ma:contentTypeName="Document" ma:contentTypeID="0x0101005BEB3BB5FC069E4A8B1077D5FD23943C" ma:contentTypeVersion="2" ma:contentTypeDescription="Create a new document." ma:contentTypeScope="" ma:versionID="47ddf1554eeafa4d79d0318e64abc4a7">
   <xsd:schema xmlns:xsd="http://www.w3.org/2001/XMLSchema" xmlns:xs="http://www.w3.org/2001/XMLSchema" xmlns:p="http://schemas.microsoft.com/office/2006/metadata/properties" xmlns:ns2="d1b01c81-120a-4560-9817-a2c229f7d73c" targetNamespace="http://schemas.microsoft.com/office/2006/metadata/properties" ma:root="true" ma:fieldsID="1a8928d985599b3cc8311f2e57b9aa78" ns2:_="">
     <xsd:import namespace="d1b01c81-120a-4560-9817-a2c229f7d73c"/>
@@ -17439,13 +20038,15 @@
 </ct:contentTypeSchema>
 </file>
 
-<file path=customXml/item3.xml><?xml version="1.0" encoding="utf-8"?>
-<p:properties xmlns:p="http://schemas.microsoft.com/office/2006/metadata/properties" xmlns:xsi="http://www.w3.org/2001/XMLSchema-instance">
-  <documentManagement/>
-</p:properties>
+<file path=customXml/itemProps1.xml><?xml version="1.0" encoding="utf-8"?>
+<ds:datastoreItem xmlns:ds="http://schemas.openxmlformats.org/officeDocument/2006/customXml" ds:itemID="{28288C4A-FB4D-4A80-A265-5C3EA7C36918}">
+  <ds:schemaRefs>
+    <ds:schemaRef ds:uri="http://schemas.microsoft.com/office/2006/metadata/properties"/>
+  </ds:schemaRefs>
+</ds:datastoreItem>
 </file>
 
-<file path=customXml/itemProps1.xml><?xml version="1.0" encoding="utf-8"?>
+<file path=customXml/itemProps2.xml><?xml version="1.0" encoding="utf-8"?>
 <ds:datastoreItem xmlns:ds="http://schemas.openxmlformats.org/officeDocument/2006/customXml" ds:itemID="{5B0221C8-8D1F-449C-9E02-3B69D2872205}">
   <ds:schemaRefs>
     <ds:schemaRef ds:uri="http://schemas.microsoft.com/sharepoint/v3/contenttype/forms"/>
@@ -17453,7 +20054,7 @@
 </ds:datastoreItem>
 </file>
 
-<file path=customXml/itemProps2.xml><?xml version="1.0" encoding="utf-8"?>
+<file path=customXml/itemProps3.xml><?xml version="1.0" encoding="utf-8"?>
 <ds:datastoreItem xmlns:ds="http://schemas.openxmlformats.org/officeDocument/2006/customXml" ds:itemID="{B9E90AD6-4848-4215-B912-DB92A776088F}">
   <ds:schemaRefs>
     <ds:schemaRef ds:uri="http://schemas.microsoft.com/office/2006/metadata/contentType"/>
@@ -17469,12 +20070,4 @@
     <ds:schemaRef ds:uri="http://schemas.microsoft.com/internal/obd"/>
   </ds:schemaRefs>
 </ds:datastoreItem>
-</file>
-
-<file path=customXml/itemProps3.xml><?xml version="1.0" encoding="utf-8"?>
-<ds:datastoreItem xmlns:ds="http://schemas.openxmlformats.org/officeDocument/2006/customXml" ds:itemID="{28288C4A-FB4D-4A80-A265-5C3EA7C36918}">
-  <ds:schemaRefs>
-    <ds:schemaRef ds:uri="http://schemas.microsoft.com/office/2006/metadata/properties"/>
-  </ds:schemaRefs>
-</ds:datastoreItem>
 </file>
--- a/a-mob-mentality.pptx
+++ b/a-mob-mentality.pptx
@@ -1516,7 +1516,7 @@
           <a:p>
             <a:r>
               <a:rPr lang="en-US" dirty="0"/>
-              <a:t>There may or may not be actual unicorns. Certainly I would not rule out unicorns being able to contribute to a mob.</a:t>
+              <a:t>There may or may not be actual unicorns. But I wouldn’t rule out unicorns being able to contribute to a mob.</a:t>
             </a:r>
           </a:p>
         </p:txBody>
@@ -2074,10 +2074,9 @@
           </a:p>
           <a:p>
             <a:r>
-              <a:rPr lang="en-US"/>
+              <a:rPr lang="en-US" dirty="0"/>
               <a:t>and stronger</a:t>
             </a:r>
-            <a:endParaRPr lang="en-US" dirty="0"/>
           </a:p>
         </p:txBody>
       </p:sp>
@@ -2108,6 +2107,788 @@
     <p:extLst>
       <p:ext uri="{BB962C8B-B14F-4D97-AF65-F5344CB8AC3E}">
         <p14:creationId xmlns:p14="http://schemas.microsoft.com/office/powerpoint/2010/main" val="1554729048"/>
+      </p:ext>
+    </p:extLst>
+  </p:cSld>
+  <p:clrMapOvr>
+    <a:masterClrMapping/>
+  </p:clrMapOvr>
+</p:notes>
+</file>
+
+<file path=ppt/notesSlides/notesSlide21.xml><?xml version="1.0" encoding="utf-8"?>
+<p:notes xmlns:a="http://schemas.openxmlformats.org/drawingml/2006/main" xmlns:r="http://schemas.openxmlformats.org/officeDocument/2006/relationships" xmlns:p="http://schemas.openxmlformats.org/presentationml/2006/main">
+  <p:cSld>
+    <p:spTree>
+      <p:nvGrpSpPr>
+        <p:cNvPr id="1" name=""/>
+        <p:cNvGrpSpPr/>
+        <p:nvPr/>
+      </p:nvGrpSpPr>
+      <p:grpSpPr>
+        <a:xfrm>
+          <a:off x="0" y="0"/>
+          <a:ext cx="0" cy="0"/>
+          <a:chOff x="0" y="0"/>
+          <a:chExt cx="0" cy="0"/>
+        </a:xfrm>
+      </p:grpSpPr>
+      <p:sp>
+        <p:nvSpPr>
+          <p:cNvPr id="2" name="Slide Image Placeholder 1"/>
+          <p:cNvSpPr>
+            <a:spLocks noGrp="1" noRot="1" noChangeAspect="1"/>
+          </p:cNvSpPr>
+          <p:nvPr>
+            <p:ph type="sldImg"/>
+          </p:nvPr>
+        </p:nvSpPr>
+        <p:spPr/>
+      </p:sp>
+      <p:sp>
+        <p:nvSpPr>
+          <p:cNvPr id="3" name="Notes Placeholder 2"/>
+          <p:cNvSpPr>
+            <a:spLocks noGrp="1"/>
+          </p:cNvSpPr>
+          <p:nvPr>
+            <p:ph type="body" idx="1"/>
+          </p:nvPr>
+        </p:nvSpPr>
+        <p:spPr/>
+        <p:txBody>
+          <a:bodyPr/>
+          <a:lstStyle/>
+          <a:p>
+            <a:r>
+              <a:rPr lang="en-GB" dirty="0"/>
+              <a:t>code quality - all eyes on every line, more chance of spotting better ways</a:t>
+            </a:r>
+          </a:p>
+          <a:p>
+            <a:endParaRPr lang="en-GB" dirty="0"/>
+          </a:p>
+          <a:p>
+            <a:r>
+              <a:rPr lang="en-GB" dirty="0"/>
+              <a:t>everyone's context of domain, tech, techniques - the wisdom of the crowd etc</a:t>
+            </a:r>
+            <a:endParaRPr lang="en-US" dirty="0"/>
+          </a:p>
+        </p:txBody>
+      </p:sp>
+      <p:sp>
+        <p:nvSpPr>
+          <p:cNvPr id="4" name="Slide Number Placeholder 3"/>
+          <p:cNvSpPr>
+            <a:spLocks noGrp="1"/>
+          </p:cNvSpPr>
+          <p:nvPr>
+            <p:ph type="sldNum" sz="quarter" idx="5"/>
+          </p:nvPr>
+        </p:nvSpPr>
+        <p:spPr/>
+        <p:txBody>
+          <a:bodyPr/>
+          <a:lstStyle/>
+          <a:p>
+            <a:fld id="{B99E8012-7AEC-4AAD-B52C-DF7E1601EEFE}" type="slidenum">
+              <a:rPr lang="en-GB" smtClean="0"/>
+              <a:t>21</a:t>
+            </a:fld>
+            <a:endParaRPr lang="en-GB"/>
+          </a:p>
+        </p:txBody>
+      </p:sp>
+    </p:spTree>
+    <p:extLst>
+      <p:ext uri="{BB962C8B-B14F-4D97-AF65-F5344CB8AC3E}">
+        <p14:creationId xmlns:p14="http://schemas.microsoft.com/office/powerpoint/2010/main" val="27252846"/>
+      </p:ext>
+    </p:extLst>
+  </p:cSld>
+  <p:clrMapOvr>
+    <a:masterClrMapping/>
+  </p:clrMapOvr>
+</p:notes>
+</file>
+
+<file path=ppt/notesSlides/notesSlide22.xml><?xml version="1.0" encoding="utf-8"?>
+<p:notes xmlns:a="http://schemas.openxmlformats.org/drawingml/2006/main" xmlns:r="http://schemas.openxmlformats.org/officeDocument/2006/relationships" xmlns:p="http://schemas.openxmlformats.org/presentationml/2006/main">
+  <p:cSld>
+    <p:spTree>
+      <p:nvGrpSpPr>
+        <p:cNvPr id="1" name=""/>
+        <p:cNvGrpSpPr/>
+        <p:nvPr/>
+      </p:nvGrpSpPr>
+      <p:grpSpPr>
+        <a:xfrm>
+          <a:off x="0" y="0"/>
+          <a:ext cx="0" cy="0"/>
+          <a:chOff x="0" y="0"/>
+          <a:chExt cx="0" cy="0"/>
+        </a:xfrm>
+      </p:grpSpPr>
+      <p:sp>
+        <p:nvSpPr>
+          <p:cNvPr id="2" name="Slide Image Placeholder 1"/>
+          <p:cNvSpPr>
+            <a:spLocks noGrp="1" noRot="1" noChangeAspect="1"/>
+          </p:cNvSpPr>
+          <p:nvPr>
+            <p:ph type="sldImg"/>
+          </p:nvPr>
+        </p:nvSpPr>
+        <p:spPr/>
+      </p:sp>
+      <p:sp>
+        <p:nvSpPr>
+          <p:cNvPr id="3" name="Notes Placeholder 2"/>
+          <p:cNvSpPr>
+            <a:spLocks noGrp="1"/>
+          </p:cNvSpPr>
+          <p:nvPr>
+            <p:ph type="body" idx="1"/>
+          </p:nvPr>
+        </p:nvSpPr>
+        <p:spPr/>
+        <p:txBody>
+          <a:bodyPr/>
+          <a:lstStyle/>
+          <a:p>
+            <a:r>
+              <a:rPr lang="en-GB" dirty="0"/>
+              <a:t>Mobbing is a way of shortening feedback loops</a:t>
+            </a:r>
+          </a:p>
+          <a:p>
+            <a:endParaRPr lang="en-GB" dirty="0"/>
+          </a:p>
+          <a:p>
+            <a:r>
+              <a:rPr lang="en-GB" dirty="0"/>
+              <a:t>Decision making in real time instead of meetings</a:t>
+            </a:r>
+          </a:p>
+          <a:p>
+            <a:r>
+              <a:rPr lang="en-GB" dirty="0"/>
+              <a:t>Code reviews in real time instead of a bottleneck</a:t>
+            </a:r>
+            <a:endParaRPr lang="en-US" dirty="0"/>
+          </a:p>
+        </p:txBody>
+      </p:sp>
+      <p:sp>
+        <p:nvSpPr>
+          <p:cNvPr id="4" name="Slide Number Placeholder 3"/>
+          <p:cNvSpPr>
+            <a:spLocks noGrp="1"/>
+          </p:cNvSpPr>
+          <p:nvPr>
+            <p:ph type="sldNum" sz="quarter" idx="5"/>
+          </p:nvPr>
+        </p:nvSpPr>
+        <p:spPr/>
+        <p:txBody>
+          <a:bodyPr/>
+          <a:lstStyle/>
+          <a:p>
+            <a:fld id="{B99E8012-7AEC-4AAD-B52C-DF7E1601EEFE}" type="slidenum">
+              <a:rPr lang="en-GB" smtClean="0"/>
+              <a:t>22</a:t>
+            </a:fld>
+            <a:endParaRPr lang="en-GB"/>
+          </a:p>
+        </p:txBody>
+      </p:sp>
+    </p:spTree>
+    <p:extLst>
+      <p:ext uri="{BB962C8B-B14F-4D97-AF65-F5344CB8AC3E}">
+        <p14:creationId xmlns:p14="http://schemas.microsoft.com/office/powerpoint/2010/main" val="2601500182"/>
+      </p:ext>
+    </p:extLst>
+  </p:cSld>
+  <p:clrMapOvr>
+    <a:masterClrMapping/>
+  </p:clrMapOvr>
+</p:notes>
+</file>
+
+<file path=ppt/notesSlides/notesSlide23.xml><?xml version="1.0" encoding="utf-8"?>
+<p:notes xmlns:a="http://schemas.openxmlformats.org/drawingml/2006/main" xmlns:r="http://schemas.openxmlformats.org/officeDocument/2006/relationships" xmlns:p="http://schemas.openxmlformats.org/presentationml/2006/main">
+  <p:cSld>
+    <p:spTree>
+      <p:nvGrpSpPr>
+        <p:cNvPr id="1" name=""/>
+        <p:cNvGrpSpPr/>
+        <p:nvPr/>
+      </p:nvGrpSpPr>
+      <p:grpSpPr>
+        <a:xfrm>
+          <a:off x="0" y="0"/>
+          <a:ext cx="0" cy="0"/>
+          <a:chOff x="0" y="0"/>
+          <a:chExt cx="0" cy="0"/>
+        </a:xfrm>
+      </p:grpSpPr>
+      <p:sp>
+        <p:nvSpPr>
+          <p:cNvPr id="2" name="Slide Image Placeholder 1"/>
+          <p:cNvSpPr>
+            <a:spLocks noGrp="1" noRot="1" noChangeAspect="1"/>
+          </p:cNvSpPr>
+          <p:nvPr>
+            <p:ph type="sldImg"/>
+          </p:nvPr>
+        </p:nvSpPr>
+        <p:spPr/>
+      </p:sp>
+      <p:sp>
+        <p:nvSpPr>
+          <p:cNvPr id="3" name="Notes Placeholder 2"/>
+          <p:cNvSpPr>
+            <a:spLocks noGrp="1"/>
+          </p:cNvSpPr>
+          <p:nvPr>
+            <p:ph type="body" idx="1"/>
+          </p:nvPr>
+        </p:nvSpPr>
+        <p:spPr/>
+        <p:txBody>
+          <a:bodyPr/>
+          <a:lstStyle/>
+          <a:p>
+            <a:r>
+              <a:rPr lang="en-US" dirty="0"/>
+              <a:t>Bus factor improved, everyone has context all the time</a:t>
+            </a:r>
+          </a:p>
+          <a:p>
+            <a:r>
+              <a:rPr lang="en-US" dirty="0"/>
+              <a:t>Less impact when people are off</a:t>
+            </a:r>
+          </a:p>
+          <a:p>
+            <a:endParaRPr lang="en-US" dirty="0"/>
+          </a:p>
+          <a:p>
+            <a:r>
+              <a:rPr lang="en-US" dirty="0"/>
+              <a:t>Team is new but we get to know each other quicker by working together so much</a:t>
+            </a:r>
+          </a:p>
+        </p:txBody>
+      </p:sp>
+      <p:sp>
+        <p:nvSpPr>
+          <p:cNvPr id="4" name="Slide Number Placeholder 3"/>
+          <p:cNvSpPr>
+            <a:spLocks noGrp="1"/>
+          </p:cNvSpPr>
+          <p:nvPr>
+            <p:ph type="sldNum" sz="quarter" idx="5"/>
+          </p:nvPr>
+        </p:nvSpPr>
+        <p:spPr/>
+        <p:txBody>
+          <a:bodyPr/>
+          <a:lstStyle/>
+          <a:p>
+            <a:fld id="{B99E8012-7AEC-4AAD-B52C-DF7E1601EEFE}" type="slidenum">
+              <a:rPr lang="en-GB" smtClean="0"/>
+              <a:t>23</a:t>
+            </a:fld>
+            <a:endParaRPr lang="en-GB"/>
+          </a:p>
+        </p:txBody>
+      </p:sp>
+    </p:spTree>
+    <p:extLst>
+      <p:ext uri="{BB962C8B-B14F-4D97-AF65-F5344CB8AC3E}">
+        <p14:creationId xmlns:p14="http://schemas.microsoft.com/office/powerpoint/2010/main" val="620386410"/>
+      </p:ext>
+    </p:extLst>
+  </p:cSld>
+  <p:clrMapOvr>
+    <a:masterClrMapping/>
+  </p:clrMapOvr>
+</p:notes>
+</file>
+
+<file path=ppt/notesSlides/notesSlide24.xml><?xml version="1.0" encoding="utf-8"?>
+<p:notes xmlns:a="http://schemas.openxmlformats.org/drawingml/2006/main" xmlns:r="http://schemas.openxmlformats.org/officeDocument/2006/relationships" xmlns:p="http://schemas.openxmlformats.org/presentationml/2006/main">
+  <p:cSld>
+    <p:spTree>
+      <p:nvGrpSpPr>
+        <p:cNvPr id="1" name=""/>
+        <p:cNvGrpSpPr/>
+        <p:nvPr/>
+      </p:nvGrpSpPr>
+      <p:grpSpPr>
+        <a:xfrm>
+          <a:off x="0" y="0"/>
+          <a:ext cx="0" cy="0"/>
+          <a:chOff x="0" y="0"/>
+          <a:chExt cx="0" cy="0"/>
+        </a:xfrm>
+      </p:grpSpPr>
+      <p:sp>
+        <p:nvSpPr>
+          <p:cNvPr id="2" name="Slide Image Placeholder 1"/>
+          <p:cNvSpPr>
+            <a:spLocks noGrp="1" noRot="1" noChangeAspect="1"/>
+          </p:cNvSpPr>
+          <p:nvPr>
+            <p:ph type="sldImg"/>
+          </p:nvPr>
+        </p:nvSpPr>
+        <p:spPr/>
+      </p:sp>
+      <p:sp>
+        <p:nvSpPr>
+          <p:cNvPr id="3" name="Notes Placeholder 2"/>
+          <p:cNvSpPr>
+            <a:spLocks noGrp="1"/>
+          </p:cNvSpPr>
+          <p:nvPr>
+            <p:ph type="body" idx="1"/>
+          </p:nvPr>
+        </p:nvSpPr>
+        <p:spPr/>
+        <p:txBody>
+          <a:bodyPr/>
+          <a:lstStyle/>
+          <a:p>
+            <a:r>
+              <a:rPr lang="en-US" dirty="0"/>
+              <a:t>But we started to find there were some tricky aspects about mobbing</a:t>
+            </a:r>
+          </a:p>
+        </p:txBody>
+      </p:sp>
+      <p:sp>
+        <p:nvSpPr>
+          <p:cNvPr id="4" name="Slide Number Placeholder 3"/>
+          <p:cNvSpPr>
+            <a:spLocks noGrp="1"/>
+          </p:cNvSpPr>
+          <p:nvPr>
+            <p:ph type="sldNum" sz="quarter" idx="5"/>
+          </p:nvPr>
+        </p:nvSpPr>
+        <p:spPr/>
+        <p:txBody>
+          <a:bodyPr/>
+          <a:lstStyle/>
+          <a:p>
+            <a:fld id="{B99E8012-7AEC-4AAD-B52C-DF7E1601EEFE}" type="slidenum">
+              <a:rPr lang="en-GB" smtClean="0"/>
+              <a:t>24</a:t>
+            </a:fld>
+            <a:endParaRPr lang="en-GB"/>
+          </a:p>
+        </p:txBody>
+      </p:sp>
+    </p:spTree>
+    <p:extLst>
+      <p:ext uri="{BB962C8B-B14F-4D97-AF65-F5344CB8AC3E}">
+        <p14:creationId xmlns:p14="http://schemas.microsoft.com/office/powerpoint/2010/main" val="3358445165"/>
+      </p:ext>
+    </p:extLst>
+  </p:cSld>
+  <p:clrMapOvr>
+    <a:masterClrMapping/>
+  </p:clrMapOvr>
+</p:notes>
+</file>
+
+<file path=ppt/notesSlides/notesSlide25.xml><?xml version="1.0" encoding="utf-8"?>
+<p:notes xmlns:a="http://schemas.openxmlformats.org/drawingml/2006/main" xmlns:r="http://schemas.openxmlformats.org/officeDocument/2006/relationships" xmlns:p="http://schemas.openxmlformats.org/presentationml/2006/main">
+  <p:cSld>
+    <p:spTree>
+      <p:nvGrpSpPr>
+        <p:cNvPr id="1" name=""/>
+        <p:cNvGrpSpPr/>
+        <p:nvPr/>
+      </p:nvGrpSpPr>
+      <p:grpSpPr>
+        <a:xfrm>
+          <a:off x="0" y="0"/>
+          <a:ext cx="0" cy="0"/>
+          <a:chOff x="0" y="0"/>
+          <a:chExt cx="0" cy="0"/>
+        </a:xfrm>
+      </p:grpSpPr>
+      <p:sp>
+        <p:nvSpPr>
+          <p:cNvPr id="2" name="Slide Image Placeholder 1"/>
+          <p:cNvSpPr>
+            <a:spLocks noGrp="1" noRot="1" noChangeAspect="1"/>
+          </p:cNvSpPr>
+          <p:nvPr>
+            <p:ph type="sldImg"/>
+          </p:nvPr>
+        </p:nvSpPr>
+        <p:spPr/>
+      </p:sp>
+      <p:sp>
+        <p:nvSpPr>
+          <p:cNvPr id="3" name="Notes Placeholder 2"/>
+          <p:cNvSpPr>
+            <a:spLocks noGrp="1"/>
+          </p:cNvSpPr>
+          <p:nvPr>
+            <p:ph type="body" idx="1"/>
+          </p:nvPr>
+        </p:nvSpPr>
+        <p:spPr/>
+        <p:txBody>
+          <a:bodyPr/>
+          <a:lstStyle/>
+          <a:p>
+            <a:r>
+              <a:rPr lang="en-GB" dirty="0"/>
+              <a:t>Mobbing is intense</a:t>
+            </a:r>
+          </a:p>
+          <a:p>
+            <a:endParaRPr lang="en-GB" dirty="0"/>
+          </a:p>
+          <a:p>
+            <a:r>
+              <a:rPr lang="en-GB" dirty="0"/>
+              <a:t>Conversation with multiple people instead of just your pair</a:t>
+            </a:r>
+          </a:p>
+          <a:p>
+            <a:r>
+              <a:rPr lang="en-GB" dirty="0"/>
+              <a:t>Going on for too long, we’d get exhausted</a:t>
+            </a:r>
+          </a:p>
+          <a:p>
+            <a:endParaRPr lang="en-GB" dirty="0"/>
+          </a:p>
+          <a:p>
+            <a:r>
+              <a:rPr lang="en-GB" dirty="0"/>
+              <a:t>So we started to take regular breaks</a:t>
+            </a:r>
+          </a:p>
+          <a:p>
+            <a:r>
+              <a:rPr lang="en-GB" dirty="0"/>
+              <a:t>And keep sessions short, say 30 minutes.</a:t>
+            </a:r>
+            <a:endParaRPr lang="en-US" dirty="0"/>
+          </a:p>
+        </p:txBody>
+      </p:sp>
+      <p:sp>
+        <p:nvSpPr>
+          <p:cNvPr id="4" name="Slide Number Placeholder 3"/>
+          <p:cNvSpPr>
+            <a:spLocks noGrp="1"/>
+          </p:cNvSpPr>
+          <p:nvPr>
+            <p:ph type="sldNum" sz="quarter" idx="5"/>
+          </p:nvPr>
+        </p:nvSpPr>
+        <p:spPr/>
+        <p:txBody>
+          <a:bodyPr/>
+          <a:lstStyle/>
+          <a:p>
+            <a:fld id="{B99E8012-7AEC-4AAD-B52C-DF7E1601EEFE}" type="slidenum">
+              <a:rPr lang="en-GB" smtClean="0"/>
+              <a:t>25</a:t>
+            </a:fld>
+            <a:endParaRPr lang="en-GB"/>
+          </a:p>
+        </p:txBody>
+      </p:sp>
+    </p:spTree>
+    <p:extLst>
+      <p:ext uri="{BB962C8B-B14F-4D97-AF65-F5344CB8AC3E}">
+        <p14:creationId xmlns:p14="http://schemas.microsoft.com/office/powerpoint/2010/main" val="1279656155"/>
+      </p:ext>
+    </p:extLst>
+  </p:cSld>
+  <p:clrMapOvr>
+    <a:masterClrMapping/>
+  </p:clrMapOvr>
+</p:notes>
+</file>
+
+<file path=ppt/notesSlides/notesSlide26.xml><?xml version="1.0" encoding="utf-8"?>
+<p:notes xmlns:a="http://schemas.openxmlformats.org/drawingml/2006/main" xmlns:r="http://schemas.openxmlformats.org/officeDocument/2006/relationships" xmlns:p="http://schemas.openxmlformats.org/presentationml/2006/main">
+  <p:cSld>
+    <p:spTree>
+      <p:nvGrpSpPr>
+        <p:cNvPr id="1" name=""/>
+        <p:cNvGrpSpPr/>
+        <p:nvPr/>
+      </p:nvGrpSpPr>
+      <p:grpSpPr>
+        <a:xfrm>
+          <a:off x="0" y="0"/>
+          <a:ext cx="0" cy="0"/>
+          <a:chOff x="0" y="0"/>
+          <a:chExt cx="0" cy="0"/>
+        </a:xfrm>
+      </p:grpSpPr>
+      <p:sp>
+        <p:nvSpPr>
+          <p:cNvPr id="2" name="Slide Image Placeholder 1"/>
+          <p:cNvSpPr>
+            <a:spLocks noGrp="1" noRot="1" noChangeAspect="1"/>
+          </p:cNvSpPr>
+          <p:nvPr>
+            <p:ph type="sldImg"/>
+          </p:nvPr>
+        </p:nvSpPr>
+        <p:spPr/>
+      </p:sp>
+      <p:sp>
+        <p:nvSpPr>
+          <p:cNvPr id="3" name="Notes Placeholder 2"/>
+          <p:cNvSpPr>
+            <a:spLocks noGrp="1"/>
+          </p:cNvSpPr>
+          <p:nvPr>
+            <p:ph type="body" idx="1"/>
+          </p:nvPr>
+        </p:nvSpPr>
+        <p:spPr/>
+        <p:txBody>
+          <a:bodyPr/>
+          <a:lstStyle/>
+          <a:p>
+            <a:r>
+              <a:rPr lang="en-US" dirty="0"/>
+              <a:t>Mobbing can be intimidating</a:t>
+            </a:r>
+          </a:p>
+          <a:p>
+            <a:endParaRPr lang="en-US" dirty="0"/>
+          </a:p>
+          <a:p>
+            <a:r>
+              <a:rPr lang="en-US" dirty="0"/>
+              <a:t>Imagine if you are new to a particular language, or framework</a:t>
+            </a:r>
+          </a:p>
+          <a:p>
+            <a:r>
+              <a:rPr lang="en-US" dirty="0"/>
+              <a:t>And you’re asked to code with the entire team watching</a:t>
+            </a:r>
+          </a:p>
+          <a:p>
+            <a:r>
+              <a:rPr lang="en-US" dirty="0"/>
+              <a:t>And the experienced people are saying “do this, do that, no like that”</a:t>
+            </a:r>
+          </a:p>
+          <a:p>
+            <a:endParaRPr lang="en-US" dirty="0"/>
+          </a:p>
+          <a:p>
+            <a:r>
+              <a:rPr lang="en-US" dirty="0"/>
+              <a:t>We don’t want people to feel stressed or nervous</a:t>
+            </a:r>
+          </a:p>
+          <a:p>
+            <a:r>
+              <a:rPr lang="en-US" dirty="0"/>
+              <a:t>We want people to be at ease so they do their best work</a:t>
+            </a:r>
+          </a:p>
+          <a:p>
+            <a:endParaRPr lang="en-US" dirty="0"/>
+          </a:p>
+          <a:p>
+            <a:r>
+              <a:rPr lang="en-US" dirty="0"/>
+              <a:t>We found it important to have psychological safety</a:t>
+            </a:r>
+          </a:p>
+          <a:p>
+            <a:r>
+              <a:rPr lang="en-US" dirty="0"/>
+              <a:t>To be kind with the driver</a:t>
+            </a:r>
+          </a:p>
+          <a:p>
+            <a:r>
+              <a:rPr lang="en-US" dirty="0"/>
+              <a:t>To be patient with the driver</a:t>
+            </a:r>
+          </a:p>
+          <a:p>
+            <a:r>
+              <a:rPr lang="en-US" dirty="0"/>
+              <a:t>Pairing well is a skill. This is even more important in a mob</a:t>
+            </a:r>
+          </a:p>
+        </p:txBody>
+      </p:sp>
+      <p:sp>
+        <p:nvSpPr>
+          <p:cNvPr id="4" name="Slide Number Placeholder 3"/>
+          <p:cNvSpPr>
+            <a:spLocks noGrp="1"/>
+          </p:cNvSpPr>
+          <p:nvPr>
+            <p:ph type="sldNum" sz="quarter" idx="5"/>
+          </p:nvPr>
+        </p:nvSpPr>
+        <p:spPr/>
+        <p:txBody>
+          <a:bodyPr/>
+          <a:lstStyle/>
+          <a:p>
+            <a:fld id="{B99E8012-7AEC-4AAD-B52C-DF7E1601EEFE}" type="slidenum">
+              <a:rPr lang="en-GB" smtClean="0"/>
+              <a:t>26</a:t>
+            </a:fld>
+            <a:endParaRPr lang="en-GB"/>
+          </a:p>
+        </p:txBody>
+      </p:sp>
+    </p:spTree>
+    <p:extLst>
+      <p:ext uri="{BB962C8B-B14F-4D97-AF65-F5344CB8AC3E}">
+        <p14:creationId xmlns:p14="http://schemas.microsoft.com/office/powerpoint/2010/main" val="514739828"/>
+      </p:ext>
+    </p:extLst>
+  </p:cSld>
+  <p:clrMapOvr>
+    <a:masterClrMapping/>
+  </p:clrMapOvr>
+</p:notes>
+</file>
+
+<file path=ppt/notesSlides/notesSlide27.xml><?xml version="1.0" encoding="utf-8"?>
+<p:notes xmlns:a="http://schemas.openxmlformats.org/drawingml/2006/main" xmlns:r="http://schemas.openxmlformats.org/officeDocument/2006/relationships" xmlns:p="http://schemas.openxmlformats.org/presentationml/2006/main">
+  <p:cSld>
+    <p:spTree>
+      <p:nvGrpSpPr>
+        <p:cNvPr id="1" name=""/>
+        <p:cNvGrpSpPr/>
+        <p:nvPr/>
+      </p:nvGrpSpPr>
+      <p:grpSpPr>
+        <a:xfrm>
+          <a:off x="0" y="0"/>
+          <a:ext cx="0" cy="0"/>
+          <a:chOff x="0" y="0"/>
+          <a:chExt cx="0" cy="0"/>
+        </a:xfrm>
+      </p:grpSpPr>
+      <p:sp>
+        <p:nvSpPr>
+          <p:cNvPr id="2" name="Slide Image Placeholder 1"/>
+          <p:cNvSpPr>
+            <a:spLocks noGrp="1" noRot="1" noChangeAspect="1"/>
+          </p:cNvSpPr>
+          <p:nvPr>
+            <p:ph type="sldImg"/>
+          </p:nvPr>
+        </p:nvSpPr>
+        <p:spPr/>
+      </p:sp>
+      <p:sp>
+        <p:nvSpPr>
+          <p:cNvPr id="3" name="Notes Placeholder 2"/>
+          <p:cNvSpPr>
+            <a:spLocks noGrp="1"/>
+          </p:cNvSpPr>
+          <p:nvPr>
+            <p:ph type="body" idx="1"/>
+          </p:nvPr>
+        </p:nvSpPr>
+        <p:spPr/>
+        <p:txBody>
+          <a:bodyPr/>
+          <a:lstStyle/>
+          <a:p>
+            <a:r>
+              <a:rPr lang="en-GB" dirty="0"/>
+              <a:t>So we learned how to mob</a:t>
+            </a:r>
+          </a:p>
+          <a:p>
+            <a:r>
+              <a:rPr lang="en-GB" dirty="0"/>
+              <a:t>and we love it!</a:t>
+            </a:r>
+          </a:p>
+          <a:p>
+            <a:r>
+              <a:rPr lang="en-GB" dirty="0"/>
+              <a:t>Better code</a:t>
+            </a:r>
+          </a:p>
+          <a:p>
+            <a:r>
+              <a:rPr lang="en-GB" dirty="0"/>
+              <a:t>Happy team</a:t>
+            </a:r>
+          </a:p>
+          <a:p>
+            <a:endParaRPr lang="en-GB" dirty="0"/>
+          </a:p>
+          <a:p>
+            <a:r>
+              <a:rPr lang="en-GB"/>
+              <a:t>Mobbing </a:t>
+            </a:r>
+            <a:r>
+              <a:rPr lang="en-GB" dirty="0"/>
+              <a:t>takes all the good things about pair programming and amplifies them</a:t>
+            </a:r>
+          </a:p>
+          <a:p>
+            <a:r>
+              <a:rPr lang="en-GB" dirty="0"/>
+              <a:t>But, if you’re not careful, it can amplify the bad things too</a:t>
+            </a:r>
+            <a:endParaRPr lang="en-US" dirty="0"/>
+          </a:p>
+        </p:txBody>
+      </p:sp>
+      <p:sp>
+        <p:nvSpPr>
+          <p:cNvPr id="4" name="Slide Number Placeholder 3"/>
+          <p:cNvSpPr>
+            <a:spLocks noGrp="1"/>
+          </p:cNvSpPr>
+          <p:nvPr>
+            <p:ph type="sldNum" sz="quarter" idx="5"/>
+          </p:nvPr>
+        </p:nvSpPr>
+        <p:spPr/>
+        <p:txBody>
+          <a:bodyPr/>
+          <a:lstStyle/>
+          <a:p>
+            <a:fld id="{B99E8012-7AEC-4AAD-B52C-DF7E1601EEFE}" type="slidenum">
+              <a:rPr lang="en-GB" smtClean="0"/>
+              <a:t>27</a:t>
+            </a:fld>
+            <a:endParaRPr lang="en-GB"/>
+          </a:p>
+        </p:txBody>
+      </p:sp>
+    </p:spTree>
+    <p:extLst>
+      <p:ext uri="{BB962C8B-B14F-4D97-AF65-F5344CB8AC3E}">
+        <p14:creationId xmlns:p14="http://schemas.microsoft.com/office/powerpoint/2010/main" val="1842680016"/>
       </p:ext>
     </p:extLst>
   </p:cSld>

--- a/a-mob-mentality.pptx
+++ b/a-mob-mentality.pptx
@@ -271,7 +271,7 @@
           <a:p>
             <a:fld id="{7BBE8AEC-3485-8F42-8DAA-65AC687FA28D}" type="datetimeFigureOut">
               <a:rPr lang="en-US" smtClean="0"/>
-              <a:t>9/23/19</a:t>
+              <a:t>9/25/19</a:t>
             </a:fld>
             <a:endParaRPr lang="en-US"/>
           </a:p>
@@ -436,7 +436,7 @@
           <a:p>
             <a:fld id="{F8C37668-4783-4882-B2E6-3A4D0BC25785}" type="datetimeFigureOut">
               <a:rPr lang="en-GB" smtClean="0"/>
-              <a:t>23/09/2019</a:t>
+              <a:t>25/09/2019</a:t>
             </a:fld>
             <a:endParaRPr lang="en-GB"/>
           </a:p>
@@ -759,7 +759,7 @@
           <a:p>
             <a:r>
               <a:rPr lang="en-US" dirty="0"/>
-              <a:t>I’m here because 5 years ago, someone in my team heard about this anarchic idea of how to develop software together</a:t>
+              <a:t>I’m here because 5 years ago, someone in my team suggested we try something radical.</a:t>
             </a:r>
           </a:p>
           <a:p>
@@ -768,13 +768,13 @@
           <a:p>
             <a:r>
               <a:rPr lang="en-US" dirty="0"/>
-              <a:t>Apparently over on the west coast of the USA, this team weren’t pair programming</a:t>
+              <a:t>Apparently over on the west coast of the USA, there was a team that weren’t just pair programming.</a:t>
             </a:r>
           </a:p>
           <a:p>
             <a:r>
               <a:rPr lang="en-US" dirty="0"/>
-              <a:t>Instead they were working all together on the same thing at the same time on the same computer</a:t>
+              <a:t>They were all working together on the same thing at the same time on the same computer</a:t>
             </a:r>
           </a:p>
           <a:p>
@@ -806,6 +806,13 @@
           <a:p>
             <a:r>
               <a:rPr lang="en-US" dirty="0"/>
+              <a:t>I thought: </a:t>
+            </a:r>
+            <a:br>
+              <a:rPr lang="en-US" dirty="0"/>
+            </a:br>
+            <a:r>
+              <a:rPr lang="en-US" dirty="0"/>
               <a:t>Never </a:t>
             </a:r>
             <a:r>
@@ -814,7 +821,7 @@
             </a:r>
             <a:r>
               <a:rPr lang="en-US" dirty="0"/>
-              <a:t> work</a:t>
+              <a:t> catch on</a:t>
             </a:r>
           </a:p>
           <a:p>
@@ -852,7 +859,13 @@
           <a:p>
             <a:r>
               <a:rPr lang="en-US" dirty="0"/>
-              <a:t>five years later, the idea’s spread around the company and is  becoming more popular around the world too.</a:t>
+              <a:t>five years later, the idea’s not so radical anymore.</a:t>
+            </a:r>
+          </a:p>
+          <a:p>
+            <a:r>
+              <a:rPr lang="en-US" dirty="0"/>
+              <a:t>It spread around the world</a:t>
             </a:r>
           </a:p>
         </p:txBody>
@@ -20657,12 +20670,6 @@
 </file>
 
 <file path=customXml/item1.xml><?xml version="1.0" encoding="utf-8"?>
-<p:properties xmlns:p="http://schemas.microsoft.com/office/2006/metadata/properties" xmlns:xsi="http://www.w3.org/2001/XMLSchema-instance">
-  <documentManagement/>
-</p:properties>
-</file>
-
-<file path=customXml/item2.xml><?xml version="1.0" encoding="utf-8"?>
 <?mso-contentType ?>
 <FormTemplates xmlns="http://schemas.microsoft.com/sharepoint/v3/contenttype/forms">
   <Display>DocumentLibraryForm</Display>
@@ -20671,7 +20678,7 @@
 </FormTemplates>
 </file>
 
-<file path=customXml/item3.xml><?xml version="1.0" encoding="utf-8"?>
+<file path=customXml/item2.xml><?xml version="1.0" encoding="utf-8"?>
 <ct:contentTypeSchema xmlns:ct="http://schemas.microsoft.com/office/2006/metadata/contentType" xmlns:ma="http://schemas.microsoft.com/office/2006/metadata/properties/metaAttributes" ct:_="" ma:_="" ma:contentTypeName="Document" ma:contentTypeID="0x0101005BEB3BB5FC069E4A8B1077D5FD23943C" ma:contentTypeVersion="2" ma:contentTypeDescription="Create a new document." ma:contentTypeScope="" ma:versionID="47ddf1554eeafa4d79d0318e64abc4a7">
   <xsd:schema xmlns:xsd="http://www.w3.org/2001/XMLSchema" xmlns:xs="http://www.w3.org/2001/XMLSchema" xmlns:p="http://schemas.microsoft.com/office/2006/metadata/properties" xmlns:ns2="d1b01c81-120a-4560-9817-a2c229f7d73c" targetNamespace="http://schemas.microsoft.com/office/2006/metadata/properties" ma:root="true" ma:fieldsID="1a8928d985599b3cc8311f2e57b9aa78" ns2:_="">
     <xsd:import namespace="d1b01c81-120a-4560-9817-a2c229f7d73c"/>
@@ -20819,15 +20826,13 @@
 </ct:contentTypeSchema>
 </file>
 
-<file path=customXml/itemProps1.xml><?xml version="1.0" encoding="utf-8"?>
-<ds:datastoreItem xmlns:ds="http://schemas.openxmlformats.org/officeDocument/2006/customXml" ds:itemID="{28288C4A-FB4D-4A80-A265-5C3EA7C36918}">
-  <ds:schemaRefs>
-    <ds:schemaRef ds:uri="http://schemas.microsoft.com/office/2006/metadata/properties"/>
-  </ds:schemaRefs>
-</ds:datastoreItem>
+<file path=customXml/item3.xml><?xml version="1.0" encoding="utf-8"?>
+<p:properties xmlns:p="http://schemas.microsoft.com/office/2006/metadata/properties" xmlns:xsi="http://www.w3.org/2001/XMLSchema-instance">
+  <documentManagement/>
+</p:properties>
 </file>
 
-<file path=customXml/itemProps2.xml><?xml version="1.0" encoding="utf-8"?>
+<file path=customXml/itemProps1.xml><?xml version="1.0" encoding="utf-8"?>
 <ds:datastoreItem xmlns:ds="http://schemas.openxmlformats.org/officeDocument/2006/customXml" ds:itemID="{5B0221C8-8D1F-449C-9E02-3B69D2872205}">
   <ds:schemaRefs>
     <ds:schemaRef ds:uri="http://schemas.microsoft.com/sharepoint/v3/contenttype/forms"/>
@@ -20835,7 +20840,7 @@
 </ds:datastoreItem>
 </file>
 
-<file path=customXml/itemProps3.xml><?xml version="1.0" encoding="utf-8"?>
+<file path=customXml/itemProps2.xml><?xml version="1.0" encoding="utf-8"?>
 <ds:datastoreItem xmlns:ds="http://schemas.openxmlformats.org/officeDocument/2006/customXml" ds:itemID="{B9E90AD6-4848-4215-B912-DB92A776088F}">
   <ds:schemaRefs>
     <ds:schemaRef ds:uri="http://schemas.microsoft.com/office/2006/metadata/contentType"/>
@@ -20851,4 +20856,12 @@
     <ds:schemaRef ds:uri="http://schemas.microsoft.com/internal/obd"/>
   </ds:schemaRefs>
 </ds:datastoreItem>
+</file>
+
+<file path=customXml/itemProps3.xml><?xml version="1.0" encoding="utf-8"?>
+<ds:datastoreItem xmlns:ds="http://schemas.openxmlformats.org/officeDocument/2006/customXml" ds:itemID="{28288C4A-FB4D-4A80-A265-5C3EA7C36918}">
+  <ds:schemaRefs>
+    <ds:schemaRef ds:uri="http://schemas.microsoft.com/office/2006/metadata/properties"/>
+  </ds:schemaRefs>
+</ds:datastoreItem>
 </file>
--- a/a-mob-mentality.pptx
+++ b/a-mob-mentality.pptx
@@ -1637,6 +1637,15 @@
               <a:t>And I guess that applies to techniques as well.</a:t>
             </a:r>
           </a:p>
+          <a:p>
+            <a:endParaRPr lang="en-US" dirty="0"/>
+          </a:p>
+          <a:p>
+            <a:r>
+              <a:rPr lang="en-US" dirty="0"/>
+              <a:t>But...I think we're stuck with the name </a:t>
+            </a:r>
+          </a:p>
         </p:txBody>
       </p:sp>
       <p:sp>
@@ -2911,6 +2920,260 @@
 </p:notes>
 </file>
 
+<file path=ppt/notesSlides/notesSlide28.xml><?xml version="1.0" encoding="utf-8"?>
+<p:notes xmlns:a="http://schemas.openxmlformats.org/drawingml/2006/main" xmlns:r="http://schemas.openxmlformats.org/officeDocument/2006/relationships" xmlns:p="http://schemas.openxmlformats.org/presentationml/2006/main">
+  <p:cSld>
+    <p:spTree>
+      <p:nvGrpSpPr>
+        <p:cNvPr id="1" name=""/>
+        <p:cNvGrpSpPr/>
+        <p:nvPr/>
+      </p:nvGrpSpPr>
+      <p:grpSpPr>
+        <a:xfrm>
+          <a:off x="0" y="0"/>
+          <a:ext cx="0" cy="0"/>
+          <a:chOff x="0" y="0"/>
+          <a:chExt cx="0" cy="0"/>
+        </a:xfrm>
+      </p:grpSpPr>
+      <p:sp>
+        <p:nvSpPr>
+          <p:cNvPr id="2" name="Slide Image Placeholder 1"/>
+          <p:cNvSpPr>
+            <a:spLocks noGrp="1" noRot="1" noChangeAspect="1"/>
+          </p:cNvSpPr>
+          <p:nvPr>
+            <p:ph type="sldImg"/>
+          </p:nvPr>
+        </p:nvSpPr>
+        <p:spPr/>
+      </p:sp>
+      <p:sp>
+        <p:nvSpPr>
+          <p:cNvPr id="3" name="Notes Placeholder 2"/>
+          <p:cNvSpPr>
+            <a:spLocks noGrp="1"/>
+          </p:cNvSpPr>
+          <p:nvPr>
+            <p:ph type="body" idx="1"/>
+          </p:nvPr>
+        </p:nvSpPr>
+        <p:spPr/>
+        <p:txBody>
+          <a:bodyPr/>
+          <a:lstStyle/>
+          <a:p>
+            <a:r>
+              <a:rPr lang="en-US" dirty="0"/>
+              <a:t>Now onto the second mob</a:t>
+            </a:r>
+          </a:p>
+          <a:p>
+            <a:endParaRPr lang="en-US" dirty="0"/>
+          </a:p>
+          <a:p>
+            <a:r>
+              <a:rPr lang="en-US" dirty="0"/>
+              <a:t>This time they were an established team</a:t>
+            </a:r>
+          </a:p>
+          <a:p>
+            <a:br>
+              <a:rPr lang="en-US" dirty="0"/>
+            </a:br>
+            <a:r>
+              <a:rPr lang="en-US" dirty="0"/>
+              <a:t>It’s a bit later on, and I was in a new role. A tech lead.</a:t>
+            </a:r>
+          </a:p>
+          <a:p>
+            <a:endParaRPr lang="en-US" dirty="0"/>
+          </a:p>
+          <a:p>
+            <a:r>
+              <a:rPr lang="en-US" dirty="0"/>
+              <a:t>I was really pleased because the team have heard about mobbing and are starting to try it out.</a:t>
+            </a:r>
+          </a:p>
+          <a:p>
+            <a:r>
+              <a:rPr lang="en-US" dirty="0"/>
+              <a:t>They like it too.</a:t>
+            </a:r>
+          </a:p>
+          <a:p>
+            <a:endParaRPr lang="en-US" dirty="0"/>
+          </a:p>
+          <a:p>
+            <a:pPr marL="0" marR="0" lvl="0" indent="0" algn="l" defTabSz="914400" rtl="0" eaLnBrk="1" fontAlgn="auto" latinLnBrk="0" hangingPunct="1">
+              <a:lnSpc>
+                <a:spcPct val="100000"/>
+              </a:lnSpc>
+              <a:spcBef>
+                <a:spcPts val="0"/>
+              </a:spcBef>
+              <a:spcAft>
+                <a:spcPts val="0"/>
+              </a:spcAft>
+              <a:buClrTx/>
+              <a:buSzTx/>
+              <a:buFontTx/>
+              <a:buNone/>
+              <a:tabLst/>
+              <a:defRPr/>
+            </a:pPr>
+            <a:r>
+              <a:rPr lang="en-US" dirty="0"/>
+              <a:t>And also, as a tech lead, the team mobbing suited me, because...</a:t>
+            </a:r>
+          </a:p>
+        </p:txBody>
+      </p:sp>
+      <p:sp>
+        <p:nvSpPr>
+          <p:cNvPr id="4" name="Slide Number Placeholder 3"/>
+          <p:cNvSpPr>
+            <a:spLocks noGrp="1"/>
+          </p:cNvSpPr>
+          <p:nvPr>
+            <p:ph type="sldNum" sz="quarter" idx="5"/>
+          </p:nvPr>
+        </p:nvSpPr>
+        <p:spPr/>
+        <p:txBody>
+          <a:bodyPr/>
+          <a:lstStyle/>
+          <a:p>
+            <a:fld id="{B99E8012-7AEC-4AAD-B52C-DF7E1601EEFE}" type="slidenum">
+              <a:rPr lang="en-GB" smtClean="0"/>
+              <a:t>28</a:t>
+            </a:fld>
+            <a:endParaRPr lang="en-GB"/>
+          </a:p>
+        </p:txBody>
+      </p:sp>
+    </p:spTree>
+    <p:extLst>
+      <p:ext uri="{BB962C8B-B14F-4D97-AF65-F5344CB8AC3E}">
+        <p14:creationId xmlns:p14="http://schemas.microsoft.com/office/powerpoint/2010/main" val="3133027634"/>
+      </p:ext>
+    </p:extLst>
+  </p:cSld>
+  <p:clrMapOvr>
+    <a:masterClrMapping/>
+  </p:clrMapOvr>
+</p:notes>
+</file>
+
+<file path=ppt/notesSlides/notesSlide29.xml><?xml version="1.0" encoding="utf-8"?>
+<p:notes xmlns:a="http://schemas.openxmlformats.org/drawingml/2006/main" xmlns:r="http://schemas.openxmlformats.org/officeDocument/2006/relationships" xmlns:p="http://schemas.openxmlformats.org/presentationml/2006/main">
+  <p:cSld>
+    <p:spTree>
+      <p:nvGrpSpPr>
+        <p:cNvPr id="1" name=""/>
+        <p:cNvGrpSpPr/>
+        <p:nvPr/>
+      </p:nvGrpSpPr>
+      <p:grpSpPr>
+        <a:xfrm>
+          <a:off x="0" y="0"/>
+          <a:ext cx="0" cy="0"/>
+          <a:chOff x="0" y="0"/>
+          <a:chExt cx="0" cy="0"/>
+        </a:xfrm>
+      </p:grpSpPr>
+      <p:sp>
+        <p:nvSpPr>
+          <p:cNvPr id="2" name="Slide Image Placeholder 1"/>
+          <p:cNvSpPr>
+            <a:spLocks noGrp="1" noRot="1" noChangeAspect="1"/>
+          </p:cNvSpPr>
+          <p:nvPr>
+            <p:ph type="sldImg"/>
+          </p:nvPr>
+        </p:nvSpPr>
+        <p:spPr/>
+      </p:sp>
+      <p:sp>
+        <p:nvSpPr>
+          <p:cNvPr id="3" name="Notes Placeholder 2"/>
+          <p:cNvSpPr>
+            <a:spLocks noGrp="1"/>
+          </p:cNvSpPr>
+          <p:nvPr>
+            <p:ph type="body" idx="1"/>
+          </p:nvPr>
+        </p:nvSpPr>
+        <p:spPr/>
+        <p:txBody>
+          <a:bodyPr/>
+          <a:lstStyle/>
+          <a:p>
+            <a:r>
+              <a:rPr lang="en-US" dirty="0"/>
+              <a:t>There’s much less context switching.</a:t>
+            </a:r>
+          </a:p>
+          <a:p>
+            <a:endParaRPr lang="en-US" dirty="0"/>
+          </a:p>
+          <a:p>
+            <a:r>
+              <a:rPr lang="en-US" dirty="0"/>
+              <a:t>With pairing, I need to keep an eye on multiple pairs, to see if they need help or are going down a wrong path.</a:t>
+            </a:r>
+          </a:p>
+          <a:p>
+            <a:r>
+              <a:rPr lang="en-US" dirty="0"/>
+              <a:t>With pairing, we can have multiple stories in flight that need to be coordinated and deployed and so on.</a:t>
+            </a:r>
+          </a:p>
+          <a:p>
+            <a:r>
+              <a:rPr lang="en-US" dirty="0"/>
+              <a:t>But with mobbing, there’s one thing going on at a time.</a:t>
+            </a:r>
+          </a:p>
+        </p:txBody>
+      </p:sp>
+      <p:sp>
+        <p:nvSpPr>
+          <p:cNvPr id="4" name="Slide Number Placeholder 3"/>
+          <p:cNvSpPr>
+            <a:spLocks noGrp="1"/>
+          </p:cNvSpPr>
+          <p:nvPr>
+            <p:ph type="sldNum" sz="quarter" idx="5"/>
+          </p:nvPr>
+        </p:nvSpPr>
+        <p:spPr/>
+        <p:txBody>
+          <a:bodyPr/>
+          <a:lstStyle/>
+          <a:p>
+            <a:fld id="{B99E8012-7AEC-4AAD-B52C-DF7E1601EEFE}" type="slidenum">
+              <a:rPr lang="en-GB" smtClean="0"/>
+              <a:t>29</a:t>
+            </a:fld>
+            <a:endParaRPr lang="en-GB"/>
+          </a:p>
+        </p:txBody>
+      </p:sp>
+    </p:spTree>
+    <p:extLst>
+      <p:ext uri="{BB962C8B-B14F-4D97-AF65-F5344CB8AC3E}">
+        <p14:creationId xmlns:p14="http://schemas.microsoft.com/office/powerpoint/2010/main" val="3709854531"/>
+      </p:ext>
+    </p:extLst>
+  </p:cSld>
+  <p:clrMapOvr>
+    <a:masterClrMapping/>
+  </p:clrMapOvr>
+</p:notes>
+</file>
+
 <file path=ppt/notesSlides/notesSlide3.xml><?xml version="1.0" encoding="utf-8"?>
 <p:notes xmlns:a="http://schemas.openxmlformats.org/drawingml/2006/main" xmlns:r="http://schemas.openxmlformats.org/officeDocument/2006/relationships" xmlns:p="http://schemas.openxmlformats.org/presentationml/2006/main">
   <p:cSld>
@@ -3043,6 +3306,1152 @@
     <p:extLst>
       <p:ext uri="{BB962C8B-B14F-4D97-AF65-F5344CB8AC3E}">
         <p14:creationId xmlns:p14="http://schemas.microsoft.com/office/powerpoint/2010/main" val="1956514631"/>
+      </p:ext>
+    </p:extLst>
+  </p:cSld>
+  <p:clrMapOvr>
+    <a:masterClrMapping/>
+  </p:clrMapOvr>
+</p:notes>
+</file>
+
+<file path=ppt/notesSlides/notesSlide30.xml><?xml version="1.0" encoding="utf-8"?>
+<p:notes xmlns:a="http://schemas.openxmlformats.org/drawingml/2006/main" xmlns:r="http://schemas.openxmlformats.org/officeDocument/2006/relationships" xmlns:p="http://schemas.openxmlformats.org/presentationml/2006/main">
+  <p:cSld>
+    <p:spTree>
+      <p:nvGrpSpPr>
+        <p:cNvPr id="1" name=""/>
+        <p:cNvGrpSpPr/>
+        <p:nvPr/>
+      </p:nvGrpSpPr>
+      <p:grpSpPr>
+        <a:xfrm>
+          <a:off x="0" y="0"/>
+          <a:ext cx="0" cy="0"/>
+          <a:chOff x="0" y="0"/>
+          <a:chExt cx="0" cy="0"/>
+        </a:xfrm>
+      </p:grpSpPr>
+      <p:sp>
+        <p:nvSpPr>
+          <p:cNvPr id="2" name="Slide Image Placeholder 1"/>
+          <p:cNvSpPr>
+            <a:spLocks noGrp="1" noRot="1" noChangeAspect="1"/>
+          </p:cNvSpPr>
+          <p:nvPr>
+            <p:ph type="sldImg"/>
+          </p:nvPr>
+        </p:nvSpPr>
+        <p:spPr/>
+      </p:sp>
+      <p:sp>
+        <p:nvSpPr>
+          <p:cNvPr id="3" name="Notes Placeholder 2"/>
+          <p:cNvSpPr>
+            <a:spLocks noGrp="1"/>
+          </p:cNvSpPr>
+          <p:nvPr>
+            <p:ph type="body" idx="1"/>
+          </p:nvPr>
+        </p:nvSpPr>
+        <p:spPr/>
+        <p:txBody>
+          <a:bodyPr/>
+          <a:lstStyle/>
+          <a:p>
+            <a:r>
+              <a:rPr lang="en-US" dirty="0"/>
+              <a:t>As a tech lead, I’m often popping out to meetings</a:t>
+            </a:r>
+          </a:p>
+          <a:p>
+            <a:r>
+              <a:rPr lang="en-US" dirty="0"/>
+              <a:t>If I keep leaving a pair, it can be disruptive.</a:t>
+            </a:r>
+          </a:p>
+          <a:p>
+            <a:r>
+              <a:rPr lang="en-US" dirty="0"/>
+              <a:t>So to avoid this I’ll often find myself picking up small jobs on my own, rather than being a bad pairing partner.</a:t>
+            </a:r>
+          </a:p>
+          <a:p>
+            <a:endParaRPr lang="en-US" dirty="0"/>
+          </a:p>
+          <a:p>
+            <a:r>
+              <a:rPr lang="en-US" dirty="0"/>
+              <a:t>But with a mob, it’s much easier to dip in and out.</a:t>
+            </a:r>
+          </a:p>
+          <a:p>
+            <a:r>
+              <a:rPr lang="en-US" dirty="0"/>
+              <a:t>Because when I leave there’s much less of an impact.</a:t>
+            </a:r>
+          </a:p>
+          <a:p>
+            <a:r>
+              <a:rPr lang="en-US" dirty="0"/>
+              <a:t>And so mobbing helps me stay technical.</a:t>
+            </a:r>
+          </a:p>
+        </p:txBody>
+      </p:sp>
+      <p:sp>
+        <p:nvSpPr>
+          <p:cNvPr id="4" name="Slide Number Placeholder 3"/>
+          <p:cNvSpPr>
+            <a:spLocks noGrp="1"/>
+          </p:cNvSpPr>
+          <p:nvPr>
+            <p:ph type="sldNum" sz="quarter" idx="5"/>
+          </p:nvPr>
+        </p:nvSpPr>
+        <p:spPr/>
+        <p:txBody>
+          <a:bodyPr/>
+          <a:lstStyle/>
+          <a:p>
+            <a:fld id="{B99E8012-7AEC-4AAD-B52C-DF7E1601EEFE}" type="slidenum">
+              <a:rPr lang="en-GB" smtClean="0"/>
+              <a:t>30</a:t>
+            </a:fld>
+            <a:endParaRPr lang="en-GB"/>
+          </a:p>
+        </p:txBody>
+      </p:sp>
+    </p:spTree>
+    <p:extLst>
+      <p:ext uri="{BB962C8B-B14F-4D97-AF65-F5344CB8AC3E}">
+        <p14:creationId xmlns:p14="http://schemas.microsoft.com/office/powerpoint/2010/main" val="3476170492"/>
+      </p:ext>
+    </p:extLst>
+  </p:cSld>
+  <p:clrMapOvr>
+    <a:masterClrMapping/>
+  </p:clrMapOvr>
+</p:notes>
+</file>
+
+<file path=ppt/notesSlides/notesSlide31.xml><?xml version="1.0" encoding="utf-8"?>
+<p:notes xmlns:a="http://schemas.openxmlformats.org/drawingml/2006/main" xmlns:r="http://schemas.openxmlformats.org/officeDocument/2006/relationships" xmlns:p="http://schemas.openxmlformats.org/presentationml/2006/main">
+  <p:cSld>
+    <p:spTree>
+      <p:nvGrpSpPr>
+        <p:cNvPr id="1" name=""/>
+        <p:cNvGrpSpPr/>
+        <p:nvPr/>
+      </p:nvGrpSpPr>
+      <p:grpSpPr>
+        <a:xfrm>
+          <a:off x="0" y="0"/>
+          <a:ext cx="0" cy="0"/>
+          <a:chOff x="0" y="0"/>
+          <a:chExt cx="0" cy="0"/>
+        </a:xfrm>
+      </p:grpSpPr>
+      <p:sp>
+        <p:nvSpPr>
+          <p:cNvPr id="2" name="Slide Image Placeholder 1"/>
+          <p:cNvSpPr>
+            <a:spLocks noGrp="1" noRot="1" noChangeAspect="1"/>
+          </p:cNvSpPr>
+          <p:nvPr>
+            <p:ph type="sldImg"/>
+          </p:nvPr>
+        </p:nvSpPr>
+        <p:spPr/>
+      </p:sp>
+      <p:sp>
+        <p:nvSpPr>
+          <p:cNvPr id="3" name="Notes Placeholder 2"/>
+          <p:cNvSpPr>
+            <a:spLocks noGrp="1"/>
+          </p:cNvSpPr>
+          <p:nvPr>
+            <p:ph type="body" idx="1"/>
+          </p:nvPr>
+        </p:nvSpPr>
+        <p:spPr/>
+        <p:txBody>
+          <a:bodyPr/>
+          <a:lstStyle/>
+          <a:p>
+            <a:r>
+              <a:rPr lang="en-US" dirty="0"/>
+              <a:t>Part of my job is to help the developers on the team improve.</a:t>
+            </a:r>
+          </a:p>
+          <a:p>
+            <a:r>
+              <a:rPr lang="en-US" dirty="0"/>
+              <a:t>With pairing, I don’t get much of a chance to see how they work</a:t>
+            </a:r>
+          </a:p>
+          <a:p>
+            <a:r>
+              <a:rPr lang="en-US" dirty="0"/>
+              <a:t>But with mobbing, I can see the entire team at once.</a:t>
+            </a:r>
+          </a:p>
+        </p:txBody>
+      </p:sp>
+      <p:sp>
+        <p:nvSpPr>
+          <p:cNvPr id="4" name="Slide Number Placeholder 3"/>
+          <p:cNvSpPr>
+            <a:spLocks noGrp="1"/>
+          </p:cNvSpPr>
+          <p:nvPr>
+            <p:ph type="sldNum" sz="quarter" idx="5"/>
+          </p:nvPr>
+        </p:nvSpPr>
+        <p:spPr/>
+        <p:txBody>
+          <a:bodyPr/>
+          <a:lstStyle/>
+          <a:p>
+            <a:fld id="{B99E8012-7AEC-4AAD-B52C-DF7E1601EEFE}" type="slidenum">
+              <a:rPr lang="en-GB" smtClean="0"/>
+              <a:t>31</a:t>
+            </a:fld>
+            <a:endParaRPr lang="en-GB"/>
+          </a:p>
+        </p:txBody>
+      </p:sp>
+    </p:spTree>
+    <p:extLst>
+      <p:ext uri="{BB962C8B-B14F-4D97-AF65-F5344CB8AC3E}">
+        <p14:creationId xmlns:p14="http://schemas.microsoft.com/office/powerpoint/2010/main" val="240641244"/>
+      </p:ext>
+    </p:extLst>
+  </p:cSld>
+  <p:clrMapOvr>
+    <a:masterClrMapping/>
+  </p:clrMapOvr>
+</p:notes>
+</file>
+
+<file path=ppt/notesSlides/notesSlide32.xml><?xml version="1.0" encoding="utf-8"?>
+<p:notes xmlns:a="http://schemas.openxmlformats.org/drawingml/2006/main" xmlns:r="http://schemas.openxmlformats.org/officeDocument/2006/relationships" xmlns:p="http://schemas.openxmlformats.org/presentationml/2006/main">
+  <p:cSld>
+    <p:spTree>
+      <p:nvGrpSpPr>
+        <p:cNvPr id="1" name=""/>
+        <p:cNvGrpSpPr/>
+        <p:nvPr/>
+      </p:nvGrpSpPr>
+      <p:grpSpPr>
+        <a:xfrm>
+          <a:off x="0" y="0"/>
+          <a:ext cx="0" cy="0"/>
+          <a:chOff x="0" y="0"/>
+          <a:chExt cx="0" cy="0"/>
+        </a:xfrm>
+      </p:grpSpPr>
+      <p:sp>
+        <p:nvSpPr>
+          <p:cNvPr id="2" name="Slide Image Placeholder 1"/>
+          <p:cNvSpPr>
+            <a:spLocks noGrp="1" noRot="1" noChangeAspect="1"/>
+          </p:cNvSpPr>
+          <p:nvPr>
+            <p:ph type="sldImg"/>
+          </p:nvPr>
+        </p:nvSpPr>
+        <p:spPr/>
+      </p:sp>
+      <p:sp>
+        <p:nvSpPr>
+          <p:cNvPr id="3" name="Notes Placeholder 2"/>
+          <p:cNvSpPr>
+            <a:spLocks noGrp="1"/>
+          </p:cNvSpPr>
+          <p:nvPr>
+            <p:ph type="body" idx="1"/>
+          </p:nvPr>
+        </p:nvSpPr>
+        <p:spPr/>
+        <p:txBody>
+          <a:bodyPr/>
+          <a:lstStyle/>
+          <a:p>
+            <a:r>
+              <a:rPr lang="en-US" dirty="0"/>
+              <a:t>But we came across some problems I hadn’t seen before</a:t>
+            </a:r>
+          </a:p>
+        </p:txBody>
+      </p:sp>
+      <p:sp>
+        <p:nvSpPr>
+          <p:cNvPr id="4" name="Slide Number Placeholder 3"/>
+          <p:cNvSpPr>
+            <a:spLocks noGrp="1"/>
+          </p:cNvSpPr>
+          <p:nvPr>
+            <p:ph type="sldNum" sz="quarter" idx="5"/>
+          </p:nvPr>
+        </p:nvSpPr>
+        <p:spPr/>
+        <p:txBody>
+          <a:bodyPr/>
+          <a:lstStyle/>
+          <a:p>
+            <a:fld id="{B99E8012-7AEC-4AAD-B52C-DF7E1601EEFE}" type="slidenum">
+              <a:rPr lang="en-GB" smtClean="0"/>
+              <a:t>32</a:t>
+            </a:fld>
+            <a:endParaRPr lang="en-GB"/>
+          </a:p>
+        </p:txBody>
+      </p:sp>
+    </p:spTree>
+    <p:extLst>
+      <p:ext uri="{BB962C8B-B14F-4D97-AF65-F5344CB8AC3E}">
+        <p14:creationId xmlns:p14="http://schemas.microsoft.com/office/powerpoint/2010/main" val="2667468400"/>
+      </p:ext>
+    </p:extLst>
+  </p:cSld>
+  <p:clrMapOvr>
+    <a:masterClrMapping/>
+  </p:clrMapOvr>
+</p:notes>
+</file>
+
+<file path=ppt/notesSlides/notesSlide33.xml><?xml version="1.0" encoding="utf-8"?>
+<p:notes xmlns:a="http://schemas.openxmlformats.org/drawingml/2006/main" xmlns:r="http://schemas.openxmlformats.org/officeDocument/2006/relationships" xmlns:p="http://schemas.openxmlformats.org/presentationml/2006/main">
+  <p:cSld>
+    <p:spTree>
+      <p:nvGrpSpPr>
+        <p:cNvPr id="1" name=""/>
+        <p:cNvGrpSpPr/>
+        <p:nvPr/>
+      </p:nvGrpSpPr>
+      <p:grpSpPr>
+        <a:xfrm>
+          <a:off x="0" y="0"/>
+          <a:ext cx="0" cy="0"/>
+          <a:chOff x="0" y="0"/>
+          <a:chExt cx="0" cy="0"/>
+        </a:xfrm>
+      </p:grpSpPr>
+      <p:sp>
+        <p:nvSpPr>
+          <p:cNvPr id="2" name="Slide Image Placeholder 1"/>
+          <p:cNvSpPr>
+            <a:spLocks noGrp="1" noRot="1" noChangeAspect="1"/>
+          </p:cNvSpPr>
+          <p:nvPr>
+            <p:ph type="sldImg"/>
+          </p:nvPr>
+        </p:nvSpPr>
+        <p:spPr/>
+      </p:sp>
+      <p:sp>
+        <p:nvSpPr>
+          <p:cNvPr id="3" name="Notes Placeholder 2"/>
+          <p:cNvSpPr>
+            <a:spLocks noGrp="1"/>
+          </p:cNvSpPr>
+          <p:nvPr>
+            <p:ph type="body" idx="1"/>
+          </p:nvPr>
+        </p:nvSpPr>
+        <p:spPr/>
+        <p:txBody>
+          <a:bodyPr/>
+          <a:lstStyle/>
+          <a:p>
+            <a:r>
+              <a:rPr lang="en-US" dirty="0"/>
+              <a:t>The team needed some specialists, and it started to grow.</a:t>
+            </a:r>
+          </a:p>
+          <a:p>
+            <a:r>
+              <a:rPr lang="en-US" dirty="0"/>
+              <a:t>Our first reaction was to get them to join the mob.</a:t>
+            </a:r>
+          </a:p>
+          <a:p>
+            <a:r>
+              <a:rPr lang="en-US" dirty="0"/>
+              <a:t>But it started to feel crowded</a:t>
+            </a:r>
+          </a:p>
+          <a:p>
+            <a:endParaRPr lang="en-US" dirty="0"/>
+          </a:p>
+          <a:p>
+            <a:r>
+              <a:rPr lang="en-US" dirty="0"/>
+              <a:t>Hard for everyone to contribute</a:t>
+            </a:r>
+          </a:p>
+          <a:p>
+            <a:r>
+              <a:rPr lang="en-US" dirty="0"/>
+              <a:t>People were starting to disengage</a:t>
+            </a:r>
+          </a:p>
+          <a:p>
+            <a:r>
+              <a:rPr lang="en-US" dirty="0"/>
+              <a:t>And it was hard to physically fit everyone around the screen (it was a big screen!)</a:t>
+            </a:r>
+          </a:p>
+        </p:txBody>
+      </p:sp>
+      <p:sp>
+        <p:nvSpPr>
+          <p:cNvPr id="4" name="Slide Number Placeholder 3"/>
+          <p:cNvSpPr>
+            <a:spLocks noGrp="1"/>
+          </p:cNvSpPr>
+          <p:nvPr>
+            <p:ph type="sldNum" sz="quarter" idx="5"/>
+          </p:nvPr>
+        </p:nvSpPr>
+        <p:spPr/>
+        <p:txBody>
+          <a:bodyPr/>
+          <a:lstStyle/>
+          <a:p>
+            <a:fld id="{B99E8012-7AEC-4AAD-B52C-DF7E1601EEFE}" type="slidenum">
+              <a:rPr lang="en-GB" smtClean="0"/>
+              <a:t>33</a:t>
+            </a:fld>
+            <a:endParaRPr lang="en-GB"/>
+          </a:p>
+        </p:txBody>
+      </p:sp>
+    </p:spTree>
+    <p:extLst>
+      <p:ext uri="{BB962C8B-B14F-4D97-AF65-F5344CB8AC3E}">
+        <p14:creationId xmlns:p14="http://schemas.microsoft.com/office/powerpoint/2010/main" val="3533604543"/>
+      </p:ext>
+    </p:extLst>
+  </p:cSld>
+  <p:clrMapOvr>
+    <a:masterClrMapping/>
+  </p:clrMapOvr>
+</p:notes>
+</file>
+
+<file path=ppt/notesSlides/notesSlide34.xml><?xml version="1.0" encoding="utf-8"?>
+<p:notes xmlns:a="http://schemas.openxmlformats.org/drawingml/2006/main" xmlns:r="http://schemas.openxmlformats.org/officeDocument/2006/relationships" xmlns:p="http://schemas.openxmlformats.org/presentationml/2006/main">
+  <p:cSld>
+    <p:spTree>
+      <p:nvGrpSpPr>
+        <p:cNvPr id="1" name=""/>
+        <p:cNvGrpSpPr/>
+        <p:nvPr/>
+      </p:nvGrpSpPr>
+      <p:grpSpPr>
+        <a:xfrm>
+          <a:off x="0" y="0"/>
+          <a:ext cx="0" cy="0"/>
+          <a:chOff x="0" y="0"/>
+          <a:chExt cx="0" cy="0"/>
+        </a:xfrm>
+      </p:grpSpPr>
+      <p:sp>
+        <p:nvSpPr>
+          <p:cNvPr id="2" name="Slide Image Placeholder 1"/>
+          <p:cNvSpPr>
+            <a:spLocks noGrp="1" noRot="1" noChangeAspect="1"/>
+          </p:cNvSpPr>
+          <p:nvPr>
+            <p:ph type="sldImg"/>
+          </p:nvPr>
+        </p:nvSpPr>
+        <p:spPr/>
+      </p:sp>
+      <p:sp>
+        <p:nvSpPr>
+          <p:cNvPr id="3" name="Notes Placeholder 2"/>
+          <p:cNvSpPr>
+            <a:spLocks noGrp="1"/>
+          </p:cNvSpPr>
+          <p:nvPr>
+            <p:ph type="body" idx="1"/>
+          </p:nvPr>
+        </p:nvSpPr>
+        <p:spPr/>
+        <p:txBody>
+          <a:bodyPr/>
+          <a:lstStyle/>
+          <a:p>
+            <a:r>
+              <a:rPr lang="en-US" dirty="0"/>
+              <a:t>Established team, existing systems that needed small updates</a:t>
+            </a:r>
+          </a:p>
+          <a:p>
+            <a:r>
+              <a:rPr lang="en-US" dirty="0"/>
+              <a:t>Mobbing not as valuable because it was well known, established, not interesting</a:t>
+            </a:r>
+          </a:p>
+          <a:p>
+            <a:r>
+              <a:rPr lang="en-US" dirty="0"/>
+              <a:t>The team tried mobbing on these, but it was quite dull. Again it was hard to stay engaged.</a:t>
+            </a:r>
+          </a:p>
+          <a:p>
+            <a:endParaRPr lang="en-US" dirty="0"/>
+          </a:p>
+        </p:txBody>
+      </p:sp>
+      <p:sp>
+        <p:nvSpPr>
+          <p:cNvPr id="4" name="Slide Number Placeholder 3"/>
+          <p:cNvSpPr>
+            <a:spLocks noGrp="1"/>
+          </p:cNvSpPr>
+          <p:nvPr>
+            <p:ph type="sldNum" sz="quarter" idx="5"/>
+          </p:nvPr>
+        </p:nvSpPr>
+        <p:spPr/>
+        <p:txBody>
+          <a:bodyPr/>
+          <a:lstStyle/>
+          <a:p>
+            <a:fld id="{B99E8012-7AEC-4AAD-B52C-DF7E1601EEFE}" type="slidenum">
+              <a:rPr lang="en-GB" smtClean="0"/>
+              <a:t>34</a:t>
+            </a:fld>
+            <a:endParaRPr lang="en-GB"/>
+          </a:p>
+        </p:txBody>
+      </p:sp>
+    </p:spTree>
+    <p:extLst>
+      <p:ext uri="{BB962C8B-B14F-4D97-AF65-F5344CB8AC3E}">
+        <p14:creationId xmlns:p14="http://schemas.microsoft.com/office/powerpoint/2010/main" val="2110756514"/>
+      </p:ext>
+    </p:extLst>
+  </p:cSld>
+  <p:clrMapOvr>
+    <a:masterClrMapping/>
+  </p:clrMapOvr>
+</p:notes>
+</file>
+
+<file path=ppt/notesSlides/notesSlide35.xml><?xml version="1.0" encoding="utf-8"?>
+<p:notes xmlns:a="http://schemas.openxmlformats.org/drawingml/2006/main" xmlns:r="http://schemas.openxmlformats.org/officeDocument/2006/relationships" xmlns:p="http://schemas.openxmlformats.org/presentationml/2006/main">
+  <p:cSld>
+    <p:spTree>
+      <p:nvGrpSpPr>
+        <p:cNvPr id="1" name=""/>
+        <p:cNvGrpSpPr/>
+        <p:nvPr/>
+      </p:nvGrpSpPr>
+      <p:grpSpPr>
+        <a:xfrm>
+          <a:off x="0" y="0"/>
+          <a:ext cx="0" cy="0"/>
+          <a:chOff x="0" y="0"/>
+          <a:chExt cx="0" cy="0"/>
+        </a:xfrm>
+      </p:grpSpPr>
+      <p:sp>
+        <p:nvSpPr>
+          <p:cNvPr id="2" name="Slide Image Placeholder 1"/>
+          <p:cNvSpPr>
+            <a:spLocks noGrp="1" noRot="1" noChangeAspect="1"/>
+          </p:cNvSpPr>
+          <p:nvPr>
+            <p:ph type="sldImg"/>
+          </p:nvPr>
+        </p:nvSpPr>
+        <p:spPr/>
+      </p:sp>
+      <p:sp>
+        <p:nvSpPr>
+          <p:cNvPr id="3" name="Notes Placeholder 2"/>
+          <p:cNvSpPr>
+            <a:spLocks noGrp="1"/>
+          </p:cNvSpPr>
+          <p:nvPr>
+            <p:ph type="body" idx="1"/>
+          </p:nvPr>
+        </p:nvSpPr>
+        <p:spPr/>
+        <p:txBody>
+          <a:bodyPr/>
+          <a:lstStyle/>
+          <a:p>
+            <a:r>
+              <a:rPr lang="en-US" dirty="0"/>
+              <a:t>Things we were all new to</a:t>
+            </a:r>
+          </a:p>
+          <a:p>
+            <a:r>
+              <a:rPr lang="en-US" dirty="0"/>
+              <a:t>Research</a:t>
+            </a:r>
+          </a:p>
+        </p:txBody>
+      </p:sp>
+      <p:sp>
+        <p:nvSpPr>
+          <p:cNvPr id="4" name="Slide Number Placeholder 3"/>
+          <p:cNvSpPr>
+            <a:spLocks noGrp="1"/>
+          </p:cNvSpPr>
+          <p:nvPr>
+            <p:ph type="sldNum" sz="quarter" idx="5"/>
+          </p:nvPr>
+        </p:nvSpPr>
+        <p:spPr/>
+        <p:txBody>
+          <a:bodyPr/>
+          <a:lstStyle/>
+          <a:p>
+            <a:fld id="{B99E8012-7AEC-4AAD-B52C-DF7E1601EEFE}" type="slidenum">
+              <a:rPr lang="en-GB" smtClean="0"/>
+              <a:t>35</a:t>
+            </a:fld>
+            <a:endParaRPr lang="en-GB"/>
+          </a:p>
+        </p:txBody>
+      </p:sp>
+    </p:spTree>
+    <p:extLst>
+      <p:ext uri="{BB962C8B-B14F-4D97-AF65-F5344CB8AC3E}">
+        <p14:creationId xmlns:p14="http://schemas.microsoft.com/office/powerpoint/2010/main" val="3212380702"/>
+      </p:ext>
+    </p:extLst>
+  </p:cSld>
+  <p:clrMapOvr>
+    <a:masterClrMapping/>
+  </p:clrMapOvr>
+</p:notes>
+</file>
+
+<file path=ppt/notesSlides/notesSlide36.xml><?xml version="1.0" encoding="utf-8"?>
+<p:notes xmlns:a="http://schemas.openxmlformats.org/drawingml/2006/main" xmlns:r="http://schemas.openxmlformats.org/officeDocument/2006/relationships" xmlns:p="http://schemas.openxmlformats.org/presentationml/2006/main">
+  <p:cSld>
+    <p:spTree>
+      <p:nvGrpSpPr>
+        <p:cNvPr id="1" name=""/>
+        <p:cNvGrpSpPr/>
+        <p:nvPr/>
+      </p:nvGrpSpPr>
+      <p:grpSpPr>
+        <a:xfrm>
+          <a:off x="0" y="0"/>
+          <a:ext cx="0" cy="0"/>
+          <a:chOff x="0" y="0"/>
+          <a:chExt cx="0" cy="0"/>
+        </a:xfrm>
+      </p:grpSpPr>
+      <p:sp>
+        <p:nvSpPr>
+          <p:cNvPr id="2" name="Slide Image Placeholder 1"/>
+          <p:cNvSpPr>
+            <a:spLocks noGrp="1" noRot="1" noChangeAspect="1"/>
+          </p:cNvSpPr>
+          <p:nvPr>
+            <p:ph type="sldImg"/>
+          </p:nvPr>
+        </p:nvSpPr>
+        <p:spPr/>
+      </p:sp>
+      <p:sp>
+        <p:nvSpPr>
+          <p:cNvPr id="3" name="Notes Placeholder 2"/>
+          <p:cNvSpPr>
+            <a:spLocks noGrp="1"/>
+          </p:cNvSpPr>
+          <p:nvPr>
+            <p:ph type="body" idx="1"/>
+          </p:nvPr>
+        </p:nvSpPr>
+        <p:spPr/>
+        <p:txBody>
+          <a:bodyPr/>
+          <a:lstStyle/>
+          <a:p>
+            <a:r>
+              <a:rPr lang="en-US" dirty="0"/>
+              <a:t>Luckily we found ways to solve these problems.</a:t>
+            </a:r>
+          </a:p>
+          <a:p>
+            <a:endParaRPr lang="en-US" dirty="0"/>
+          </a:p>
+          <a:p>
+            <a:r>
+              <a:rPr lang="en-US" dirty="0"/>
+              <a:t>These are best summed up by a couple of phrases to our team’s vocabulary.</a:t>
+            </a:r>
+          </a:p>
+        </p:txBody>
+      </p:sp>
+      <p:sp>
+        <p:nvSpPr>
+          <p:cNvPr id="4" name="Slide Number Placeholder 3"/>
+          <p:cNvSpPr>
+            <a:spLocks noGrp="1"/>
+          </p:cNvSpPr>
+          <p:nvPr>
+            <p:ph type="sldNum" sz="quarter" idx="5"/>
+          </p:nvPr>
+        </p:nvSpPr>
+        <p:spPr/>
+        <p:txBody>
+          <a:bodyPr/>
+          <a:lstStyle/>
+          <a:p>
+            <a:fld id="{B99E8012-7AEC-4AAD-B52C-DF7E1601EEFE}" type="slidenum">
+              <a:rPr lang="en-GB" smtClean="0"/>
+              <a:t>36</a:t>
+            </a:fld>
+            <a:endParaRPr lang="en-GB"/>
+          </a:p>
+        </p:txBody>
+      </p:sp>
+    </p:spTree>
+    <p:extLst>
+      <p:ext uri="{BB962C8B-B14F-4D97-AF65-F5344CB8AC3E}">
+        <p14:creationId xmlns:p14="http://schemas.microsoft.com/office/powerpoint/2010/main" val="4253530394"/>
+      </p:ext>
+    </p:extLst>
+  </p:cSld>
+  <p:clrMapOvr>
+    <a:masterClrMapping/>
+  </p:clrMapOvr>
+</p:notes>
+</file>
+
+<file path=ppt/notesSlides/notesSlide37.xml><?xml version="1.0" encoding="utf-8"?>
+<p:notes xmlns:a="http://schemas.openxmlformats.org/drawingml/2006/main" xmlns:r="http://schemas.openxmlformats.org/officeDocument/2006/relationships" xmlns:p="http://schemas.openxmlformats.org/presentationml/2006/main">
+  <p:cSld>
+    <p:spTree>
+      <p:nvGrpSpPr>
+        <p:cNvPr id="1" name=""/>
+        <p:cNvGrpSpPr/>
+        <p:nvPr/>
+      </p:nvGrpSpPr>
+      <p:grpSpPr>
+        <a:xfrm>
+          <a:off x="0" y="0"/>
+          <a:ext cx="0" cy="0"/>
+          <a:chOff x="0" y="0"/>
+          <a:chExt cx="0" cy="0"/>
+        </a:xfrm>
+      </p:grpSpPr>
+      <p:sp>
+        <p:nvSpPr>
+          <p:cNvPr id="2" name="Slide Image Placeholder 1"/>
+          <p:cNvSpPr>
+            <a:spLocks noGrp="1" noRot="1" noChangeAspect="1"/>
+          </p:cNvSpPr>
+          <p:nvPr>
+            <p:ph type="sldImg"/>
+          </p:nvPr>
+        </p:nvSpPr>
+        <p:spPr/>
+      </p:sp>
+      <p:sp>
+        <p:nvSpPr>
+          <p:cNvPr id="3" name="Notes Placeholder 2"/>
+          <p:cNvSpPr>
+            <a:spLocks noGrp="1"/>
+          </p:cNvSpPr>
+          <p:nvPr>
+            <p:ph type="body" idx="1"/>
+          </p:nvPr>
+        </p:nvSpPr>
+        <p:spPr/>
+        <p:txBody>
+          <a:bodyPr/>
+          <a:lstStyle/>
+          <a:p>
+            <a:r>
+              <a:rPr lang="en-US" dirty="0"/>
+              <a:t>The first was “</a:t>
+            </a:r>
+            <a:r>
+              <a:rPr lang="en-US" dirty="0" err="1"/>
+              <a:t>demob</a:t>
+            </a:r>
+            <a:r>
+              <a:rPr lang="en-US" dirty="0"/>
+              <a:t>”</a:t>
+            </a:r>
+          </a:p>
+          <a:p>
+            <a:r>
+              <a:rPr lang="en-US" dirty="0"/>
+              <a:t>Which means to split up a mob</a:t>
+            </a:r>
+          </a:p>
+          <a:p>
+            <a:endParaRPr lang="en-US" dirty="0"/>
+          </a:p>
+          <a:p>
+            <a:r>
+              <a:rPr lang="en-US" dirty="0"/>
+              <a:t>I think we’ve got a good idea of how this will work end-to-end now. Let’s </a:t>
+            </a:r>
+            <a:r>
+              <a:rPr lang="en-US" dirty="0" err="1"/>
+              <a:t>demob</a:t>
+            </a:r>
+            <a:r>
+              <a:rPr lang="en-US" dirty="0"/>
+              <a:t>, one pair finish the frontend, one finish the backend.</a:t>
+            </a:r>
+          </a:p>
+          <a:p>
+            <a:endParaRPr lang="en-US" dirty="0"/>
+          </a:p>
+          <a:p>
+            <a:r>
+              <a:rPr lang="en-US" dirty="0"/>
+              <a:t>If we need to use an </a:t>
+            </a:r>
+            <a:r>
+              <a:rPr lang="en-US" dirty="0" err="1"/>
+              <a:t>unfamilar</a:t>
+            </a:r>
+            <a:r>
+              <a:rPr lang="en-US" dirty="0"/>
+              <a:t> bit of tech – lets </a:t>
+            </a:r>
+            <a:r>
+              <a:rPr lang="en-US" dirty="0" err="1"/>
+              <a:t>demob</a:t>
+            </a:r>
+            <a:r>
+              <a:rPr lang="en-US" dirty="0"/>
+              <a:t>, read the docs, then come back later and share what we found</a:t>
+            </a:r>
+          </a:p>
+          <a:p>
+            <a:endParaRPr lang="en-US" dirty="0"/>
+          </a:p>
+          <a:p>
+            <a:r>
+              <a:rPr lang="en-US" dirty="0"/>
+              <a:t>Someone from another team has a question about the library that we wrote – I’ll </a:t>
+            </a:r>
+            <a:r>
+              <a:rPr lang="en-US" dirty="0" err="1"/>
+              <a:t>demob</a:t>
+            </a:r>
+            <a:r>
+              <a:rPr lang="en-US" dirty="0"/>
+              <a:t> and show them, you folks carry on mobbing</a:t>
+            </a:r>
+          </a:p>
+        </p:txBody>
+      </p:sp>
+      <p:sp>
+        <p:nvSpPr>
+          <p:cNvPr id="4" name="Slide Number Placeholder 3"/>
+          <p:cNvSpPr>
+            <a:spLocks noGrp="1"/>
+          </p:cNvSpPr>
+          <p:nvPr>
+            <p:ph type="sldNum" sz="quarter" idx="5"/>
+          </p:nvPr>
+        </p:nvSpPr>
+        <p:spPr/>
+        <p:txBody>
+          <a:bodyPr/>
+          <a:lstStyle/>
+          <a:p>
+            <a:fld id="{B99E8012-7AEC-4AAD-B52C-DF7E1601EEFE}" type="slidenum">
+              <a:rPr lang="en-GB" smtClean="0"/>
+              <a:t>37</a:t>
+            </a:fld>
+            <a:endParaRPr lang="en-GB"/>
+          </a:p>
+        </p:txBody>
+      </p:sp>
+    </p:spTree>
+    <p:extLst>
+      <p:ext uri="{BB962C8B-B14F-4D97-AF65-F5344CB8AC3E}">
+        <p14:creationId xmlns:p14="http://schemas.microsoft.com/office/powerpoint/2010/main" val="1394015817"/>
+      </p:ext>
+    </p:extLst>
+  </p:cSld>
+  <p:clrMapOvr>
+    <a:masterClrMapping/>
+  </p:clrMapOvr>
+</p:notes>
+</file>
+
+<file path=ppt/notesSlides/notesSlide38.xml><?xml version="1.0" encoding="utf-8"?>
+<p:notes xmlns:a="http://schemas.openxmlformats.org/drawingml/2006/main" xmlns:r="http://schemas.openxmlformats.org/officeDocument/2006/relationships" xmlns:p="http://schemas.openxmlformats.org/presentationml/2006/main">
+  <p:cSld>
+    <p:spTree>
+      <p:nvGrpSpPr>
+        <p:cNvPr id="1" name=""/>
+        <p:cNvGrpSpPr/>
+        <p:nvPr/>
+      </p:nvGrpSpPr>
+      <p:grpSpPr>
+        <a:xfrm>
+          <a:off x="0" y="0"/>
+          <a:ext cx="0" cy="0"/>
+          <a:chOff x="0" y="0"/>
+          <a:chExt cx="0" cy="0"/>
+        </a:xfrm>
+      </p:grpSpPr>
+      <p:sp>
+        <p:nvSpPr>
+          <p:cNvPr id="2" name="Slide Image Placeholder 1"/>
+          <p:cNvSpPr>
+            <a:spLocks noGrp="1" noRot="1" noChangeAspect="1"/>
+          </p:cNvSpPr>
+          <p:nvPr>
+            <p:ph type="sldImg"/>
+          </p:nvPr>
+        </p:nvSpPr>
+        <p:spPr/>
+      </p:sp>
+      <p:sp>
+        <p:nvSpPr>
+          <p:cNvPr id="3" name="Notes Placeholder 2"/>
+          <p:cNvSpPr>
+            <a:spLocks noGrp="1"/>
+          </p:cNvSpPr>
+          <p:nvPr>
+            <p:ph type="body" idx="1"/>
+          </p:nvPr>
+        </p:nvSpPr>
+        <p:spPr/>
+        <p:txBody>
+          <a:bodyPr/>
+          <a:lstStyle/>
+          <a:p>
+            <a:r>
+              <a:rPr lang="en-US" dirty="0"/>
+              <a:t>The other term was “</a:t>
+            </a:r>
+            <a:r>
+              <a:rPr lang="en-US" dirty="0" err="1"/>
+              <a:t>mobbable</a:t>
+            </a:r>
+            <a:r>
+              <a:rPr lang="en-US" dirty="0"/>
+              <a:t>”</a:t>
+            </a:r>
+          </a:p>
+          <a:p>
+            <a:r>
+              <a:rPr lang="en-US" dirty="0"/>
+              <a:t>Whether a story is worth mobbing on.</a:t>
+            </a:r>
+          </a:p>
+          <a:p>
+            <a:endParaRPr lang="en-US" dirty="0"/>
+          </a:p>
+          <a:p>
+            <a:r>
+              <a:rPr lang="en-US" dirty="0"/>
+              <a:t>This story coming up in the next sprint will require a big refactor, it’s definitely </a:t>
+            </a:r>
+            <a:r>
+              <a:rPr lang="en-US" dirty="0" err="1"/>
+              <a:t>mobbable</a:t>
+            </a:r>
+            <a:r>
+              <a:rPr lang="en-US" dirty="0"/>
+              <a:t>.</a:t>
+            </a:r>
+          </a:p>
+          <a:p>
+            <a:endParaRPr lang="en-US" dirty="0"/>
+          </a:p>
+          <a:p>
+            <a:r>
+              <a:rPr lang="en-US" dirty="0"/>
+              <a:t>I thought this story would be easy, so started it on my own. But there’s lots of edge cases I hadn’t considered. I think it’s </a:t>
+            </a:r>
+            <a:r>
+              <a:rPr lang="en-US" dirty="0" err="1"/>
+              <a:t>mobabble</a:t>
+            </a:r>
+            <a:r>
+              <a:rPr lang="en-US" dirty="0"/>
+              <a:t> now.</a:t>
+            </a:r>
+          </a:p>
+        </p:txBody>
+      </p:sp>
+      <p:sp>
+        <p:nvSpPr>
+          <p:cNvPr id="4" name="Slide Number Placeholder 3"/>
+          <p:cNvSpPr>
+            <a:spLocks noGrp="1"/>
+          </p:cNvSpPr>
+          <p:nvPr>
+            <p:ph type="sldNum" sz="quarter" idx="5"/>
+          </p:nvPr>
+        </p:nvSpPr>
+        <p:spPr/>
+        <p:txBody>
+          <a:bodyPr/>
+          <a:lstStyle/>
+          <a:p>
+            <a:fld id="{B99E8012-7AEC-4AAD-B52C-DF7E1601EEFE}" type="slidenum">
+              <a:rPr lang="en-GB" smtClean="0"/>
+              <a:t>38</a:t>
+            </a:fld>
+            <a:endParaRPr lang="en-GB"/>
+          </a:p>
+        </p:txBody>
+      </p:sp>
+    </p:spTree>
+    <p:extLst>
+      <p:ext uri="{BB962C8B-B14F-4D97-AF65-F5344CB8AC3E}">
+        <p14:creationId xmlns:p14="http://schemas.microsoft.com/office/powerpoint/2010/main" val="2094516133"/>
+      </p:ext>
+    </p:extLst>
+  </p:cSld>
+  <p:clrMapOvr>
+    <a:masterClrMapping/>
+  </p:clrMapOvr>
+</p:notes>
+</file>
+
+<file path=ppt/notesSlides/notesSlide39.xml><?xml version="1.0" encoding="utf-8"?>
+<p:notes xmlns:a="http://schemas.openxmlformats.org/drawingml/2006/main" xmlns:r="http://schemas.openxmlformats.org/officeDocument/2006/relationships" xmlns:p="http://schemas.openxmlformats.org/presentationml/2006/main">
+  <p:cSld>
+    <p:spTree>
+      <p:nvGrpSpPr>
+        <p:cNvPr id="1" name=""/>
+        <p:cNvGrpSpPr/>
+        <p:nvPr/>
+      </p:nvGrpSpPr>
+      <p:grpSpPr>
+        <a:xfrm>
+          <a:off x="0" y="0"/>
+          <a:ext cx="0" cy="0"/>
+          <a:chOff x="0" y="0"/>
+          <a:chExt cx="0" cy="0"/>
+        </a:xfrm>
+      </p:grpSpPr>
+      <p:sp>
+        <p:nvSpPr>
+          <p:cNvPr id="2" name="Slide Image Placeholder 1"/>
+          <p:cNvSpPr>
+            <a:spLocks noGrp="1" noRot="1" noChangeAspect="1"/>
+          </p:cNvSpPr>
+          <p:nvPr>
+            <p:ph type="sldImg"/>
+          </p:nvPr>
+        </p:nvSpPr>
+        <p:spPr/>
+      </p:sp>
+      <p:sp>
+        <p:nvSpPr>
+          <p:cNvPr id="3" name="Notes Placeholder 2"/>
+          <p:cNvSpPr>
+            <a:spLocks noGrp="1"/>
+          </p:cNvSpPr>
+          <p:nvPr>
+            <p:ph type="body" idx="1"/>
+          </p:nvPr>
+        </p:nvSpPr>
+        <p:spPr/>
+        <p:txBody>
+          <a:bodyPr/>
+          <a:lstStyle/>
+          <a:p>
+            <a:r>
+              <a:rPr lang="en-US" dirty="0"/>
+              <a:t>So mobbing has started to spread.</a:t>
+            </a:r>
+          </a:p>
+          <a:p>
+            <a:r>
+              <a:rPr lang="en-US" dirty="0"/>
+              <a:t>It works in multiple teams</a:t>
+            </a:r>
+          </a:p>
+          <a:p>
+            <a:r>
+              <a:rPr lang="en-US" dirty="0"/>
+              <a:t>It helps teams and those on the edge of teams, like myself as a tech lead.</a:t>
+            </a:r>
+          </a:p>
+          <a:p>
+            <a:endParaRPr lang="en-US" dirty="0"/>
+          </a:p>
+          <a:p>
+            <a:r>
+              <a:rPr lang="en-US" dirty="0"/>
+              <a:t>But a flaw was that we got fixated on mobbing as being the only way to work.</a:t>
+            </a:r>
+          </a:p>
+          <a:p>
+            <a:r>
+              <a:rPr lang="en-US" dirty="0"/>
+              <a:t>We had a hammer, and everything we saw was a nail.</a:t>
+            </a:r>
+          </a:p>
+          <a:p>
+            <a:endParaRPr lang="en-US" dirty="0"/>
+          </a:p>
+          <a:p>
+            <a:r>
+              <a:rPr lang="en-US" dirty="0"/>
+              <a:t>We got better when we started treating mobbing as a tool, </a:t>
+            </a:r>
+          </a:p>
+          <a:p>
+            <a:r>
+              <a:rPr lang="en-US" dirty="0"/>
+              <a:t>and continually thinking: what size team is right </a:t>
+            </a:r>
+            <a:r>
+              <a:rPr lang="en-US"/>
+              <a:t>for this job, right now</a:t>
+            </a:r>
+            <a:endParaRPr lang="en-US" dirty="0"/>
+          </a:p>
+        </p:txBody>
+      </p:sp>
+      <p:sp>
+        <p:nvSpPr>
+          <p:cNvPr id="4" name="Slide Number Placeholder 3"/>
+          <p:cNvSpPr>
+            <a:spLocks noGrp="1"/>
+          </p:cNvSpPr>
+          <p:nvPr>
+            <p:ph type="sldNum" sz="quarter" idx="5"/>
+          </p:nvPr>
+        </p:nvSpPr>
+        <p:spPr/>
+        <p:txBody>
+          <a:bodyPr/>
+          <a:lstStyle/>
+          <a:p>
+            <a:fld id="{B99E8012-7AEC-4AAD-B52C-DF7E1601EEFE}" type="slidenum">
+              <a:rPr lang="en-GB" smtClean="0"/>
+              <a:t>39</a:t>
+            </a:fld>
+            <a:endParaRPr lang="en-GB"/>
+          </a:p>
+        </p:txBody>
+      </p:sp>
+    </p:spTree>
+    <p:extLst>
+      <p:ext uri="{BB962C8B-B14F-4D97-AF65-F5344CB8AC3E}">
+        <p14:creationId xmlns:p14="http://schemas.microsoft.com/office/powerpoint/2010/main" val="1882471405"/>
       </p:ext>
     </p:extLst>
   </p:cSld>

--- a/a-mob-mentality.pptx
+++ b/a-mob-mentality.pptx
@@ -5,10 +5,10 @@
     <p:sldMasterId id="2147483648" r:id="rId4"/>
   </p:sldMasterIdLst>
   <p:notesMasterIdLst>
-    <p:notesMasterId r:id="rId63"/>
+    <p:notesMasterId r:id="rId64"/>
   </p:notesMasterIdLst>
   <p:handoutMasterIdLst>
-    <p:handoutMasterId r:id="rId64"/>
+    <p:handoutMasterId r:id="rId65"/>
   </p:handoutMasterIdLst>
   <p:sldIdLst>
     <p:sldId id="314" r:id="rId5"/>
@@ -57,18 +57,19 @@
     <p:sldId id="360" r:id="rId48"/>
     <p:sldId id="362" r:id="rId49"/>
     <p:sldId id="361" r:id="rId50"/>
-    <p:sldId id="363" r:id="rId51"/>
-    <p:sldId id="364" r:id="rId52"/>
-    <p:sldId id="365" r:id="rId53"/>
-    <p:sldId id="368" r:id="rId54"/>
-    <p:sldId id="367" r:id="rId55"/>
-    <p:sldId id="370" r:id="rId56"/>
-    <p:sldId id="369" r:id="rId57"/>
-    <p:sldId id="371" r:id="rId58"/>
-    <p:sldId id="372" r:id="rId59"/>
-    <p:sldId id="373" r:id="rId60"/>
-    <p:sldId id="374" r:id="rId61"/>
-    <p:sldId id="375" r:id="rId62"/>
+    <p:sldId id="376" r:id="rId51"/>
+    <p:sldId id="363" r:id="rId52"/>
+    <p:sldId id="364" r:id="rId53"/>
+    <p:sldId id="365" r:id="rId54"/>
+    <p:sldId id="368" r:id="rId55"/>
+    <p:sldId id="367" r:id="rId56"/>
+    <p:sldId id="370" r:id="rId57"/>
+    <p:sldId id="369" r:id="rId58"/>
+    <p:sldId id="371" r:id="rId59"/>
+    <p:sldId id="372" r:id="rId60"/>
+    <p:sldId id="373" r:id="rId61"/>
+    <p:sldId id="374" r:id="rId62"/>
+    <p:sldId id="375" r:id="rId63"/>
   </p:sldIdLst>
   <p:sldSz cx="12192000" cy="6858000"/>
   <p:notesSz cx="6858000" cy="9144000"/>
@@ -271,7 +272,7 @@
           <a:p>
             <a:fld id="{7BBE8AEC-3485-8F42-8DAA-65AC687FA28D}" type="datetimeFigureOut">
               <a:rPr lang="en-US" smtClean="0"/>
-              <a:t>9/25/19</a:t>
+              <a:t>9/26/19</a:t>
             </a:fld>
             <a:endParaRPr lang="en-US"/>
           </a:p>
@@ -436,7 +437,7 @@
           <a:p>
             <a:fld id="{F8C37668-4783-4882-B2E6-3A4D0BC25785}" type="datetimeFigureOut">
               <a:rPr lang="en-GB" smtClean="0"/>
-              <a:t>25/09/2019</a:t>
+              <a:t>26/09/2019</a:t>
             </a:fld>
             <a:endParaRPr lang="en-GB"/>
           </a:p>
@@ -2298,7 +2299,9 @@
               <a:rPr lang="en-GB" dirty="0"/>
               <a:t>Code reviews in real time instead of a bottleneck</a:t>
             </a:r>
-            <a:endParaRPr lang="en-US" dirty="0"/>
+          </a:p>
+          <a:p>
+            <a:endParaRPr lang="en-GB" dirty="0"/>
           </a:p>
         </p:txBody>
       </p:sp>
@@ -4415,13 +4418,8 @@
           <a:p>
             <a:r>
               <a:rPr lang="en-US" dirty="0"/>
-              <a:t>and continually thinking: what size team is right </a:t>
-            </a:r>
-            <a:r>
-              <a:rPr lang="en-US"/>
-              <a:t>for this job, right now</a:t>
-            </a:r>
-            <a:endParaRPr lang="en-US" dirty="0"/>
+              <a:t>and continually thinking: what size team is right for this job, right now</a:t>
+            </a:r>
           </a:p>
         </p:txBody>
       </p:sp>
@@ -4551,6 +4549,1095 @@
 </p:notes>
 </file>
 
+<file path=ppt/notesSlides/notesSlide40.xml><?xml version="1.0" encoding="utf-8"?>
+<p:notes xmlns:a="http://schemas.openxmlformats.org/drawingml/2006/main" xmlns:r="http://schemas.openxmlformats.org/officeDocument/2006/relationships" xmlns:p="http://schemas.openxmlformats.org/presentationml/2006/main">
+  <p:cSld>
+    <p:spTree>
+      <p:nvGrpSpPr>
+        <p:cNvPr id="1" name=""/>
+        <p:cNvGrpSpPr/>
+        <p:nvPr/>
+      </p:nvGrpSpPr>
+      <p:grpSpPr>
+        <a:xfrm>
+          <a:off x="0" y="0"/>
+          <a:ext cx="0" cy="0"/>
+          <a:chOff x="0" y="0"/>
+          <a:chExt cx="0" cy="0"/>
+        </a:xfrm>
+      </p:grpSpPr>
+      <p:sp>
+        <p:nvSpPr>
+          <p:cNvPr id="2" name="Slide Image Placeholder 1"/>
+          <p:cNvSpPr>
+            <a:spLocks noGrp="1" noRot="1" noChangeAspect="1"/>
+          </p:cNvSpPr>
+          <p:nvPr>
+            <p:ph type="sldImg"/>
+          </p:nvPr>
+        </p:nvSpPr>
+        <p:spPr/>
+      </p:sp>
+      <p:sp>
+        <p:nvSpPr>
+          <p:cNvPr id="3" name="Notes Placeholder 2"/>
+          <p:cNvSpPr>
+            <a:spLocks noGrp="1"/>
+          </p:cNvSpPr>
+          <p:nvPr>
+            <p:ph type="body" idx="1"/>
+          </p:nvPr>
+        </p:nvSpPr>
+        <p:spPr/>
+        <p:txBody>
+          <a:bodyPr/>
+          <a:lstStyle/>
+          <a:p>
+            <a:r>
+              <a:rPr lang="en-US" dirty="0"/>
+              <a:t>So the next mob isn’t a team in the traditional sense</a:t>
+            </a:r>
+          </a:p>
+          <a:p>
+            <a:r>
+              <a:rPr lang="en-US" dirty="0"/>
+              <a:t>It's a coding dojo</a:t>
+            </a:r>
+          </a:p>
+        </p:txBody>
+      </p:sp>
+      <p:sp>
+        <p:nvSpPr>
+          <p:cNvPr id="4" name="Slide Number Placeholder 3"/>
+          <p:cNvSpPr>
+            <a:spLocks noGrp="1"/>
+          </p:cNvSpPr>
+          <p:nvPr>
+            <p:ph type="sldNum" sz="quarter" idx="5"/>
+          </p:nvPr>
+        </p:nvSpPr>
+        <p:spPr/>
+        <p:txBody>
+          <a:bodyPr/>
+          <a:lstStyle/>
+          <a:p>
+            <a:fld id="{B99E8012-7AEC-4AAD-B52C-DF7E1601EEFE}" type="slidenum">
+              <a:rPr lang="en-GB" smtClean="0"/>
+              <a:t>40</a:t>
+            </a:fld>
+            <a:endParaRPr lang="en-GB"/>
+          </a:p>
+        </p:txBody>
+      </p:sp>
+    </p:spTree>
+    <p:extLst>
+      <p:ext uri="{BB962C8B-B14F-4D97-AF65-F5344CB8AC3E}">
+        <p14:creationId xmlns:p14="http://schemas.microsoft.com/office/powerpoint/2010/main" val="2646008818"/>
+      </p:ext>
+    </p:extLst>
+  </p:cSld>
+  <p:clrMapOvr>
+    <a:masterClrMapping/>
+  </p:clrMapOvr>
+</p:notes>
+</file>
+
+<file path=ppt/notesSlides/notesSlide41.xml><?xml version="1.0" encoding="utf-8"?>
+<p:notes xmlns:a="http://schemas.openxmlformats.org/drawingml/2006/main" xmlns:r="http://schemas.openxmlformats.org/officeDocument/2006/relationships" xmlns:p="http://schemas.openxmlformats.org/presentationml/2006/main">
+  <p:cSld>
+    <p:spTree>
+      <p:nvGrpSpPr>
+        <p:cNvPr id="1" name=""/>
+        <p:cNvGrpSpPr/>
+        <p:nvPr/>
+      </p:nvGrpSpPr>
+      <p:grpSpPr>
+        <a:xfrm>
+          <a:off x="0" y="0"/>
+          <a:ext cx="0" cy="0"/>
+          <a:chOff x="0" y="0"/>
+          <a:chExt cx="0" cy="0"/>
+        </a:xfrm>
+      </p:grpSpPr>
+      <p:sp>
+        <p:nvSpPr>
+          <p:cNvPr id="2" name="Slide Image Placeholder 1"/>
+          <p:cNvSpPr>
+            <a:spLocks noGrp="1" noRot="1" noChangeAspect="1"/>
+          </p:cNvSpPr>
+          <p:nvPr>
+            <p:ph type="sldImg"/>
+          </p:nvPr>
+        </p:nvSpPr>
+        <p:spPr/>
+      </p:sp>
+      <p:sp>
+        <p:nvSpPr>
+          <p:cNvPr id="3" name="Notes Placeholder 2"/>
+          <p:cNvSpPr>
+            <a:spLocks noGrp="1"/>
+          </p:cNvSpPr>
+          <p:nvPr>
+            <p:ph type="body" idx="1"/>
+          </p:nvPr>
+        </p:nvSpPr>
+        <p:spPr/>
+        <p:txBody>
+          <a:bodyPr/>
+          <a:lstStyle/>
+          <a:p>
+            <a:r>
+              <a:rPr lang="en-US" dirty="0"/>
+              <a:t>A coding dojo is where people get together to practice programming.</a:t>
+            </a:r>
+          </a:p>
+          <a:p>
+            <a:endParaRPr lang="en-US" dirty="0"/>
+          </a:p>
+          <a:p>
+            <a:r>
+              <a:rPr lang="en-US" dirty="0"/>
+              <a:t>They do it to learn, to teach, and to have fun.</a:t>
+            </a:r>
+          </a:p>
+          <a:p>
+            <a:endParaRPr lang="en-US" dirty="0"/>
+          </a:p>
+          <a:p>
+            <a:r>
+              <a:rPr lang="en-US" dirty="0"/>
+              <a:t>Earlier this year I setup a dojo in my office</a:t>
+            </a:r>
+            <a:br>
+              <a:rPr lang="en-US" dirty="0"/>
+            </a:br>
+            <a:r>
+              <a:rPr lang="en-US" dirty="0"/>
+              <a:t>It runs every Friday for 90 minutes</a:t>
+            </a:r>
+          </a:p>
+          <a:p>
+            <a:r>
+              <a:rPr lang="en-US" dirty="0"/>
+              <a:t>People from around the company come along</a:t>
+            </a:r>
+          </a:p>
+          <a:p>
+            <a:r>
+              <a:rPr lang="en-US" dirty="0"/>
+              <a:t>We work on katas, which are small programming challenges, together.</a:t>
+            </a:r>
+          </a:p>
+        </p:txBody>
+      </p:sp>
+      <p:sp>
+        <p:nvSpPr>
+          <p:cNvPr id="4" name="Slide Number Placeholder 3"/>
+          <p:cNvSpPr>
+            <a:spLocks noGrp="1"/>
+          </p:cNvSpPr>
+          <p:nvPr>
+            <p:ph type="sldNum" sz="quarter" idx="5"/>
+          </p:nvPr>
+        </p:nvSpPr>
+        <p:spPr/>
+        <p:txBody>
+          <a:bodyPr/>
+          <a:lstStyle/>
+          <a:p>
+            <a:fld id="{B99E8012-7AEC-4AAD-B52C-DF7E1601EEFE}" type="slidenum">
+              <a:rPr lang="en-GB" smtClean="0"/>
+              <a:t>41</a:t>
+            </a:fld>
+            <a:endParaRPr lang="en-GB"/>
+          </a:p>
+        </p:txBody>
+      </p:sp>
+    </p:spTree>
+    <p:extLst>
+      <p:ext uri="{BB962C8B-B14F-4D97-AF65-F5344CB8AC3E}">
+        <p14:creationId xmlns:p14="http://schemas.microsoft.com/office/powerpoint/2010/main" val="3777598625"/>
+      </p:ext>
+    </p:extLst>
+  </p:cSld>
+  <p:clrMapOvr>
+    <a:masterClrMapping/>
+  </p:clrMapOvr>
+</p:notes>
+</file>
+
+<file path=ppt/notesSlides/notesSlide42.xml><?xml version="1.0" encoding="utf-8"?>
+<p:notes xmlns:a="http://schemas.openxmlformats.org/drawingml/2006/main" xmlns:r="http://schemas.openxmlformats.org/officeDocument/2006/relationships" xmlns:p="http://schemas.openxmlformats.org/presentationml/2006/main">
+  <p:cSld>
+    <p:spTree>
+      <p:nvGrpSpPr>
+        <p:cNvPr id="1" name=""/>
+        <p:cNvGrpSpPr/>
+        <p:nvPr/>
+      </p:nvGrpSpPr>
+      <p:grpSpPr>
+        <a:xfrm>
+          <a:off x="0" y="0"/>
+          <a:ext cx="0" cy="0"/>
+          <a:chOff x="0" y="0"/>
+          <a:chExt cx="0" cy="0"/>
+        </a:xfrm>
+      </p:grpSpPr>
+      <p:sp>
+        <p:nvSpPr>
+          <p:cNvPr id="2" name="Slide Image Placeholder 1"/>
+          <p:cNvSpPr>
+            <a:spLocks noGrp="1" noRot="1" noChangeAspect="1"/>
+          </p:cNvSpPr>
+          <p:nvPr>
+            <p:ph type="sldImg"/>
+          </p:nvPr>
+        </p:nvSpPr>
+        <p:spPr/>
+      </p:sp>
+      <p:sp>
+        <p:nvSpPr>
+          <p:cNvPr id="3" name="Notes Placeholder 2"/>
+          <p:cNvSpPr>
+            <a:spLocks noGrp="1"/>
+          </p:cNvSpPr>
+          <p:nvPr>
+            <p:ph type="body" idx="1"/>
+          </p:nvPr>
+        </p:nvSpPr>
+        <p:spPr/>
+        <p:txBody>
+          <a:bodyPr/>
+          <a:lstStyle/>
+          <a:p>
+            <a:endParaRPr lang="en-US" dirty="0"/>
+          </a:p>
+          <a:p>
+            <a:r>
+              <a:rPr lang="en-US" dirty="0"/>
+              <a:t>A lot of dojos will have people working on their own, or pairing</a:t>
+            </a:r>
+          </a:p>
+          <a:p>
+            <a:r>
+              <a:rPr lang="en-US" dirty="0"/>
+              <a:t>But by now, mobbing has spread around the company</a:t>
+            </a:r>
+          </a:p>
+          <a:p>
+            <a:r>
+              <a:rPr lang="en-US" dirty="0"/>
+              <a:t>Most people who come along to the dojo will be used to mobbing regularly, or at least have tried it.</a:t>
+            </a:r>
+          </a:p>
+          <a:p>
+            <a:endParaRPr lang="en-US" dirty="0"/>
+          </a:p>
+          <a:p>
+            <a:r>
+              <a:rPr lang="en-US" dirty="0"/>
+              <a:t>So I thought, let’s try mobbing in the dojo.</a:t>
+            </a:r>
+          </a:p>
+          <a:p>
+            <a:r>
+              <a:rPr lang="en-US" dirty="0"/>
+              <a:t>And it worked really well, for the reasons I’ve talked about earlier.</a:t>
+            </a:r>
+          </a:p>
+          <a:p>
+            <a:r>
+              <a:rPr lang="en-US" dirty="0"/>
+              <a:t>Especially in a coding dojo, it accelerates the learning process.</a:t>
+            </a:r>
+          </a:p>
+          <a:p>
+            <a:endParaRPr lang="en-US" dirty="0"/>
+          </a:p>
+        </p:txBody>
+      </p:sp>
+      <p:sp>
+        <p:nvSpPr>
+          <p:cNvPr id="4" name="Slide Number Placeholder 3"/>
+          <p:cNvSpPr>
+            <a:spLocks noGrp="1"/>
+          </p:cNvSpPr>
+          <p:nvPr>
+            <p:ph type="sldNum" sz="quarter" idx="5"/>
+          </p:nvPr>
+        </p:nvSpPr>
+        <p:spPr/>
+        <p:txBody>
+          <a:bodyPr/>
+          <a:lstStyle/>
+          <a:p>
+            <a:fld id="{B99E8012-7AEC-4AAD-B52C-DF7E1601EEFE}" type="slidenum">
+              <a:rPr lang="en-GB" smtClean="0"/>
+              <a:t>42</a:t>
+            </a:fld>
+            <a:endParaRPr lang="en-GB"/>
+          </a:p>
+        </p:txBody>
+      </p:sp>
+    </p:spTree>
+    <p:extLst>
+      <p:ext uri="{BB962C8B-B14F-4D97-AF65-F5344CB8AC3E}">
+        <p14:creationId xmlns:p14="http://schemas.microsoft.com/office/powerpoint/2010/main" val="1279985005"/>
+      </p:ext>
+    </p:extLst>
+  </p:cSld>
+  <p:clrMapOvr>
+    <a:masterClrMapping/>
+  </p:clrMapOvr>
+</p:notes>
+</file>
+
+<file path=ppt/notesSlides/notesSlide43.xml><?xml version="1.0" encoding="utf-8"?>
+<p:notes xmlns:a="http://schemas.openxmlformats.org/drawingml/2006/main" xmlns:r="http://schemas.openxmlformats.org/officeDocument/2006/relationships" xmlns:p="http://schemas.openxmlformats.org/presentationml/2006/main">
+  <p:cSld>
+    <p:spTree>
+      <p:nvGrpSpPr>
+        <p:cNvPr id="1" name=""/>
+        <p:cNvGrpSpPr/>
+        <p:nvPr/>
+      </p:nvGrpSpPr>
+      <p:grpSpPr>
+        <a:xfrm>
+          <a:off x="0" y="0"/>
+          <a:ext cx="0" cy="0"/>
+          <a:chOff x="0" y="0"/>
+          <a:chExt cx="0" cy="0"/>
+        </a:xfrm>
+      </p:grpSpPr>
+      <p:sp>
+        <p:nvSpPr>
+          <p:cNvPr id="2" name="Slide Image Placeholder 1"/>
+          <p:cNvSpPr>
+            <a:spLocks noGrp="1" noRot="1" noChangeAspect="1"/>
+          </p:cNvSpPr>
+          <p:nvPr>
+            <p:ph type="sldImg"/>
+          </p:nvPr>
+        </p:nvSpPr>
+        <p:spPr/>
+      </p:sp>
+      <p:sp>
+        <p:nvSpPr>
+          <p:cNvPr id="3" name="Notes Placeholder 2"/>
+          <p:cNvSpPr>
+            <a:spLocks noGrp="1"/>
+          </p:cNvSpPr>
+          <p:nvPr>
+            <p:ph type="body" idx="1"/>
+          </p:nvPr>
+        </p:nvSpPr>
+        <p:spPr/>
+        <p:txBody>
+          <a:bodyPr/>
+          <a:lstStyle/>
+          <a:p>
+            <a:r>
+              <a:rPr lang="en-US" dirty="0"/>
+              <a:t>But a coding dojo is different to a normal team environment</a:t>
+            </a:r>
+          </a:p>
+          <a:p>
+            <a:endParaRPr lang="en-US" dirty="0"/>
+          </a:p>
+        </p:txBody>
+      </p:sp>
+      <p:sp>
+        <p:nvSpPr>
+          <p:cNvPr id="4" name="Slide Number Placeholder 3"/>
+          <p:cNvSpPr>
+            <a:spLocks noGrp="1"/>
+          </p:cNvSpPr>
+          <p:nvPr>
+            <p:ph type="sldNum" sz="quarter" idx="5"/>
+          </p:nvPr>
+        </p:nvSpPr>
+        <p:spPr/>
+        <p:txBody>
+          <a:bodyPr/>
+          <a:lstStyle/>
+          <a:p>
+            <a:fld id="{B99E8012-7AEC-4AAD-B52C-DF7E1601EEFE}" type="slidenum">
+              <a:rPr lang="en-GB" smtClean="0"/>
+              <a:t>43</a:t>
+            </a:fld>
+            <a:endParaRPr lang="en-GB"/>
+          </a:p>
+        </p:txBody>
+      </p:sp>
+    </p:spTree>
+    <p:extLst>
+      <p:ext uri="{BB962C8B-B14F-4D97-AF65-F5344CB8AC3E}">
+        <p14:creationId xmlns:p14="http://schemas.microsoft.com/office/powerpoint/2010/main" val="3808849480"/>
+      </p:ext>
+    </p:extLst>
+  </p:cSld>
+  <p:clrMapOvr>
+    <a:masterClrMapping/>
+  </p:clrMapOvr>
+</p:notes>
+</file>
+
+<file path=ppt/notesSlides/notesSlide44.xml><?xml version="1.0" encoding="utf-8"?>
+<p:notes xmlns:a="http://schemas.openxmlformats.org/drawingml/2006/main" xmlns:r="http://schemas.openxmlformats.org/officeDocument/2006/relationships" xmlns:p="http://schemas.openxmlformats.org/presentationml/2006/main">
+  <p:cSld>
+    <p:spTree>
+      <p:nvGrpSpPr>
+        <p:cNvPr id="1" name=""/>
+        <p:cNvGrpSpPr/>
+        <p:nvPr/>
+      </p:nvGrpSpPr>
+      <p:grpSpPr>
+        <a:xfrm>
+          <a:off x="0" y="0"/>
+          <a:ext cx="0" cy="0"/>
+          <a:chOff x="0" y="0"/>
+          <a:chExt cx="0" cy="0"/>
+        </a:xfrm>
+      </p:grpSpPr>
+      <p:sp>
+        <p:nvSpPr>
+          <p:cNvPr id="2" name="Slide Image Placeholder 1"/>
+          <p:cNvSpPr>
+            <a:spLocks noGrp="1" noRot="1" noChangeAspect="1"/>
+          </p:cNvSpPr>
+          <p:nvPr>
+            <p:ph type="sldImg"/>
+          </p:nvPr>
+        </p:nvSpPr>
+        <p:spPr/>
+      </p:sp>
+      <p:sp>
+        <p:nvSpPr>
+          <p:cNvPr id="3" name="Notes Placeholder 2"/>
+          <p:cNvSpPr>
+            <a:spLocks noGrp="1"/>
+          </p:cNvSpPr>
+          <p:nvPr>
+            <p:ph type="body" idx="1"/>
+          </p:nvPr>
+        </p:nvSpPr>
+        <p:spPr/>
+        <p:txBody>
+          <a:bodyPr/>
+          <a:lstStyle/>
+          <a:p>
+            <a:r>
+              <a:rPr lang="en-US" dirty="0"/>
+              <a:t>First off, although there are some regulars, we get different people at most sessions.</a:t>
+            </a:r>
+          </a:p>
+          <a:p>
+            <a:r>
+              <a:rPr lang="en-US" dirty="0"/>
+              <a:t>So we have to be able to start working together quickly, because we only have 90 minutes</a:t>
+            </a:r>
+          </a:p>
+        </p:txBody>
+      </p:sp>
+      <p:sp>
+        <p:nvSpPr>
+          <p:cNvPr id="4" name="Slide Number Placeholder 3"/>
+          <p:cNvSpPr>
+            <a:spLocks noGrp="1"/>
+          </p:cNvSpPr>
+          <p:nvPr>
+            <p:ph type="sldNum" sz="quarter" idx="5"/>
+          </p:nvPr>
+        </p:nvSpPr>
+        <p:spPr/>
+        <p:txBody>
+          <a:bodyPr/>
+          <a:lstStyle/>
+          <a:p>
+            <a:fld id="{B99E8012-7AEC-4AAD-B52C-DF7E1601EEFE}" type="slidenum">
+              <a:rPr lang="en-GB" smtClean="0"/>
+              <a:t>44</a:t>
+            </a:fld>
+            <a:endParaRPr lang="en-GB"/>
+          </a:p>
+        </p:txBody>
+      </p:sp>
+    </p:spTree>
+    <p:extLst>
+      <p:ext uri="{BB962C8B-B14F-4D97-AF65-F5344CB8AC3E}">
+        <p14:creationId xmlns:p14="http://schemas.microsoft.com/office/powerpoint/2010/main" val="3363466588"/>
+      </p:ext>
+    </p:extLst>
+  </p:cSld>
+  <p:clrMapOvr>
+    <a:masterClrMapping/>
+  </p:clrMapOvr>
+</p:notes>
+</file>
+
+<file path=ppt/notesSlides/notesSlide45.xml><?xml version="1.0" encoding="utf-8"?>
+<p:notes xmlns:a="http://schemas.openxmlformats.org/drawingml/2006/main" xmlns:r="http://schemas.openxmlformats.org/officeDocument/2006/relationships" xmlns:p="http://schemas.openxmlformats.org/presentationml/2006/main">
+  <p:cSld>
+    <p:spTree>
+      <p:nvGrpSpPr>
+        <p:cNvPr id="1" name=""/>
+        <p:cNvGrpSpPr/>
+        <p:nvPr/>
+      </p:nvGrpSpPr>
+      <p:grpSpPr>
+        <a:xfrm>
+          <a:off x="0" y="0"/>
+          <a:ext cx="0" cy="0"/>
+          <a:chOff x="0" y="0"/>
+          <a:chExt cx="0" cy="0"/>
+        </a:xfrm>
+      </p:grpSpPr>
+      <p:sp>
+        <p:nvSpPr>
+          <p:cNvPr id="2" name="Slide Image Placeholder 1"/>
+          <p:cNvSpPr>
+            <a:spLocks noGrp="1" noRot="1" noChangeAspect="1"/>
+          </p:cNvSpPr>
+          <p:nvPr>
+            <p:ph type="sldImg"/>
+          </p:nvPr>
+        </p:nvSpPr>
+        <p:spPr/>
+      </p:sp>
+      <p:sp>
+        <p:nvSpPr>
+          <p:cNvPr id="3" name="Notes Placeholder 2"/>
+          <p:cNvSpPr>
+            <a:spLocks noGrp="1"/>
+          </p:cNvSpPr>
+          <p:nvPr>
+            <p:ph type="body" idx="1"/>
+          </p:nvPr>
+        </p:nvSpPr>
+        <p:spPr/>
+        <p:txBody>
+          <a:bodyPr/>
+          <a:lstStyle/>
+          <a:p>
+            <a:r>
+              <a:rPr lang="en-US" dirty="0"/>
+              <a:t>Also, imagine there’s only one person in the mob who understands how to solve a problem.</a:t>
+            </a:r>
+          </a:p>
+          <a:p>
+            <a:r>
+              <a:rPr lang="en-US" dirty="0"/>
+              <a:t>If that one person is doing all the talking, or maybe also doing the typing as well, it’s hard for the others to stay engaged.</a:t>
+            </a:r>
+          </a:p>
+          <a:p>
+            <a:endParaRPr lang="en-US" dirty="0"/>
+          </a:p>
+          <a:p>
+            <a:r>
+              <a:rPr lang="en-US" dirty="0"/>
+              <a:t>Woody Zuill, who was part of the first team that did mob programming, calls this “Programming Theatre”</a:t>
+            </a:r>
+          </a:p>
+          <a:p>
+            <a:endParaRPr lang="en-US" dirty="0"/>
+          </a:p>
+          <a:p>
+            <a:r>
+              <a:rPr lang="en-US" dirty="0"/>
+              <a:t>Now programming theatre is fine for, say a demo, where an expert  shares their knowledge.</a:t>
+            </a:r>
+          </a:p>
+          <a:p>
+            <a:r>
+              <a:rPr lang="en-US" dirty="0"/>
+              <a:t>But to get the best out of everyone, we’d rather everyone was involved.</a:t>
+            </a:r>
+          </a:p>
+        </p:txBody>
+      </p:sp>
+      <p:sp>
+        <p:nvSpPr>
+          <p:cNvPr id="4" name="Slide Number Placeholder 3"/>
+          <p:cNvSpPr>
+            <a:spLocks noGrp="1"/>
+          </p:cNvSpPr>
+          <p:nvPr>
+            <p:ph type="sldNum" sz="quarter" idx="5"/>
+          </p:nvPr>
+        </p:nvSpPr>
+        <p:spPr/>
+        <p:txBody>
+          <a:bodyPr/>
+          <a:lstStyle/>
+          <a:p>
+            <a:fld id="{B99E8012-7AEC-4AAD-B52C-DF7E1601EEFE}" type="slidenum">
+              <a:rPr lang="en-GB" smtClean="0"/>
+              <a:t>45</a:t>
+            </a:fld>
+            <a:endParaRPr lang="en-GB"/>
+          </a:p>
+        </p:txBody>
+      </p:sp>
+    </p:spTree>
+    <p:extLst>
+      <p:ext uri="{BB962C8B-B14F-4D97-AF65-F5344CB8AC3E}">
+        <p14:creationId xmlns:p14="http://schemas.microsoft.com/office/powerpoint/2010/main" val="1701095345"/>
+      </p:ext>
+    </p:extLst>
+  </p:cSld>
+  <p:clrMapOvr>
+    <a:masterClrMapping/>
+  </p:clrMapOvr>
+</p:notes>
+</file>
+
+<file path=ppt/notesSlides/notesSlide46.xml><?xml version="1.0" encoding="utf-8"?>
+<p:notes xmlns:a="http://schemas.openxmlformats.org/drawingml/2006/main" xmlns:r="http://schemas.openxmlformats.org/officeDocument/2006/relationships" xmlns:p="http://schemas.openxmlformats.org/presentationml/2006/main">
+  <p:cSld>
+    <p:spTree>
+      <p:nvGrpSpPr>
+        <p:cNvPr id="1" name=""/>
+        <p:cNvGrpSpPr/>
+        <p:nvPr/>
+      </p:nvGrpSpPr>
+      <p:grpSpPr>
+        <a:xfrm>
+          <a:off x="0" y="0"/>
+          <a:ext cx="0" cy="0"/>
+          <a:chOff x="0" y="0"/>
+          <a:chExt cx="0" cy="0"/>
+        </a:xfrm>
+      </p:grpSpPr>
+      <p:sp>
+        <p:nvSpPr>
+          <p:cNvPr id="2" name="Slide Image Placeholder 1"/>
+          <p:cNvSpPr>
+            <a:spLocks noGrp="1" noRot="1" noChangeAspect="1"/>
+          </p:cNvSpPr>
+          <p:nvPr>
+            <p:ph type="sldImg"/>
+          </p:nvPr>
+        </p:nvSpPr>
+        <p:spPr/>
+      </p:sp>
+      <p:sp>
+        <p:nvSpPr>
+          <p:cNvPr id="3" name="Notes Placeholder 2"/>
+          <p:cNvSpPr>
+            <a:spLocks noGrp="1"/>
+          </p:cNvSpPr>
+          <p:nvPr>
+            <p:ph type="body" idx="1"/>
+          </p:nvPr>
+        </p:nvSpPr>
+        <p:spPr/>
+        <p:txBody>
+          <a:bodyPr/>
+          <a:lstStyle/>
+          <a:p>
+            <a:r>
+              <a:rPr lang="en-US" dirty="0"/>
+              <a:t>It’s good for a mob to debate things.</a:t>
+            </a:r>
+          </a:p>
+          <a:p>
+            <a:r>
+              <a:rPr lang="en-US" dirty="0"/>
+              <a:t>That’s part of what makes mobbing useful</a:t>
+            </a:r>
+          </a:p>
+          <a:p>
+            <a:endParaRPr lang="en-US" dirty="0"/>
+          </a:p>
+          <a:p>
+            <a:r>
+              <a:rPr lang="en-US" dirty="0"/>
+              <a:t>But it’s especially important in a dojo, to not go on for too long., otherwise we’ll spend the entire dojo talking.</a:t>
+            </a:r>
+          </a:p>
+          <a:p>
+            <a:r>
+              <a:rPr lang="en-US" dirty="0"/>
+              <a:t>We need to be able to quickly come to a consensus.</a:t>
+            </a:r>
+          </a:p>
+        </p:txBody>
+      </p:sp>
+      <p:sp>
+        <p:nvSpPr>
+          <p:cNvPr id="4" name="Slide Number Placeholder 3"/>
+          <p:cNvSpPr>
+            <a:spLocks noGrp="1"/>
+          </p:cNvSpPr>
+          <p:nvPr>
+            <p:ph type="sldNum" sz="quarter" idx="5"/>
+          </p:nvPr>
+        </p:nvSpPr>
+        <p:spPr/>
+        <p:txBody>
+          <a:bodyPr/>
+          <a:lstStyle/>
+          <a:p>
+            <a:fld id="{B99E8012-7AEC-4AAD-B52C-DF7E1601EEFE}" type="slidenum">
+              <a:rPr lang="en-GB" smtClean="0"/>
+              <a:t>46</a:t>
+            </a:fld>
+            <a:endParaRPr lang="en-GB"/>
+          </a:p>
+        </p:txBody>
+      </p:sp>
+    </p:spTree>
+    <p:extLst>
+      <p:ext uri="{BB962C8B-B14F-4D97-AF65-F5344CB8AC3E}">
+        <p14:creationId xmlns:p14="http://schemas.microsoft.com/office/powerpoint/2010/main" val="2557750397"/>
+      </p:ext>
+    </p:extLst>
+  </p:cSld>
+  <p:clrMapOvr>
+    <a:masterClrMapping/>
+  </p:clrMapOvr>
+</p:notes>
+</file>
+
+<file path=ppt/notesSlides/notesSlide47.xml><?xml version="1.0" encoding="utf-8"?>
+<p:notes xmlns:a="http://schemas.openxmlformats.org/drawingml/2006/main" xmlns:r="http://schemas.openxmlformats.org/officeDocument/2006/relationships" xmlns:p="http://schemas.openxmlformats.org/presentationml/2006/main">
+  <p:cSld>
+    <p:spTree>
+      <p:nvGrpSpPr>
+        <p:cNvPr id="1" name=""/>
+        <p:cNvGrpSpPr/>
+        <p:nvPr/>
+      </p:nvGrpSpPr>
+      <p:grpSpPr>
+        <a:xfrm>
+          <a:off x="0" y="0"/>
+          <a:ext cx="0" cy="0"/>
+          <a:chOff x="0" y="0"/>
+          <a:chExt cx="0" cy="0"/>
+        </a:xfrm>
+      </p:grpSpPr>
+      <p:sp>
+        <p:nvSpPr>
+          <p:cNvPr id="2" name="Slide Image Placeholder 1"/>
+          <p:cNvSpPr>
+            <a:spLocks noGrp="1" noRot="1" noChangeAspect="1"/>
+          </p:cNvSpPr>
+          <p:nvPr>
+            <p:ph type="sldImg"/>
+          </p:nvPr>
+        </p:nvSpPr>
+        <p:spPr/>
+      </p:sp>
+      <p:sp>
+        <p:nvSpPr>
+          <p:cNvPr id="3" name="Notes Placeholder 2"/>
+          <p:cNvSpPr>
+            <a:spLocks noGrp="1"/>
+          </p:cNvSpPr>
+          <p:nvPr>
+            <p:ph type="body" idx="1"/>
+          </p:nvPr>
+        </p:nvSpPr>
+        <p:spPr/>
+        <p:txBody>
+          <a:bodyPr/>
+          <a:lstStyle/>
+          <a:p>
+            <a:r>
+              <a:rPr lang="en-US" dirty="0"/>
+              <a:t>So as before, we changed how we mobbed to try and address these issues.</a:t>
+            </a:r>
+          </a:p>
+          <a:p>
+            <a:endParaRPr lang="en-US" dirty="0"/>
+          </a:p>
+        </p:txBody>
+      </p:sp>
+      <p:sp>
+        <p:nvSpPr>
+          <p:cNvPr id="4" name="Slide Number Placeholder 3"/>
+          <p:cNvSpPr>
+            <a:spLocks noGrp="1"/>
+          </p:cNvSpPr>
+          <p:nvPr>
+            <p:ph type="sldNum" sz="quarter" idx="5"/>
+          </p:nvPr>
+        </p:nvSpPr>
+        <p:spPr/>
+        <p:txBody>
+          <a:bodyPr/>
+          <a:lstStyle/>
+          <a:p>
+            <a:fld id="{B99E8012-7AEC-4AAD-B52C-DF7E1601EEFE}" type="slidenum">
+              <a:rPr lang="en-GB" smtClean="0"/>
+              <a:t>47</a:t>
+            </a:fld>
+            <a:endParaRPr lang="en-GB"/>
+          </a:p>
+        </p:txBody>
+      </p:sp>
+    </p:spTree>
+    <p:extLst>
+      <p:ext uri="{BB962C8B-B14F-4D97-AF65-F5344CB8AC3E}">
+        <p14:creationId xmlns:p14="http://schemas.microsoft.com/office/powerpoint/2010/main" val="658665075"/>
+      </p:ext>
+    </p:extLst>
+  </p:cSld>
+  <p:clrMapOvr>
+    <a:masterClrMapping/>
+  </p:clrMapOvr>
+</p:notes>
+</file>
+
+<file path=ppt/notesSlides/notesSlide48.xml><?xml version="1.0" encoding="utf-8"?>
+<p:notes xmlns:a="http://schemas.openxmlformats.org/drawingml/2006/main" xmlns:r="http://schemas.openxmlformats.org/officeDocument/2006/relationships" xmlns:p="http://schemas.openxmlformats.org/presentationml/2006/main">
+  <p:cSld>
+    <p:spTree>
+      <p:nvGrpSpPr>
+        <p:cNvPr id="1" name=""/>
+        <p:cNvGrpSpPr/>
+        <p:nvPr/>
+      </p:nvGrpSpPr>
+      <p:grpSpPr>
+        <a:xfrm>
+          <a:off x="0" y="0"/>
+          <a:ext cx="0" cy="0"/>
+          <a:chOff x="0" y="0"/>
+          <a:chExt cx="0" cy="0"/>
+        </a:xfrm>
+      </p:grpSpPr>
+      <p:sp>
+        <p:nvSpPr>
+          <p:cNvPr id="2" name="Slide Image Placeholder 1"/>
+          <p:cNvSpPr>
+            <a:spLocks noGrp="1" noRot="1" noChangeAspect="1"/>
+          </p:cNvSpPr>
+          <p:nvPr>
+            <p:ph type="sldImg"/>
+          </p:nvPr>
+        </p:nvSpPr>
+        <p:spPr/>
+      </p:sp>
+      <p:sp>
+        <p:nvSpPr>
+          <p:cNvPr id="3" name="Notes Placeholder 2"/>
+          <p:cNvSpPr>
+            <a:spLocks noGrp="1"/>
+          </p:cNvSpPr>
+          <p:nvPr>
+            <p:ph type="body" idx="1"/>
+          </p:nvPr>
+        </p:nvSpPr>
+        <p:spPr/>
+        <p:txBody>
+          <a:bodyPr/>
+          <a:lstStyle/>
+          <a:p>
+            <a:r>
+              <a:rPr lang="en-US" dirty="0"/>
+              <a:t>Strong style is a technique where you make the roles of the driver, who types, and the navigator, who says what to to, strict.</a:t>
+            </a:r>
+          </a:p>
+          <a:p>
+            <a:r>
+              <a:rPr lang="en-US" dirty="0"/>
+              <a:t>The driver is just typing</a:t>
+            </a:r>
+          </a:p>
+          <a:p>
+            <a:endParaRPr lang="en-US" dirty="0"/>
+          </a:p>
+          <a:p>
+            <a:r>
+              <a:rPr lang="en-US" dirty="0"/>
+              <a:t>In the case where one person is the expert, when they’re driving, it encourages others to speak.</a:t>
+            </a:r>
+          </a:p>
+          <a:p>
+            <a:endParaRPr lang="en-US" dirty="0"/>
+          </a:p>
+        </p:txBody>
+      </p:sp>
+      <p:sp>
+        <p:nvSpPr>
+          <p:cNvPr id="4" name="Slide Number Placeholder 3"/>
+          <p:cNvSpPr>
+            <a:spLocks noGrp="1"/>
+          </p:cNvSpPr>
+          <p:nvPr>
+            <p:ph type="sldNum" sz="quarter" idx="5"/>
+          </p:nvPr>
+        </p:nvSpPr>
+        <p:spPr/>
+        <p:txBody>
+          <a:bodyPr/>
+          <a:lstStyle/>
+          <a:p>
+            <a:fld id="{B99E8012-7AEC-4AAD-B52C-DF7E1601EEFE}" type="slidenum">
+              <a:rPr lang="en-GB" smtClean="0"/>
+              <a:t>48</a:t>
+            </a:fld>
+            <a:endParaRPr lang="en-GB"/>
+          </a:p>
+        </p:txBody>
+      </p:sp>
+    </p:spTree>
+    <p:extLst>
+      <p:ext uri="{BB962C8B-B14F-4D97-AF65-F5344CB8AC3E}">
+        <p14:creationId xmlns:p14="http://schemas.microsoft.com/office/powerpoint/2010/main" val="1283256338"/>
+      </p:ext>
+    </p:extLst>
+  </p:cSld>
+  <p:clrMapOvr>
+    <a:masterClrMapping/>
+  </p:clrMapOvr>
+</p:notes>
+</file>
+
+<file path=ppt/notesSlides/notesSlide49.xml><?xml version="1.0" encoding="utf-8"?>
+<p:notes xmlns:a="http://schemas.openxmlformats.org/drawingml/2006/main" xmlns:r="http://schemas.openxmlformats.org/officeDocument/2006/relationships" xmlns:p="http://schemas.openxmlformats.org/presentationml/2006/main">
+  <p:cSld>
+    <p:spTree>
+      <p:nvGrpSpPr>
+        <p:cNvPr id="1" name=""/>
+        <p:cNvGrpSpPr/>
+        <p:nvPr/>
+      </p:nvGrpSpPr>
+      <p:grpSpPr>
+        <a:xfrm>
+          <a:off x="0" y="0"/>
+          <a:ext cx="0" cy="0"/>
+          <a:chOff x="0" y="0"/>
+          <a:chExt cx="0" cy="0"/>
+        </a:xfrm>
+      </p:grpSpPr>
+      <p:sp>
+        <p:nvSpPr>
+          <p:cNvPr id="2" name="Slide Image Placeholder 1"/>
+          <p:cNvSpPr>
+            <a:spLocks noGrp="1" noRot="1" noChangeAspect="1"/>
+          </p:cNvSpPr>
+          <p:nvPr>
+            <p:ph type="sldImg"/>
+          </p:nvPr>
+        </p:nvSpPr>
+        <p:spPr/>
+      </p:sp>
+      <p:sp>
+        <p:nvSpPr>
+          <p:cNvPr id="3" name="Notes Placeholder 2"/>
+          <p:cNvSpPr>
+            <a:spLocks noGrp="1"/>
+          </p:cNvSpPr>
+          <p:nvPr>
+            <p:ph type="body" idx="1"/>
+          </p:nvPr>
+        </p:nvSpPr>
+        <p:spPr/>
+        <p:txBody>
+          <a:bodyPr/>
+          <a:lstStyle/>
+          <a:p>
+            <a:r>
+              <a:rPr lang="en-US" dirty="0"/>
+              <a:t>As well as following rules more strictly, we also tried tweaking other rules.</a:t>
+            </a:r>
+          </a:p>
+          <a:p>
+            <a:endParaRPr lang="en-US" dirty="0"/>
+          </a:p>
+          <a:p>
+            <a:r>
+              <a:rPr lang="en-US" dirty="0" err="1"/>
+              <a:t>Wheras</a:t>
+            </a:r>
+            <a:r>
+              <a:rPr lang="en-US" dirty="0"/>
+              <a:t> in a normal team environment, we might swap the driver every 30 minutes or so,</a:t>
+            </a:r>
+          </a:p>
+          <a:p>
+            <a:r>
+              <a:rPr lang="en-US" dirty="0"/>
+              <a:t>In a dojo environment, we found shorter rotations, say 10 minutes were better to mix things up</a:t>
+            </a:r>
+          </a:p>
+          <a:p>
+            <a:endParaRPr lang="en-US" dirty="0"/>
+          </a:p>
+          <a:p>
+            <a:r>
+              <a:rPr lang="en-US" dirty="0"/>
+              <a:t>We also experimented with rules </a:t>
+            </a:r>
+            <a:r>
+              <a:rPr lang="en-US" dirty="0" err="1"/>
+              <a:t>thatmake</a:t>
+            </a:r>
+            <a:r>
+              <a:rPr lang="en-US" dirty="0"/>
+              <a:t> things fun but also each new </a:t>
+            </a:r>
+            <a:r>
+              <a:rPr lang="en-US" dirty="0" err="1"/>
+              <a:t>stkills</a:t>
+            </a:r>
+            <a:r>
+              <a:rPr lang="en-US" dirty="0"/>
+              <a:t>, like</a:t>
+            </a:r>
+          </a:p>
+          <a:p>
+            <a:r>
+              <a:rPr lang="en-US" dirty="0"/>
+              <a:t>today no using the mouse, we’ve got to figure out all of those keyboard shortcuts</a:t>
+            </a:r>
+          </a:p>
+          <a:p>
+            <a:r>
+              <a:rPr lang="en-US" dirty="0"/>
+              <a:t>today no if statements are allowed</a:t>
+            </a:r>
+          </a:p>
+        </p:txBody>
+      </p:sp>
+      <p:sp>
+        <p:nvSpPr>
+          <p:cNvPr id="4" name="Slide Number Placeholder 3"/>
+          <p:cNvSpPr>
+            <a:spLocks noGrp="1"/>
+          </p:cNvSpPr>
+          <p:nvPr>
+            <p:ph type="sldNum" sz="quarter" idx="5"/>
+          </p:nvPr>
+        </p:nvSpPr>
+        <p:spPr/>
+        <p:txBody>
+          <a:bodyPr/>
+          <a:lstStyle/>
+          <a:p>
+            <a:fld id="{B99E8012-7AEC-4AAD-B52C-DF7E1601EEFE}" type="slidenum">
+              <a:rPr lang="en-GB" smtClean="0"/>
+              <a:t>49</a:t>
+            </a:fld>
+            <a:endParaRPr lang="en-GB"/>
+          </a:p>
+        </p:txBody>
+      </p:sp>
+    </p:spTree>
+    <p:extLst>
+      <p:ext uri="{BB962C8B-B14F-4D97-AF65-F5344CB8AC3E}">
+        <p14:creationId xmlns:p14="http://schemas.microsoft.com/office/powerpoint/2010/main" val="3548995686"/>
+      </p:ext>
+    </p:extLst>
+  </p:cSld>
+  <p:clrMapOvr>
+    <a:masterClrMapping/>
+  </p:clrMapOvr>
+</p:notes>
+</file>
+
 <file path=ppt/notesSlides/notesSlide5.xml><?xml version="1.0" encoding="utf-8"?>
 <p:notes xmlns:a="http://schemas.openxmlformats.org/drawingml/2006/main" xmlns:r="http://schemas.openxmlformats.org/officeDocument/2006/relationships" xmlns:p="http://schemas.openxmlformats.org/presentationml/2006/main">
   <p:cSld>
@@ -4649,6 +5736,244 @@
     <p:extLst>
       <p:ext uri="{BB962C8B-B14F-4D97-AF65-F5344CB8AC3E}">
         <p14:creationId xmlns:p14="http://schemas.microsoft.com/office/powerpoint/2010/main" val="1745041807"/>
+      </p:ext>
+    </p:extLst>
+  </p:cSld>
+  <p:clrMapOvr>
+    <a:masterClrMapping/>
+  </p:clrMapOvr>
+</p:notes>
+</file>
+
+<file path=ppt/notesSlides/notesSlide50.xml><?xml version="1.0" encoding="utf-8"?>
+<p:notes xmlns:a="http://schemas.openxmlformats.org/drawingml/2006/main" xmlns:r="http://schemas.openxmlformats.org/officeDocument/2006/relationships" xmlns:p="http://schemas.openxmlformats.org/presentationml/2006/main">
+  <p:cSld>
+    <p:spTree>
+      <p:nvGrpSpPr>
+        <p:cNvPr id="1" name=""/>
+        <p:cNvGrpSpPr/>
+        <p:nvPr/>
+      </p:nvGrpSpPr>
+      <p:grpSpPr>
+        <a:xfrm>
+          <a:off x="0" y="0"/>
+          <a:ext cx="0" cy="0"/>
+          <a:chOff x="0" y="0"/>
+          <a:chExt cx="0" cy="0"/>
+        </a:xfrm>
+      </p:grpSpPr>
+      <p:sp>
+        <p:nvSpPr>
+          <p:cNvPr id="2" name="Slide Image Placeholder 1"/>
+          <p:cNvSpPr>
+            <a:spLocks noGrp="1" noRot="1" noChangeAspect="1"/>
+          </p:cNvSpPr>
+          <p:nvPr>
+            <p:ph type="sldImg"/>
+          </p:nvPr>
+        </p:nvSpPr>
+        <p:spPr/>
+      </p:sp>
+      <p:sp>
+        <p:nvSpPr>
+          <p:cNvPr id="3" name="Notes Placeholder 2"/>
+          <p:cNvSpPr>
+            <a:spLocks noGrp="1"/>
+          </p:cNvSpPr>
+          <p:nvPr>
+            <p:ph type="body" idx="1"/>
+          </p:nvPr>
+        </p:nvSpPr>
+        <p:spPr/>
+        <p:txBody>
+          <a:bodyPr/>
+          <a:lstStyle/>
+          <a:p>
+            <a:r>
+              <a:rPr lang="en-US" dirty="0"/>
+              <a:t>Like any other kind of meeting, a </a:t>
+            </a:r>
+            <a:r>
+              <a:rPr lang="en-US" dirty="0" err="1"/>
+              <a:t>faciltator</a:t>
+            </a:r>
+            <a:r>
+              <a:rPr lang="en-US" dirty="0"/>
+              <a:t> can get the best out of people</a:t>
+            </a:r>
+          </a:p>
+          <a:p>
+            <a:r>
+              <a:rPr lang="en-US" dirty="0"/>
+              <a:t>By having someone who’s taken a step back and guides the mob, they can find the best way of working, for them at that moment.</a:t>
+            </a:r>
+          </a:p>
+        </p:txBody>
+      </p:sp>
+      <p:sp>
+        <p:nvSpPr>
+          <p:cNvPr id="4" name="Slide Number Placeholder 3"/>
+          <p:cNvSpPr>
+            <a:spLocks noGrp="1"/>
+          </p:cNvSpPr>
+          <p:nvPr>
+            <p:ph type="sldNum" sz="quarter" idx="5"/>
+          </p:nvPr>
+        </p:nvSpPr>
+        <p:spPr/>
+        <p:txBody>
+          <a:bodyPr/>
+          <a:lstStyle/>
+          <a:p>
+            <a:fld id="{B99E8012-7AEC-4AAD-B52C-DF7E1601EEFE}" type="slidenum">
+              <a:rPr lang="en-GB" smtClean="0"/>
+              <a:t>50</a:t>
+            </a:fld>
+            <a:endParaRPr lang="en-GB"/>
+          </a:p>
+        </p:txBody>
+      </p:sp>
+    </p:spTree>
+    <p:extLst>
+      <p:ext uri="{BB962C8B-B14F-4D97-AF65-F5344CB8AC3E}">
+        <p14:creationId xmlns:p14="http://schemas.microsoft.com/office/powerpoint/2010/main" val="1829516419"/>
+      </p:ext>
+    </p:extLst>
+  </p:cSld>
+  <p:clrMapOvr>
+    <a:masterClrMapping/>
+  </p:clrMapOvr>
+</p:notes>
+</file>
+
+<file path=ppt/notesSlides/notesSlide51.xml><?xml version="1.0" encoding="utf-8"?>
+<p:notes xmlns:a="http://schemas.openxmlformats.org/drawingml/2006/main" xmlns:r="http://schemas.openxmlformats.org/officeDocument/2006/relationships" xmlns:p="http://schemas.openxmlformats.org/presentationml/2006/main">
+  <p:cSld>
+    <p:spTree>
+      <p:nvGrpSpPr>
+        <p:cNvPr id="1" name=""/>
+        <p:cNvGrpSpPr/>
+        <p:nvPr/>
+      </p:nvGrpSpPr>
+      <p:grpSpPr>
+        <a:xfrm>
+          <a:off x="0" y="0"/>
+          <a:ext cx="0" cy="0"/>
+          <a:chOff x="0" y="0"/>
+          <a:chExt cx="0" cy="0"/>
+        </a:xfrm>
+      </p:grpSpPr>
+      <p:sp>
+        <p:nvSpPr>
+          <p:cNvPr id="2" name="Slide Image Placeholder 1"/>
+          <p:cNvSpPr>
+            <a:spLocks noGrp="1" noRot="1" noChangeAspect="1"/>
+          </p:cNvSpPr>
+          <p:nvPr>
+            <p:ph type="sldImg"/>
+          </p:nvPr>
+        </p:nvSpPr>
+        <p:spPr/>
+      </p:sp>
+      <p:sp>
+        <p:nvSpPr>
+          <p:cNvPr id="3" name="Notes Placeholder 2"/>
+          <p:cNvSpPr>
+            <a:spLocks noGrp="1"/>
+          </p:cNvSpPr>
+          <p:nvPr>
+            <p:ph type="body" idx="1"/>
+          </p:nvPr>
+        </p:nvSpPr>
+        <p:spPr/>
+        <p:txBody>
+          <a:bodyPr/>
+          <a:lstStyle/>
+          <a:p>
+            <a:r>
+              <a:rPr lang="en-US" dirty="0"/>
+              <a:t>The dojo is a bit of an extreme situation: potentially strangers building something together in 90 minutes</a:t>
+            </a:r>
+          </a:p>
+          <a:p>
+            <a:r>
+              <a:rPr lang="en-US" dirty="0"/>
+              <a:t>But what we learned can be applied to normal teams, which is that we should experiment</a:t>
+            </a:r>
+          </a:p>
+          <a:p>
+            <a:endParaRPr lang="en-US" dirty="0"/>
+          </a:p>
+          <a:p>
+            <a:r>
+              <a:rPr lang="en-US" dirty="0"/>
+              <a:t>Every mob is different, so it makes sense to experiment and find the process that make your mob work the best.</a:t>
+            </a:r>
+          </a:p>
+          <a:p>
+            <a:r>
+              <a:rPr lang="en-US" dirty="0"/>
+              <a:t>And this process is continually evolving.</a:t>
+            </a:r>
+          </a:p>
+          <a:p>
+            <a:r>
+              <a:rPr lang="en-US" dirty="0"/>
+              <a:t>Good facilitation helps teams do this.</a:t>
+            </a:r>
+          </a:p>
+          <a:p>
+            <a:endParaRPr lang="en-US" dirty="0"/>
+          </a:p>
+          <a:p>
+            <a:r>
+              <a:rPr lang="en-US" dirty="0"/>
+              <a:t>The first bit of the agile manifesto says “We are uncovering better ways of developing software”</a:t>
+            </a:r>
+          </a:p>
+          <a:p>
+            <a:r>
+              <a:rPr lang="en-US" dirty="0"/>
+              <a:t>And what’s best for me may not </a:t>
+            </a:r>
+            <a:r>
+              <a:rPr lang="en-US"/>
+              <a:t>be what’s best for you.</a:t>
+            </a:r>
+            <a:endParaRPr lang="en-US" dirty="0"/>
+          </a:p>
+          <a:p>
+            <a:endParaRPr lang="en-US" dirty="0"/>
+          </a:p>
+        </p:txBody>
+      </p:sp>
+      <p:sp>
+        <p:nvSpPr>
+          <p:cNvPr id="4" name="Slide Number Placeholder 3"/>
+          <p:cNvSpPr>
+            <a:spLocks noGrp="1"/>
+          </p:cNvSpPr>
+          <p:nvPr>
+            <p:ph type="sldNum" sz="quarter" idx="5"/>
+          </p:nvPr>
+        </p:nvSpPr>
+        <p:spPr/>
+        <p:txBody>
+          <a:bodyPr/>
+          <a:lstStyle/>
+          <a:p>
+            <a:fld id="{B99E8012-7AEC-4AAD-B52C-DF7E1601EEFE}" type="slidenum">
+              <a:rPr lang="en-GB" smtClean="0"/>
+              <a:t>51</a:t>
+            </a:fld>
+            <a:endParaRPr lang="en-GB"/>
+          </a:p>
+        </p:txBody>
+      </p:sp>
+    </p:spTree>
+    <p:extLst>
+      <p:ext uri="{BB962C8B-B14F-4D97-AF65-F5344CB8AC3E}">
+        <p14:creationId xmlns:p14="http://schemas.microsoft.com/office/powerpoint/2010/main" val="804619200"/>
       </p:ext>
     </p:extLst>
   </p:cSld>
@@ -18783,7 +20108,7 @@
             <a:pPr algn="ctr"/>
             <a:r>
               <a:rPr lang="en-GB" sz="9600" dirty="0"/>
-              <a:t>Many Teams</a:t>
+              <a:t>Experienced</a:t>
             </a:r>
             <a:endParaRPr lang="en-GB" sz="7200" i="1" dirty="0"/>
           </a:p>
@@ -19212,8 +20537,8 @@
         </p:nvSpPr>
         <p:spPr>
           <a:xfrm>
-            <a:off x="1211464" y="3176198"/>
-            <a:ext cx="9769072" cy="505604"/>
+            <a:off x="1678346" y="3176198"/>
+            <a:ext cx="8835309" cy="505604"/>
           </a:xfrm>
         </p:spPr>
         <p:txBody>
@@ -19223,7 +20548,7 @@
             <a:pPr algn="ctr"/>
             <a:r>
               <a:rPr lang="en-GB" sz="9600" dirty="0"/>
-              <a:t>Strong Style 💪</a:t>
+              <a:t>Continuous Improvement</a:t>
             </a:r>
             <a:endParaRPr lang="en-GB" sz="7200" i="1" dirty="0"/>
           </a:p>
@@ -19234,7 +20559,7 @@
           <p:cNvPr id="5" name="Date Placeholder 4">
             <a:extLst>
               <a:ext uri="{FF2B5EF4-FFF2-40B4-BE49-F238E27FC236}">
-                <a16:creationId xmlns:a16="http://schemas.microsoft.com/office/drawing/2014/main" id="{DEC9A0F5-80F9-7E4A-9BFE-4B446ECF7BD6}"/>
+                <a16:creationId xmlns:a16="http://schemas.microsoft.com/office/drawing/2014/main" id="{F63CA60B-A483-7345-A8F7-831C696472D8}"/>
               </a:ext>
             </a:extLst>
           </p:cNvPr>
@@ -19261,7 +20586,7 @@
     </p:spTree>
     <p:extLst>
       <p:ext uri="{BB962C8B-B14F-4D97-AF65-F5344CB8AC3E}">
-        <p14:creationId xmlns:p14="http://schemas.microsoft.com/office/powerpoint/2010/main" val="1196197241"/>
+        <p14:creationId xmlns:p14="http://schemas.microsoft.com/office/powerpoint/2010/main" val="3823375212"/>
       </p:ext>
     </p:extLst>
   </p:cSld>
@@ -19311,7 +20636,7 @@
             <a:pPr algn="ctr"/>
             <a:r>
               <a:rPr lang="en-GB" sz="9600" dirty="0"/>
-              <a:t>Tweak Rules❗</a:t>
+              <a:t>Strong Style 💪</a:t>
             </a:r>
             <a:endParaRPr lang="en-GB" sz="7200" i="1" dirty="0"/>
           </a:p>
@@ -19322,7 +20647,7 @@
           <p:cNvPr id="5" name="Date Placeholder 4">
             <a:extLst>
               <a:ext uri="{FF2B5EF4-FFF2-40B4-BE49-F238E27FC236}">
-                <a16:creationId xmlns:a16="http://schemas.microsoft.com/office/drawing/2014/main" id="{416E96E3-EB76-9A4D-A574-4070FDFC3701}"/>
+                <a16:creationId xmlns:a16="http://schemas.microsoft.com/office/drawing/2014/main" id="{DEC9A0F5-80F9-7E4A-9BFE-4B446ECF7BD6}"/>
               </a:ext>
             </a:extLst>
           </p:cNvPr>
@@ -19349,7 +20674,7 @@
     </p:spTree>
     <p:extLst>
       <p:ext uri="{BB962C8B-B14F-4D97-AF65-F5344CB8AC3E}">
-        <p14:creationId xmlns:p14="http://schemas.microsoft.com/office/powerpoint/2010/main" val="242817773"/>
+        <p14:creationId xmlns:p14="http://schemas.microsoft.com/office/powerpoint/2010/main" val="1196197241"/>
       </p:ext>
     </p:extLst>
   </p:cSld>
@@ -19399,11 +20724,7 @@
             <a:pPr algn="ctr"/>
             <a:r>
               <a:rPr lang="en-GB" sz="9600" dirty="0"/>
-              <a:t>Facilitation </a:t>
-            </a:r>
-            <a:r>
-              <a:rPr lang="en-GB" sz="7200" dirty="0"/>
-              <a:t>🔦</a:t>
+              <a:t>Tweak Rules❗</a:t>
             </a:r>
             <a:endParaRPr lang="en-GB" sz="7200" i="1" dirty="0"/>
           </a:p>
@@ -19414,7 +20735,7 @@
           <p:cNvPr id="5" name="Date Placeholder 4">
             <a:extLst>
               <a:ext uri="{FF2B5EF4-FFF2-40B4-BE49-F238E27FC236}">
-                <a16:creationId xmlns:a16="http://schemas.microsoft.com/office/drawing/2014/main" id="{888E4550-2D55-1949-AF9C-1CACE93D9A0F}"/>
+                <a16:creationId xmlns:a16="http://schemas.microsoft.com/office/drawing/2014/main" id="{416E96E3-EB76-9A4D-A574-4070FDFC3701}"/>
               </a:ext>
             </a:extLst>
           </p:cNvPr>
@@ -19441,7 +20762,7 @@
     </p:spTree>
     <p:extLst>
       <p:ext uri="{BB962C8B-B14F-4D97-AF65-F5344CB8AC3E}">
-        <p14:creationId xmlns:p14="http://schemas.microsoft.com/office/powerpoint/2010/main" val="2801792324"/>
+        <p14:creationId xmlns:p14="http://schemas.microsoft.com/office/powerpoint/2010/main" val="242817773"/>
       </p:ext>
     </p:extLst>
   </p:cSld>
@@ -19539,6 +20860,98 @@
 </file>
 
 <file path=ppt/slides/slide50.xml><?xml version="1.0" encoding="utf-8"?>
+<p:sld xmlns:a="http://schemas.openxmlformats.org/drawingml/2006/main" xmlns:r="http://schemas.openxmlformats.org/officeDocument/2006/relationships" xmlns:p="http://schemas.openxmlformats.org/presentationml/2006/main">
+  <p:cSld>
+    <p:spTree>
+      <p:nvGrpSpPr>
+        <p:cNvPr id="1" name=""/>
+        <p:cNvGrpSpPr/>
+        <p:nvPr/>
+      </p:nvGrpSpPr>
+      <p:grpSpPr>
+        <a:xfrm>
+          <a:off x="0" y="0"/>
+          <a:ext cx="0" cy="0"/>
+          <a:chOff x="0" y="0"/>
+          <a:chExt cx="0" cy="0"/>
+        </a:xfrm>
+      </p:grpSpPr>
+      <p:sp>
+        <p:nvSpPr>
+          <p:cNvPr id="2" name="Title 1"/>
+          <p:cNvSpPr>
+            <a:spLocks noGrp="1"/>
+          </p:cNvSpPr>
+          <p:nvPr>
+            <p:ph type="title"/>
+          </p:nvPr>
+        </p:nvSpPr>
+        <p:spPr>
+          <a:xfrm>
+            <a:off x="1211464" y="3176198"/>
+            <a:ext cx="9769072" cy="505604"/>
+          </a:xfrm>
+        </p:spPr>
+        <p:txBody>
+          <a:bodyPr/>
+          <a:lstStyle/>
+          <a:p>
+            <a:pPr algn="ctr"/>
+            <a:r>
+              <a:rPr lang="en-GB" sz="9600" dirty="0"/>
+              <a:t>Facilitation </a:t>
+            </a:r>
+            <a:r>
+              <a:rPr lang="en-GB" sz="7200" dirty="0"/>
+              <a:t>🔦</a:t>
+            </a:r>
+            <a:endParaRPr lang="en-GB" sz="7200" i="1" dirty="0"/>
+          </a:p>
+        </p:txBody>
+      </p:sp>
+      <p:sp>
+        <p:nvSpPr>
+          <p:cNvPr id="5" name="Date Placeholder 4">
+            <a:extLst>
+              <a:ext uri="{FF2B5EF4-FFF2-40B4-BE49-F238E27FC236}">
+                <a16:creationId xmlns:a16="http://schemas.microsoft.com/office/drawing/2014/main" id="{888E4550-2D55-1949-AF9C-1CACE93D9A0F}"/>
+              </a:ext>
+            </a:extLst>
+          </p:cNvPr>
+          <p:cNvSpPr>
+            <a:spLocks noGrp="1"/>
+          </p:cNvSpPr>
+          <p:nvPr>
+            <p:ph type="dt" sz="half" idx="10"/>
+          </p:nvPr>
+        </p:nvSpPr>
+        <p:spPr/>
+        <p:txBody>
+          <a:bodyPr/>
+          <a:lstStyle/>
+          <a:p>
+            <a:r>
+              <a:rPr lang="en-GB"/>
+              <a:t>@owennell</a:t>
+            </a:r>
+            <a:endParaRPr lang="en-US" dirty="0"/>
+          </a:p>
+        </p:txBody>
+      </p:sp>
+    </p:spTree>
+    <p:extLst>
+      <p:ext uri="{BB962C8B-B14F-4D97-AF65-F5344CB8AC3E}">
+        <p14:creationId xmlns:p14="http://schemas.microsoft.com/office/powerpoint/2010/main" val="2801792324"/>
+      </p:ext>
+    </p:extLst>
+  </p:cSld>
+  <p:clrMapOvr>
+    <a:masterClrMapping/>
+  </p:clrMapOvr>
+</p:sld>
+</file>
+
+<file path=ppt/slides/slide51.xml><?xml version="1.0" encoding="utf-8"?>
 <p:sld xmlns:a="http://schemas.openxmlformats.org/drawingml/2006/main" xmlns:r="http://schemas.openxmlformats.org/officeDocument/2006/relationships" xmlns:p="http://schemas.openxmlformats.org/presentationml/2006/main">
   <p:cSld>
     <p:spTree>
@@ -19757,94 +21170,6 @@
 </p:sld>
 </file>
 
-<file path=ppt/slides/slide51.xml><?xml version="1.0" encoding="utf-8"?>
-<p:sld xmlns:a="http://schemas.openxmlformats.org/drawingml/2006/main" xmlns:r="http://schemas.openxmlformats.org/officeDocument/2006/relationships" xmlns:p="http://schemas.openxmlformats.org/presentationml/2006/main">
-  <p:cSld>
-    <p:spTree>
-      <p:nvGrpSpPr>
-        <p:cNvPr id="1" name=""/>
-        <p:cNvGrpSpPr/>
-        <p:nvPr/>
-      </p:nvGrpSpPr>
-      <p:grpSpPr>
-        <a:xfrm>
-          <a:off x="0" y="0"/>
-          <a:ext cx="0" cy="0"/>
-          <a:chOff x="0" y="0"/>
-          <a:chExt cx="0" cy="0"/>
-        </a:xfrm>
-      </p:grpSpPr>
-      <p:sp>
-        <p:nvSpPr>
-          <p:cNvPr id="2" name="Title 1"/>
-          <p:cNvSpPr>
-            <a:spLocks noGrp="1"/>
-          </p:cNvSpPr>
-          <p:nvPr>
-            <p:ph type="title"/>
-          </p:nvPr>
-        </p:nvSpPr>
-        <p:spPr>
-          <a:xfrm>
-            <a:off x="1678346" y="3176198"/>
-            <a:ext cx="8835309" cy="505604"/>
-          </a:xfrm>
-        </p:spPr>
-        <p:txBody>
-          <a:bodyPr/>
-          <a:lstStyle/>
-          <a:p>
-            <a:pPr algn="ctr"/>
-            <a:r>
-              <a:rPr lang="en-GB" sz="8800" dirty="0"/>
-              <a:t>The Future 🤖</a:t>
-            </a:r>
-            <a:endParaRPr lang="en-GB" dirty="0"/>
-          </a:p>
-        </p:txBody>
-      </p:sp>
-      <p:sp>
-        <p:nvSpPr>
-          <p:cNvPr id="5" name="Date Placeholder 4">
-            <a:extLst>
-              <a:ext uri="{FF2B5EF4-FFF2-40B4-BE49-F238E27FC236}">
-                <a16:creationId xmlns:a16="http://schemas.microsoft.com/office/drawing/2014/main" id="{CAC72B13-A2AB-4444-A32E-45E07B537B1E}"/>
-              </a:ext>
-            </a:extLst>
-          </p:cNvPr>
-          <p:cNvSpPr>
-            <a:spLocks noGrp="1"/>
-          </p:cNvSpPr>
-          <p:nvPr>
-            <p:ph type="dt" sz="half" idx="10"/>
-          </p:nvPr>
-        </p:nvSpPr>
-        <p:spPr/>
-        <p:txBody>
-          <a:bodyPr/>
-          <a:lstStyle/>
-          <a:p>
-            <a:r>
-              <a:rPr lang="en-GB"/>
-              <a:t>@owennell</a:t>
-            </a:r>
-            <a:endParaRPr lang="en-US" dirty="0"/>
-          </a:p>
-        </p:txBody>
-      </p:sp>
-    </p:spTree>
-    <p:extLst>
-      <p:ext uri="{BB962C8B-B14F-4D97-AF65-F5344CB8AC3E}">
-        <p14:creationId xmlns:p14="http://schemas.microsoft.com/office/powerpoint/2010/main" val="654815947"/>
-      </p:ext>
-    </p:extLst>
-  </p:cSld>
-  <p:clrMapOvr>
-    <a:masterClrMapping/>
-  </p:clrMapOvr>
-</p:sld>
-</file>
-
 <file path=ppt/slides/slide52.xml><?xml version="1.0" encoding="utf-8"?>
 <p:sld xmlns:a="http://schemas.openxmlformats.org/drawingml/2006/main" xmlns:r="http://schemas.openxmlformats.org/officeDocument/2006/relationships" xmlns:p="http://schemas.openxmlformats.org/presentationml/2006/main">
   <p:cSld>
@@ -19885,7 +21210,7 @@
             <a:pPr algn="ctr"/>
             <a:r>
               <a:rPr lang="en-GB" sz="8800" dirty="0"/>
-              <a:t>Remote 🎧</a:t>
+              <a:t>The Future 🤖</a:t>
             </a:r>
             <a:endParaRPr lang="en-GB" dirty="0"/>
           </a:p>
@@ -19896,7 +21221,7 @@
           <p:cNvPr id="5" name="Date Placeholder 4">
             <a:extLst>
               <a:ext uri="{FF2B5EF4-FFF2-40B4-BE49-F238E27FC236}">
-                <a16:creationId xmlns:a16="http://schemas.microsoft.com/office/drawing/2014/main" id="{26D6769B-860C-034D-9FBA-52F1CC75AAD2}"/>
+                <a16:creationId xmlns:a16="http://schemas.microsoft.com/office/drawing/2014/main" id="{CAC72B13-A2AB-4444-A32E-45E07B537B1E}"/>
               </a:ext>
             </a:extLst>
           </p:cNvPr>
@@ -19923,7 +21248,7 @@
     </p:spTree>
     <p:extLst>
       <p:ext uri="{BB962C8B-B14F-4D97-AF65-F5344CB8AC3E}">
-        <p14:creationId xmlns:p14="http://schemas.microsoft.com/office/powerpoint/2010/main" val="2671301233"/>
+        <p14:creationId xmlns:p14="http://schemas.microsoft.com/office/powerpoint/2010/main" val="654815947"/>
       </p:ext>
     </p:extLst>
   </p:cSld>
@@ -19973,7 +21298,7 @@
             <a:pPr algn="ctr"/>
             <a:r>
               <a:rPr lang="en-GB" sz="8800" dirty="0"/>
-              <a:t>Tools 🔧</a:t>
+              <a:t>Remote 🎧</a:t>
             </a:r>
             <a:endParaRPr lang="en-GB" dirty="0"/>
           </a:p>
@@ -19984,7 +21309,7 @@
           <p:cNvPr id="5" name="Date Placeholder 4">
             <a:extLst>
               <a:ext uri="{FF2B5EF4-FFF2-40B4-BE49-F238E27FC236}">
-                <a16:creationId xmlns:a16="http://schemas.microsoft.com/office/drawing/2014/main" id="{9824FFE3-6C5B-B840-BE38-DAB059A1D5BC}"/>
+                <a16:creationId xmlns:a16="http://schemas.microsoft.com/office/drawing/2014/main" id="{26D6769B-860C-034D-9FBA-52F1CC75AAD2}"/>
               </a:ext>
             </a:extLst>
           </p:cNvPr>
@@ -20011,7 +21336,7 @@
     </p:spTree>
     <p:extLst>
       <p:ext uri="{BB962C8B-B14F-4D97-AF65-F5344CB8AC3E}">
-        <p14:creationId xmlns:p14="http://schemas.microsoft.com/office/powerpoint/2010/main" val="3006730636"/>
+        <p14:creationId xmlns:p14="http://schemas.microsoft.com/office/powerpoint/2010/main" val="2671301233"/>
       </p:ext>
     </p:extLst>
   </p:cSld>
@@ -20061,7 +21386,7 @@
             <a:pPr algn="ctr"/>
             <a:r>
               <a:rPr lang="en-GB" sz="8800" dirty="0"/>
-              <a:t>Community 🌍</a:t>
+              <a:t>Tools 🔧</a:t>
             </a:r>
             <a:endParaRPr lang="en-GB" dirty="0"/>
           </a:p>
@@ -20072,7 +21397,7 @@
           <p:cNvPr id="5" name="Date Placeholder 4">
             <a:extLst>
               <a:ext uri="{FF2B5EF4-FFF2-40B4-BE49-F238E27FC236}">
-                <a16:creationId xmlns:a16="http://schemas.microsoft.com/office/drawing/2014/main" id="{4C4B0612-36B4-7A42-A7F4-653A4D6FFDB4}"/>
+                <a16:creationId xmlns:a16="http://schemas.microsoft.com/office/drawing/2014/main" id="{9824FFE3-6C5B-B840-BE38-DAB059A1D5BC}"/>
               </a:ext>
             </a:extLst>
           </p:cNvPr>
@@ -20099,7 +21424,7 @@
     </p:spTree>
     <p:extLst>
       <p:ext uri="{BB962C8B-B14F-4D97-AF65-F5344CB8AC3E}">
-        <p14:creationId xmlns:p14="http://schemas.microsoft.com/office/powerpoint/2010/main" val="3398786595"/>
+        <p14:creationId xmlns:p14="http://schemas.microsoft.com/office/powerpoint/2010/main" val="3006730636"/>
       </p:ext>
     </p:extLst>
   </p:cSld>
@@ -20149,6 +21474,94 @@
             <a:pPr algn="ctr"/>
             <a:r>
               <a:rPr lang="en-GB" sz="8800" dirty="0"/>
+              <a:t>Community 🌍</a:t>
+            </a:r>
+            <a:endParaRPr lang="en-GB" dirty="0"/>
+          </a:p>
+        </p:txBody>
+      </p:sp>
+      <p:sp>
+        <p:nvSpPr>
+          <p:cNvPr id="5" name="Date Placeholder 4">
+            <a:extLst>
+              <a:ext uri="{FF2B5EF4-FFF2-40B4-BE49-F238E27FC236}">
+                <a16:creationId xmlns:a16="http://schemas.microsoft.com/office/drawing/2014/main" id="{4C4B0612-36B4-7A42-A7F4-653A4D6FFDB4}"/>
+              </a:ext>
+            </a:extLst>
+          </p:cNvPr>
+          <p:cNvSpPr>
+            <a:spLocks noGrp="1"/>
+          </p:cNvSpPr>
+          <p:nvPr>
+            <p:ph type="dt" sz="half" idx="10"/>
+          </p:nvPr>
+        </p:nvSpPr>
+        <p:spPr/>
+        <p:txBody>
+          <a:bodyPr/>
+          <a:lstStyle/>
+          <a:p>
+            <a:r>
+              <a:rPr lang="en-GB"/>
+              <a:t>@owennell</a:t>
+            </a:r>
+            <a:endParaRPr lang="en-US" dirty="0"/>
+          </a:p>
+        </p:txBody>
+      </p:sp>
+    </p:spTree>
+    <p:extLst>
+      <p:ext uri="{BB962C8B-B14F-4D97-AF65-F5344CB8AC3E}">
+        <p14:creationId xmlns:p14="http://schemas.microsoft.com/office/powerpoint/2010/main" val="3398786595"/>
+      </p:ext>
+    </p:extLst>
+  </p:cSld>
+  <p:clrMapOvr>
+    <a:masterClrMapping/>
+  </p:clrMapOvr>
+</p:sld>
+</file>
+
+<file path=ppt/slides/slide56.xml><?xml version="1.0" encoding="utf-8"?>
+<p:sld xmlns:a="http://schemas.openxmlformats.org/drawingml/2006/main" xmlns:r="http://schemas.openxmlformats.org/officeDocument/2006/relationships" xmlns:p="http://schemas.openxmlformats.org/presentationml/2006/main">
+  <p:cSld>
+    <p:spTree>
+      <p:nvGrpSpPr>
+        <p:cNvPr id="1" name=""/>
+        <p:cNvGrpSpPr/>
+        <p:nvPr/>
+      </p:nvGrpSpPr>
+      <p:grpSpPr>
+        <a:xfrm>
+          <a:off x="0" y="0"/>
+          <a:ext cx="0" cy="0"/>
+          <a:chOff x="0" y="0"/>
+          <a:chExt cx="0" cy="0"/>
+        </a:xfrm>
+      </p:grpSpPr>
+      <p:sp>
+        <p:nvSpPr>
+          <p:cNvPr id="2" name="Title 1"/>
+          <p:cNvSpPr>
+            <a:spLocks noGrp="1"/>
+          </p:cNvSpPr>
+          <p:nvPr>
+            <p:ph type="title"/>
+          </p:nvPr>
+        </p:nvSpPr>
+        <p:spPr>
+          <a:xfrm>
+            <a:off x="1678346" y="3176198"/>
+            <a:ext cx="8835309" cy="505604"/>
+          </a:xfrm>
+        </p:spPr>
+        <p:txBody>
+          <a:bodyPr/>
+          <a:lstStyle/>
+          <a:p>
+            <a:pPr algn="ctr"/>
+            <a:r>
+              <a:rPr lang="en-GB" sz="8800" dirty="0"/>
               <a:t>(Nearly) The End</a:t>
             </a:r>
             <a:endParaRPr lang="en-GB" dirty="0"/>
@@ -20197,7 +21610,7 @@
 </p:sld>
 </file>
 
-<file path=ppt/slides/slide56.xml><?xml version="1.0" encoding="utf-8"?>
+<file path=ppt/slides/slide57.xml><?xml version="1.0" encoding="utf-8"?>
 <p:sld xmlns:a="http://schemas.openxmlformats.org/drawingml/2006/main" xmlns:r="http://schemas.openxmlformats.org/officeDocument/2006/relationships" xmlns:p="http://schemas.openxmlformats.org/presentationml/2006/main">
   <p:cSld>
     <p:spTree>
@@ -20561,7 +21974,7 @@
 </p:sld>
 </file>
 
-<file path=ppt/slides/slide57.xml><?xml version="1.0" encoding="utf-8"?>
+<file path=ppt/slides/slide58.xml><?xml version="1.0" encoding="utf-8"?>
 <p:sld xmlns:a="http://schemas.openxmlformats.org/drawingml/2006/main" xmlns:r="http://schemas.openxmlformats.org/officeDocument/2006/relationships" xmlns:p="http://schemas.openxmlformats.org/presentationml/2006/main">
   <p:cSld>
     <p:spTree>
@@ -20649,7 +22062,7 @@
 </p:sld>
 </file>
 
-<file path=ppt/slides/slide58.xml><?xml version="1.0" encoding="utf-8"?>
+<file path=ppt/slides/slide59.xml><?xml version="1.0" encoding="utf-8"?>
 <p:sld xmlns:a="http://schemas.openxmlformats.org/drawingml/2006/main" xmlns:r="http://schemas.openxmlformats.org/officeDocument/2006/relationships" xmlns:p="http://schemas.openxmlformats.org/presentationml/2006/main">
   <p:cSld>
     <p:spTree>
@@ -22079,15 +23492,6 @@
 </file>
 
 <file path=customXml/item1.xml><?xml version="1.0" encoding="utf-8"?>
-<?mso-contentType ?>
-<FormTemplates xmlns="http://schemas.microsoft.com/sharepoint/v3/contenttype/forms">
-  <Display>DocumentLibraryForm</Display>
-  <Edit>DocumentLibraryForm</Edit>
-  <New>DocumentLibraryForm</New>
-</FormTemplates>
-</file>
-
-<file path=customXml/item2.xml><?xml version="1.0" encoding="utf-8"?>
 <ct:contentTypeSchema xmlns:ct="http://schemas.microsoft.com/office/2006/metadata/contentType" xmlns:ma="http://schemas.microsoft.com/office/2006/metadata/properties/metaAttributes" ct:_="" ma:_="" ma:contentTypeName="Document" ma:contentTypeID="0x0101005BEB3BB5FC069E4A8B1077D5FD23943C" ma:contentTypeVersion="2" ma:contentTypeDescription="Create a new document." ma:contentTypeScope="" ma:versionID="47ddf1554eeafa4d79d0318e64abc4a7">
   <xsd:schema xmlns:xsd="http://www.w3.org/2001/XMLSchema" xmlns:xs="http://www.w3.org/2001/XMLSchema" xmlns:p="http://schemas.microsoft.com/office/2006/metadata/properties" xmlns:ns2="d1b01c81-120a-4560-9817-a2c229f7d73c" targetNamespace="http://schemas.microsoft.com/office/2006/metadata/properties" ma:root="true" ma:fieldsID="1a8928d985599b3cc8311f2e57b9aa78" ns2:_="">
     <xsd:import namespace="d1b01c81-120a-4560-9817-a2c229f7d73c"/>
@@ -22235,21 +23639,22 @@
 </ct:contentTypeSchema>
 </file>
 
-<file path=customXml/item3.xml><?xml version="1.0" encoding="utf-8"?>
+<file path=customXml/item2.xml><?xml version="1.0" encoding="utf-8"?>
 <p:properties xmlns:p="http://schemas.microsoft.com/office/2006/metadata/properties" xmlns:xsi="http://www.w3.org/2001/XMLSchema-instance">
   <documentManagement/>
 </p:properties>
 </file>
 
-<file path=customXml/itemProps1.xml><?xml version="1.0" encoding="utf-8"?>
-<ds:datastoreItem xmlns:ds="http://schemas.openxmlformats.org/officeDocument/2006/customXml" ds:itemID="{5B0221C8-8D1F-449C-9E02-3B69D2872205}">
-  <ds:schemaRefs>
-    <ds:schemaRef ds:uri="http://schemas.microsoft.com/sharepoint/v3/contenttype/forms"/>
-  </ds:schemaRefs>
-</ds:datastoreItem>
+<file path=customXml/item3.xml><?xml version="1.0" encoding="utf-8"?>
+<?mso-contentType ?>
+<FormTemplates xmlns="http://schemas.microsoft.com/sharepoint/v3/contenttype/forms">
+  <Display>DocumentLibraryForm</Display>
+  <Edit>DocumentLibraryForm</Edit>
+  <New>DocumentLibraryForm</New>
+</FormTemplates>
 </file>
 
-<file path=customXml/itemProps2.xml><?xml version="1.0" encoding="utf-8"?>
+<file path=customXml/itemProps1.xml><?xml version="1.0" encoding="utf-8"?>
 <ds:datastoreItem xmlns:ds="http://schemas.openxmlformats.org/officeDocument/2006/customXml" ds:itemID="{B9E90AD6-4848-4215-B912-DB92A776088F}">
   <ds:schemaRefs>
     <ds:schemaRef ds:uri="http://schemas.microsoft.com/office/2006/metadata/contentType"/>
@@ -22267,10 +23672,18 @@
 </ds:datastoreItem>
 </file>
 
-<file path=customXml/itemProps3.xml><?xml version="1.0" encoding="utf-8"?>
+<file path=customXml/itemProps2.xml><?xml version="1.0" encoding="utf-8"?>
 <ds:datastoreItem xmlns:ds="http://schemas.openxmlformats.org/officeDocument/2006/customXml" ds:itemID="{28288C4A-FB4D-4A80-A265-5C3EA7C36918}">
   <ds:schemaRefs>
     <ds:schemaRef ds:uri="http://schemas.microsoft.com/office/2006/metadata/properties"/>
   </ds:schemaRefs>
 </ds:datastoreItem>
+</file>
+
+<file path=customXml/itemProps3.xml><?xml version="1.0" encoding="utf-8"?>
+<ds:datastoreItem xmlns:ds="http://schemas.openxmlformats.org/officeDocument/2006/customXml" ds:itemID="{5B0221C8-8D1F-449C-9E02-3B69D2872205}">
+  <ds:schemaRefs>
+    <ds:schemaRef ds:uri="http://schemas.microsoft.com/sharepoint/v3/contenttype/forms"/>
+  </ds:schemaRefs>
+</ds:datastoreItem>
 </file>
--- a/a-mob-mentality.pptx
+++ b/a-mob-mentality.pptx
@@ -2870,12 +2870,8 @@
           </a:p>
           <a:p>
             <a:r>
-              <a:rPr lang="en-GB"/>
-              <a:t>Mobbing </a:t>
-            </a:r>
-            <a:r>
               <a:rPr lang="en-GB" dirty="0"/>
-              <a:t>takes all the good things about pair programming and amplifies them</a:t>
+              <a:t>Mobbing takes all the good things about pair programming and amplifies them</a:t>
             </a:r>
           </a:p>
           <a:p>
@@ -3278,6 +3274,22 @@
               <a:rPr lang="en-GB" dirty="0"/>
               <a:t>or if you already have, find ways to experiment and perhaps make your mobs even better.</a:t>
             </a:r>
+          </a:p>
+          <a:p>
+            <a:endParaRPr lang="en-GB" dirty="0"/>
+          </a:p>
+          <a:p>
+            <a:r>
+              <a:rPr lang="en-GB" dirty="0"/>
+              <a:t>If you have any questions, I’d be happy to answer them at the end</a:t>
+            </a:r>
+            <a:br>
+              <a:rPr lang="en-GB" dirty="0"/>
+            </a:br>
+            <a:r>
+              <a:rPr lang="en-GB" dirty="0"/>
+              <a:t>Or come up and talk to me afterwards, I’m here for the whole conference</a:t>
+            </a:r>
             <a:endParaRPr lang="en-US" dirty="0"/>
           </a:p>
         </p:txBody>
@@ -5569,23 +5581,16 @@
           <a:p>
             <a:r>
               <a:rPr lang="en-US" dirty="0"/>
-              <a:t>We also experimented with rules </a:t>
-            </a:r>
-            <a:r>
-              <a:rPr lang="en-US" dirty="0" err="1"/>
-              <a:t>thatmake</a:t>
-            </a:r>
-            <a:r>
-              <a:rPr lang="en-US" dirty="0"/>
-              <a:t> things fun but also each new </a:t>
-            </a:r>
-            <a:r>
-              <a:rPr lang="en-US" dirty="0" err="1"/>
-              <a:t>stkills</a:t>
-            </a:r>
-            <a:r>
-              <a:rPr lang="en-US" dirty="0"/>
-              <a:t>, like</a:t>
+              <a:t>We’d have micro retros after each rotation.</a:t>
+            </a:r>
+          </a:p>
+          <a:p>
+            <a:endParaRPr lang="en-US" dirty="0"/>
+          </a:p>
+          <a:p>
+            <a:r>
+              <a:rPr lang="en-US" dirty="0"/>
+              <a:t>We also experimented with rules that make things fun but also each new skills, like</a:t>
             </a:r>
           </a:p>
           <a:p>
@@ -5791,22 +5796,32 @@
           <a:p>
             <a:r>
               <a:rPr lang="en-US" dirty="0"/>
-              <a:t>Like any other kind of meeting, a </a:t>
-            </a:r>
-            <a:r>
-              <a:rPr lang="en-US" dirty="0" err="1"/>
-              <a:t>faciltator</a:t>
-            </a:r>
-            <a:r>
-              <a:rPr lang="en-US" dirty="0"/>
-              <a:t> can get the best out of people</a:t>
-            </a:r>
-          </a:p>
-          <a:p>
-            <a:r>
-              <a:rPr lang="en-US" dirty="0"/>
-              <a:t>By having someone who’s taken a step back and guides the mob, they can find the best way of working, for them at that moment.</a:t>
-            </a:r>
+              <a:t>Like any other kind of meeting, a facilitator can get the best out of people</a:t>
+            </a:r>
+          </a:p>
+          <a:p>
+            <a:endParaRPr lang="en-US" dirty="0"/>
+          </a:p>
+          <a:p>
+            <a:r>
+              <a:rPr lang="en-US" dirty="0"/>
+              <a:t>They can suggest things when they get stuck</a:t>
+            </a:r>
+          </a:p>
+          <a:p>
+            <a:r>
+              <a:rPr lang="en-US" dirty="0"/>
+              <a:t>They can help when people can’t agree</a:t>
+            </a:r>
+          </a:p>
+          <a:p>
+            <a:r>
+              <a:rPr lang="en-US" dirty="0"/>
+              <a:t>They can encourage people who are a bit quiet to give their opinions</a:t>
+            </a:r>
+          </a:p>
+          <a:p>
+            <a:endParaRPr lang="en-US" dirty="0"/>
           </a:p>
         </p:txBody>
       </p:sp>
@@ -5913,7 +5928,7 @@
           <a:p>
             <a:r>
               <a:rPr lang="en-US" dirty="0"/>
-              <a:t>And this process is continually evolving.</a:t>
+              <a:t>And this process needs to continually evolve as the team and the situation change.</a:t>
             </a:r>
           </a:p>
           <a:p>
@@ -5934,13 +5949,8 @@
           <a:p>
             <a:r>
               <a:rPr lang="en-US" dirty="0"/>
-              <a:t>And what’s best for me may not </a:t>
-            </a:r>
-            <a:r>
-              <a:rPr lang="en-US"/>
-              <a:t>be what’s best for you.</a:t>
-            </a:r>
-            <a:endParaRPr lang="en-US" dirty="0"/>
+              <a:t>And what’s best for me may not be what’s best for you.</a:t>
+            </a:r>
           </a:p>
           <a:p>
             <a:endParaRPr lang="en-US" dirty="0"/>
@@ -5974,6 +5984,884 @@
     <p:extLst>
       <p:ext uri="{BB962C8B-B14F-4D97-AF65-F5344CB8AC3E}">
         <p14:creationId xmlns:p14="http://schemas.microsoft.com/office/powerpoint/2010/main" val="804619200"/>
+      </p:ext>
+    </p:extLst>
+  </p:cSld>
+  <p:clrMapOvr>
+    <a:masterClrMapping/>
+  </p:clrMapOvr>
+</p:notes>
+</file>
+
+<file path=ppt/notesSlides/notesSlide52.xml><?xml version="1.0" encoding="utf-8"?>
+<p:notes xmlns:a="http://schemas.openxmlformats.org/drawingml/2006/main" xmlns:r="http://schemas.openxmlformats.org/officeDocument/2006/relationships" xmlns:p="http://schemas.openxmlformats.org/presentationml/2006/main">
+  <p:cSld>
+    <p:spTree>
+      <p:nvGrpSpPr>
+        <p:cNvPr id="1" name=""/>
+        <p:cNvGrpSpPr/>
+        <p:nvPr/>
+      </p:nvGrpSpPr>
+      <p:grpSpPr>
+        <a:xfrm>
+          <a:off x="0" y="0"/>
+          <a:ext cx="0" cy="0"/>
+          <a:chOff x="0" y="0"/>
+          <a:chExt cx="0" cy="0"/>
+        </a:xfrm>
+      </p:grpSpPr>
+      <p:sp>
+        <p:nvSpPr>
+          <p:cNvPr id="2" name="Slide Image Placeholder 1"/>
+          <p:cNvSpPr>
+            <a:spLocks noGrp="1" noRot="1" noChangeAspect="1"/>
+          </p:cNvSpPr>
+          <p:nvPr>
+            <p:ph type="sldImg"/>
+          </p:nvPr>
+        </p:nvSpPr>
+        <p:spPr/>
+      </p:sp>
+      <p:sp>
+        <p:nvSpPr>
+          <p:cNvPr id="3" name="Notes Placeholder 2"/>
+          <p:cNvSpPr>
+            <a:spLocks noGrp="1"/>
+          </p:cNvSpPr>
+          <p:nvPr>
+            <p:ph type="body" idx="1"/>
+          </p:nvPr>
+        </p:nvSpPr>
+        <p:spPr/>
+        <p:txBody>
+          <a:bodyPr/>
+          <a:lstStyle/>
+          <a:p>
+            <a:r>
+              <a:rPr lang="en-US" dirty="0"/>
+              <a:t>I’ve talked about three mobs over time, but mobbing isn’t done</a:t>
+            </a:r>
+          </a:p>
+          <a:p>
+            <a:r>
+              <a:rPr lang="en-US" dirty="0"/>
+              <a:t>People are still trying new things.</a:t>
+            </a:r>
+          </a:p>
+        </p:txBody>
+      </p:sp>
+      <p:sp>
+        <p:nvSpPr>
+          <p:cNvPr id="4" name="Slide Number Placeholder 3"/>
+          <p:cNvSpPr>
+            <a:spLocks noGrp="1"/>
+          </p:cNvSpPr>
+          <p:nvPr>
+            <p:ph type="sldNum" sz="quarter" idx="5"/>
+          </p:nvPr>
+        </p:nvSpPr>
+        <p:spPr/>
+        <p:txBody>
+          <a:bodyPr/>
+          <a:lstStyle/>
+          <a:p>
+            <a:fld id="{B99E8012-7AEC-4AAD-B52C-DF7E1601EEFE}" type="slidenum">
+              <a:rPr lang="en-GB" smtClean="0"/>
+              <a:t>52</a:t>
+            </a:fld>
+            <a:endParaRPr lang="en-GB"/>
+          </a:p>
+        </p:txBody>
+      </p:sp>
+    </p:spTree>
+    <p:extLst>
+      <p:ext uri="{BB962C8B-B14F-4D97-AF65-F5344CB8AC3E}">
+        <p14:creationId xmlns:p14="http://schemas.microsoft.com/office/powerpoint/2010/main" val="3632136308"/>
+      </p:ext>
+    </p:extLst>
+  </p:cSld>
+  <p:clrMapOvr>
+    <a:masterClrMapping/>
+  </p:clrMapOvr>
+</p:notes>
+</file>
+
+<file path=ppt/notesSlides/notesSlide53.xml><?xml version="1.0" encoding="utf-8"?>
+<p:notes xmlns:a="http://schemas.openxmlformats.org/drawingml/2006/main" xmlns:r="http://schemas.openxmlformats.org/officeDocument/2006/relationships" xmlns:p="http://schemas.openxmlformats.org/presentationml/2006/main">
+  <p:cSld>
+    <p:spTree>
+      <p:nvGrpSpPr>
+        <p:cNvPr id="1" name=""/>
+        <p:cNvGrpSpPr/>
+        <p:nvPr/>
+      </p:nvGrpSpPr>
+      <p:grpSpPr>
+        <a:xfrm>
+          <a:off x="0" y="0"/>
+          <a:ext cx="0" cy="0"/>
+          <a:chOff x="0" y="0"/>
+          <a:chExt cx="0" cy="0"/>
+        </a:xfrm>
+      </p:grpSpPr>
+      <p:sp>
+        <p:nvSpPr>
+          <p:cNvPr id="2" name="Slide Image Placeholder 1"/>
+          <p:cNvSpPr>
+            <a:spLocks noGrp="1" noRot="1" noChangeAspect="1"/>
+          </p:cNvSpPr>
+          <p:nvPr>
+            <p:ph type="sldImg"/>
+          </p:nvPr>
+        </p:nvSpPr>
+        <p:spPr/>
+      </p:sp>
+      <p:sp>
+        <p:nvSpPr>
+          <p:cNvPr id="3" name="Notes Placeholder 2"/>
+          <p:cNvSpPr>
+            <a:spLocks noGrp="1"/>
+          </p:cNvSpPr>
+          <p:nvPr>
+            <p:ph type="body" idx="1"/>
+          </p:nvPr>
+        </p:nvSpPr>
+        <p:spPr/>
+        <p:txBody>
+          <a:bodyPr/>
+          <a:lstStyle/>
+          <a:p>
+            <a:r>
+              <a:rPr lang="en-US" dirty="0"/>
+              <a:t>I’ve been in mobs where some or all of us are remote</a:t>
+            </a:r>
+          </a:p>
+          <a:p>
+            <a:r>
+              <a:rPr lang="en-US" dirty="0"/>
+              <a:t>We use screen sharing and voice chat to mob together and it works ok</a:t>
+            </a:r>
+            <a:br>
+              <a:rPr lang="en-US" dirty="0"/>
+            </a:br>
+            <a:endParaRPr lang="en-US" dirty="0"/>
+          </a:p>
+          <a:p>
+            <a:r>
+              <a:rPr lang="en-US" dirty="0"/>
+              <a:t>If anyone’s ever had remote meetings, you get the same kind of issues</a:t>
+            </a:r>
+          </a:p>
+          <a:p>
+            <a:r>
+              <a:rPr lang="en-US" dirty="0"/>
+              <a:t>Connections can be unreliable</a:t>
+            </a:r>
+          </a:p>
+          <a:p>
+            <a:r>
+              <a:rPr lang="en-US" dirty="0"/>
+              <a:t>And you lose being able to use body language to communicate</a:t>
+            </a:r>
+          </a:p>
+          <a:p>
+            <a:endParaRPr lang="en-US" dirty="0"/>
+          </a:p>
+          <a:p>
+            <a:r>
+              <a:rPr lang="en-US" dirty="0"/>
+              <a:t>But I’m hoping this can get even better, with more reliable connections</a:t>
+            </a:r>
+            <a:br>
+              <a:rPr lang="en-US" dirty="0"/>
+            </a:br>
+            <a:r>
+              <a:rPr lang="en-US" dirty="0"/>
+              <a:t>Maybe even VR will allow us to use body language after all</a:t>
+            </a:r>
+          </a:p>
+        </p:txBody>
+      </p:sp>
+      <p:sp>
+        <p:nvSpPr>
+          <p:cNvPr id="4" name="Slide Number Placeholder 3"/>
+          <p:cNvSpPr>
+            <a:spLocks noGrp="1"/>
+          </p:cNvSpPr>
+          <p:nvPr>
+            <p:ph type="sldNum" sz="quarter" idx="5"/>
+          </p:nvPr>
+        </p:nvSpPr>
+        <p:spPr/>
+        <p:txBody>
+          <a:bodyPr/>
+          <a:lstStyle/>
+          <a:p>
+            <a:fld id="{B99E8012-7AEC-4AAD-B52C-DF7E1601EEFE}" type="slidenum">
+              <a:rPr lang="en-GB" smtClean="0"/>
+              <a:t>53</a:t>
+            </a:fld>
+            <a:endParaRPr lang="en-GB"/>
+          </a:p>
+        </p:txBody>
+      </p:sp>
+    </p:spTree>
+    <p:extLst>
+      <p:ext uri="{BB962C8B-B14F-4D97-AF65-F5344CB8AC3E}">
+        <p14:creationId xmlns:p14="http://schemas.microsoft.com/office/powerpoint/2010/main" val="4083507257"/>
+      </p:ext>
+    </p:extLst>
+  </p:cSld>
+  <p:clrMapOvr>
+    <a:masterClrMapping/>
+  </p:clrMapOvr>
+</p:notes>
+</file>
+
+<file path=ppt/notesSlides/notesSlide54.xml><?xml version="1.0" encoding="utf-8"?>
+<p:notes xmlns:a="http://schemas.openxmlformats.org/drawingml/2006/main" xmlns:r="http://schemas.openxmlformats.org/officeDocument/2006/relationships" xmlns:p="http://schemas.openxmlformats.org/presentationml/2006/main">
+  <p:cSld>
+    <p:spTree>
+      <p:nvGrpSpPr>
+        <p:cNvPr id="1" name=""/>
+        <p:cNvGrpSpPr/>
+        <p:nvPr/>
+      </p:nvGrpSpPr>
+      <p:grpSpPr>
+        <a:xfrm>
+          <a:off x="0" y="0"/>
+          <a:ext cx="0" cy="0"/>
+          <a:chOff x="0" y="0"/>
+          <a:chExt cx="0" cy="0"/>
+        </a:xfrm>
+      </p:grpSpPr>
+      <p:sp>
+        <p:nvSpPr>
+          <p:cNvPr id="2" name="Slide Image Placeholder 1"/>
+          <p:cNvSpPr>
+            <a:spLocks noGrp="1" noRot="1" noChangeAspect="1"/>
+          </p:cNvSpPr>
+          <p:nvPr>
+            <p:ph type="sldImg"/>
+          </p:nvPr>
+        </p:nvSpPr>
+        <p:spPr/>
+      </p:sp>
+      <p:sp>
+        <p:nvSpPr>
+          <p:cNvPr id="3" name="Notes Placeholder 2"/>
+          <p:cNvSpPr>
+            <a:spLocks noGrp="1"/>
+          </p:cNvSpPr>
+          <p:nvPr>
+            <p:ph type="body" idx="1"/>
+          </p:nvPr>
+        </p:nvSpPr>
+        <p:spPr/>
+        <p:txBody>
+          <a:bodyPr/>
+          <a:lstStyle/>
+          <a:p>
+            <a:r>
+              <a:rPr lang="en-US" dirty="0"/>
+              <a:t>The tools out there are evolving too</a:t>
+            </a:r>
+          </a:p>
+          <a:p>
+            <a:endParaRPr lang="en-US" dirty="0"/>
+          </a:p>
+          <a:p>
+            <a:r>
+              <a:rPr lang="en-US" dirty="0"/>
+              <a:t>IDEs are starting to allow you to share your editor with others, so they can drive too</a:t>
+            </a:r>
+            <a:br>
+              <a:rPr lang="en-US" dirty="0"/>
+            </a:br>
+            <a:r>
+              <a:rPr lang="en-US" dirty="0"/>
+              <a:t>There are tools like mobbing timers, to let you know when you need to rotate drivers</a:t>
+            </a:r>
+          </a:p>
+          <a:p>
+            <a:endParaRPr lang="en-US" dirty="0"/>
+          </a:p>
+        </p:txBody>
+      </p:sp>
+      <p:sp>
+        <p:nvSpPr>
+          <p:cNvPr id="4" name="Slide Number Placeholder 3"/>
+          <p:cNvSpPr>
+            <a:spLocks noGrp="1"/>
+          </p:cNvSpPr>
+          <p:nvPr>
+            <p:ph type="sldNum" sz="quarter" idx="5"/>
+          </p:nvPr>
+        </p:nvSpPr>
+        <p:spPr/>
+        <p:txBody>
+          <a:bodyPr/>
+          <a:lstStyle/>
+          <a:p>
+            <a:fld id="{B99E8012-7AEC-4AAD-B52C-DF7E1601EEFE}" type="slidenum">
+              <a:rPr lang="en-GB" smtClean="0"/>
+              <a:t>54</a:t>
+            </a:fld>
+            <a:endParaRPr lang="en-GB"/>
+          </a:p>
+        </p:txBody>
+      </p:sp>
+    </p:spTree>
+    <p:extLst>
+      <p:ext uri="{BB962C8B-B14F-4D97-AF65-F5344CB8AC3E}">
+        <p14:creationId xmlns:p14="http://schemas.microsoft.com/office/powerpoint/2010/main" val="3036134761"/>
+      </p:ext>
+    </p:extLst>
+  </p:cSld>
+  <p:clrMapOvr>
+    <a:masterClrMapping/>
+  </p:clrMapOvr>
+</p:notes>
+</file>
+
+<file path=ppt/notesSlides/notesSlide55.xml><?xml version="1.0" encoding="utf-8"?>
+<p:notes xmlns:a="http://schemas.openxmlformats.org/drawingml/2006/main" xmlns:r="http://schemas.openxmlformats.org/officeDocument/2006/relationships" xmlns:p="http://schemas.openxmlformats.org/presentationml/2006/main">
+  <p:cSld>
+    <p:spTree>
+      <p:nvGrpSpPr>
+        <p:cNvPr id="1" name=""/>
+        <p:cNvGrpSpPr/>
+        <p:nvPr/>
+      </p:nvGrpSpPr>
+      <p:grpSpPr>
+        <a:xfrm>
+          <a:off x="0" y="0"/>
+          <a:ext cx="0" cy="0"/>
+          <a:chOff x="0" y="0"/>
+          <a:chExt cx="0" cy="0"/>
+        </a:xfrm>
+      </p:grpSpPr>
+      <p:sp>
+        <p:nvSpPr>
+          <p:cNvPr id="2" name="Slide Image Placeholder 1"/>
+          <p:cNvSpPr>
+            <a:spLocks noGrp="1" noRot="1" noChangeAspect="1"/>
+          </p:cNvSpPr>
+          <p:nvPr>
+            <p:ph type="sldImg"/>
+          </p:nvPr>
+        </p:nvSpPr>
+        <p:spPr/>
+      </p:sp>
+      <p:sp>
+        <p:nvSpPr>
+          <p:cNvPr id="3" name="Notes Placeholder 2"/>
+          <p:cNvSpPr>
+            <a:spLocks noGrp="1"/>
+          </p:cNvSpPr>
+          <p:nvPr>
+            <p:ph type="body" idx="1"/>
+          </p:nvPr>
+        </p:nvSpPr>
+        <p:spPr/>
+        <p:txBody>
+          <a:bodyPr/>
+          <a:lstStyle/>
+          <a:p>
+            <a:r>
+              <a:rPr lang="en-US" dirty="0"/>
+              <a:t>But best of all, there’s a whole bunch of people around the world trying out mobbing</a:t>
+            </a:r>
+          </a:p>
+          <a:p>
+            <a:r>
+              <a:rPr lang="en-US" dirty="0"/>
+              <a:t>They’re experimenting and sharing their experiences</a:t>
+            </a:r>
+          </a:p>
+          <a:p>
+            <a:r>
+              <a:rPr lang="en-US" dirty="0"/>
+              <a:t>And we can all learn from each other</a:t>
+            </a:r>
+          </a:p>
+        </p:txBody>
+      </p:sp>
+      <p:sp>
+        <p:nvSpPr>
+          <p:cNvPr id="4" name="Slide Number Placeholder 3"/>
+          <p:cNvSpPr>
+            <a:spLocks noGrp="1"/>
+          </p:cNvSpPr>
+          <p:nvPr>
+            <p:ph type="sldNum" sz="quarter" idx="5"/>
+          </p:nvPr>
+        </p:nvSpPr>
+        <p:spPr/>
+        <p:txBody>
+          <a:bodyPr/>
+          <a:lstStyle/>
+          <a:p>
+            <a:fld id="{B99E8012-7AEC-4AAD-B52C-DF7E1601EEFE}" type="slidenum">
+              <a:rPr lang="en-GB" smtClean="0"/>
+              <a:t>55</a:t>
+            </a:fld>
+            <a:endParaRPr lang="en-GB"/>
+          </a:p>
+        </p:txBody>
+      </p:sp>
+    </p:spTree>
+    <p:extLst>
+      <p:ext uri="{BB962C8B-B14F-4D97-AF65-F5344CB8AC3E}">
+        <p14:creationId xmlns:p14="http://schemas.microsoft.com/office/powerpoint/2010/main" val="162785280"/>
+      </p:ext>
+    </p:extLst>
+  </p:cSld>
+  <p:clrMapOvr>
+    <a:masterClrMapping/>
+  </p:clrMapOvr>
+</p:notes>
+</file>
+
+<file path=ppt/notesSlides/notesSlide56.xml><?xml version="1.0" encoding="utf-8"?>
+<p:notes xmlns:a="http://schemas.openxmlformats.org/drawingml/2006/main" xmlns:r="http://schemas.openxmlformats.org/officeDocument/2006/relationships" xmlns:p="http://schemas.openxmlformats.org/presentationml/2006/main">
+  <p:cSld>
+    <p:spTree>
+      <p:nvGrpSpPr>
+        <p:cNvPr id="1" name=""/>
+        <p:cNvGrpSpPr/>
+        <p:nvPr/>
+      </p:nvGrpSpPr>
+      <p:grpSpPr>
+        <a:xfrm>
+          <a:off x="0" y="0"/>
+          <a:ext cx="0" cy="0"/>
+          <a:chOff x="0" y="0"/>
+          <a:chExt cx="0" cy="0"/>
+        </a:xfrm>
+      </p:grpSpPr>
+      <p:sp>
+        <p:nvSpPr>
+          <p:cNvPr id="2" name="Slide Image Placeholder 1"/>
+          <p:cNvSpPr>
+            <a:spLocks noGrp="1" noRot="1" noChangeAspect="1"/>
+          </p:cNvSpPr>
+          <p:nvPr>
+            <p:ph type="sldImg"/>
+          </p:nvPr>
+        </p:nvSpPr>
+        <p:spPr/>
+      </p:sp>
+      <p:sp>
+        <p:nvSpPr>
+          <p:cNvPr id="3" name="Notes Placeholder 2"/>
+          <p:cNvSpPr>
+            <a:spLocks noGrp="1"/>
+          </p:cNvSpPr>
+          <p:nvPr>
+            <p:ph type="body" idx="1"/>
+          </p:nvPr>
+        </p:nvSpPr>
+        <p:spPr/>
+        <p:txBody>
+          <a:bodyPr/>
+          <a:lstStyle/>
+          <a:p>
+            <a:r>
+              <a:rPr lang="en-US" dirty="0"/>
+              <a:t>So it’s nearly the end</a:t>
+            </a:r>
+          </a:p>
+        </p:txBody>
+      </p:sp>
+      <p:sp>
+        <p:nvSpPr>
+          <p:cNvPr id="4" name="Slide Number Placeholder 3"/>
+          <p:cNvSpPr>
+            <a:spLocks noGrp="1"/>
+          </p:cNvSpPr>
+          <p:nvPr>
+            <p:ph type="sldNum" sz="quarter" idx="5"/>
+          </p:nvPr>
+        </p:nvSpPr>
+        <p:spPr/>
+        <p:txBody>
+          <a:bodyPr/>
+          <a:lstStyle/>
+          <a:p>
+            <a:fld id="{B99E8012-7AEC-4AAD-B52C-DF7E1601EEFE}" type="slidenum">
+              <a:rPr lang="en-GB" smtClean="0"/>
+              <a:t>56</a:t>
+            </a:fld>
+            <a:endParaRPr lang="en-GB"/>
+          </a:p>
+        </p:txBody>
+      </p:sp>
+    </p:spTree>
+    <p:extLst>
+      <p:ext uri="{BB962C8B-B14F-4D97-AF65-F5344CB8AC3E}">
+        <p14:creationId xmlns:p14="http://schemas.microsoft.com/office/powerpoint/2010/main" val="3708235082"/>
+      </p:ext>
+    </p:extLst>
+  </p:cSld>
+  <p:clrMapOvr>
+    <a:masterClrMapping/>
+  </p:clrMapOvr>
+</p:notes>
+</file>
+
+<file path=ppt/notesSlides/notesSlide57.xml><?xml version="1.0" encoding="utf-8"?>
+<p:notes xmlns:a="http://schemas.openxmlformats.org/drawingml/2006/main" xmlns:r="http://schemas.openxmlformats.org/officeDocument/2006/relationships" xmlns:p="http://schemas.openxmlformats.org/presentationml/2006/main">
+  <p:cSld>
+    <p:spTree>
+      <p:nvGrpSpPr>
+        <p:cNvPr id="1" name=""/>
+        <p:cNvGrpSpPr/>
+        <p:nvPr/>
+      </p:nvGrpSpPr>
+      <p:grpSpPr>
+        <a:xfrm>
+          <a:off x="0" y="0"/>
+          <a:ext cx="0" cy="0"/>
+          <a:chOff x="0" y="0"/>
+          <a:chExt cx="0" cy="0"/>
+        </a:xfrm>
+      </p:grpSpPr>
+      <p:sp>
+        <p:nvSpPr>
+          <p:cNvPr id="2" name="Slide Image Placeholder 1"/>
+          <p:cNvSpPr>
+            <a:spLocks noGrp="1" noRot="1" noChangeAspect="1"/>
+          </p:cNvSpPr>
+          <p:nvPr>
+            <p:ph type="sldImg"/>
+          </p:nvPr>
+        </p:nvSpPr>
+        <p:spPr/>
+      </p:sp>
+      <p:sp>
+        <p:nvSpPr>
+          <p:cNvPr id="3" name="Notes Placeholder 2"/>
+          <p:cNvSpPr>
+            <a:spLocks noGrp="1"/>
+          </p:cNvSpPr>
+          <p:nvPr>
+            <p:ph type="body" idx="1"/>
+          </p:nvPr>
+        </p:nvSpPr>
+        <p:spPr/>
+        <p:txBody>
+          <a:bodyPr/>
+          <a:lstStyle/>
+          <a:p>
+            <a:r>
+              <a:rPr lang="en-US" dirty="0"/>
+              <a:t>Mobbing is an amplifier</a:t>
+            </a:r>
+          </a:p>
+          <a:p>
+            <a:r>
+              <a:rPr lang="en-US" dirty="0"/>
+              <a:t>It amplifies good things, but beware of amplification the bad things too</a:t>
+            </a:r>
+          </a:p>
+          <a:p>
+            <a:endParaRPr lang="en-US" dirty="0"/>
+          </a:p>
+          <a:p>
+            <a:r>
+              <a:rPr lang="en-US" dirty="0"/>
+              <a:t>Mobbing is a tool you can use at the right time and in the right place</a:t>
+            </a:r>
+            <a:br>
+              <a:rPr lang="en-US" dirty="0"/>
+            </a:br>
+            <a:br>
+              <a:rPr lang="en-US" dirty="0"/>
+            </a:br>
+            <a:r>
+              <a:rPr lang="en-US" dirty="0"/>
+              <a:t>Each mob, mobs differently. And that’s a good thing. Find what works for you and keep experimenting.</a:t>
+            </a:r>
+          </a:p>
+        </p:txBody>
+      </p:sp>
+      <p:sp>
+        <p:nvSpPr>
+          <p:cNvPr id="4" name="Slide Number Placeholder 3"/>
+          <p:cNvSpPr>
+            <a:spLocks noGrp="1"/>
+          </p:cNvSpPr>
+          <p:nvPr>
+            <p:ph type="sldNum" sz="quarter" idx="5"/>
+          </p:nvPr>
+        </p:nvSpPr>
+        <p:spPr/>
+        <p:txBody>
+          <a:bodyPr/>
+          <a:lstStyle/>
+          <a:p>
+            <a:fld id="{B99E8012-7AEC-4AAD-B52C-DF7E1601EEFE}" type="slidenum">
+              <a:rPr lang="en-GB" smtClean="0"/>
+              <a:t>57</a:t>
+            </a:fld>
+            <a:endParaRPr lang="en-GB"/>
+          </a:p>
+        </p:txBody>
+      </p:sp>
+    </p:spTree>
+    <p:extLst>
+      <p:ext uri="{BB962C8B-B14F-4D97-AF65-F5344CB8AC3E}">
+        <p14:creationId xmlns:p14="http://schemas.microsoft.com/office/powerpoint/2010/main" val="4167207322"/>
+      </p:ext>
+    </p:extLst>
+  </p:cSld>
+  <p:clrMapOvr>
+    <a:masterClrMapping/>
+  </p:clrMapOvr>
+</p:notes>
+</file>
+
+<file path=ppt/notesSlides/notesSlide58.xml><?xml version="1.0" encoding="utf-8"?>
+<p:notes xmlns:a="http://schemas.openxmlformats.org/drawingml/2006/main" xmlns:r="http://schemas.openxmlformats.org/officeDocument/2006/relationships" xmlns:p="http://schemas.openxmlformats.org/presentationml/2006/main">
+  <p:cSld>
+    <p:spTree>
+      <p:nvGrpSpPr>
+        <p:cNvPr id="1" name=""/>
+        <p:cNvGrpSpPr/>
+        <p:nvPr/>
+      </p:nvGrpSpPr>
+      <p:grpSpPr>
+        <a:xfrm>
+          <a:off x="0" y="0"/>
+          <a:ext cx="0" cy="0"/>
+          <a:chOff x="0" y="0"/>
+          <a:chExt cx="0" cy="0"/>
+        </a:xfrm>
+      </p:grpSpPr>
+      <p:sp>
+        <p:nvSpPr>
+          <p:cNvPr id="2" name="Slide Image Placeholder 1"/>
+          <p:cNvSpPr>
+            <a:spLocks noGrp="1" noRot="1" noChangeAspect="1"/>
+          </p:cNvSpPr>
+          <p:nvPr>
+            <p:ph type="sldImg"/>
+          </p:nvPr>
+        </p:nvSpPr>
+        <p:spPr/>
+      </p:sp>
+      <p:sp>
+        <p:nvSpPr>
+          <p:cNvPr id="3" name="Notes Placeholder 2"/>
+          <p:cNvSpPr>
+            <a:spLocks noGrp="1"/>
+          </p:cNvSpPr>
+          <p:nvPr>
+            <p:ph type="body" idx="1"/>
+          </p:nvPr>
+        </p:nvSpPr>
+        <p:spPr/>
+        <p:txBody>
+          <a:bodyPr/>
+          <a:lstStyle/>
+          <a:p>
+            <a:r>
+              <a:rPr lang="en-US" dirty="0"/>
+              <a:t>So maybe you’ve not mobbed before but you’d like to have a go?</a:t>
+            </a:r>
+            <a:br>
+              <a:rPr lang="en-US" dirty="0"/>
+            </a:br>
+            <a:endParaRPr lang="en-US" dirty="0"/>
+          </a:p>
+          <a:p>
+            <a:r>
+              <a:rPr lang="en-US" dirty="0"/>
+              <a:t>First off you’ll need to pick a topic. Maybe you could...</a:t>
+            </a:r>
+          </a:p>
+          <a:p>
+            <a:r>
+              <a:rPr lang="en-US" dirty="0"/>
+              <a:t>Do a kata, to have fun and learn together</a:t>
+            </a:r>
+          </a:p>
+          <a:p>
+            <a:r>
+              <a:rPr lang="en-US" dirty="0"/>
+              <a:t>Or maybe there’s some legacy code that people are scared to touch on their own</a:t>
+            </a:r>
+          </a:p>
+          <a:p>
+            <a:r>
+              <a:rPr lang="en-US" dirty="0"/>
+              <a:t>Or maybe there’s a new technology the team needs to get up to speed with</a:t>
+            </a:r>
+          </a:p>
+          <a:p>
+            <a:br>
+              <a:rPr lang="en-US" dirty="0"/>
+            </a:br>
+            <a:r>
+              <a:rPr lang="en-US" dirty="0"/>
+              <a:t>And then help the team by being a facilitator</a:t>
+            </a:r>
+            <a:br>
+              <a:rPr lang="en-US" dirty="0"/>
+            </a:br>
+            <a:r>
+              <a:rPr lang="en-US" dirty="0"/>
+              <a:t>That could involve finding a nice place with a big screen for them to use</a:t>
+            </a:r>
+            <a:br>
+              <a:rPr lang="en-US" dirty="0"/>
+            </a:br>
+            <a:r>
+              <a:rPr lang="en-US" dirty="0"/>
+              <a:t>Encouraging them to take regular breaks and have a retrospective</a:t>
+            </a:r>
+          </a:p>
+        </p:txBody>
+      </p:sp>
+      <p:sp>
+        <p:nvSpPr>
+          <p:cNvPr id="4" name="Slide Number Placeholder 3"/>
+          <p:cNvSpPr>
+            <a:spLocks noGrp="1"/>
+          </p:cNvSpPr>
+          <p:nvPr>
+            <p:ph type="sldNum" sz="quarter" idx="5"/>
+          </p:nvPr>
+        </p:nvSpPr>
+        <p:spPr/>
+        <p:txBody>
+          <a:bodyPr/>
+          <a:lstStyle/>
+          <a:p>
+            <a:fld id="{B99E8012-7AEC-4AAD-B52C-DF7E1601EEFE}" type="slidenum">
+              <a:rPr lang="en-GB" smtClean="0"/>
+              <a:t>58</a:t>
+            </a:fld>
+            <a:endParaRPr lang="en-GB"/>
+          </a:p>
+        </p:txBody>
+      </p:sp>
+    </p:spTree>
+    <p:extLst>
+      <p:ext uri="{BB962C8B-B14F-4D97-AF65-F5344CB8AC3E}">
+        <p14:creationId xmlns:p14="http://schemas.microsoft.com/office/powerpoint/2010/main" val="3999229775"/>
+      </p:ext>
+    </p:extLst>
+  </p:cSld>
+  <p:clrMapOvr>
+    <a:masterClrMapping/>
+  </p:clrMapOvr>
+</p:notes>
+</file>
+
+<file path=ppt/notesSlides/notesSlide59.xml><?xml version="1.0" encoding="utf-8"?>
+<p:notes xmlns:a="http://schemas.openxmlformats.org/drawingml/2006/main" xmlns:r="http://schemas.openxmlformats.org/officeDocument/2006/relationships" xmlns:p="http://schemas.openxmlformats.org/presentationml/2006/main">
+  <p:cSld>
+    <p:spTree>
+      <p:nvGrpSpPr>
+        <p:cNvPr id="1" name=""/>
+        <p:cNvGrpSpPr/>
+        <p:nvPr/>
+      </p:nvGrpSpPr>
+      <p:grpSpPr>
+        <a:xfrm>
+          <a:off x="0" y="0"/>
+          <a:ext cx="0" cy="0"/>
+          <a:chOff x="0" y="0"/>
+          <a:chExt cx="0" cy="0"/>
+        </a:xfrm>
+      </p:grpSpPr>
+      <p:sp>
+        <p:nvSpPr>
+          <p:cNvPr id="2" name="Slide Image Placeholder 1"/>
+          <p:cNvSpPr>
+            <a:spLocks noGrp="1" noRot="1" noChangeAspect="1"/>
+          </p:cNvSpPr>
+          <p:nvPr>
+            <p:ph type="sldImg"/>
+          </p:nvPr>
+        </p:nvSpPr>
+        <p:spPr/>
+      </p:sp>
+      <p:sp>
+        <p:nvSpPr>
+          <p:cNvPr id="3" name="Notes Placeholder 2"/>
+          <p:cNvSpPr>
+            <a:spLocks noGrp="1"/>
+          </p:cNvSpPr>
+          <p:nvPr>
+            <p:ph type="body" idx="1"/>
+          </p:nvPr>
+        </p:nvSpPr>
+        <p:spPr/>
+        <p:txBody>
+          <a:bodyPr/>
+          <a:lstStyle/>
+          <a:p>
+            <a:r>
+              <a:rPr lang="en-US" dirty="0"/>
+              <a:t>And here are some links that you may find useful.</a:t>
+            </a:r>
+          </a:p>
+          <a:p>
+            <a:r>
+              <a:rPr lang="en-US" dirty="0"/>
+              <a:t>I’ll be tweeting these slides out on the Agile Cambridge hashtag on twitter shortly</a:t>
+            </a:r>
+          </a:p>
+          <a:p>
+            <a:endParaRPr lang="en-US" dirty="0"/>
+          </a:p>
+          <a:p>
+            <a:r>
+              <a:rPr lang="en-US" dirty="0"/>
+              <a:t>Any questions?</a:t>
+            </a:r>
+          </a:p>
+          <a:p>
+            <a:endParaRPr lang="en-US" dirty="0"/>
+          </a:p>
+          <a:p>
+            <a:r>
+              <a:rPr lang="en-US"/>
+              <a:t>Thank you</a:t>
+            </a:r>
+            <a:endParaRPr lang="en-US" dirty="0"/>
+          </a:p>
+        </p:txBody>
+      </p:sp>
+      <p:sp>
+        <p:nvSpPr>
+          <p:cNvPr id="4" name="Slide Number Placeholder 3"/>
+          <p:cNvSpPr>
+            <a:spLocks noGrp="1"/>
+          </p:cNvSpPr>
+          <p:nvPr>
+            <p:ph type="sldNum" sz="quarter" idx="5"/>
+          </p:nvPr>
+        </p:nvSpPr>
+        <p:spPr/>
+        <p:txBody>
+          <a:bodyPr/>
+          <a:lstStyle/>
+          <a:p>
+            <a:fld id="{B99E8012-7AEC-4AAD-B52C-DF7E1601EEFE}" type="slidenum">
+              <a:rPr lang="en-GB" smtClean="0"/>
+              <a:t>59</a:t>
+            </a:fld>
+            <a:endParaRPr lang="en-GB"/>
+          </a:p>
+        </p:txBody>
+      </p:sp>
+    </p:spTree>
+    <p:extLst>
+      <p:ext uri="{BB962C8B-B14F-4D97-AF65-F5344CB8AC3E}">
+        <p14:creationId xmlns:p14="http://schemas.microsoft.com/office/powerpoint/2010/main" val="3276869117"/>
       </p:ext>
     </p:extLst>
   </p:cSld>
@@ -21476,6 +22364,17 @@
               <a:rPr lang="en-GB" sz="8800" dirty="0"/>
               <a:t>Community 🌍</a:t>
             </a:r>
+            <a:br>
+              <a:rPr lang="en-GB" sz="8800" dirty="0"/>
+            </a:br>
+            <a:r>
+              <a:rPr lang="en-GB" sz="6600" dirty="0"/>
+              <a:t>#</a:t>
+            </a:r>
+            <a:r>
+              <a:rPr lang="en-GB" sz="6600" dirty="0" err="1"/>
+              <a:t>mobprogramming</a:t>
+            </a:r>
             <a:endParaRPr lang="en-GB" dirty="0"/>
           </a:p>
         </p:txBody>
@@ -22003,7 +22902,7 @@
         </p:nvSpPr>
         <p:spPr>
           <a:xfrm>
-            <a:off x="1678346" y="3176198"/>
+            <a:off x="1678345" y="1071626"/>
             <a:ext cx="8835309" cy="505604"/>
           </a:xfrm>
         </p:spPr>
@@ -22046,6 +22945,108 @@
               <a:t>@owennell</a:t>
             </a:r>
             <a:endParaRPr lang="en-US" dirty="0"/>
+          </a:p>
+        </p:txBody>
+      </p:sp>
+      <p:sp>
+        <p:nvSpPr>
+          <p:cNvPr id="4" name="Title 1">
+            <a:extLst>
+              <a:ext uri="{FF2B5EF4-FFF2-40B4-BE49-F238E27FC236}">
+                <a16:creationId xmlns:a16="http://schemas.microsoft.com/office/drawing/2014/main" id="{8EB3386E-86FD-424C-BEBD-7DAF32E94067}"/>
+              </a:ext>
+            </a:extLst>
+          </p:cNvPr>
+          <p:cNvSpPr txBox="1">
+            <a:spLocks/>
+          </p:cNvSpPr>
+          <p:nvPr/>
+        </p:nvSpPr>
+        <p:spPr>
+          <a:xfrm>
+            <a:off x="1676169" y="2969116"/>
+            <a:ext cx="8835309" cy="505604"/>
+          </a:xfrm>
+          <a:prstGeom prst="rect">
+            <a:avLst/>
+          </a:prstGeom>
+        </p:spPr>
+        <p:txBody>
+          <a:bodyPr vert="horz" lIns="0" tIns="38963" rIns="77925" bIns="38963" rtlCol="0" anchor="ctr">
+            <a:noAutofit/>
+          </a:bodyPr>
+          <a:lstStyle>
+            <a:lvl1pPr algn="l" defTabSz="389626" rtl="0" eaLnBrk="1" latinLnBrk="0" hangingPunct="1">
+              <a:spcBef>
+                <a:spcPct val="0"/>
+              </a:spcBef>
+              <a:buNone/>
+              <a:defRPr sz="4200" b="0" i="0" kern="1200" baseline="0">
+                <a:solidFill>
+                  <a:schemeClr val="bg1"/>
+                </a:solidFill>
+                <a:latin typeface="+mn-lt"/>
+                <a:ea typeface="Arial" charset="0"/>
+                <a:cs typeface="Arial" charset="0"/>
+              </a:defRPr>
+            </a:lvl1pPr>
+          </a:lstStyle>
+          <a:p>
+            <a:r>
+              <a:rPr lang="en-GB" sz="6600" dirty="0"/>
+              <a:t> Pick a Topic</a:t>
+            </a:r>
+          </a:p>
+        </p:txBody>
+      </p:sp>
+      <p:sp>
+        <p:nvSpPr>
+          <p:cNvPr id="7" name="Title 1">
+            <a:extLst>
+              <a:ext uri="{FF2B5EF4-FFF2-40B4-BE49-F238E27FC236}">
+                <a16:creationId xmlns:a16="http://schemas.microsoft.com/office/drawing/2014/main" id="{5048D400-335B-EB42-B632-E1960255037B}"/>
+              </a:ext>
+            </a:extLst>
+          </p:cNvPr>
+          <p:cNvSpPr txBox="1">
+            <a:spLocks/>
+          </p:cNvSpPr>
+          <p:nvPr/>
+        </p:nvSpPr>
+        <p:spPr>
+          <a:xfrm>
+            <a:off x="1676166" y="4040807"/>
+            <a:ext cx="8835309" cy="505604"/>
+          </a:xfrm>
+          <a:prstGeom prst="rect">
+            <a:avLst/>
+          </a:prstGeom>
+        </p:spPr>
+        <p:txBody>
+          <a:bodyPr vert="horz" lIns="0" tIns="38963" rIns="77925" bIns="38963" rtlCol="0" anchor="ctr">
+            <a:noAutofit/>
+          </a:bodyPr>
+          <a:lstStyle>
+            <a:lvl1pPr algn="l" defTabSz="389626" rtl="0" eaLnBrk="1" latinLnBrk="0" hangingPunct="1">
+              <a:spcBef>
+                <a:spcPct val="0"/>
+              </a:spcBef>
+              <a:buNone/>
+              <a:defRPr sz="4200" b="0" i="0" kern="1200" baseline="0">
+                <a:solidFill>
+                  <a:schemeClr val="bg1"/>
+                </a:solidFill>
+                <a:latin typeface="+mn-lt"/>
+                <a:ea typeface="Arial" charset="0"/>
+                <a:cs typeface="Arial" charset="0"/>
+              </a:defRPr>
+            </a:lvl1pPr>
+          </a:lstStyle>
+          <a:p>
+            <a:r>
+              <a:rPr lang="en-GB" sz="6600" dirty="0"/>
+              <a:t> Facilitate</a:t>
+            </a:r>
           </a:p>
         </p:txBody>
       </p:sp>
@@ -22059,6 +23060,176 @@
   <p:clrMapOvr>
     <a:masterClrMapping/>
   </p:clrMapOvr>
+  <p:timing>
+    <p:tnLst>
+      <p:par>
+        <p:cTn id="1" dur="indefinite" restart="never" nodeType="tmRoot">
+          <p:childTnLst>
+            <p:seq concurrent="1" nextAc="seek">
+              <p:cTn id="2" dur="indefinite" nodeType="mainSeq">
+                <p:childTnLst>
+                  <p:par>
+                    <p:cTn id="3" fill="hold">
+                      <p:stCondLst>
+                        <p:cond delay="indefinite"/>
+                      </p:stCondLst>
+                      <p:childTnLst>
+                        <p:par>
+                          <p:cTn id="4" fill="hold">
+                            <p:stCondLst>
+                              <p:cond delay="0"/>
+                            </p:stCondLst>
+                            <p:childTnLst>
+                              <p:par>
+                                <p:cTn id="5" presetID="1" presetClass="entr" presetSubtype="0" fill="hold" grpId="0" nodeType="clickEffect">
+                                  <p:stCondLst>
+                                    <p:cond delay="0"/>
+                                  </p:stCondLst>
+                                  <p:childTnLst>
+                                    <p:set>
+                                      <p:cBhvr>
+                                        <p:cTn id="6" dur="1" fill="hold">
+                                          <p:stCondLst>
+                                            <p:cond delay="0"/>
+                                          </p:stCondLst>
+                                        </p:cTn>
+                                        <p:tgtEl>
+                                          <p:spTgt spid="4"/>
+                                        </p:tgtEl>
+                                        <p:attrNameLst>
+                                          <p:attrName>style.visibility</p:attrName>
+                                        </p:attrNameLst>
+                                      </p:cBhvr>
+                                      <p:to>
+                                        <p:strVal val="visible"/>
+                                      </p:to>
+                                    </p:set>
+                                  </p:childTnLst>
+                                </p:cTn>
+                              </p:par>
+                            </p:childTnLst>
+                          </p:cTn>
+                        </p:par>
+                      </p:childTnLst>
+                    </p:cTn>
+                  </p:par>
+                  <p:par>
+                    <p:cTn id="7" fill="hold">
+                      <p:stCondLst>
+                        <p:cond delay="indefinite"/>
+                      </p:stCondLst>
+                      <p:childTnLst>
+                        <p:par>
+                          <p:cTn id="8" fill="hold">
+                            <p:stCondLst>
+                              <p:cond delay="0"/>
+                            </p:stCondLst>
+                            <p:childTnLst>
+                              <p:par>
+                                <p:cTn id="9" presetID="1" presetClass="entr" presetSubtype="0" fill="hold" grpId="0" nodeType="clickEffect">
+                                  <p:stCondLst>
+                                    <p:cond delay="0"/>
+                                  </p:stCondLst>
+                                  <p:childTnLst>
+                                    <p:set>
+                                      <p:cBhvr>
+                                        <p:cTn id="10" dur="1" fill="hold">
+                                          <p:stCondLst>
+                                            <p:cond delay="0"/>
+                                          </p:stCondLst>
+                                        </p:cTn>
+                                        <p:tgtEl>
+                                          <p:spTgt spid="7"/>
+                                        </p:tgtEl>
+                                        <p:attrNameLst>
+                                          <p:attrName>style.visibility</p:attrName>
+                                        </p:attrNameLst>
+                                      </p:cBhvr>
+                                      <p:to>
+                                        <p:strVal val="visible"/>
+                                      </p:to>
+                                    </p:set>
+                                  </p:childTnLst>
+                                </p:cTn>
+                              </p:par>
+                            </p:childTnLst>
+                          </p:cTn>
+                        </p:par>
+                      </p:childTnLst>
+                    </p:cTn>
+                  </p:par>
+                  <p:par>
+                    <p:cTn id="11" fill="hold">
+                      <p:stCondLst>
+                        <p:cond delay="indefinite"/>
+                      </p:stCondLst>
+                      <p:childTnLst>
+                        <p:par>
+                          <p:cTn id="12" fill="hold">
+                            <p:stCondLst>
+                              <p:cond delay="0"/>
+                            </p:stCondLst>
+                            <p:childTnLst>
+                              <p:par>
+                                <p:cTn id="13" presetID="1" presetClass="entr" presetSubtype="0" fill="hold" grpId="1" nodeType="clickEffect">
+                                  <p:stCondLst>
+                                    <p:cond delay="0"/>
+                                  </p:stCondLst>
+                                  <p:childTnLst>
+                                    <p:set>
+                                      <p:cBhvr>
+                                        <p:cTn id="14" dur="1" fill="hold">
+                                          <p:stCondLst>
+                                            <p:cond delay="0"/>
+                                          </p:stCondLst>
+                                        </p:cTn>
+                                        <p:tgtEl>
+                                          <p:spTgt spid="4"/>
+                                        </p:tgtEl>
+                                        <p:attrNameLst>
+                                          <p:attrName>style.visibility</p:attrName>
+                                        </p:attrNameLst>
+                                      </p:cBhvr>
+                                      <p:to>
+                                        <p:strVal val="visible"/>
+                                      </p:to>
+                                    </p:set>
+                                  </p:childTnLst>
+                                </p:cTn>
+                              </p:par>
+                            </p:childTnLst>
+                          </p:cTn>
+                        </p:par>
+                      </p:childTnLst>
+                    </p:cTn>
+                  </p:par>
+                </p:childTnLst>
+              </p:cTn>
+              <p:prevCondLst>
+                <p:cond evt="onPrev" delay="0">
+                  <p:tgtEl>
+                    <p:sldTgt/>
+                  </p:tgtEl>
+                </p:cond>
+              </p:prevCondLst>
+              <p:nextCondLst>
+                <p:cond evt="onNext" delay="0">
+                  <p:tgtEl>
+                    <p:sldTgt/>
+                  </p:tgtEl>
+                </p:cond>
+              </p:nextCondLst>
+            </p:seq>
+          </p:childTnLst>
+        </p:cTn>
+      </p:par>
+    </p:tnLst>
+    <p:bldLst>
+      <p:bldP spid="4" grpId="0"/>
+      <p:bldP spid="4" grpId="1"/>
+      <p:bldP spid="7" grpId="0"/>
+    </p:bldLst>
+  </p:timing>
 </p:sld>
 </file>
 
@@ -22101,7 +23272,7 @@
           <a:p>
             <a:r>
               <a:rPr lang="en-GB" sz="3200" dirty="0">
-                <a:hlinkClick r:id="rId2"/>
+                <a:hlinkClick r:id="rId3"/>
               </a:rPr>
               <a:t>Mob Programming book</a:t>
             </a:r>
@@ -22139,7 +23310,7 @@
             </a:br>
             <a:r>
               <a:rPr lang="en-GB" sz="3200" dirty="0">
-                <a:hlinkClick r:id="rId3"/>
+                <a:hlinkClick r:id="rId4"/>
               </a:rPr>
               <a:t>remotemobprogramming.org</a:t>
             </a:r>
@@ -22151,7 +23322,7 @@
             </a:br>
             <a:r>
               <a:rPr lang="en-GB" sz="3200" dirty="0">
-                <a:hlinkClick r:id="rId4"/>
+                <a:hlinkClick r:id="rId5"/>
               </a:rPr>
               <a:t>Mob Mentality Show</a:t>
             </a:r>

--- a/a-mob-mentality.pptx
+++ b/a-mob-mentality.pptx
@@ -5,10 +5,10 @@
     <p:sldMasterId id="2147483648" r:id="rId4"/>
   </p:sldMasterIdLst>
   <p:notesMasterIdLst>
-    <p:notesMasterId r:id="rId64"/>
+    <p:notesMasterId r:id="rId65"/>
   </p:notesMasterIdLst>
   <p:handoutMasterIdLst>
-    <p:handoutMasterId r:id="rId65"/>
+    <p:handoutMasterId r:id="rId66"/>
   </p:handoutMasterIdLst>
   <p:sldIdLst>
     <p:sldId id="314" r:id="rId5"/>
@@ -63,13 +63,14 @@
     <p:sldId id="365" r:id="rId54"/>
     <p:sldId id="368" r:id="rId55"/>
     <p:sldId id="367" r:id="rId56"/>
-    <p:sldId id="370" r:id="rId57"/>
+    <p:sldId id="377" r:id="rId57"/>
     <p:sldId id="369" r:id="rId58"/>
-    <p:sldId id="371" r:id="rId59"/>
-    <p:sldId id="372" r:id="rId60"/>
-    <p:sldId id="373" r:id="rId61"/>
-    <p:sldId id="374" r:id="rId62"/>
-    <p:sldId id="375" r:id="rId63"/>
+    <p:sldId id="370" r:id="rId59"/>
+    <p:sldId id="371" r:id="rId60"/>
+    <p:sldId id="372" r:id="rId61"/>
+    <p:sldId id="373" r:id="rId62"/>
+    <p:sldId id="374" r:id="rId63"/>
+    <p:sldId id="375" r:id="rId64"/>
   </p:sldIdLst>
   <p:sldSz cx="12192000" cy="6858000"/>
   <p:notesSz cx="6858000" cy="9144000"/>
@@ -239,7 +240,7 @@
             </a:lvl1pPr>
           </a:lstStyle>
           <a:p>
-            <a:endParaRPr lang="en-US"/>
+            <a:endParaRPr lang="en-US" dirty="0"/>
           </a:p>
         </p:txBody>
       </p:sp>
@@ -305,7 +306,7 @@
             </a:lvl1pPr>
           </a:lstStyle>
           <a:p>
-            <a:endParaRPr lang="en-US"/>
+            <a:endParaRPr lang="en-US" dirty="0"/>
           </a:p>
         </p:txBody>
       </p:sp>
@@ -757,118 +758,6 @@
           <a:p>
             <a:endParaRPr lang="en-US" dirty="0"/>
           </a:p>
-          <a:p>
-            <a:r>
-              <a:rPr lang="en-US" dirty="0"/>
-              <a:t>I’m here because 5 years ago, someone in my team suggested we try something radical.</a:t>
-            </a:r>
-          </a:p>
-          <a:p>
-            <a:endParaRPr lang="en-US" dirty="0"/>
-          </a:p>
-          <a:p>
-            <a:r>
-              <a:rPr lang="en-US" dirty="0"/>
-              <a:t>Apparently over on the west coast of the USA, there was a team that weren’t just pair programming.</a:t>
-            </a:r>
-          </a:p>
-          <a:p>
-            <a:r>
-              <a:rPr lang="en-US" dirty="0"/>
-              <a:t>They were all working together on the same thing at the same time on the same computer</a:t>
-            </a:r>
-          </a:p>
-          <a:p>
-            <a:pPr marL="0" marR="0" lvl="0" indent="0" algn="l" defTabSz="914400" rtl="0" eaLnBrk="1" fontAlgn="auto" latinLnBrk="0" hangingPunct="1">
-              <a:lnSpc>
-                <a:spcPct val="100000"/>
-              </a:lnSpc>
-              <a:spcBef>
-                <a:spcPts val="0"/>
-              </a:spcBef>
-              <a:spcAft>
-                <a:spcPts val="0"/>
-              </a:spcAft>
-              <a:buClrTx/>
-              <a:buSzTx/>
-              <a:buFontTx/>
-              <a:buNone/>
-              <a:tabLst/>
-              <a:defRPr/>
-            </a:pPr>
-            <a:r>
-              <a:rPr lang="en-US" dirty="0"/>
-              <a:t>The idea was mob programming, also known as mobbing</a:t>
-            </a:r>
-          </a:p>
-          <a:p>
-            <a:endParaRPr lang="en-US" dirty="0"/>
-          </a:p>
-          <a:p>
-            <a:r>
-              <a:rPr lang="en-US" dirty="0"/>
-              <a:t>I thought: </a:t>
-            </a:r>
-            <a:br>
-              <a:rPr lang="en-US" dirty="0"/>
-            </a:br>
-            <a:r>
-              <a:rPr lang="en-US" dirty="0"/>
-              <a:t>Never </a:t>
-            </a:r>
-            <a:r>
-              <a:rPr lang="en-US" dirty="0" err="1"/>
-              <a:t>gonna</a:t>
-            </a:r>
-            <a:r>
-              <a:rPr lang="en-US" dirty="0"/>
-              <a:t> catch on</a:t>
-            </a:r>
-          </a:p>
-          <a:p>
-            <a:pPr marL="0" marR="0" lvl="0" indent="0" algn="l" defTabSz="914400" rtl="0" eaLnBrk="1" fontAlgn="auto" latinLnBrk="0" hangingPunct="1">
-              <a:lnSpc>
-                <a:spcPct val="100000"/>
-              </a:lnSpc>
-              <a:spcBef>
-                <a:spcPts val="0"/>
-              </a:spcBef>
-              <a:spcAft>
-                <a:spcPts val="0"/>
-              </a:spcAft>
-              <a:buClrTx/>
-              <a:buSzTx/>
-              <a:buFontTx/>
-              <a:buNone/>
-              <a:tabLst/>
-              <a:defRPr/>
-            </a:pPr>
-            <a:r>
-              <a:rPr lang="en-US" dirty="0"/>
-              <a:t>Totally impractical</a:t>
-            </a:r>
-          </a:p>
-          <a:p>
-            <a:endParaRPr lang="en-US" dirty="0"/>
-          </a:p>
-          <a:p>
-            <a:r>
-              <a:rPr lang="en-US" dirty="0"/>
-              <a:t>And yet...</a:t>
-            </a:r>
-          </a:p>
-          <a:p>
-            <a:r>
-              <a:rPr lang="en-US" dirty="0"/>
-              <a:t>five years later, the idea’s not so radical anymore.</a:t>
-            </a:r>
-          </a:p>
-          <a:p>
-            <a:r>
-              <a:rPr lang="en-US" dirty="0"/>
-              <a:t>It spread around the world</a:t>
-            </a:r>
-          </a:p>
         </p:txBody>
       </p:sp>
       <p:sp>
@@ -1957,6 +1846,121 @@
           <a:p>
             <a:r>
               <a:rPr lang="en-US" dirty="0"/>
+              <a:t>I’m here because 5 years ago, someone in my team suggested we try something radical.</a:t>
+            </a:r>
+          </a:p>
+          <a:p>
+            <a:endParaRPr lang="en-US" dirty="0"/>
+          </a:p>
+          <a:p>
+            <a:r>
+              <a:rPr lang="en-US" dirty="0"/>
+              <a:t>Apparently over on the west coast of the USA, there was a team that weren’t just pair programming.</a:t>
+            </a:r>
+          </a:p>
+          <a:p>
+            <a:r>
+              <a:rPr lang="en-US" dirty="0"/>
+              <a:t>They were all working together on the same thing at the same time on the same computer</a:t>
+            </a:r>
+          </a:p>
+          <a:p>
+            <a:pPr marL="0" marR="0" lvl="0" indent="0" algn="l" defTabSz="914400" rtl="0" eaLnBrk="1" fontAlgn="auto" latinLnBrk="0" hangingPunct="1">
+              <a:lnSpc>
+                <a:spcPct val="100000"/>
+              </a:lnSpc>
+              <a:spcBef>
+                <a:spcPts val="0"/>
+              </a:spcBef>
+              <a:spcAft>
+                <a:spcPts val="0"/>
+              </a:spcAft>
+              <a:buClrTx/>
+              <a:buSzTx/>
+              <a:buFontTx/>
+              <a:buNone/>
+              <a:tabLst/>
+              <a:defRPr/>
+            </a:pPr>
+            <a:r>
+              <a:rPr lang="en-US" dirty="0"/>
+              <a:t>The idea was mob programming, also known as mobbing</a:t>
+            </a:r>
+          </a:p>
+          <a:p>
+            <a:endParaRPr lang="en-US" dirty="0"/>
+          </a:p>
+          <a:p>
+            <a:r>
+              <a:rPr lang="en-US" dirty="0"/>
+              <a:t>I thought: </a:t>
+            </a:r>
+            <a:br>
+              <a:rPr lang="en-US" dirty="0"/>
+            </a:br>
+            <a:r>
+              <a:rPr lang="en-US" dirty="0"/>
+              <a:t>Never </a:t>
+            </a:r>
+            <a:r>
+              <a:rPr lang="en-US" dirty="0" err="1"/>
+              <a:t>gonna</a:t>
+            </a:r>
+            <a:r>
+              <a:rPr lang="en-US" dirty="0"/>
+              <a:t> catch on</a:t>
+            </a:r>
+          </a:p>
+          <a:p>
+            <a:pPr marL="0" marR="0" lvl="0" indent="0" algn="l" defTabSz="914400" rtl="0" eaLnBrk="1" fontAlgn="auto" latinLnBrk="0" hangingPunct="1">
+              <a:lnSpc>
+                <a:spcPct val="100000"/>
+              </a:lnSpc>
+              <a:spcBef>
+                <a:spcPts val="0"/>
+              </a:spcBef>
+              <a:spcAft>
+                <a:spcPts val="0"/>
+              </a:spcAft>
+              <a:buClrTx/>
+              <a:buSzTx/>
+              <a:buFontTx/>
+              <a:buNone/>
+              <a:tabLst/>
+              <a:defRPr/>
+            </a:pPr>
+            <a:r>
+              <a:rPr lang="en-US" dirty="0"/>
+              <a:t>Totally impractical</a:t>
+            </a:r>
+          </a:p>
+          <a:p>
+            <a:endParaRPr lang="en-US" dirty="0"/>
+          </a:p>
+          <a:p>
+            <a:r>
+              <a:rPr lang="en-US" dirty="0"/>
+              <a:t>And yet...</a:t>
+            </a:r>
+          </a:p>
+          <a:p>
+            <a:r>
+              <a:rPr lang="en-US" dirty="0"/>
+              <a:t>five years later, the idea’s not so radical anymore.</a:t>
+            </a:r>
+          </a:p>
+          <a:p>
+            <a:r>
+              <a:rPr lang="en-US" dirty="0"/>
+              <a:t>It spread around the world</a:t>
+            </a:r>
+          </a:p>
+          <a:p>
+            <a:endParaRPr lang="en-US" dirty="0"/>
+          </a:p>
+          <a:p>
+            <a:r>
+              <a:rPr lang="en-US" dirty="0"/>
               <a:t>So that’s me, now a bit about you.</a:t>
             </a:r>
           </a:p>
@@ -1983,6 +1987,9 @@
               <a:rPr lang="en-US" dirty="0"/>
               <a:t>Ok, thanks</a:t>
             </a:r>
+          </a:p>
+          <a:p>
+            <a:endParaRPr lang="en-US" dirty="0"/>
           </a:p>
           <a:p>
             <a:endParaRPr lang="en-US" dirty="0"/>
@@ -2080,7 +2087,28 @@
           <a:p>
             <a:r>
               <a:rPr lang="en-US" dirty="0"/>
-              <a:t>It’s because we noticed that when we were mobbing we were:</a:t>
+              <a:t>It feels great</a:t>
+            </a:r>
+          </a:p>
+          <a:p>
+            <a:r>
+              <a:rPr lang="en-US" dirty="0"/>
+              <a:t>I for one feel like “I’m in the zone”</a:t>
+            </a:r>
+          </a:p>
+          <a:p>
+            <a:r>
+              <a:rPr lang="en-US" dirty="0"/>
+              <a:t>Doing my best work, together with the team</a:t>
+            </a:r>
+          </a:p>
+          <a:p>
+            <a:endParaRPr lang="en-US" dirty="0"/>
+          </a:p>
+          <a:p>
+            <a:r>
+              <a:rPr lang="en-US" dirty="0"/>
+              <a:t>When we are mobbing we were:</a:t>
             </a:r>
           </a:p>
           <a:p>
@@ -2185,7 +2213,7 @@
           <a:p>
             <a:r>
               <a:rPr lang="en-GB" dirty="0"/>
-              <a:t>code quality - all eyes on every line, more chance of spotting better ways</a:t>
+              <a:t>Code quality - all eyes on every line, more chance of spotting better ways</a:t>
             </a:r>
           </a:p>
           <a:p>
@@ -2194,8 +2222,16 @@
           <a:p>
             <a:r>
               <a:rPr lang="en-GB" dirty="0"/>
-              <a:t>everyone's context of domain, tech, techniques - the wisdom of the crowd etc</a:t>
-            </a:r>
+              <a:t>Everyone's context of domain, tech, techniques</a:t>
+            </a:r>
+          </a:p>
+          <a:p>
+            <a:r>
+              <a:rPr lang="en-GB" dirty="0"/>
+              <a:t>We get the best out of everyone, which makes the software better</a:t>
+            </a:r>
+          </a:p>
+          <a:p>
             <a:endParaRPr lang="en-US" dirty="0"/>
           </a:p>
         </p:txBody>
@@ -2303,6 +2339,9 @@
           <a:p>
             <a:endParaRPr lang="en-GB" dirty="0"/>
           </a:p>
+          <a:p>
+            <a:endParaRPr lang="en-GB" dirty="0"/>
+          </a:p>
         </p:txBody>
       </p:sp>
       <p:sp>
@@ -2387,13 +2426,13 @@
           <a:p>
             <a:r>
               <a:rPr lang="en-US" dirty="0"/>
-              <a:t>Bus factor improved, everyone has context all the time</a:t>
-            </a:r>
-          </a:p>
-          <a:p>
-            <a:r>
-              <a:rPr lang="en-US" dirty="0"/>
-              <a:t>Less impact when people are off</a:t>
+              <a:t>Less impact when people off sick or on holiday, everyone has context all the time</a:t>
+            </a:r>
+          </a:p>
+          <a:p>
+            <a:r>
+              <a:rPr lang="en-US" dirty="0"/>
+              <a:t>Feels good to know it’s not “all on you” to be able to fix things if things go wrong</a:t>
             </a:r>
           </a:p>
           <a:p>
@@ -2992,17 +3031,23 @@
           <a:p>
             <a:r>
               <a:rPr lang="en-US" dirty="0"/>
-              <a:t>I was really pleased because the team have heard about mobbing and are starting to try it out.</a:t>
-            </a:r>
-          </a:p>
-          <a:p>
-            <a:r>
-              <a:rPr lang="en-US" dirty="0"/>
-              <a:t>They like it too.</a:t>
+              <a:t>Woody Zuill, who was part of the team that discovered mobbing, came in and gave some training and there’s a buzz in the air.</a:t>
+            </a:r>
+          </a:p>
+          <a:p>
+            <a:r>
+              <a:rPr lang="en-US" dirty="0"/>
+              <a:t>And the team are keen to give it a go</a:t>
             </a:r>
           </a:p>
           <a:p>
             <a:endParaRPr lang="en-US" dirty="0"/>
+          </a:p>
+          <a:p>
+            <a:r>
+              <a:rPr lang="en-US" dirty="0"/>
+              <a:t>So I’m happy about that</a:t>
+            </a:r>
           </a:p>
           <a:p>
             <a:pPr marL="0" marR="0" lvl="0" indent="0" algn="l" defTabSz="914400" rtl="0" eaLnBrk="1" fontAlgn="auto" latinLnBrk="0" hangingPunct="1">
@@ -3024,7 +3069,7 @@
             </a:pPr>
             <a:r>
               <a:rPr lang="en-US" dirty="0"/>
-              <a:t>And also, as a tech lead, the team mobbing suited me, because...</a:t>
+              <a:t>And, it turns out, as a tech lead there were things about mobbing that made my life easier...</a:t>
             </a:r>
           </a:p>
         </p:txBody>
@@ -3135,6 +3180,21 @@
               <a:t>But with mobbing, there’s one thing going on at a time.</a:t>
             </a:r>
           </a:p>
+          <a:p>
+            <a:endParaRPr lang="en-US" dirty="0"/>
+          </a:p>
+          <a:p>
+            <a:r>
+              <a:rPr lang="en-US" dirty="0"/>
+              <a:t>In Lean there’s the concept of limiting your work-in-progress, and how that can help things.</a:t>
+            </a:r>
+          </a:p>
+          <a:p>
+            <a:r>
+              <a:rPr lang="en-US" dirty="0"/>
+              <a:t>Mobbing takes that to the extreme: a work-in-progress limit of one.</a:t>
+            </a:r>
+          </a:p>
         </p:txBody>
       </p:sp>
       <p:sp>
@@ -3392,6 +3452,12 @@
             </a:r>
           </a:p>
           <a:p>
+            <a:r>
+              <a:rPr lang="en-US" dirty="0"/>
+              <a:t>Not great for me or the team</a:t>
+            </a:r>
+          </a:p>
+          <a:p>
             <a:endParaRPr lang="en-US" dirty="0"/>
           </a:p>
           <a:p>
@@ -3802,7 +3868,7 @@
           <a:p>
             <a:r>
               <a:rPr lang="en-US" dirty="0"/>
-              <a:t>Established team, existing systems that needed small updates</a:t>
+              <a:t>This was an established team, existing systems that needed small updates</a:t>
             </a:r>
           </a:p>
           <a:p>
@@ -3904,13 +3970,19 @@
           <a:p>
             <a:r>
               <a:rPr lang="en-US" dirty="0"/>
-              <a:t>Things we were all new to</a:t>
-            </a:r>
-          </a:p>
-          <a:p>
-            <a:r>
-              <a:rPr lang="en-US" dirty="0"/>
-              <a:t>Research</a:t>
+              <a:t>Sometimes we’d come across things they we were new to.</a:t>
+            </a:r>
+          </a:p>
+          <a:p>
+            <a:r>
+              <a:rPr lang="en-US" dirty="0"/>
+              <a:t>Our instinct was to stay in the mob, to try and do research as a mob</a:t>
+            </a:r>
+          </a:p>
+          <a:p>
+            <a:r>
+              <a:rPr lang="en-US" dirty="0"/>
+              <a:t>But watching someone read the documentation is pretty boring.</a:t>
             </a:r>
           </a:p>
         </p:txBody>
@@ -4400,7 +4472,7 @@
           <a:p>
             <a:r>
               <a:rPr lang="en-US" dirty="0"/>
-              <a:t>It helps teams and those on the edge of teams, like myself as a tech lead.</a:t>
+              <a:t>It helps teams and those on the edge of teams, like myself as a tech lead. Not just those directly in the mob</a:t>
             </a:r>
           </a:p>
           <a:p>
@@ -5817,10 +5889,45 @@
           <a:p>
             <a:r>
               <a:rPr lang="en-US" dirty="0"/>
+              <a:t>They can remind people to swap drivers, or take a break</a:t>
+            </a:r>
+          </a:p>
+          <a:p>
+            <a:r>
+              <a:rPr lang="en-US" dirty="0"/>
               <a:t>They can encourage people who are a bit quiet to give their opinions</a:t>
             </a:r>
           </a:p>
           <a:p>
+            <a:endParaRPr lang="en-US" dirty="0"/>
+          </a:p>
+          <a:p>
+            <a:r>
+              <a:rPr lang="en-US" dirty="0"/>
+              <a:t>Facilitator doesn’t have to be a single person</a:t>
+            </a:r>
+          </a:p>
+          <a:p>
+            <a:r>
+              <a:rPr lang="en-US" dirty="0"/>
+              <a:t>It can be a few</a:t>
+            </a:r>
+          </a:p>
+          <a:p>
+            <a:r>
+              <a:rPr lang="en-US" dirty="0"/>
+              <a:t>Or everyone</a:t>
+            </a:r>
+          </a:p>
+          <a:p>
+            <a:r>
+              <a:rPr lang="en-US" dirty="0"/>
+              <a:t>What’s important is that facilitation is done, and the mob </a:t>
+            </a:r>
+            <a:r>
+              <a:rPr lang="en-US"/>
+              <a:t>doesn’t stagnate.</a:t>
+            </a:r>
             <a:endParaRPr lang="en-US" dirty="0"/>
           </a:p>
         </p:txBody>
@@ -5937,24 +6044,6 @@
               <a:t>Good facilitation helps teams do this.</a:t>
             </a:r>
           </a:p>
-          <a:p>
-            <a:endParaRPr lang="en-US" dirty="0"/>
-          </a:p>
-          <a:p>
-            <a:r>
-              <a:rPr lang="en-US" dirty="0"/>
-              <a:t>The first bit of the agile manifesto says “We are uncovering better ways of developing software”</a:t>
-            </a:r>
-          </a:p>
-          <a:p>
-            <a:r>
-              <a:rPr lang="en-US" dirty="0"/>
-              <a:t>And what’s best for me may not be what’s best for you.</a:t>
-            </a:r>
-          </a:p>
-          <a:p>
-            <a:endParaRPr lang="en-US" dirty="0"/>
-          </a:p>
         </p:txBody>
       </p:sp>
       <p:sp>
@@ -6039,13 +6128,13 @@
           <a:p>
             <a:r>
               <a:rPr lang="en-US" dirty="0"/>
-              <a:t>I’ve talked about three mobs over time, but mobbing isn’t done</a:t>
-            </a:r>
-          </a:p>
-          <a:p>
-            <a:r>
-              <a:rPr lang="en-US" dirty="0"/>
-              <a:t>People are still trying new things.</a:t>
+              <a:t>The first bit of the agile manifesto says “We are uncovering better ways of developing software”</a:t>
+            </a:r>
+          </a:p>
+          <a:p>
+            <a:r>
+              <a:rPr lang="en-US" dirty="0"/>
+              <a:t>And what’s best for me may not be what’s best for you.</a:t>
             </a:r>
           </a:p>
         </p:txBody>
@@ -6132,51 +6221,13 @@
           <a:p>
             <a:r>
               <a:rPr lang="en-US" dirty="0"/>
-              <a:t>I’ve been in mobs where some or all of us are remote</a:t>
-            </a:r>
-          </a:p>
-          <a:p>
-            <a:r>
-              <a:rPr lang="en-US" dirty="0"/>
-              <a:t>We use screen sharing and voice chat to mob together and it works ok</a:t>
-            </a:r>
-            <a:br>
-              <a:rPr lang="en-US" dirty="0"/>
-            </a:br>
-            <a:endParaRPr lang="en-US" dirty="0"/>
-          </a:p>
-          <a:p>
-            <a:r>
-              <a:rPr lang="en-US" dirty="0"/>
-              <a:t>If anyone’s ever had remote meetings, you get the same kind of issues</a:t>
-            </a:r>
-          </a:p>
-          <a:p>
-            <a:r>
-              <a:rPr lang="en-US" dirty="0"/>
-              <a:t>Connections can be unreliable</a:t>
-            </a:r>
-          </a:p>
-          <a:p>
-            <a:r>
-              <a:rPr lang="en-US" dirty="0"/>
-              <a:t>And you lose being able to use body language to communicate</a:t>
-            </a:r>
-          </a:p>
-          <a:p>
-            <a:endParaRPr lang="en-US" dirty="0"/>
-          </a:p>
-          <a:p>
-            <a:r>
-              <a:rPr lang="en-US" dirty="0"/>
-              <a:t>But I’m hoping this can get even better, with more reliable connections</a:t>
-            </a:r>
-            <a:br>
-              <a:rPr lang="en-US" dirty="0"/>
-            </a:br>
-            <a:r>
-              <a:rPr lang="en-US" dirty="0"/>
-              <a:t>Maybe even VR will allow us to use body language after all</a:t>
+              <a:t>I’ve talked about three mobs over time, but mobbing isn’t done</a:t>
+            </a:r>
+          </a:p>
+          <a:p>
+            <a:r>
+              <a:rPr lang="en-US" dirty="0"/>
+              <a:t>People are still trying new things.</a:t>
             </a:r>
           </a:p>
         </p:txBody>
@@ -6207,7 +6258,7 @@
     </p:spTree>
     <p:extLst>
       <p:ext uri="{BB962C8B-B14F-4D97-AF65-F5344CB8AC3E}">
-        <p14:creationId xmlns:p14="http://schemas.microsoft.com/office/powerpoint/2010/main" val="4083507257"/>
+        <p14:creationId xmlns:p14="http://schemas.microsoft.com/office/powerpoint/2010/main" val="572443515"/>
       </p:ext>
     </p:extLst>
   </p:cSld>
@@ -6263,7 +6314,7 @@
           <a:p>
             <a:r>
               <a:rPr lang="en-US" dirty="0"/>
-              <a:t>The tools out there are evolving too</a:t>
+              <a:t>The tools out there are evolving</a:t>
             </a:r>
           </a:p>
           <a:p>
@@ -6369,19 +6420,59 @@
           <a:p>
             <a:r>
               <a:rPr lang="en-US" dirty="0"/>
-              <a:t>But best of all, there’s a whole bunch of people around the world trying out mobbing</a:t>
-            </a:r>
-          </a:p>
-          <a:p>
-            <a:r>
-              <a:rPr lang="en-US" dirty="0"/>
-              <a:t>They’re experimenting and sharing their experiences</a:t>
-            </a:r>
-          </a:p>
-          <a:p>
-            <a:r>
-              <a:rPr lang="en-US" dirty="0"/>
-              <a:t>And we can all learn from each other</a:t>
+              <a:t>Remote mobbing is opening up possibilities</a:t>
+            </a:r>
+          </a:p>
+          <a:p>
+            <a:endParaRPr lang="en-US" dirty="0"/>
+          </a:p>
+          <a:p>
+            <a:r>
+              <a:rPr lang="en-US" dirty="0"/>
+              <a:t>I’ve been in mobs where some or all of us are remote</a:t>
+            </a:r>
+          </a:p>
+          <a:p>
+            <a:r>
+              <a:rPr lang="en-US" dirty="0"/>
+              <a:t>We use screen sharing and voice chat to mob together and it works ok</a:t>
+            </a:r>
+            <a:br>
+              <a:rPr lang="en-US" dirty="0"/>
+            </a:br>
+            <a:endParaRPr lang="en-US" dirty="0"/>
+          </a:p>
+          <a:p>
+            <a:r>
+              <a:rPr lang="en-US" dirty="0"/>
+              <a:t>If anyone’s ever had remote meetings, you get the same kind of issues</a:t>
+            </a:r>
+          </a:p>
+          <a:p>
+            <a:r>
+              <a:rPr lang="en-US" dirty="0"/>
+              <a:t>Connections can be unreliable</a:t>
+            </a:r>
+          </a:p>
+          <a:p>
+            <a:r>
+              <a:rPr lang="en-US" dirty="0"/>
+              <a:t>And you lose being able to use body language to communicate</a:t>
+            </a:r>
+          </a:p>
+          <a:p>
+            <a:endParaRPr lang="en-US" dirty="0"/>
+          </a:p>
+          <a:p>
+            <a:r>
+              <a:rPr lang="en-US" dirty="0"/>
+              <a:t>But connections are getting better</a:t>
+            </a:r>
+          </a:p>
+          <a:p>
+            <a:r>
+              <a:rPr lang="en-US" dirty="0"/>
+              <a:t>Some people are experimenting with meetings in virtual reality, so maybe remote mobbing in the future won’t be too different from being co-located</a:t>
             </a:r>
           </a:p>
         </p:txBody>
@@ -6412,7 +6503,7 @@
     </p:spTree>
     <p:extLst>
       <p:ext uri="{BB962C8B-B14F-4D97-AF65-F5344CB8AC3E}">
-        <p14:creationId xmlns:p14="http://schemas.microsoft.com/office/powerpoint/2010/main" val="162785280"/>
+        <p14:creationId xmlns:p14="http://schemas.microsoft.com/office/powerpoint/2010/main" val="4083507257"/>
       </p:ext>
     </p:extLst>
   </p:cSld>
@@ -6468,7 +6559,19 @@
           <a:p>
             <a:r>
               <a:rPr lang="en-US" dirty="0"/>
-              <a:t>So it’s nearly the end</a:t>
+              <a:t>But best of all, there’s a whole bunch of people around the world trying out mobbing</a:t>
+            </a:r>
+          </a:p>
+          <a:p>
+            <a:r>
+              <a:rPr lang="en-US" dirty="0"/>
+              <a:t>They’re experimenting and sharing their experiences</a:t>
+            </a:r>
+          </a:p>
+          <a:p>
+            <a:r>
+              <a:rPr lang="en-US" dirty="0"/>
+              <a:t>And we can all learn from each other</a:t>
             </a:r>
           </a:p>
         </p:txBody>
@@ -6499,7 +6602,7 @@
     </p:spTree>
     <p:extLst>
       <p:ext uri="{BB962C8B-B14F-4D97-AF65-F5344CB8AC3E}">
-        <p14:creationId xmlns:p14="http://schemas.microsoft.com/office/powerpoint/2010/main" val="3708235082"/>
+        <p14:creationId xmlns:p14="http://schemas.microsoft.com/office/powerpoint/2010/main" val="162785280"/>
       </p:ext>
     </p:extLst>
   </p:cSld>
@@ -6555,32 +6658,7 @@
           <a:p>
             <a:r>
               <a:rPr lang="en-US" dirty="0"/>
-              <a:t>Mobbing is an amplifier</a:t>
-            </a:r>
-          </a:p>
-          <a:p>
-            <a:r>
-              <a:rPr lang="en-US" dirty="0"/>
-              <a:t>It amplifies good things, but beware of amplification the bad things too</a:t>
-            </a:r>
-          </a:p>
-          <a:p>
-            <a:endParaRPr lang="en-US" dirty="0"/>
-          </a:p>
-          <a:p>
-            <a:r>
-              <a:rPr lang="en-US" dirty="0"/>
-              <a:t>Mobbing is a tool you can use at the right time and in the right place</a:t>
-            </a:r>
-            <a:br>
-              <a:rPr lang="en-US" dirty="0"/>
-            </a:br>
-            <a:br>
-              <a:rPr lang="en-US" dirty="0"/>
-            </a:br>
-            <a:r>
-              <a:rPr lang="en-US" dirty="0"/>
-              <a:t>Each mob, mobs differently. And that’s a good thing. Find what works for you and keep experimenting.</a:t>
+              <a:t>So it’s nearly the end</a:t>
             </a:r>
           </a:p>
         </p:txBody>
@@ -6611,7 +6689,7 @@
     </p:spTree>
     <p:extLst>
       <p:ext uri="{BB962C8B-B14F-4D97-AF65-F5344CB8AC3E}">
-        <p14:creationId xmlns:p14="http://schemas.microsoft.com/office/powerpoint/2010/main" val="4167207322"/>
+        <p14:creationId xmlns:p14="http://schemas.microsoft.com/office/powerpoint/2010/main" val="3708235082"/>
       </p:ext>
     </p:extLst>
   </p:cSld>
@@ -6667,58 +6745,32 @@
           <a:p>
             <a:r>
               <a:rPr lang="en-US" dirty="0"/>
-              <a:t>So maybe you’ve not mobbed before but you’d like to have a go?</a:t>
+              <a:t>Mobbing is an amplifier</a:t>
+            </a:r>
+          </a:p>
+          <a:p>
+            <a:r>
+              <a:rPr lang="en-US" dirty="0"/>
+              <a:t>It amplifies good things, but beware of amplification the bad things too</a:t>
+            </a:r>
+          </a:p>
+          <a:p>
+            <a:endParaRPr lang="en-US" dirty="0"/>
+          </a:p>
+          <a:p>
+            <a:r>
+              <a:rPr lang="en-US" dirty="0"/>
+              <a:t>Mobbing is a tool you can use at the right time and in the right place</a:t>
             </a:r>
             <a:br>
               <a:rPr lang="en-US" dirty="0"/>
             </a:br>
-            <a:endParaRPr lang="en-US" dirty="0"/>
-          </a:p>
-          <a:p>
-            <a:r>
-              <a:rPr lang="en-US" dirty="0"/>
-              <a:t>First off you’ll need to pick a topic. Maybe you could...</a:t>
-            </a:r>
-          </a:p>
-          <a:p>
-            <a:r>
-              <a:rPr lang="en-US" dirty="0"/>
-              <a:t>Do a kata, to have fun and learn together</a:t>
-            </a:r>
-          </a:p>
-          <a:p>
-            <a:r>
-              <a:rPr lang="en-US" dirty="0"/>
-              <a:t>Or maybe there’s some legacy code that people are scared to touch on their own</a:t>
-            </a:r>
-          </a:p>
-          <a:p>
-            <a:r>
-              <a:rPr lang="en-US" dirty="0"/>
-              <a:t>Or maybe there’s a new technology the team needs to get up to speed with</a:t>
-            </a:r>
-          </a:p>
-          <a:p>
             <a:br>
               <a:rPr lang="en-US" dirty="0"/>
             </a:br>
             <a:r>
               <a:rPr lang="en-US" dirty="0"/>
-              <a:t>And then help the team by being a facilitator</a:t>
-            </a:r>
-            <a:br>
-              <a:rPr lang="en-US" dirty="0"/>
-            </a:br>
-            <a:r>
-              <a:rPr lang="en-US" dirty="0"/>
-              <a:t>That could involve finding a nice place with a big screen for them to use</a:t>
-            </a:r>
-            <a:br>
-              <a:rPr lang="en-US" dirty="0"/>
-            </a:br>
-            <a:r>
-              <a:rPr lang="en-US" dirty="0"/>
-              <a:t>Encouraging them to take regular breaks and have a retrospective</a:t>
+              <a:t>Each mob, mobs differently. And that’s a good thing. Find what works for you and keep experimenting.</a:t>
             </a:r>
           </a:p>
         </p:txBody>
@@ -6749,7 +6801,7 @@
     </p:spTree>
     <p:extLst>
       <p:ext uri="{BB962C8B-B14F-4D97-AF65-F5344CB8AC3E}">
-        <p14:creationId xmlns:p14="http://schemas.microsoft.com/office/powerpoint/2010/main" val="3999229775"/>
+        <p14:creationId xmlns:p14="http://schemas.microsoft.com/office/powerpoint/2010/main" val="4167207322"/>
       </p:ext>
     </p:extLst>
   </p:cSld>
@@ -6805,33 +6857,59 @@
           <a:p>
             <a:r>
               <a:rPr lang="en-US" dirty="0"/>
-              <a:t>And here are some links that you may find useful.</a:t>
-            </a:r>
-          </a:p>
-          <a:p>
-            <a:r>
-              <a:rPr lang="en-US" dirty="0"/>
-              <a:t>I’ll be tweeting these slides out on the Agile Cambridge hashtag on twitter shortly</a:t>
-            </a:r>
-          </a:p>
-          <a:p>
+              <a:t>So maybe you’ve not mobbed before but you’d like to have a go?</a:t>
+            </a:r>
+            <a:br>
+              <a:rPr lang="en-US" dirty="0"/>
+            </a:br>
             <a:endParaRPr lang="en-US" dirty="0"/>
           </a:p>
           <a:p>
             <a:r>
               <a:rPr lang="en-US" dirty="0"/>
-              <a:t>Any questions?</a:t>
-            </a:r>
-          </a:p>
-          <a:p>
-            <a:endParaRPr lang="en-US" dirty="0"/>
-          </a:p>
-          <a:p>
-            <a:r>
-              <a:rPr lang="en-US"/>
-              <a:t>Thank you</a:t>
-            </a:r>
-            <a:endParaRPr lang="en-US" dirty="0"/>
+              <a:t>First off you’ll need to pick a topic. Maybe you could...</a:t>
+            </a:r>
+          </a:p>
+          <a:p>
+            <a:r>
+              <a:rPr lang="en-US" dirty="0"/>
+              <a:t>Do a kata, to have fun and learn together</a:t>
+            </a:r>
+          </a:p>
+          <a:p>
+            <a:r>
+              <a:rPr lang="en-US" dirty="0"/>
+              <a:t>Or maybe there’s some legacy code that people are scared to touch on their own</a:t>
+            </a:r>
+          </a:p>
+          <a:p>
+            <a:r>
+              <a:rPr lang="en-US" dirty="0"/>
+              <a:t>Or maybe there’s a new technology the team needs to get up to speed with</a:t>
+            </a:r>
+          </a:p>
+          <a:p>
+            <a:br>
+              <a:rPr lang="en-US" dirty="0"/>
+            </a:br>
+            <a:r>
+              <a:rPr lang="en-US" dirty="0"/>
+              <a:t>And then help the team by being a facilitator</a:t>
+            </a:r>
+            <a:br>
+              <a:rPr lang="en-US" dirty="0"/>
+            </a:br>
+            <a:r>
+              <a:rPr lang="en-US" dirty="0"/>
+              <a:t>That could involve finding a nice place with a big screen for them to use</a:t>
+            </a:r>
+            <a:br>
+              <a:rPr lang="en-US" dirty="0"/>
+            </a:br>
+            <a:r>
+              <a:rPr lang="en-US" dirty="0"/>
+              <a:t>Encouraging them to take regular breaks and have a retrospective</a:t>
+            </a:r>
           </a:p>
         </p:txBody>
       </p:sp>
@@ -6861,7 +6939,7 @@
     </p:spTree>
     <p:extLst>
       <p:ext uri="{BB962C8B-B14F-4D97-AF65-F5344CB8AC3E}">
-        <p14:creationId xmlns:p14="http://schemas.microsoft.com/office/powerpoint/2010/main" val="3276869117"/>
+        <p14:creationId xmlns:p14="http://schemas.microsoft.com/office/powerpoint/2010/main" val="3999229775"/>
       </p:ext>
     </p:extLst>
   </p:cSld>
@@ -6950,6 +7028,117 @@
     <p:extLst>
       <p:ext uri="{BB962C8B-B14F-4D97-AF65-F5344CB8AC3E}">
         <p14:creationId xmlns:p14="http://schemas.microsoft.com/office/powerpoint/2010/main" val="548723764"/>
+      </p:ext>
+    </p:extLst>
+  </p:cSld>
+  <p:clrMapOvr>
+    <a:masterClrMapping/>
+  </p:clrMapOvr>
+</p:notes>
+</file>
+
+<file path=ppt/notesSlides/notesSlide60.xml><?xml version="1.0" encoding="utf-8"?>
+<p:notes xmlns:a="http://schemas.openxmlformats.org/drawingml/2006/main" xmlns:r="http://schemas.openxmlformats.org/officeDocument/2006/relationships" xmlns:p="http://schemas.openxmlformats.org/presentationml/2006/main">
+  <p:cSld>
+    <p:spTree>
+      <p:nvGrpSpPr>
+        <p:cNvPr id="1" name=""/>
+        <p:cNvGrpSpPr/>
+        <p:nvPr/>
+      </p:nvGrpSpPr>
+      <p:grpSpPr>
+        <a:xfrm>
+          <a:off x="0" y="0"/>
+          <a:ext cx="0" cy="0"/>
+          <a:chOff x="0" y="0"/>
+          <a:chExt cx="0" cy="0"/>
+        </a:xfrm>
+      </p:grpSpPr>
+      <p:sp>
+        <p:nvSpPr>
+          <p:cNvPr id="2" name="Slide Image Placeholder 1"/>
+          <p:cNvSpPr>
+            <a:spLocks noGrp="1" noRot="1" noChangeAspect="1"/>
+          </p:cNvSpPr>
+          <p:nvPr>
+            <p:ph type="sldImg"/>
+          </p:nvPr>
+        </p:nvSpPr>
+        <p:spPr/>
+      </p:sp>
+      <p:sp>
+        <p:nvSpPr>
+          <p:cNvPr id="3" name="Notes Placeholder 2"/>
+          <p:cNvSpPr>
+            <a:spLocks noGrp="1"/>
+          </p:cNvSpPr>
+          <p:nvPr>
+            <p:ph type="body" idx="1"/>
+          </p:nvPr>
+        </p:nvSpPr>
+        <p:spPr/>
+        <p:txBody>
+          <a:bodyPr/>
+          <a:lstStyle/>
+          <a:p>
+            <a:r>
+              <a:rPr lang="en-US" dirty="0"/>
+              <a:t>And here are some links that you may find useful.</a:t>
+            </a:r>
+          </a:p>
+          <a:p>
+            <a:r>
+              <a:rPr lang="en-US" dirty="0"/>
+              <a:t>I’ll be tweeting these slides out on the Agile Cambridge hashtag on twitter shortly</a:t>
+            </a:r>
+          </a:p>
+          <a:p>
+            <a:endParaRPr lang="en-US" dirty="0"/>
+          </a:p>
+          <a:p>
+            <a:r>
+              <a:rPr lang="en-US" dirty="0"/>
+              <a:t>Any questions?</a:t>
+            </a:r>
+          </a:p>
+          <a:p>
+            <a:endParaRPr lang="en-US" dirty="0"/>
+          </a:p>
+          <a:p>
+            <a:r>
+              <a:rPr lang="en-US" dirty="0"/>
+              <a:t>Thank you</a:t>
+            </a:r>
+          </a:p>
+        </p:txBody>
+      </p:sp>
+      <p:sp>
+        <p:nvSpPr>
+          <p:cNvPr id="4" name="Slide Number Placeholder 3"/>
+          <p:cNvSpPr>
+            <a:spLocks noGrp="1"/>
+          </p:cNvSpPr>
+          <p:nvPr>
+            <p:ph type="sldNum" sz="quarter" idx="5"/>
+          </p:nvPr>
+        </p:nvSpPr>
+        <p:spPr/>
+        <p:txBody>
+          <a:bodyPr/>
+          <a:lstStyle/>
+          <a:p>
+            <a:fld id="{B99E8012-7AEC-4AAD-B52C-DF7E1601EEFE}" type="slidenum">
+              <a:rPr lang="en-GB" smtClean="0"/>
+              <a:t>60</a:t>
+            </a:fld>
+            <a:endParaRPr lang="en-GB"/>
+          </a:p>
+        </p:txBody>
+      </p:sp>
+    </p:spTree>
+    <p:extLst>
+      <p:ext uri="{BB962C8B-B14F-4D97-AF65-F5344CB8AC3E}">
+        <p14:creationId xmlns:p14="http://schemas.microsoft.com/office/powerpoint/2010/main" val="3276869117"/>
       </p:ext>
     </p:extLst>
   </p:cSld>
@@ -17644,7 +17833,7 @@
             <a:pPr algn="ctr"/>
             <a:r>
               <a:rPr lang="en-GB" sz="9600" dirty="0"/>
-              <a:t>🌈🦄✨</a:t>
+              <a:t>🦄✨</a:t>
             </a:r>
             <a:endParaRPr lang="en-GB" dirty="0"/>
           </a:p>
@@ -19127,7 +19316,7 @@
             <a:pPr algn="ctr"/>
             <a:r>
               <a:rPr lang="en-GB" sz="9600" dirty="0"/>
-              <a:t>Amplification</a:t>
+              <a:t>🔊 Amplification</a:t>
             </a:r>
             <a:endParaRPr lang="en-GB" sz="7200" i="1" dirty="0"/>
           </a:p>
@@ -19387,10 +19576,10 @@
           <a:p>
             <a:pPr algn="ctr"/>
             <a:r>
-              <a:rPr lang="en-GB" sz="8000" dirty="0"/>
-              <a:t>Context Switches 😵</a:t>
-            </a:r>
-            <a:endParaRPr lang="en-GB" sz="8000" i="1" dirty="0"/>
+              <a:rPr lang="en-GB" sz="9600" dirty="0"/>
+              <a:t>Context 👀</a:t>
+            </a:r>
+            <a:endParaRPr lang="en-GB" sz="9600" i="1" dirty="0"/>
           </a:p>
         </p:txBody>
       </p:sp>
@@ -20522,8 +20711,8 @@
         </p:nvSpPr>
         <p:spPr>
           <a:xfrm>
-            <a:off x="1678344" y="4216873"/>
-            <a:ext cx="8835309" cy="505604"/>
+            <a:off x="497174" y="4216873"/>
+            <a:ext cx="11197653" cy="505604"/>
           </a:xfrm>
           <a:prstGeom prst="rect">
             <a:avLst/>
@@ -20552,10 +20741,10 @@
           <a:p>
             <a:pPr algn="ctr"/>
             <a:r>
-              <a:rPr lang="en-GB" sz="6600" dirty="0"/>
-              <a:t>Right Team, Right Job</a:t>
-            </a:r>
-            <a:endParaRPr lang="en-GB" sz="4800" i="1" dirty="0"/>
+              <a:rPr lang="en-GB" sz="4800" dirty="0"/>
+              <a:t>😕😴🙉 =&gt; Right Team For Each Job 👍</a:t>
+            </a:r>
+            <a:endParaRPr lang="en-GB" sz="3600" i="1" dirty="0"/>
           </a:p>
         </p:txBody>
       </p:sp>
@@ -21524,7 +21713,7 @@
             <a:pPr algn="ctr"/>
             <a:r>
               <a:rPr lang="en-GB" sz="9600" dirty="0"/>
-              <a:t>Strong Style 💪</a:t>
+              <a:t>Rules ✅</a:t>
             </a:r>
             <a:endParaRPr lang="en-GB" sz="7200" i="1" dirty="0"/>
           </a:p>
@@ -21901,8 +22090,8 @@
         </p:nvSpPr>
         <p:spPr>
           <a:xfrm>
-            <a:off x="1678344" y="4216873"/>
-            <a:ext cx="8835309" cy="505604"/>
+            <a:off x="1081790" y="4216873"/>
+            <a:ext cx="10028420" cy="505604"/>
           </a:xfrm>
           <a:prstGeom prst="rect">
             <a:avLst/>
@@ -21932,7 +22121,7 @@
             <a:pPr algn="ctr"/>
             <a:r>
               <a:rPr lang="en-GB" sz="6600" dirty="0"/>
-              <a:t>Experiment</a:t>
+              <a:t>👽🍿🤚 =&gt; Experiment 🔬</a:t>
             </a:r>
             <a:endParaRPr lang="en-GB" sz="4800" i="1" dirty="0"/>
           </a:p>
@@ -22087,7 +22276,7 @@
         </p:nvSpPr>
         <p:spPr>
           <a:xfrm>
-            <a:off x="1678346" y="3176198"/>
+            <a:off x="1678346" y="2981328"/>
             <a:ext cx="8835309" cy="505604"/>
           </a:xfrm>
         </p:spPr>
@@ -22097,10 +22286,9 @@
           <a:p>
             <a:pPr algn="ctr"/>
             <a:r>
-              <a:rPr lang="en-GB" sz="8800" dirty="0"/>
-              <a:t>The Future 🤖</a:t>
-            </a:r>
-            <a:endParaRPr lang="en-GB" dirty="0"/>
+              <a:rPr lang="en-GB" i="1" dirty="0"/>
+              <a:t>“We are uncovering better ways of developing software...”</a:t>
+            </a:r>
           </a:p>
         </p:txBody>
       </p:sp>
@@ -22130,6 +22318,58 @@
               <a:t>@owennell</a:t>
             </a:r>
             <a:endParaRPr lang="en-US" dirty="0"/>
+          </a:p>
+        </p:txBody>
+      </p:sp>
+      <p:sp>
+        <p:nvSpPr>
+          <p:cNvPr id="4" name="Title 1">
+            <a:extLst>
+              <a:ext uri="{FF2B5EF4-FFF2-40B4-BE49-F238E27FC236}">
+                <a16:creationId xmlns:a16="http://schemas.microsoft.com/office/drawing/2014/main" id="{49A31C77-0C56-4C47-9158-41E8F5692642}"/>
+              </a:ext>
+            </a:extLst>
+          </p:cNvPr>
+          <p:cNvSpPr txBox="1">
+            <a:spLocks/>
+          </p:cNvSpPr>
+          <p:nvPr/>
+        </p:nvSpPr>
+        <p:spPr>
+          <a:xfrm>
+            <a:off x="1830746" y="4618403"/>
+            <a:ext cx="8835309" cy="505604"/>
+          </a:xfrm>
+          <a:prstGeom prst="rect">
+            <a:avLst/>
+          </a:prstGeom>
+        </p:spPr>
+        <p:txBody>
+          <a:bodyPr vert="horz" lIns="0" tIns="38963" rIns="77925" bIns="38963" rtlCol="0" anchor="ctr">
+            <a:noAutofit/>
+          </a:bodyPr>
+          <a:lstStyle>
+            <a:lvl1pPr algn="l" defTabSz="389626" rtl="0" eaLnBrk="1" latinLnBrk="0" hangingPunct="1">
+              <a:spcBef>
+                <a:spcPct val="0"/>
+              </a:spcBef>
+              <a:buNone/>
+              <a:defRPr sz="4200" b="0" i="0" kern="1200" baseline="0">
+                <a:solidFill>
+                  <a:schemeClr val="bg1"/>
+                </a:solidFill>
+                <a:latin typeface="+mn-lt"/>
+                <a:ea typeface="Arial" charset="0"/>
+                <a:cs typeface="Arial" charset="0"/>
+              </a:defRPr>
+            </a:lvl1pPr>
+          </a:lstStyle>
+          <a:p>
+            <a:pPr algn="r"/>
+            <a:r>
+              <a:rPr lang="en-GB" sz="2800" dirty="0"/>
+              <a:t>- The Agile Manifesto</a:t>
+            </a:r>
           </a:p>
         </p:txBody>
       </p:sp>
@@ -22186,7 +22426,7 @@
             <a:pPr algn="ctr"/>
             <a:r>
               <a:rPr lang="en-GB" sz="8800" dirty="0"/>
-              <a:t>Remote 🎧</a:t>
+              <a:t>The Future 🤖</a:t>
             </a:r>
             <a:endParaRPr lang="en-GB" dirty="0"/>
           </a:p>
@@ -22197,7 +22437,7 @@
           <p:cNvPr id="5" name="Date Placeholder 4">
             <a:extLst>
               <a:ext uri="{FF2B5EF4-FFF2-40B4-BE49-F238E27FC236}">
-                <a16:creationId xmlns:a16="http://schemas.microsoft.com/office/drawing/2014/main" id="{26D6769B-860C-034D-9FBA-52F1CC75AAD2}"/>
+                <a16:creationId xmlns:a16="http://schemas.microsoft.com/office/drawing/2014/main" id="{CAC72B13-A2AB-4444-A32E-45E07B537B1E}"/>
               </a:ext>
             </a:extLst>
           </p:cNvPr>
@@ -22224,7 +22464,7 @@
     </p:spTree>
     <p:extLst>
       <p:ext uri="{BB962C8B-B14F-4D97-AF65-F5344CB8AC3E}">
-        <p14:creationId xmlns:p14="http://schemas.microsoft.com/office/powerpoint/2010/main" val="2671301233"/>
+        <p14:creationId xmlns:p14="http://schemas.microsoft.com/office/powerpoint/2010/main" val="2368483634"/>
       </p:ext>
     </p:extLst>
   </p:cSld>
@@ -22362,18 +22602,7 @@
             <a:pPr algn="ctr"/>
             <a:r>
               <a:rPr lang="en-GB" sz="8800" dirty="0"/>
-              <a:t>Community 🌍</a:t>
-            </a:r>
-            <a:br>
-              <a:rPr lang="en-GB" sz="8800" dirty="0"/>
-            </a:br>
-            <a:r>
-              <a:rPr lang="en-GB" sz="6600" dirty="0"/>
-              <a:t>#</a:t>
-            </a:r>
-            <a:r>
-              <a:rPr lang="en-GB" sz="6600" dirty="0" err="1"/>
-              <a:t>mobprogramming</a:t>
+              <a:t>Remote 🎧</a:t>
             </a:r>
             <a:endParaRPr lang="en-GB" dirty="0"/>
           </a:p>
@@ -22384,7 +22613,7 @@
           <p:cNvPr id="5" name="Date Placeholder 4">
             <a:extLst>
               <a:ext uri="{FF2B5EF4-FFF2-40B4-BE49-F238E27FC236}">
-                <a16:creationId xmlns:a16="http://schemas.microsoft.com/office/drawing/2014/main" id="{4C4B0612-36B4-7A42-A7F4-653A4D6FFDB4}"/>
+                <a16:creationId xmlns:a16="http://schemas.microsoft.com/office/drawing/2014/main" id="{26D6769B-860C-034D-9FBA-52F1CC75AAD2}"/>
               </a:ext>
             </a:extLst>
           </p:cNvPr>
@@ -22411,7 +22640,7 @@
     </p:spTree>
     <p:extLst>
       <p:ext uri="{BB962C8B-B14F-4D97-AF65-F5344CB8AC3E}">
-        <p14:creationId xmlns:p14="http://schemas.microsoft.com/office/powerpoint/2010/main" val="3398786595"/>
+        <p14:creationId xmlns:p14="http://schemas.microsoft.com/office/powerpoint/2010/main" val="2671301233"/>
       </p:ext>
     </p:extLst>
   </p:cSld>
@@ -22461,7 +22690,18 @@
             <a:pPr algn="ctr"/>
             <a:r>
               <a:rPr lang="en-GB" sz="8800" dirty="0"/>
-              <a:t>(Nearly) The End</a:t>
+              <a:t>Community 🌍</a:t>
+            </a:r>
+            <a:br>
+              <a:rPr lang="en-GB" sz="8800" dirty="0"/>
+            </a:br>
+            <a:r>
+              <a:rPr lang="en-GB" sz="6600" dirty="0"/>
+              <a:t>#</a:t>
+            </a:r>
+            <a:r>
+              <a:rPr lang="en-GB" sz="6600" dirty="0" err="1"/>
+              <a:t>mobprogramming</a:t>
             </a:r>
             <a:endParaRPr lang="en-GB" dirty="0"/>
           </a:p>
@@ -22472,7 +22712,7 @@
           <p:cNvPr id="5" name="Date Placeholder 4">
             <a:extLst>
               <a:ext uri="{FF2B5EF4-FFF2-40B4-BE49-F238E27FC236}">
-                <a16:creationId xmlns:a16="http://schemas.microsoft.com/office/drawing/2014/main" id="{552E98FD-94AD-6D4E-89E1-FCBE15BA089D}"/>
+                <a16:creationId xmlns:a16="http://schemas.microsoft.com/office/drawing/2014/main" id="{4C4B0612-36B4-7A42-A7F4-653A4D6FFDB4}"/>
               </a:ext>
             </a:extLst>
           </p:cNvPr>
@@ -22499,7 +22739,7 @@
     </p:spTree>
     <p:extLst>
       <p:ext uri="{BB962C8B-B14F-4D97-AF65-F5344CB8AC3E}">
-        <p14:creationId xmlns:p14="http://schemas.microsoft.com/office/powerpoint/2010/main" val="1039144440"/>
+        <p14:creationId xmlns:p14="http://schemas.microsoft.com/office/powerpoint/2010/main" val="3398786595"/>
       </p:ext>
     </p:extLst>
   </p:cSld>
@@ -22538,7 +22778,7 @@
         </p:nvSpPr>
         <p:spPr>
           <a:xfrm>
-            <a:off x="1678344" y="1700094"/>
+            <a:off x="1678346" y="3176198"/>
             <a:ext cx="8835309" cy="505604"/>
           </a:xfrm>
         </p:spPr>
@@ -22548,8 +22788,95 @@
           <a:p>
             <a:pPr algn="ctr"/>
             <a:r>
+              <a:rPr lang="en-GB" sz="8800" dirty="0"/>
+              <a:t>(Nearly) The End</a:t>
+            </a:r>
+            <a:endParaRPr lang="en-GB" dirty="0"/>
+          </a:p>
+        </p:txBody>
+      </p:sp>
+      <p:sp>
+        <p:nvSpPr>
+          <p:cNvPr id="5" name="Date Placeholder 4">
+            <a:extLst>
+              <a:ext uri="{FF2B5EF4-FFF2-40B4-BE49-F238E27FC236}">
+                <a16:creationId xmlns:a16="http://schemas.microsoft.com/office/drawing/2014/main" id="{552E98FD-94AD-6D4E-89E1-FCBE15BA089D}"/>
+              </a:ext>
+            </a:extLst>
+          </p:cNvPr>
+          <p:cNvSpPr>
+            <a:spLocks noGrp="1"/>
+          </p:cNvSpPr>
+          <p:nvPr>
+            <p:ph type="dt" sz="half" idx="10"/>
+          </p:nvPr>
+        </p:nvSpPr>
+        <p:spPr/>
+        <p:txBody>
+          <a:bodyPr/>
+          <a:lstStyle/>
+          <a:p>
+            <a:r>
+              <a:rPr lang="en-GB"/>
+              <a:t>@owennell</a:t>
+            </a:r>
+            <a:endParaRPr lang="en-US" dirty="0"/>
+          </a:p>
+        </p:txBody>
+      </p:sp>
+    </p:spTree>
+    <p:extLst>
+      <p:ext uri="{BB962C8B-B14F-4D97-AF65-F5344CB8AC3E}">
+        <p14:creationId xmlns:p14="http://schemas.microsoft.com/office/powerpoint/2010/main" val="1039144440"/>
+      </p:ext>
+    </p:extLst>
+  </p:cSld>
+  <p:clrMapOvr>
+    <a:masterClrMapping/>
+  </p:clrMapOvr>
+</p:sld>
+</file>
+
+<file path=ppt/slides/slide58.xml><?xml version="1.0" encoding="utf-8"?>
+<p:sld xmlns:a="http://schemas.openxmlformats.org/drawingml/2006/main" xmlns:r="http://schemas.openxmlformats.org/officeDocument/2006/relationships" xmlns:p="http://schemas.openxmlformats.org/presentationml/2006/main">
+  <p:cSld>
+    <p:spTree>
+      <p:nvGrpSpPr>
+        <p:cNvPr id="1" name=""/>
+        <p:cNvGrpSpPr/>
+        <p:nvPr/>
+      </p:nvGrpSpPr>
+      <p:grpSpPr>
+        <a:xfrm>
+          <a:off x="0" y="0"/>
+          <a:ext cx="0" cy="0"/>
+          <a:chOff x="0" y="0"/>
+          <a:chExt cx="0" cy="0"/>
+        </a:xfrm>
+      </p:grpSpPr>
+      <p:sp>
+        <p:nvSpPr>
+          <p:cNvPr id="2" name="Title 1"/>
+          <p:cNvSpPr>
+            <a:spLocks noGrp="1"/>
+          </p:cNvSpPr>
+          <p:nvPr>
+            <p:ph type="title"/>
+          </p:nvPr>
+        </p:nvSpPr>
+        <p:spPr>
+          <a:xfrm>
+            <a:off x="1081791" y="1700094"/>
+            <a:ext cx="8835309" cy="505604"/>
+          </a:xfrm>
+        </p:spPr>
+        <p:txBody>
+          <a:bodyPr/>
+          <a:lstStyle/>
+          <a:p>
+            <a:r>
               <a:rPr lang="en-GB" sz="7200" dirty="0"/>
-              <a:t>Amplification</a:t>
+              <a:t>Amplification 🔊</a:t>
             </a:r>
             <a:endParaRPr lang="en-GB" sz="3600" dirty="0"/>
           </a:p>
@@ -22571,8 +22898,8 @@
         </p:nvSpPr>
         <p:spPr>
           <a:xfrm>
-            <a:off x="1678345" y="3176198"/>
-            <a:ext cx="8835309" cy="505604"/>
+            <a:off x="1081791" y="3176198"/>
+            <a:ext cx="10730458" cy="505604"/>
           </a:xfrm>
           <a:prstGeom prst="rect">
             <a:avLst/>
@@ -22599,10 +22926,9 @@
             </a:lvl1pPr>
           </a:lstStyle>
           <a:p>
-            <a:pPr algn="ctr"/>
             <a:r>
               <a:rPr lang="en-GB" sz="7200" dirty="0"/>
-              <a:t>Right Team Right Job</a:t>
+              <a:t>Right team for each job 👍</a:t>
             </a:r>
             <a:endParaRPr lang="en-GB" sz="3600" dirty="0"/>
           </a:p>
@@ -22624,7 +22950,7 @@
         </p:nvSpPr>
         <p:spPr>
           <a:xfrm>
-            <a:off x="1678344" y="4652302"/>
+            <a:off x="1081791" y="4652302"/>
             <a:ext cx="8835309" cy="505604"/>
           </a:xfrm>
           <a:prstGeom prst="rect">
@@ -22652,10 +22978,9 @@
             </a:lvl1pPr>
           </a:lstStyle>
           <a:p>
-            <a:pPr algn="ctr"/>
             <a:r>
               <a:rPr lang="en-GB" sz="7200" dirty="0"/>
-              <a:t>Experiment</a:t>
+              <a:t>Experiment 🔬</a:t>
             </a:r>
             <a:endParaRPr lang="en-GB" dirty="0"/>
           </a:p>
@@ -22873,7 +23198,7 @@
 </p:sld>
 </file>
 
-<file path=ppt/slides/slide58.xml><?xml version="1.0" encoding="utf-8"?>
+<file path=ppt/slides/slide59.xml><?xml version="1.0" encoding="utf-8"?>
 <p:sld xmlns:a="http://schemas.openxmlformats.org/drawingml/2006/main" xmlns:r="http://schemas.openxmlformats.org/officeDocument/2006/relationships" xmlns:p="http://schemas.openxmlformats.org/presentationml/2006/main">
   <p:cSld>
     <p:spTree>
@@ -22994,7 +23319,7 @@
           <a:p>
             <a:r>
               <a:rPr lang="en-GB" sz="6600" dirty="0"/>
-              <a:t> Pick a Topic</a:t>
+              <a:t> Pick a Topic 🎲</a:t>
             </a:r>
           </a:p>
         </p:txBody>
@@ -23045,7 +23370,7 @@
           <a:p>
             <a:r>
               <a:rPr lang="en-GB" sz="6600" dirty="0"/>
-              <a:t> Facilitate</a:t>
+              <a:t> Facilitate 🔦</a:t>
             </a:r>
           </a:p>
         </p:txBody>
@@ -23233,7 +23558,7 @@
 </p:sld>
 </file>
 
-<file path=ppt/slides/slide59.xml><?xml version="1.0" encoding="utf-8"?>
+<file path=ppt/slides/slide6.xml><?xml version="1.0" encoding="utf-8"?>
 <p:sld xmlns:a="http://schemas.openxmlformats.org/drawingml/2006/main" xmlns:r="http://schemas.openxmlformats.org/officeDocument/2006/relationships" xmlns:p="http://schemas.openxmlformats.org/presentationml/2006/main">
   <p:cSld>
     <p:spTree>
@@ -23262,6 +23587,93 @@
         </p:nvSpPr>
         <p:spPr>
           <a:xfrm>
+            <a:off x="1678346" y="3176198"/>
+            <a:ext cx="8835309" cy="505604"/>
+          </a:xfrm>
+        </p:spPr>
+        <p:txBody>
+          <a:bodyPr/>
+          <a:lstStyle/>
+          <a:p>
+            <a:r>
+              <a:rPr lang="en-GB" sz="9600" dirty="0"/>
+              <a:t>🙂🙂🙂🙂🙂</a:t>
+            </a:r>
+            <a:endParaRPr lang="en-GB" dirty="0"/>
+          </a:p>
+        </p:txBody>
+      </p:sp>
+      <p:sp>
+        <p:nvSpPr>
+          <p:cNvPr id="5" name="Date Placeholder 4">
+            <a:extLst>
+              <a:ext uri="{FF2B5EF4-FFF2-40B4-BE49-F238E27FC236}">
+                <a16:creationId xmlns:a16="http://schemas.microsoft.com/office/drawing/2014/main" id="{302BFF03-0B35-E544-BA52-CD1B402E90BE}"/>
+              </a:ext>
+            </a:extLst>
+          </p:cNvPr>
+          <p:cNvSpPr>
+            <a:spLocks noGrp="1"/>
+          </p:cNvSpPr>
+          <p:nvPr>
+            <p:ph type="dt" sz="half" idx="10"/>
+          </p:nvPr>
+        </p:nvSpPr>
+        <p:spPr/>
+        <p:txBody>
+          <a:bodyPr/>
+          <a:lstStyle/>
+          <a:p>
+            <a:r>
+              <a:rPr lang="en-GB"/>
+              <a:t>@owennell</a:t>
+            </a:r>
+            <a:endParaRPr lang="en-US" dirty="0"/>
+          </a:p>
+        </p:txBody>
+      </p:sp>
+    </p:spTree>
+    <p:extLst>
+      <p:ext uri="{BB962C8B-B14F-4D97-AF65-F5344CB8AC3E}">
+        <p14:creationId xmlns:p14="http://schemas.microsoft.com/office/powerpoint/2010/main" val="3109083235"/>
+      </p:ext>
+    </p:extLst>
+  </p:cSld>
+  <p:clrMapOvr>
+    <a:masterClrMapping/>
+  </p:clrMapOvr>
+</p:sld>
+</file>
+
+<file path=ppt/slides/slide60.xml><?xml version="1.0" encoding="utf-8"?>
+<p:sld xmlns:a="http://schemas.openxmlformats.org/drawingml/2006/main" xmlns:r="http://schemas.openxmlformats.org/officeDocument/2006/relationships" xmlns:p="http://schemas.openxmlformats.org/presentationml/2006/main">
+  <p:cSld>
+    <p:spTree>
+      <p:nvGrpSpPr>
+        <p:cNvPr id="1" name=""/>
+        <p:cNvGrpSpPr/>
+        <p:nvPr/>
+      </p:nvGrpSpPr>
+      <p:grpSpPr>
+        <a:xfrm>
+          <a:off x="0" y="0"/>
+          <a:ext cx="0" cy="0"/>
+          <a:chOff x="0" y="0"/>
+          <a:chExt cx="0" cy="0"/>
+        </a:xfrm>
+      </p:grpSpPr>
+      <p:sp>
+        <p:nvSpPr>
+          <p:cNvPr id="2" name="Title 1"/>
+          <p:cNvSpPr>
+            <a:spLocks noGrp="1"/>
+          </p:cNvSpPr>
+          <p:nvPr>
+            <p:ph type="title"/>
+          </p:nvPr>
+        </p:nvSpPr>
+        <p:spPr>
+          <a:xfrm>
             <a:off x="1678345" y="3964580"/>
             <a:ext cx="8835309" cy="505604"/>
           </a:xfrm>
@@ -23296,7 +23708,7 @@
             </a:r>
             <a:r>
               <a:rPr lang="en-GB" sz="3200" dirty="0" err="1"/>
-              <a:t>MobProgramming</a:t>
+              <a:t>mobprogramming</a:t>
             </a:r>
             <a:r>
               <a:rPr lang="en-GB" sz="3200" dirty="0"/>
@@ -23328,11 +23740,7 @@
             </a:r>
             <a:r>
               <a:rPr lang="en-GB" sz="3200" dirty="0"/>
-              <a:t> </a:t>
-            </a:r>
-            <a:r>
-              <a:rPr lang="en-GB" sz="3200"/>
-              <a:t>on YouTube</a:t>
+              <a:t> on YouTube</a:t>
             </a:r>
             <a:br>
               <a:rPr lang="en-GB" sz="3200" dirty="0"/>
@@ -23439,93 +23847,6 @@
     <p:extLst>
       <p:ext uri="{BB962C8B-B14F-4D97-AF65-F5344CB8AC3E}">
         <p14:creationId xmlns:p14="http://schemas.microsoft.com/office/powerpoint/2010/main" val="1180917442"/>
-      </p:ext>
-    </p:extLst>
-  </p:cSld>
-  <p:clrMapOvr>
-    <a:masterClrMapping/>
-  </p:clrMapOvr>
-</p:sld>
-</file>
-
-<file path=ppt/slides/slide6.xml><?xml version="1.0" encoding="utf-8"?>
-<p:sld xmlns:a="http://schemas.openxmlformats.org/drawingml/2006/main" xmlns:r="http://schemas.openxmlformats.org/officeDocument/2006/relationships" xmlns:p="http://schemas.openxmlformats.org/presentationml/2006/main">
-  <p:cSld>
-    <p:spTree>
-      <p:nvGrpSpPr>
-        <p:cNvPr id="1" name=""/>
-        <p:cNvGrpSpPr/>
-        <p:nvPr/>
-      </p:nvGrpSpPr>
-      <p:grpSpPr>
-        <a:xfrm>
-          <a:off x="0" y="0"/>
-          <a:ext cx="0" cy="0"/>
-          <a:chOff x="0" y="0"/>
-          <a:chExt cx="0" cy="0"/>
-        </a:xfrm>
-      </p:grpSpPr>
-      <p:sp>
-        <p:nvSpPr>
-          <p:cNvPr id="2" name="Title 1"/>
-          <p:cNvSpPr>
-            <a:spLocks noGrp="1"/>
-          </p:cNvSpPr>
-          <p:nvPr>
-            <p:ph type="title"/>
-          </p:nvPr>
-        </p:nvSpPr>
-        <p:spPr>
-          <a:xfrm>
-            <a:off x="1678346" y="3176198"/>
-            <a:ext cx="8835309" cy="505604"/>
-          </a:xfrm>
-        </p:spPr>
-        <p:txBody>
-          <a:bodyPr/>
-          <a:lstStyle/>
-          <a:p>
-            <a:r>
-              <a:rPr lang="en-GB" sz="9600" dirty="0"/>
-              <a:t>🙂🙂🙂🙂🙂</a:t>
-            </a:r>
-            <a:endParaRPr lang="en-GB" dirty="0"/>
-          </a:p>
-        </p:txBody>
-      </p:sp>
-      <p:sp>
-        <p:nvSpPr>
-          <p:cNvPr id="5" name="Date Placeholder 4">
-            <a:extLst>
-              <a:ext uri="{FF2B5EF4-FFF2-40B4-BE49-F238E27FC236}">
-                <a16:creationId xmlns:a16="http://schemas.microsoft.com/office/drawing/2014/main" id="{302BFF03-0B35-E544-BA52-CD1B402E90BE}"/>
-              </a:ext>
-            </a:extLst>
-          </p:cNvPr>
-          <p:cNvSpPr>
-            <a:spLocks noGrp="1"/>
-          </p:cNvSpPr>
-          <p:nvPr>
-            <p:ph type="dt" sz="half" idx="10"/>
-          </p:nvPr>
-        </p:nvSpPr>
-        <p:spPr/>
-        <p:txBody>
-          <a:bodyPr/>
-          <a:lstStyle/>
-          <a:p>
-            <a:r>
-              <a:rPr lang="en-GB"/>
-              <a:t>@owennell</a:t>
-            </a:r>
-            <a:endParaRPr lang="en-US" dirty="0"/>
-          </a:p>
-        </p:txBody>
-      </p:sp>
-    </p:spTree>
-    <p:extLst>
-      <p:ext uri="{BB962C8B-B14F-4D97-AF65-F5344CB8AC3E}">
-        <p14:creationId xmlns:p14="http://schemas.microsoft.com/office/powerpoint/2010/main" val="3109083235"/>
       </p:ext>
     </p:extLst>
   </p:cSld>
@@ -24663,6 +24984,21 @@
 </file>
 
 <file path=customXml/item1.xml><?xml version="1.0" encoding="utf-8"?>
+<p:properties xmlns:p="http://schemas.microsoft.com/office/2006/metadata/properties" xmlns:xsi="http://www.w3.org/2001/XMLSchema-instance">
+  <documentManagement/>
+</p:properties>
+</file>
+
+<file path=customXml/item2.xml><?xml version="1.0" encoding="utf-8"?>
+<?mso-contentType ?>
+<FormTemplates xmlns="http://schemas.microsoft.com/sharepoint/v3/contenttype/forms">
+  <Display>DocumentLibraryForm</Display>
+  <Edit>DocumentLibraryForm</Edit>
+  <New>DocumentLibraryForm</New>
+</FormTemplates>
+</file>
+
+<file path=customXml/item3.xml><?xml version="1.0" encoding="utf-8"?>
 <ct:contentTypeSchema xmlns:ct="http://schemas.microsoft.com/office/2006/metadata/contentType" xmlns:ma="http://schemas.microsoft.com/office/2006/metadata/properties/metaAttributes" ct:_="" ma:_="" ma:contentTypeName="Document" ma:contentTypeID="0x0101005BEB3BB5FC069E4A8B1077D5FD23943C" ma:contentTypeVersion="2" ma:contentTypeDescription="Create a new document." ma:contentTypeScope="" ma:versionID="47ddf1554eeafa4d79d0318e64abc4a7">
   <xsd:schema xmlns:xsd="http://www.w3.org/2001/XMLSchema" xmlns:xs="http://www.w3.org/2001/XMLSchema" xmlns:p="http://schemas.microsoft.com/office/2006/metadata/properties" xmlns:ns2="d1b01c81-120a-4560-9817-a2c229f7d73c" targetNamespace="http://schemas.microsoft.com/office/2006/metadata/properties" ma:root="true" ma:fieldsID="1a8928d985599b3cc8311f2e57b9aa78" ns2:_="">
     <xsd:import namespace="d1b01c81-120a-4560-9817-a2c229f7d73c"/>
@@ -24810,22 +25146,23 @@
 </ct:contentTypeSchema>
 </file>
 
-<file path=customXml/item2.xml><?xml version="1.0" encoding="utf-8"?>
-<p:properties xmlns:p="http://schemas.microsoft.com/office/2006/metadata/properties" xmlns:xsi="http://www.w3.org/2001/XMLSchema-instance">
-  <documentManagement/>
-</p:properties>
+<file path=customXml/itemProps1.xml><?xml version="1.0" encoding="utf-8"?>
+<ds:datastoreItem xmlns:ds="http://schemas.openxmlformats.org/officeDocument/2006/customXml" ds:itemID="{28288C4A-FB4D-4A80-A265-5C3EA7C36918}">
+  <ds:schemaRefs>
+    <ds:schemaRef ds:uri="http://schemas.microsoft.com/office/2006/metadata/properties"/>
+  </ds:schemaRefs>
+</ds:datastoreItem>
 </file>
 
-<file path=customXml/item3.xml><?xml version="1.0" encoding="utf-8"?>
-<?mso-contentType ?>
-<FormTemplates xmlns="http://schemas.microsoft.com/sharepoint/v3/contenttype/forms">
-  <Display>DocumentLibraryForm</Display>
-  <Edit>DocumentLibraryForm</Edit>
-  <New>DocumentLibraryForm</New>
-</FormTemplates>
+<file path=customXml/itemProps2.xml><?xml version="1.0" encoding="utf-8"?>
+<ds:datastoreItem xmlns:ds="http://schemas.openxmlformats.org/officeDocument/2006/customXml" ds:itemID="{5B0221C8-8D1F-449C-9E02-3B69D2872205}">
+  <ds:schemaRefs>
+    <ds:schemaRef ds:uri="http://schemas.microsoft.com/sharepoint/v3/contenttype/forms"/>
+  </ds:schemaRefs>
+</ds:datastoreItem>
 </file>
 
-<file path=customXml/itemProps1.xml><?xml version="1.0" encoding="utf-8"?>
+<file path=customXml/itemProps3.xml><?xml version="1.0" encoding="utf-8"?>
 <ds:datastoreItem xmlns:ds="http://schemas.openxmlformats.org/officeDocument/2006/customXml" ds:itemID="{B9E90AD6-4848-4215-B912-DB92A776088F}">
   <ds:schemaRefs>
     <ds:schemaRef ds:uri="http://schemas.microsoft.com/office/2006/metadata/contentType"/>
@@ -24841,20 +25178,4 @@
     <ds:schemaRef ds:uri="http://schemas.microsoft.com/internal/obd"/>
   </ds:schemaRefs>
 </ds:datastoreItem>
-</file>
-
-<file path=customXml/itemProps2.xml><?xml version="1.0" encoding="utf-8"?>
-<ds:datastoreItem xmlns:ds="http://schemas.openxmlformats.org/officeDocument/2006/customXml" ds:itemID="{28288C4A-FB4D-4A80-A265-5C3EA7C36918}">
-  <ds:schemaRefs>
-    <ds:schemaRef ds:uri="http://schemas.microsoft.com/office/2006/metadata/properties"/>
-  </ds:schemaRefs>
-</ds:datastoreItem>
-</file>
-
-<file path=customXml/itemProps3.xml><?xml version="1.0" encoding="utf-8"?>
-<ds:datastoreItem xmlns:ds="http://schemas.openxmlformats.org/officeDocument/2006/customXml" ds:itemID="{5B0221C8-8D1F-449C-9E02-3B69D2872205}">
-  <ds:schemaRefs>
-    <ds:schemaRef ds:uri="http://schemas.microsoft.com/sharepoint/v3/contenttype/forms"/>
-  </ds:schemaRefs>
-</ds:datastoreItem>
 </file>
--- a/a-mob-mentality.pptx
+++ b/a-mob-mentality.pptx
@@ -63,12 +63,12 @@
     <p:sldId id="365" r:id="rId54"/>
     <p:sldId id="368" r:id="rId55"/>
     <p:sldId id="367" r:id="rId56"/>
-    <p:sldId id="377" r:id="rId57"/>
-    <p:sldId id="369" r:id="rId58"/>
-    <p:sldId id="370" r:id="rId59"/>
-    <p:sldId id="371" r:id="rId60"/>
-    <p:sldId id="372" r:id="rId61"/>
-    <p:sldId id="373" r:id="rId62"/>
+    <p:sldId id="372" r:id="rId57"/>
+    <p:sldId id="373" r:id="rId58"/>
+    <p:sldId id="377" r:id="rId59"/>
+    <p:sldId id="369" r:id="rId60"/>
+    <p:sldId id="370" r:id="rId61"/>
+    <p:sldId id="371" r:id="rId62"/>
     <p:sldId id="374" r:id="rId63"/>
     <p:sldId id="375" r:id="rId64"/>
   </p:sldIdLst>
@@ -273,7 +273,7 @@
           <a:p>
             <a:fld id="{7BBE8AEC-3485-8F42-8DAA-65AC687FA28D}" type="datetimeFigureOut">
               <a:rPr lang="en-US" smtClean="0"/>
-              <a:t>9/26/19</a:t>
+              <a:t>9/27/19</a:t>
             </a:fld>
             <a:endParaRPr lang="en-US"/>
           </a:p>
@@ -438,7 +438,7 @@
           <a:p>
             <a:fld id="{F8C37668-4783-4882-B2E6-3A4D0BC25785}" type="datetimeFigureOut">
               <a:rPr lang="en-GB" smtClean="0"/>
-              <a:t>26/09/2019</a:t>
+              <a:t>27/09/2019</a:t>
             </a:fld>
             <a:endParaRPr lang="en-GB"/>
           </a:p>
@@ -6221,14 +6221,135 @@
           <a:p>
             <a:r>
               <a:rPr lang="en-US" dirty="0"/>
-              <a:t>I’ve talked about three mobs over time, but mobbing isn’t done</a:t>
-            </a:r>
-          </a:p>
-          <a:p>
-            <a:r>
-              <a:rPr lang="en-US" dirty="0"/>
-              <a:t>People are still trying new things.</a:t>
-            </a:r>
+              <a:t>&lt;&lt;&lt;</a:t>
+            </a:r>
+          </a:p>
+          <a:p>
+            <a:r>
+              <a:rPr lang="en-GB" sz="1200" b="0" i="0" kern="1200" dirty="0">
+                <a:solidFill>
+                  <a:schemeClr val="tx1"/>
+                </a:solidFill>
+                <a:effectLst/>
+                <a:latin typeface="+mn-lt"/>
+                <a:ea typeface="+mn-ea"/>
+                <a:cs typeface="+mn-cs"/>
+              </a:rPr>
+              <a:t>Talk about how mobbing is now being used at CTM</a:t>
+            </a:r>
+            <a:br>
+              <a:rPr lang="en-GB" dirty="0"/>
+            </a:br>
+            <a:r>
+              <a:rPr lang="en-GB" sz="1200" b="0" i="0" kern="1200" dirty="0">
+                <a:solidFill>
+                  <a:schemeClr val="tx1"/>
+                </a:solidFill>
+                <a:effectLst/>
+                <a:latin typeface="+mn-lt"/>
+                <a:ea typeface="+mn-ea"/>
+                <a:cs typeface="+mn-cs"/>
+              </a:rPr>
+              <a:t>Some mob by default</a:t>
+            </a:r>
+            <a:br>
+              <a:rPr lang="en-GB" dirty="0"/>
+            </a:br>
+            <a:r>
+              <a:rPr lang="en-GB" sz="1200" b="0" i="0" kern="1200" dirty="0">
+                <a:solidFill>
+                  <a:schemeClr val="tx1"/>
+                </a:solidFill>
+                <a:effectLst/>
+                <a:latin typeface="+mn-lt"/>
+                <a:ea typeface="+mn-ea"/>
+                <a:cs typeface="+mn-cs"/>
+              </a:rPr>
+              <a:t>Some mob on tricky things or as an exception</a:t>
+            </a:r>
+            <a:br>
+              <a:rPr lang="en-GB" dirty="0"/>
+            </a:br>
+            <a:r>
+              <a:rPr lang="en-GB" sz="1200" b="0" i="0" kern="1200" dirty="0">
+                <a:solidFill>
+                  <a:schemeClr val="tx1"/>
+                </a:solidFill>
+                <a:effectLst/>
+                <a:latin typeface="+mn-lt"/>
+                <a:ea typeface="+mn-ea"/>
+                <a:cs typeface="+mn-cs"/>
+              </a:rPr>
+              <a:t>Some use programming theatre</a:t>
+            </a:r>
+          </a:p>
+          <a:p>
+            <a:endParaRPr lang="en-GB" sz="1200" b="0" i="0" kern="1200" dirty="0">
+              <a:solidFill>
+                <a:schemeClr val="tx1"/>
+              </a:solidFill>
+              <a:effectLst/>
+              <a:latin typeface="+mn-lt"/>
+              <a:ea typeface="+mn-ea"/>
+              <a:cs typeface="+mn-cs"/>
+            </a:endParaRPr>
+          </a:p>
+          <a:p>
+            <a:r>
+              <a:rPr lang="en-GB" sz="1200" b="0" i="0" kern="1200" dirty="0">
+                <a:solidFill>
+                  <a:schemeClr val="tx1"/>
+                </a:solidFill>
+                <a:effectLst/>
+                <a:latin typeface="+mn-lt"/>
+                <a:ea typeface="+mn-ea"/>
+                <a:cs typeface="+mn-cs"/>
+              </a:rPr>
+              <a:t>It’s caught on</a:t>
+            </a:r>
+          </a:p>
+          <a:p>
+            <a:r>
+              <a:rPr lang="en-GB" sz="1200" b="0" i="0" kern="1200" dirty="0">
+                <a:solidFill>
+                  <a:schemeClr val="tx1"/>
+                </a:solidFill>
+                <a:effectLst/>
+                <a:latin typeface="+mn-lt"/>
+                <a:ea typeface="+mn-ea"/>
+                <a:cs typeface="+mn-cs"/>
+              </a:rPr>
+              <a:t>Mobs that I haven’t been in talk about the same kind of positives and negatives</a:t>
+            </a:r>
+          </a:p>
+          <a:p>
+            <a:endParaRPr lang="en-GB" sz="1200" b="0" i="0" kern="1200" dirty="0">
+              <a:solidFill>
+                <a:schemeClr val="tx1"/>
+              </a:solidFill>
+              <a:effectLst/>
+              <a:latin typeface="+mn-lt"/>
+              <a:ea typeface="+mn-ea"/>
+              <a:cs typeface="+mn-cs"/>
+            </a:endParaRPr>
+          </a:p>
+          <a:p>
+            <a:r>
+              <a:rPr lang="en-GB" sz="1200" b="0" i="0" kern="1200" dirty="0">
+                <a:solidFill>
+                  <a:schemeClr val="tx1"/>
+                </a:solidFill>
+                <a:effectLst/>
+                <a:latin typeface="+mn-lt"/>
+                <a:ea typeface="+mn-ea"/>
+                <a:cs typeface="+mn-cs"/>
+              </a:rPr>
+              <a:t>&gt;&gt;&gt;</a:t>
+            </a:r>
+            <a:endParaRPr lang="en-US" dirty="0"/>
+          </a:p>
+          <a:p>
+            <a:endParaRPr lang="en-US" dirty="0"/>
           </a:p>
         </p:txBody>
       </p:sp>
@@ -6258,7 +6379,7 @@
     </p:spTree>
     <p:extLst>
       <p:ext uri="{BB962C8B-B14F-4D97-AF65-F5344CB8AC3E}">
-        <p14:creationId xmlns:p14="http://schemas.microsoft.com/office/powerpoint/2010/main" val="572443515"/>
+        <p14:creationId xmlns:p14="http://schemas.microsoft.com/office/powerpoint/2010/main" val="3708235082"/>
       </p:ext>
     </p:extLst>
   </p:cSld>
@@ -6314,7 +6435,13 @@
           <a:p>
             <a:r>
               <a:rPr lang="en-US" dirty="0"/>
-              <a:t>The tools out there are evolving</a:t>
+              <a:t>Mobbing is an amplifier</a:t>
+            </a:r>
+          </a:p>
+          <a:p>
+            <a:r>
+              <a:rPr lang="en-US" dirty="0"/>
+              <a:t>It amplifies good things, but beware of amplification the bad things too</a:t>
             </a:r>
           </a:p>
           <a:p>
@@ -6323,18 +6450,18 @@
           <a:p>
             <a:r>
               <a:rPr lang="en-US" dirty="0"/>
-              <a:t>IDEs are starting to allow you to share your editor with others, so they can drive too</a:t>
+              <a:t>Mobbing is a tool you can use at the right time and in the right place</a:t>
             </a:r>
             <a:br>
               <a:rPr lang="en-US" dirty="0"/>
             </a:br>
-            <a:r>
-              <a:rPr lang="en-US" dirty="0"/>
-              <a:t>There are tools like mobbing timers, to let you know when you need to rotate drivers</a:t>
-            </a:r>
-          </a:p>
-          <a:p>
-            <a:endParaRPr lang="en-US" dirty="0"/>
+            <a:br>
+              <a:rPr lang="en-US" dirty="0"/>
+            </a:br>
+            <a:r>
+              <a:rPr lang="en-US" dirty="0"/>
+              <a:t>Each mob, mobs differently. And that’s a good thing. Find what works for you and keep experimenting.</a:t>
+            </a:r>
           </a:p>
         </p:txBody>
       </p:sp>
@@ -6364,7 +6491,7 @@
     </p:spTree>
     <p:extLst>
       <p:ext uri="{BB962C8B-B14F-4D97-AF65-F5344CB8AC3E}">
-        <p14:creationId xmlns:p14="http://schemas.microsoft.com/office/powerpoint/2010/main" val="3036134761"/>
+        <p14:creationId xmlns:p14="http://schemas.microsoft.com/office/powerpoint/2010/main" val="4167207322"/>
       </p:ext>
     </p:extLst>
   </p:cSld>
@@ -6420,59 +6547,13 @@
           <a:p>
             <a:r>
               <a:rPr lang="en-US" dirty="0"/>
-              <a:t>Remote mobbing is opening up possibilities</a:t>
-            </a:r>
-          </a:p>
-          <a:p>
-            <a:endParaRPr lang="en-US" dirty="0"/>
-          </a:p>
-          <a:p>
-            <a:r>
-              <a:rPr lang="en-US" dirty="0"/>
-              <a:t>I’ve been in mobs where some or all of us are remote</a:t>
-            </a:r>
-          </a:p>
-          <a:p>
-            <a:r>
-              <a:rPr lang="en-US" dirty="0"/>
-              <a:t>We use screen sharing and voice chat to mob together and it works ok</a:t>
-            </a:r>
-            <a:br>
-              <a:rPr lang="en-US" dirty="0"/>
-            </a:br>
-            <a:endParaRPr lang="en-US" dirty="0"/>
-          </a:p>
-          <a:p>
-            <a:r>
-              <a:rPr lang="en-US" dirty="0"/>
-              <a:t>If anyone’s ever had remote meetings, you get the same kind of issues</a:t>
-            </a:r>
-          </a:p>
-          <a:p>
-            <a:r>
-              <a:rPr lang="en-US" dirty="0"/>
-              <a:t>Connections can be unreliable</a:t>
-            </a:r>
-          </a:p>
-          <a:p>
-            <a:r>
-              <a:rPr lang="en-US" dirty="0"/>
-              <a:t>And you lose being able to use body language to communicate</a:t>
-            </a:r>
-          </a:p>
-          <a:p>
-            <a:endParaRPr lang="en-US" dirty="0"/>
-          </a:p>
-          <a:p>
-            <a:r>
-              <a:rPr lang="en-US" dirty="0"/>
-              <a:t>But connections are getting better</a:t>
-            </a:r>
-          </a:p>
-          <a:p>
-            <a:r>
-              <a:rPr lang="en-US" dirty="0"/>
-              <a:t>Some people are experimenting with meetings in virtual reality, so maybe remote mobbing in the future won’t be too different from being co-located</a:t>
+              <a:t>I’ve talked about three mobs over time, but mobbing isn’t done</a:t>
+            </a:r>
+          </a:p>
+          <a:p>
+            <a:r>
+              <a:rPr lang="en-US" dirty="0"/>
+              <a:t>People are still trying new things.</a:t>
             </a:r>
           </a:p>
         </p:txBody>
@@ -6503,7 +6584,7 @@
     </p:spTree>
     <p:extLst>
       <p:ext uri="{BB962C8B-B14F-4D97-AF65-F5344CB8AC3E}">
-        <p14:creationId xmlns:p14="http://schemas.microsoft.com/office/powerpoint/2010/main" val="4083507257"/>
+        <p14:creationId xmlns:p14="http://schemas.microsoft.com/office/powerpoint/2010/main" val="572443515"/>
       </p:ext>
     </p:extLst>
   </p:cSld>
@@ -6559,20 +6640,27 @@
           <a:p>
             <a:r>
               <a:rPr lang="en-US" dirty="0"/>
-              <a:t>But best of all, there’s a whole bunch of people around the world trying out mobbing</a:t>
-            </a:r>
-          </a:p>
-          <a:p>
-            <a:r>
-              <a:rPr lang="en-US" dirty="0"/>
-              <a:t>They’re experimenting and sharing their experiences</a:t>
-            </a:r>
-          </a:p>
-          <a:p>
-            <a:r>
-              <a:rPr lang="en-US" dirty="0"/>
-              <a:t>And we can all learn from each other</a:t>
-            </a:r>
+              <a:t>The tools out there are evolving</a:t>
+            </a:r>
+          </a:p>
+          <a:p>
+            <a:endParaRPr lang="en-US" dirty="0"/>
+          </a:p>
+          <a:p>
+            <a:r>
+              <a:rPr lang="en-US" dirty="0"/>
+              <a:t>IDEs are starting to allow you to share your editor with others, so they can drive too</a:t>
+            </a:r>
+            <a:br>
+              <a:rPr lang="en-US" dirty="0"/>
+            </a:br>
+            <a:r>
+              <a:rPr lang="en-US" dirty="0"/>
+              <a:t>There are tools like mobbing timers, to let you know when you need to rotate drivers</a:t>
+            </a:r>
+          </a:p>
+          <a:p>
+            <a:endParaRPr lang="en-US" dirty="0"/>
           </a:p>
         </p:txBody>
       </p:sp>
@@ -6602,7 +6690,7 @@
     </p:spTree>
     <p:extLst>
       <p:ext uri="{BB962C8B-B14F-4D97-AF65-F5344CB8AC3E}">
-        <p14:creationId xmlns:p14="http://schemas.microsoft.com/office/powerpoint/2010/main" val="162785280"/>
+        <p14:creationId xmlns:p14="http://schemas.microsoft.com/office/powerpoint/2010/main" val="3036134761"/>
       </p:ext>
     </p:extLst>
   </p:cSld>
@@ -6658,7 +6746,59 @@
           <a:p>
             <a:r>
               <a:rPr lang="en-US" dirty="0"/>
-              <a:t>So it’s nearly the end</a:t>
+              <a:t>Remote mobbing is opening up possibilities</a:t>
+            </a:r>
+          </a:p>
+          <a:p>
+            <a:endParaRPr lang="en-US" dirty="0"/>
+          </a:p>
+          <a:p>
+            <a:r>
+              <a:rPr lang="en-US" dirty="0"/>
+              <a:t>I’ve been in mobs where some or all of us are remote</a:t>
+            </a:r>
+          </a:p>
+          <a:p>
+            <a:r>
+              <a:rPr lang="en-US" dirty="0"/>
+              <a:t>We use screen sharing and voice chat to mob together and it works ok</a:t>
+            </a:r>
+            <a:br>
+              <a:rPr lang="en-US" dirty="0"/>
+            </a:br>
+            <a:endParaRPr lang="en-US" dirty="0"/>
+          </a:p>
+          <a:p>
+            <a:r>
+              <a:rPr lang="en-US" dirty="0"/>
+              <a:t>If anyone’s ever had remote meetings, you get the same kind of issues</a:t>
+            </a:r>
+          </a:p>
+          <a:p>
+            <a:r>
+              <a:rPr lang="en-US" dirty="0"/>
+              <a:t>Connections can be unreliable</a:t>
+            </a:r>
+          </a:p>
+          <a:p>
+            <a:r>
+              <a:rPr lang="en-US" dirty="0"/>
+              <a:t>And you lose being able to use body language to communicate</a:t>
+            </a:r>
+          </a:p>
+          <a:p>
+            <a:endParaRPr lang="en-US" dirty="0"/>
+          </a:p>
+          <a:p>
+            <a:r>
+              <a:rPr lang="en-US" dirty="0"/>
+              <a:t>But connections are getting better</a:t>
+            </a:r>
+          </a:p>
+          <a:p>
+            <a:r>
+              <a:rPr lang="en-US" dirty="0"/>
+              <a:t>Some people are experimenting with meetings in virtual reality, so maybe remote mobbing in the future won’t be too different from being co-located</a:t>
             </a:r>
           </a:p>
         </p:txBody>
@@ -6689,7 +6829,7 @@
     </p:spTree>
     <p:extLst>
       <p:ext uri="{BB962C8B-B14F-4D97-AF65-F5344CB8AC3E}">
-        <p14:creationId xmlns:p14="http://schemas.microsoft.com/office/powerpoint/2010/main" val="3708235082"/>
+        <p14:creationId xmlns:p14="http://schemas.microsoft.com/office/powerpoint/2010/main" val="4083507257"/>
       </p:ext>
     </p:extLst>
   </p:cSld>
@@ -6745,32 +6885,19 @@
           <a:p>
             <a:r>
               <a:rPr lang="en-US" dirty="0"/>
-              <a:t>Mobbing is an amplifier</a:t>
-            </a:r>
-          </a:p>
-          <a:p>
-            <a:r>
-              <a:rPr lang="en-US" dirty="0"/>
-              <a:t>It amplifies good things, but beware of amplification the bad things too</a:t>
-            </a:r>
-          </a:p>
-          <a:p>
-            <a:endParaRPr lang="en-US" dirty="0"/>
-          </a:p>
-          <a:p>
-            <a:r>
-              <a:rPr lang="en-US" dirty="0"/>
-              <a:t>Mobbing is a tool you can use at the right time and in the right place</a:t>
-            </a:r>
-            <a:br>
-              <a:rPr lang="en-US" dirty="0"/>
-            </a:br>
-            <a:br>
-              <a:rPr lang="en-US" dirty="0"/>
-            </a:br>
-            <a:r>
-              <a:rPr lang="en-US" dirty="0"/>
-              <a:t>Each mob, mobs differently. And that’s a good thing. Find what works for you and keep experimenting.</a:t>
+              <a:t>But best of all, there’s a whole bunch of people around the world trying out mobbing</a:t>
+            </a:r>
+          </a:p>
+          <a:p>
+            <a:r>
+              <a:rPr lang="en-US" dirty="0"/>
+              <a:t>They’re experimenting and sharing their experiences</a:t>
+            </a:r>
+          </a:p>
+          <a:p>
+            <a:r>
+              <a:rPr lang="en-US" dirty="0"/>
+              <a:t>And we can all learn from each other</a:t>
             </a:r>
           </a:p>
         </p:txBody>
@@ -6801,7 +6928,7 @@
     </p:spTree>
     <p:extLst>
       <p:ext uri="{BB962C8B-B14F-4D97-AF65-F5344CB8AC3E}">
-        <p14:creationId xmlns:p14="http://schemas.microsoft.com/office/powerpoint/2010/main" val="4167207322"/>
+        <p14:creationId xmlns:p14="http://schemas.microsoft.com/office/powerpoint/2010/main" val="162785280"/>
       </p:ext>
     </p:extLst>
   </p:cSld>
@@ -20742,7 +20869,7 @@
             <a:pPr algn="ctr"/>
             <a:r>
               <a:rPr lang="en-GB" sz="4800" dirty="0"/>
-              <a:t>😕😴🙉 =&gt; Right Team For Each Job 👍</a:t>
+              <a:t>😕😴🙉 - Right Team For Each Job 👍</a:t>
             </a:r>
             <a:endParaRPr lang="en-GB" sz="3600" i="1" dirty="0"/>
           </a:p>
@@ -22121,7 +22248,7 @@
             <a:pPr algn="ctr"/>
             <a:r>
               <a:rPr lang="en-GB" sz="6600" dirty="0"/>
-              <a:t>👽🍿🤚 =&gt; Experiment 🔬</a:t>
+              <a:t>👽🍿🤚 - 🔬🔦</a:t>
             </a:r>
             <a:endParaRPr lang="en-GB" sz="4800" i="1" dirty="0"/>
           </a:p>
@@ -22426,369 +22553,6 @@
             <a:pPr algn="ctr"/>
             <a:r>
               <a:rPr lang="en-GB" sz="8800" dirty="0"/>
-              <a:t>The Future 🤖</a:t>
-            </a:r>
-            <a:endParaRPr lang="en-GB" dirty="0"/>
-          </a:p>
-        </p:txBody>
-      </p:sp>
-      <p:sp>
-        <p:nvSpPr>
-          <p:cNvPr id="5" name="Date Placeholder 4">
-            <a:extLst>
-              <a:ext uri="{FF2B5EF4-FFF2-40B4-BE49-F238E27FC236}">
-                <a16:creationId xmlns:a16="http://schemas.microsoft.com/office/drawing/2014/main" id="{CAC72B13-A2AB-4444-A32E-45E07B537B1E}"/>
-              </a:ext>
-            </a:extLst>
-          </p:cNvPr>
-          <p:cNvSpPr>
-            <a:spLocks noGrp="1"/>
-          </p:cNvSpPr>
-          <p:nvPr>
-            <p:ph type="dt" sz="half" idx="10"/>
-          </p:nvPr>
-        </p:nvSpPr>
-        <p:spPr/>
-        <p:txBody>
-          <a:bodyPr/>
-          <a:lstStyle/>
-          <a:p>
-            <a:r>
-              <a:rPr lang="en-GB"/>
-              <a:t>@owennell</a:t>
-            </a:r>
-            <a:endParaRPr lang="en-US" dirty="0"/>
-          </a:p>
-        </p:txBody>
-      </p:sp>
-    </p:spTree>
-    <p:extLst>
-      <p:ext uri="{BB962C8B-B14F-4D97-AF65-F5344CB8AC3E}">
-        <p14:creationId xmlns:p14="http://schemas.microsoft.com/office/powerpoint/2010/main" val="2368483634"/>
-      </p:ext>
-    </p:extLst>
-  </p:cSld>
-  <p:clrMapOvr>
-    <a:masterClrMapping/>
-  </p:clrMapOvr>
-</p:sld>
-</file>
-
-<file path=ppt/slides/slide54.xml><?xml version="1.0" encoding="utf-8"?>
-<p:sld xmlns:a="http://schemas.openxmlformats.org/drawingml/2006/main" xmlns:r="http://schemas.openxmlformats.org/officeDocument/2006/relationships" xmlns:p="http://schemas.openxmlformats.org/presentationml/2006/main">
-  <p:cSld>
-    <p:spTree>
-      <p:nvGrpSpPr>
-        <p:cNvPr id="1" name=""/>
-        <p:cNvGrpSpPr/>
-        <p:nvPr/>
-      </p:nvGrpSpPr>
-      <p:grpSpPr>
-        <a:xfrm>
-          <a:off x="0" y="0"/>
-          <a:ext cx="0" cy="0"/>
-          <a:chOff x="0" y="0"/>
-          <a:chExt cx="0" cy="0"/>
-        </a:xfrm>
-      </p:grpSpPr>
-      <p:sp>
-        <p:nvSpPr>
-          <p:cNvPr id="2" name="Title 1"/>
-          <p:cNvSpPr>
-            <a:spLocks noGrp="1"/>
-          </p:cNvSpPr>
-          <p:nvPr>
-            <p:ph type="title"/>
-          </p:nvPr>
-        </p:nvSpPr>
-        <p:spPr>
-          <a:xfrm>
-            <a:off x="1678346" y="3176198"/>
-            <a:ext cx="8835309" cy="505604"/>
-          </a:xfrm>
-        </p:spPr>
-        <p:txBody>
-          <a:bodyPr/>
-          <a:lstStyle/>
-          <a:p>
-            <a:pPr algn="ctr"/>
-            <a:r>
-              <a:rPr lang="en-GB" sz="8800" dirty="0"/>
-              <a:t>Tools 🔧</a:t>
-            </a:r>
-            <a:endParaRPr lang="en-GB" dirty="0"/>
-          </a:p>
-        </p:txBody>
-      </p:sp>
-      <p:sp>
-        <p:nvSpPr>
-          <p:cNvPr id="5" name="Date Placeholder 4">
-            <a:extLst>
-              <a:ext uri="{FF2B5EF4-FFF2-40B4-BE49-F238E27FC236}">
-                <a16:creationId xmlns:a16="http://schemas.microsoft.com/office/drawing/2014/main" id="{9824FFE3-6C5B-B840-BE38-DAB059A1D5BC}"/>
-              </a:ext>
-            </a:extLst>
-          </p:cNvPr>
-          <p:cNvSpPr>
-            <a:spLocks noGrp="1"/>
-          </p:cNvSpPr>
-          <p:nvPr>
-            <p:ph type="dt" sz="half" idx="10"/>
-          </p:nvPr>
-        </p:nvSpPr>
-        <p:spPr/>
-        <p:txBody>
-          <a:bodyPr/>
-          <a:lstStyle/>
-          <a:p>
-            <a:r>
-              <a:rPr lang="en-GB"/>
-              <a:t>@owennell</a:t>
-            </a:r>
-            <a:endParaRPr lang="en-US" dirty="0"/>
-          </a:p>
-        </p:txBody>
-      </p:sp>
-    </p:spTree>
-    <p:extLst>
-      <p:ext uri="{BB962C8B-B14F-4D97-AF65-F5344CB8AC3E}">
-        <p14:creationId xmlns:p14="http://schemas.microsoft.com/office/powerpoint/2010/main" val="3006730636"/>
-      </p:ext>
-    </p:extLst>
-  </p:cSld>
-  <p:clrMapOvr>
-    <a:masterClrMapping/>
-  </p:clrMapOvr>
-</p:sld>
-</file>
-
-<file path=ppt/slides/slide55.xml><?xml version="1.0" encoding="utf-8"?>
-<p:sld xmlns:a="http://schemas.openxmlformats.org/drawingml/2006/main" xmlns:r="http://schemas.openxmlformats.org/officeDocument/2006/relationships" xmlns:p="http://schemas.openxmlformats.org/presentationml/2006/main">
-  <p:cSld>
-    <p:spTree>
-      <p:nvGrpSpPr>
-        <p:cNvPr id="1" name=""/>
-        <p:cNvGrpSpPr/>
-        <p:nvPr/>
-      </p:nvGrpSpPr>
-      <p:grpSpPr>
-        <a:xfrm>
-          <a:off x="0" y="0"/>
-          <a:ext cx="0" cy="0"/>
-          <a:chOff x="0" y="0"/>
-          <a:chExt cx="0" cy="0"/>
-        </a:xfrm>
-      </p:grpSpPr>
-      <p:sp>
-        <p:nvSpPr>
-          <p:cNvPr id="2" name="Title 1"/>
-          <p:cNvSpPr>
-            <a:spLocks noGrp="1"/>
-          </p:cNvSpPr>
-          <p:nvPr>
-            <p:ph type="title"/>
-          </p:nvPr>
-        </p:nvSpPr>
-        <p:spPr>
-          <a:xfrm>
-            <a:off x="1678346" y="3176198"/>
-            <a:ext cx="8835309" cy="505604"/>
-          </a:xfrm>
-        </p:spPr>
-        <p:txBody>
-          <a:bodyPr/>
-          <a:lstStyle/>
-          <a:p>
-            <a:pPr algn="ctr"/>
-            <a:r>
-              <a:rPr lang="en-GB" sz="8800" dirty="0"/>
-              <a:t>Remote 🎧</a:t>
-            </a:r>
-            <a:endParaRPr lang="en-GB" dirty="0"/>
-          </a:p>
-        </p:txBody>
-      </p:sp>
-      <p:sp>
-        <p:nvSpPr>
-          <p:cNvPr id="5" name="Date Placeholder 4">
-            <a:extLst>
-              <a:ext uri="{FF2B5EF4-FFF2-40B4-BE49-F238E27FC236}">
-                <a16:creationId xmlns:a16="http://schemas.microsoft.com/office/drawing/2014/main" id="{26D6769B-860C-034D-9FBA-52F1CC75AAD2}"/>
-              </a:ext>
-            </a:extLst>
-          </p:cNvPr>
-          <p:cNvSpPr>
-            <a:spLocks noGrp="1"/>
-          </p:cNvSpPr>
-          <p:nvPr>
-            <p:ph type="dt" sz="half" idx="10"/>
-          </p:nvPr>
-        </p:nvSpPr>
-        <p:spPr/>
-        <p:txBody>
-          <a:bodyPr/>
-          <a:lstStyle/>
-          <a:p>
-            <a:r>
-              <a:rPr lang="en-GB"/>
-              <a:t>@owennell</a:t>
-            </a:r>
-            <a:endParaRPr lang="en-US" dirty="0"/>
-          </a:p>
-        </p:txBody>
-      </p:sp>
-    </p:spTree>
-    <p:extLst>
-      <p:ext uri="{BB962C8B-B14F-4D97-AF65-F5344CB8AC3E}">
-        <p14:creationId xmlns:p14="http://schemas.microsoft.com/office/powerpoint/2010/main" val="2671301233"/>
-      </p:ext>
-    </p:extLst>
-  </p:cSld>
-  <p:clrMapOvr>
-    <a:masterClrMapping/>
-  </p:clrMapOvr>
-</p:sld>
-</file>
-
-<file path=ppt/slides/slide56.xml><?xml version="1.0" encoding="utf-8"?>
-<p:sld xmlns:a="http://schemas.openxmlformats.org/drawingml/2006/main" xmlns:r="http://schemas.openxmlformats.org/officeDocument/2006/relationships" xmlns:p="http://schemas.openxmlformats.org/presentationml/2006/main">
-  <p:cSld>
-    <p:spTree>
-      <p:nvGrpSpPr>
-        <p:cNvPr id="1" name=""/>
-        <p:cNvGrpSpPr/>
-        <p:nvPr/>
-      </p:nvGrpSpPr>
-      <p:grpSpPr>
-        <a:xfrm>
-          <a:off x="0" y="0"/>
-          <a:ext cx="0" cy="0"/>
-          <a:chOff x="0" y="0"/>
-          <a:chExt cx="0" cy="0"/>
-        </a:xfrm>
-      </p:grpSpPr>
-      <p:sp>
-        <p:nvSpPr>
-          <p:cNvPr id="2" name="Title 1"/>
-          <p:cNvSpPr>
-            <a:spLocks noGrp="1"/>
-          </p:cNvSpPr>
-          <p:nvPr>
-            <p:ph type="title"/>
-          </p:nvPr>
-        </p:nvSpPr>
-        <p:spPr>
-          <a:xfrm>
-            <a:off x="1678346" y="3176198"/>
-            <a:ext cx="8835309" cy="505604"/>
-          </a:xfrm>
-        </p:spPr>
-        <p:txBody>
-          <a:bodyPr/>
-          <a:lstStyle/>
-          <a:p>
-            <a:pPr algn="ctr"/>
-            <a:r>
-              <a:rPr lang="en-GB" sz="8800" dirty="0"/>
-              <a:t>Community 🌍</a:t>
-            </a:r>
-            <a:br>
-              <a:rPr lang="en-GB" sz="8800" dirty="0"/>
-            </a:br>
-            <a:r>
-              <a:rPr lang="en-GB" sz="6600" dirty="0"/>
-              <a:t>#</a:t>
-            </a:r>
-            <a:r>
-              <a:rPr lang="en-GB" sz="6600" dirty="0" err="1"/>
-              <a:t>mobprogramming</a:t>
-            </a:r>
-            <a:endParaRPr lang="en-GB" dirty="0"/>
-          </a:p>
-        </p:txBody>
-      </p:sp>
-      <p:sp>
-        <p:nvSpPr>
-          <p:cNvPr id="5" name="Date Placeholder 4">
-            <a:extLst>
-              <a:ext uri="{FF2B5EF4-FFF2-40B4-BE49-F238E27FC236}">
-                <a16:creationId xmlns:a16="http://schemas.microsoft.com/office/drawing/2014/main" id="{4C4B0612-36B4-7A42-A7F4-653A4D6FFDB4}"/>
-              </a:ext>
-            </a:extLst>
-          </p:cNvPr>
-          <p:cNvSpPr>
-            <a:spLocks noGrp="1"/>
-          </p:cNvSpPr>
-          <p:nvPr>
-            <p:ph type="dt" sz="half" idx="10"/>
-          </p:nvPr>
-        </p:nvSpPr>
-        <p:spPr/>
-        <p:txBody>
-          <a:bodyPr/>
-          <a:lstStyle/>
-          <a:p>
-            <a:r>
-              <a:rPr lang="en-GB"/>
-              <a:t>@owennell</a:t>
-            </a:r>
-            <a:endParaRPr lang="en-US" dirty="0"/>
-          </a:p>
-        </p:txBody>
-      </p:sp>
-    </p:spTree>
-    <p:extLst>
-      <p:ext uri="{BB962C8B-B14F-4D97-AF65-F5344CB8AC3E}">
-        <p14:creationId xmlns:p14="http://schemas.microsoft.com/office/powerpoint/2010/main" val="3398786595"/>
-      </p:ext>
-    </p:extLst>
-  </p:cSld>
-  <p:clrMapOvr>
-    <a:masterClrMapping/>
-  </p:clrMapOvr>
-</p:sld>
-</file>
-
-<file path=ppt/slides/slide57.xml><?xml version="1.0" encoding="utf-8"?>
-<p:sld xmlns:a="http://schemas.openxmlformats.org/drawingml/2006/main" xmlns:r="http://schemas.openxmlformats.org/officeDocument/2006/relationships" xmlns:p="http://schemas.openxmlformats.org/presentationml/2006/main">
-  <p:cSld>
-    <p:spTree>
-      <p:nvGrpSpPr>
-        <p:cNvPr id="1" name=""/>
-        <p:cNvGrpSpPr/>
-        <p:nvPr/>
-      </p:nvGrpSpPr>
-      <p:grpSpPr>
-        <a:xfrm>
-          <a:off x="0" y="0"/>
-          <a:ext cx="0" cy="0"/>
-          <a:chOff x="0" y="0"/>
-          <a:chExt cx="0" cy="0"/>
-        </a:xfrm>
-      </p:grpSpPr>
-      <p:sp>
-        <p:nvSpPr>
-          <p:cNvPr id="2" name="Title 1"/>
-          <p:cNvSpPr>
-            <a:spLocks noGrp="1"/>
-          </p:cNvSpPr>
-          <p:nvPr>
-            <p:ph type="title"/>
-          </p:nvPr>
-        </p:nvSpPr>
-        <p:spPr>
-          <a:xfrm>
-            <a:off x="1678346" y="3176198"/>
-            <a:ext cx="8835309" cy="505604"/>
-          </a:xfrm>
-        </p:spPr>
-        <p:txBody>
-          <a:bodyPr/>
-          <a:lstStyle/>
-          <a:p>
-            <a:pPr algn="ctr"/>
-            <a:r>
-              <a:rPr lang="en-GB" sz="8800" dirty="0"/>
               <a:t>(Nearly) The End</a:t>
             </a:r>
             <a:endParaRPr lang="en-GB" dirty="0"/>
@@ -22837,7 +22601,7 @@
 </p:sld>
 </file>
 
-<file path=ppt/slides/slide58.xml><?xml version="1.0" encoding="utf-8"?>
+<file path=ppt/slides/slide54.xml><?xml version="1.0" encoding="utf-8"?>
 <p:sld xmlns:a="http://schemas.openxmlformats.org/drawingml/2006/main" xmlns:r="http://schemas.openxmlformats.org/officeDocument/2006/relationships" xmlns:p="http://schemas.openxmlformats.org/presentationml/2006/main">
   <p:cSld>
     <p:spTree>
@@ -23195,6 +22959,369 @@
       <p:bldP spid="6" grpId="0"/>
     </p:bldLst>
   </p:timing>
+</p:sld>
+</file>
+
+<file path=ppt/slides/slide55.xml><?xml version="1.0" encoding="utf-8"?>
+<p:sld xmlns:a="http://schemas.openxmlformats.org/drawingml/2006/main" xmlns:r="http://schemas.openxmlformats.org/officeDocument/2006/relationships" xmlns:p="http://schemas.openxmlformats.org/presentationml/2006/main">
+  <p:cSld>
+    <p:spTree>
+      <p:nvGrpSpPr>
+        <p:cNvPr id="1" name=""/>
+        <p:cNvGrpSpPr/>
+        <p:nvPr/>
+      </p:nvGrpSpPr>
+      <p:grpSpPr>
+        <a:xfrm>
+          <a:off x="0" y="0"/>
+          <a:ext cx="0" cy="0"/>
+          <a:chOff x="0" y="0"/>
+          <a:chExt cx="0" cy="0"/>
+        </a:xfrm>
+      </p:grpSpPr>
+      <p:sp>
+        <p:nvSpPr>
+          <p:cNvPr id="2" name="Title 1"/>
+          <p:cNvSpPr>
+            <a:spLocks noGrp="1"/>
+          </p:cNvSpPr>
+          <p:nvPr>
+            <p:ph type="title"/>
+          </p:nvPr>
+        </p:nvSpPr>
+        <p:spPr>
+          <a:xfrm>
+            <a:off x="1678346" y="3176198"/>
+            <a:ext cx="8835309" cy="505604"/>
+          </a:xfrm>
+        </p:spPr>
+        <p:txBody>
+          <a:bodyPr/>
+          <a:lstStyle/>
+          <a:p>
+            <a:pPr algn="ctr"/>
+            <a:r>
+              <a:rPr lang="en-GB" sz="8800" dirty="0"/>
+              <a:t>The Future 🤖</a:t>
+            </a:r>
+            <a:endParaRPr lang="en-GB" dirty="0"/>
+          </a:p>
+        </p:txBody>
+      </p:sp>
+      <p:sp>
+        <p:nvSpPr>
+          <p:cNvPr id="5" name="Date Placeholder 4">
+            <a:extLst>
+              <a:ext uri="{FF2B5EF4-FFF2-40B4-BE49-F238E27FC236}">
+                <a16:creationId xmlns:a16="http://schemas.microsoft.com/office/drawing/2014/main" id="{CAC72B13-A2AB-4444-A32E-45E07B537B1E}"/>
+              </a:ext>
+            </a:extLst>
+          </p:cNvPr>
+          <p:cNvSpPr>
+            <a:spLocks noGrp="1"/>
+          </p:cNvSpPr>
+          <p:nvPr>
+            <p:ph type="dt" sz="half" idx="10"/>
+          </p:nvPr>
+        </p:nvSpPr>
+        <p:spPr/>
+        <p:txBody>
+          <a:bodyPr/>
+          <a:lstStyle/>
+          <a:p>
+            <a:r>
+              <a:rPr lang="en-GB"/>
+              <a:t>@owennell</a:t>
+            </a:r>
+            <a:endParaRPr lang="en-US" dirty="0"/>
+          </a:p>
+        </p:txBody>
+      </p:sp>
+    </p:spTree>
+    <p:extLst>
+      <p:ext uri="{BB962C8B-B14F-4D97-AF65-F5344CB8AC3E}">
+        <p14:creationId xmlns:p14="http://schemas.microsoft.com/office/powerpoint/2010/main" val="2368483634"/>
+      </p:ext>
+    </p:extLst>
+  </p:cSld>
+  <p:clrMapOvr>
+    <a:masterClrMapping/>
+  </p:clrMapOvr>
+</p:sld>
+</file>
+
+<file path=ppt/slides/slide56.xml><?xml version="1.0" encoding="utf-8"?>
+<p:sld xmlns:a="http://schemas.openxmlformats.org/drawingml/2006/main" xmlns:r="http://schemas.openxmlformats.org/officeDocument/2006/relationships" xmlns:p="http://schemas.openxmlformats.org/presentationml/2006/main">
+  <p:cSld>
+    <p:spTree>
+      <p:nvGrpSpPr>
+        <p:cNvPr id="1" name=""/>
+        <p:cNvGrpSpPr/>
+        <p:nvPr/>
+      </p:nvGrpSpPr>
+      <p:grpSpPr>
+        <a:xfrm>
+          <a:off x="0" y="0"/>
+          <a:ext cx="0" cy="0"/>
+          <a:chOff x="0" y="0"/>
+          <a:chExt cx="0" cy="0"/>
+        </a:xfrm>
+      </p:grpSpPr>
+      <p:sp>
+        <p:nvSpPr>
+          <p:cNvPr id="2" name="Title 1"/>
+          <p:cNvSpPr>
+            <a:spLocks noGrp="1"/>
+          </p:cNvSpPr>
+          <p:nvPr>
+            <p:ph type="title"/>
+          </p:nvPr>
+        </p:nvSpPr>
+        <p:spPr>
+          <a:xfrm>
+            <a:off x="1678346" y="3176198"/>
+            <a:ext cx="8835309" cy="505604"/>
+          </a:xfrm>
+        </p:spPr>
+        <p:txBody>
+          <a:bodyPr/>
+          <a:lstStyle/>
+          <a:p>
+            <a:pPr algn="ctr"/>
+            <a:r>
+              <a:rPr lang="en-GB" sz="8800" dirty="0"/>
+              <a:t>Tools 🔧</a:t>
+            </a:r>
+            <a:endParaRPr lang="en-GB" dirty="0"/>
+          </a:p>
+        </p:txBody>
+      </p:sp>
+      <p:sp>
+        <p:nvSpPr>
+          <p:cNvPr id="5" name="Date Placeholder 4">
+            <a:extLst>
+              <a:ext uri="{FF2B5EF4-FFF2-40B4-BE49-F238E27FC236}">
+                <a16:creationId xmlns:a16="http://schemas.microsoft.com/office/drawing/2014/main" id="{9824FFE3-6C5B-B840-BE38-DAB059A1D5BC}"/>
+              </a:ext>
+            </a:extLst>
+          </p:cNvPr>
+          <p:cNvSpPr>
+            <a:spLocks noGrp="1"/>
+          </p:cNvSpPr>
+          <p:nvPr>
+            <p:ph type="dt" sz="half" idx="10"/>
+          </p:nvPr>
+        </p:nvSpPr>
+        <p:spPr/>
+        <p:txBody>
+          <a:bodyPr/>
+          <a:lstStyle/>
+          <a:p>
+            <a:r>
+              <a:rPr lang="en-GB"/>
+              <a:t>@owennell</a:t>
+            </a:r>
+            <a:endParaRPr lang="en-US" dirty="0"/>
+          </a:p>
+        </p:txBody>
+      </p:sp>
+    </p:spTree>
+    <p:extLst>
+      <p:ext uri="{BB962C8B-B14F-4D97-AF65-F5344CB8AC3E}">
+        <p14:creationId xmlns:p14="http://schemas.microsoft.com/office/powerpoint/2010/main" val="3006730636"/>
+      </p:ext>
+    </p:extLst>
+  </p:cSld>
+  <p:clrMapOvr>
+    <a:masterClrMapping/>
+  </p:clrMapOvr>
+</p:sld>
+</file>
+
+<file path=ppt/slides/slide57.xml><?xml version="1.0" encoding="utf-8"?>
+<p:sld xmlns:a="http://schemas.openxmlformats.org/drawingml/2006/main" xmlns:r="http://schemas.openxmlformats.org/officeDocument/2006/relationships" xmlns:p="http://schemas.openxmlformats.org/presentationml/2006/main">
+  <p:cSld>
+    <p:spTree>
+      <p:nvGrpSpPr>
+        <p:cNvPr id="1" name=""/>
+        <p:cNvGrpSpPr/>
+        <p:nvPr/>
+      </p:nvGrpSpPr>
+      <p:grpSpPr>
+        <a:xfrm>
+          <a:off x="0" y="0"/>
+          <a:ext cx="0" cy="0"/>
+          <a:chOff x="0" y="0"/>
+          <a:chExt cx="0" cy="0"/>
+        </a:xfrm>
+      </p:grpSpPr>
+      <p:sp>
+        <p:nvSpPr>
+          <p:cNvPr id="2" name="Title 1"/>
+          <p:cNvSpPr>
+            <a:spLocks noGrp="1"/>
+          </p:cNvSpPr>
+          <p:nvPr>
+            <p:ph type="title"/>
+          </p:nvPr>
+        </p:nvSpPr>
+        <p:spPr>
+          <a:xfrm>
+            <a:off x="1678346" y="3176198"/>
+            <a:ext cx="8835309" cy="505604"/>
+          </a:xfrm>
+        </p:spPr>
+        <p:txBody>
+          <a:bodyPr/>
+          <a:lstStyle/>
+          <a:p>
+            <a:pPr algn="ctr"/>
+            <a:r>
+              <a:rPr lang="en-GB" sz="8800" dirty="0"/>
+              <a:t>Remote 🎧</a:t>
+            </a:r>
+            <a:endParaRPr lang="en-GB" dirty="0"/>
+          </a:p>
+        </p:txBody>
+      </p:sp>
+      <p:sp>
+        <p:nvSpPr>
+          <p:cNvPr id="5" name="Date Placeholder 4">
+            <a:extLst>
+              <a:ext uri="{FF2B5EF4-FFF2-40B4-BE49-F238E27FC236}">
+                <a16:creationId xmlns:a16="http://schemas.microsoft.com/office/drawing/2014/main" id="{26D6769B-860C-034D-9FBA-52F1CC75AAD2}"/>
+              </a:ext>
+            </a:extLst>
+          </p:cNvPr>
+          <p:cNvSpPr>
+            <a:spLocks noGrp="1"/>
+          </p:cNvSpPr>
+          <p:nvPr>
+            <p:ph type="dt" sz="half" idx="10"/>
+          </p:nvPr>
+        </p:nvSpPr>
+        <p:spPr/>
+        <p:txBody>
+          <a:bodyPr/>
+          <a:lstStyle/>
+          <a:p>
+            <a:r>
+              <a:rPr lang="en-GB"/>
+              <a:t>@owennell</a:t>
+            </a:r>
+            <a:endParaRPr lang="en-US" dirty="0"/>
+          </a:p>
+        </p:txBody>
+      </p:sp>
+    </p:spTree>
+    <p:extLst>
+      <p:ext uri="{BB962C8B-B14F-4D97-AF65-F5344CB8AC3E}">
+        <p14:creationId xmlns:p14="http://schemas.microsoft.com/office/powerpoint/2010/main" val="2671301233"/>
+      </p:ext>
+    </p:extLst>
+  </p:cSld>
+  <p:clrMapOvr>
+    <a:masterClrMapping/>
+  </p:clrMapOvr>
+</p:sld>
+</file>
+
+<file path=ppt/slides/slide58.xml><?xml version="1.0" encoding="utf-8"?>
+<p:sld xmlns:a="http://schemas.openxmlformats.org/drawingml/2006/main" xmlns:r="http://schemas.openxmlformats.org/officeDocument/2006/relationships" xmlns:p="http://schemas.openxmlformats.org/presentationml/2006/main">
+  <p:cSld>
+    <p:spTree>
+      <p:nvGrpSpPr>
+        <p:cNvPr id="1" name=""/>
+        <p:cNvGrpSpPr/>
+        <p:nvPr/>
+      </p:nvGrpSpPr>
+      <p:grpSpPr>
+        <a:xfrm>
+          <a:off x="0" y="0"/>
+          <a:ext cx="0" cy="0"/>
+          <a:chOff x="0" y="0"/>
+          <a:chExt cx="0" cy="0"/>
+        </a:xfrm>
+      </p:grpSpPr>
+      <p:sp>
+        <p:nvSpPr>
+          <p:cNvPr id="2" name="Title 1"/>
+          <p:cNvSpPr>
+            <a:spLocks noGrp="1"/>
+          </p:cNvSpPr>
+          <p:nvPr>
+            <p:ph type="title"/>
+          </p:nvPr>
+        </p:nvSpPr>
+        <p:spPr>
+          <a:xfrm>
+            <a:off x="1678346" y="3176198"/>
+            <a:ext cx="8835309" cy="505604"/>
+          </a:xfrm>
+        </p:spPr>
+        <p:txBody>
+          <a:bodyPr/>
+          <a:lstStyle/>
+          <a:p>
+            <a:pPr algn="ctr"/>
+            <a:r>
+              <a:rPr lang="en-GB" sz="8800" dirty="0"/>
+              <a:t>Community 🌍</a:t>
+            </a:r>
+            <a:br>
+              <a:rPr lang="en-GB" sz="8800" dirty="0"/>
+            </a:br>
+            <a:r>
+              <a:rPr lang="en-GB" sz="6600" dirty="0"/>
+              <a:t>#</a:t>
+            </a:r>
+            <a:r>
+              <a:rPr lang="en-GB" sz="6600" dirty="0" err="1"/>
+              <a:t>mobprogramming</a:t>
+            </a:r>
+            <a:endParaRPr lang="en-GB" dirty="0"/>
+          </a:p>
+        </p:txBody>
+      </p:sp>
+      <p:sp>
+        <p:nvSpPr>
+          <p:cNvPr id="5" name="Date Placeholder 4">
+            <a:extLst>
+              <a:ext uri="{FF2B5EF4-FFF2-40B4-BE49-F238E27FC236}">
+                <a16:creationId xmlns:a16="http://schemas.microsoft.com/office/drawing/2014/main" id="{4C4B0612-36B4-7A42-A7F4-653A4D6FFDB4}"/>
+              </a:ext>
+            </a:extLst>
+          </p:cNvPr>
+          <p:cNvSpPr>
+            <a:spLocks noGrp="1"/>
+          </p:cNvSpPr>
+          <p:nvPr>
+            <p:ph type="dt" sz="half" idx="10"/>
+          </p:nvPr>
+        </p:nvSpPr>
+        <p:spPr/>
+        <p:txBody>
+          <a:bodyPr/>
+          <a:lstStyle/>
+          <a:p>
+            <a:r>
+              <a:rPr lang="en-GB"/>
+              <a:t>@owennell</a:t>
+            </a:r>
+            <a:endParaRPr lang="en-US" dirty="0"/>
+          </a:p>
+        </p:txBody>
+      </p:sp>
+    </p:spTree>
+    <p:extLst>
+      <p:ext uri="{BB962C8B-B14F-4D97-AF65-F5344CB8AC3E}">
+        <p14:creationId xmlns:p14="http://schemas.microsoft.com/office/powerpoint/2010/main" val="3398786595"/>
+      </p:ext>
+    </p:extLst>
+  </p:cSld>
+  <p:clrMapOvr>
+    <a:masterClrMapping/>
+  </p:clrMapOvr>
 </p:sld>
 </file>
 

--- a/a-mob-mentality.pptx
+++ b/a-mob-mentality.pptx
@@ -273,7 +273,7 @@
           <a:p>
             <a:fld id="{7BBE8AEC-3485-8F42-8DAA-65AC687FA28D}" type="datetimeFigureOut">
               <a:rPr lang="en-US" smtClean="0"/>
-              <a:t>9/27/19</a:t>
+              <a:t>9/28/19</a:t>
             </a:fld>
             <a:endParaRPr lang="en-US"/>
           </a:p>
@@ -438,7 +438,7 @@
           <a:p>
             <a:fld id="{F8C37668-4783-4882-B2E6-3A4D0BC25785}" type="datetimeFigureOut">
               <a:rPr lang="en-GB" smtClean="0"/>
-              <a:t>27/09/2019</a:t>
+              <a:t>28/09/2019</a:t>
             </a:fld>
             <a:endParaRPr lang="en-GB"/>
           </a:p>
@@ -855,10 +855,7 @@
             <a:endParaRPr lang="en-US" dirty="0"/>
           </a:p>
           <a:p>
-            <a:r>
-              <a:rPr lang="en-US" dirty="0"/>
-              <a:t>We were quite frustrated, so we thought we’d give it a go</a:t>
-            </a:r>
+            <a:endParaRPr lang="en-US" dirty="0"/>
           </a:p>
         </p:txBody>
       </p:sp>
@@ -1419,7 +1416,7 @@
           <a:p>
             <a:r>
               <a:rPr lang="en-US" dirty="0"/>
-              <a:t>There may or may not be actual unicorns. But I wouldn’t rule out unicorns being able to contribute to a mob.</a:t>
+              <a:t>There may or may not be actual unicorns.</a:t>
             </a:r>
           </a:p>
         </p:txBody>
@@ -1533,7 +1530,13 @@
           <a:p>
             <a:r>
               <a:rPr lang="en-US" dirty="0"/>
-              <a:t>But...I think we're stuck with the name </a:t>
+              <a:t>The danger is that people hear mob and get put off</a:t>
+            </a:r>
+          </a:p>
+          <a:p>
+            <a:r>
+              <a:rPr lang="en-US" dirty="0"/>
+              <a:t>But I think we're stuck with the name</a:t>
             </a:r>
           </a:p>
         </p:txBody>
@@ -1893,49 +1896,8 @@
           <a:p>
             <a:r>
               <a:rPr lang="en-US" dirty="0"/>
-              <a:t>I thought: </a:t>
-            </a:r>
-            <a:br>
-              <a:rPr lang="en-US" dirty="0"/>
-            </a:br>
-            <a:r>
-              <a:rPr lang="en-US" dirty="0"/>
-              <a:t>Never </a:t>
-            </a:r>
-            <a:r>
-              <a:rPr lang="en-US" dirty="0" err="1"/>
-              <a:t>gonna</a:t>
-            </a:r>
-            <a:r>
-              <a:rPr lang="en-US" dirty="0"/>
-              <a:t> catch on</a:t>
-            </a:r>
-          </a:p>
-          <a:p>
-            <a:pPr marL="0" marR="0" lvl="0" indent="0" algn="l" defTabSz="914400" rtl="0" eaLnBrk="1" fontAlgn="auto" latinLnBrk="0" hangingPunct="1">
-              <a:lnSpc>
-                <a:spcPct val="100000"/>
-              </a:lnSpc>
-              <a:spcBef>
-                <a:spcPts val="0"/>
-              </a:spcBef>
-              <a:spcAft>
-                <a:spcPts val="0"/>
-              </a:spcAft>
-              <a:buClrTx/>
-              <a:buSzTx/>
-              <a:buFontTx/>
-              <a:buNone/>
-              <a:tabLst/>
-              <a:defRPr/>
-            </a:pPr>
-            <a:r>
-              <a:rPr lang="en-US" dirty="0"/>
-              <a:t>Totally impractical</a:t>
-            </a:r>
-          </a:p>
-          <a:p>
-            <a:endParaRPr lang="en-US" dirty="0"/>
+              <a:t>I thought: nice idea, not going to catch on</a:t>
+            </a:r>
           </a:p>
           <a:p>
             <a:r>
@@ -1953,6 +1915,12 @@
             <a:r>
               <a:rPr lang="en-US" dirty="0"/>
               <a:t>It spread around the world</a:t>
+            </a:r>
+          </a:p>
+          <a:p>
+            <a:r>
+              <a:rPr lang="en-US" dirty="0"/>
+              <a:t>And it's changed how I think about software development.</a:t>
             </a:r>
           </a:p>
           <a:p>
@@ -2742,19 +2710,7 @@
           <a:p>
             <a:r>
               <a:rPr lang="en-US" dirty="0"/>
-              <a:t>Imagine if you are new to a particular language, or framework</a:t>
-            </a:r>
-          </a:p>
-          <a:p>
-            <a:r>
-              <a:rPr lang="en-US" dirty="0"/>
-              <a:t>And you’re asked to code with the entire team watching</a:t>
-            </a:r>
-          </a:p>
-          <a:p>
-            <a:r>
-              <a:rPr lang="en-US" dirty="0"/>
-              <a:t>And the experienced people are saying “do this, do that, no like that”</a:t>
+              <a:t>I'm not going to, but imagine if I asked for a volunteer to come up and code in front of everyone. I think a lot of people would want to hide.</a:t>
             </a:r>
           </a:p>
           <a:p>
@@ -4926,17 +4882,22 @@
           <a:p>
             <a:r>
               <a:rPr lang="en-US" dirty="0"/>
-              <a:t>And it worked really well, for the reasons I’ve talked about earlier.</a:t>
-            </a:r>
-          </a:p>
-          <a:p>
-            <a:r>
-              <a:rPr lang="en-US" dirty="0"/>
-              <a:t>Especially in a coding dojo, it accelerates the learning process.</a:t>
-            </a:r>
-          </a:p>
-          <a:p>
-            <a:endParaRPr lang="en-US" dirty="0"/>
+              <a:t>And it worked really well</a:t>
+            </a:r>
+          </a:p>
+          <a:p>
+            <a:r>
+              <a:rPr lang="en-US" dirty="0"/>
+              <a:t>The first people who mobbed did it first in a coding dojo. They wanted to </a:t>
+            </a:r>
+            <a:r>
+              <a:rPr lang="en-US" dirty="0" err="1"/>
+              <a:t>accellerate</a:t>
+            </a:r>
+            <a:r>
+              <a:rPr lang="en-US" dirty="0"/>
+              <a:t> their learning.</a:t>
+            </a:r>
           </a:p>
         </p:txBody>
       </p:sp>
@@ -6221,8 +6182,19 @@
           <a:p>
             <a:r>
               <a:rPr lang="en-US" dirty="0"/>
-              <a:t>&lt;&lt;&lt;</a:t>
-            </a:r>
+              <a:t>So coming to the end, now</a:t>
+            </a:r>
+          </a:p>
+          <a:p>
+            <a:endParaRPr lang="en-GB" sz="1200" b="0" i="0" kern="1200" dirty="0">
+              <a:solidFill>
+                <a:schemeClr val="tx1"/>
+              </a:solidFill>
+              <a:effectLst/>
+              <a:latin typeface="+mn-lt"/>
+              <a:ea typeface="+mn-ea"/>
+              <a:cs typeface="+mn-cs"/>
+            </a:endParaRPr>
           </a:p>
           <a:p>
             <a:r>
@@ -6235,11 +6207,42 @@
                 <a:ea typeface="+mn-ea"/>
                 <a:cs typeface="+mn-cs"/>
               </a:rPr>
-              <a:t>Talk about how mobbing is now being used at CTM</a:t>
-            </a:r>
-            <a:br>
-              <a:rPr lang="en-GB" dirty="0"/>
-            </a:br>
+              <a:t>Mobbing has gone from an experiment, to being commonplace at </a:t>
+            </a:r>
+            <a:r>
+              <a:rPr lang="en-GB" sz="1200" b="0" i="0" kern="1200" dirty="0" err="1">
+                <a:solidFill>
+                  <a:schemeClr val="tx1"/>
+                </a:solidFill>
+                <a:effectLst/>
+                <a:latin typeface="+mn-lt"/>
+                <a:ea typeface="+mn-ea"/>
+                <a:cs typeface="+mn-cs"/>
+              </a:rPr>
+              <a:t>comparethemarket</a:t>
+            </a:r>
+            <a:endParaRPr lang="en-GB" sz="1200" b="0" i="0" kern="1200" dirty="0">
+              <a:solidFill>
+                <a:schemeClr val="tx1"/>
+              </a:solidFill>
+              <a:effectLst/>
+              <a:latin typeface="+mn-lt"/>
+              <a:ea typeface="+mn-ea"/>
+              <a:cs typeface="+mn-cs"/>
+            </a:endParaRPr>
+          </a:p>
+          <a:p>
+            <a:endParaRPr lang="en-GB" sz="1200" b="0" i="0" kern="1200" dirty="0">
+              <a:solidFill>
+                <a:schemeClr val="tx1"/>
+              </a:solidFill>
+              <a:effectLst/>
+              <a:latin typeface="+mn-lt"/>
+              <a:ea typeface="+mn-ea"/>
+              <a:cs typeface="+mn-cs"/>
+            </a:endParaRPr>
+          </a:p>
+          <a:p>
             <a:r>
               <a:rPr lang="en-GB" sz="1200" b="0" i="0" kern="1200" dirty="0">
                 <a:solidFill>
@@ -6319,36 +6322,8 @@
                 <a:ea typeface="+mn-ea"/>
                 <a:cs typeface="+mn-cs"/>
               </a:rPr>
-              <a:t>Mobs that I haven’t been in talk about the same kind of positives and negatives</a:t>
-            </a:r>
-          </a:p>
-          <a:p>
-            <a:endParaRPr lang="en-GB" sz="1200" b="0" i="0" kern="1200" dirty="0">
-              <a:solidFill>
-                <a:schemeClr val="tx1"/>
-              </a:solidFill>
-              <a:effectLst/>
-              <a:latin typeface="+mn-lt"/>
-              <a:ea typeface="+mn-ea"/>
-              <a:cs typeface="+mn-cs"/>
-            </a:endParaRPr>
-          </a:p>
-          <a:p>
-            <a:r>
-              <a:rPr lang="en-GB" sz="1200" b="0" i="0" kern="1200" dirty="0">
-                <a:solidFill>
-                  <a:schemeClr val="tx1"/>
-                </a:solidFill>
-                <a:effectLst/>
-                <a:latin typeface="+mn-lt"/>
-                <a:ea typeface="+mn-ea"/>
-                <a:cs typeface="+mn-cs"/>
-              </a:rPr>
-              <a:t>&gt;&gt;&gt;</a:t>
-            </a:r>
-            <a:endParaRPr lang="en-US" dirty="0"/>
-          </a:p>
-          <a:p>
+              <a:t>When I talk to people they mention the same themes that I found in my mobs...</a:t>
+            </a:r>
             <a:endParaRPr lang="en-US" dirty="0"/>
           </a:p>
         </p:txBody>
@@ -6755,50 +6730,16 @@
           <a:p>
             <a:r>
               <a:rPr lang="en-US" dirty="0"/>
-              <a:t>I’ve been in mobs where some or all of us are remote</a:t>
-            </a:r>
-          </a:p>
-          <a:p>
-            <a:r>
-              <a:rPr lang="en-US" dirty="0"/>
-              <a:t>We use screen sharing and voice chat to mob together and it works ok</a:t>
-            </a:r>
-            <a:br>
-              <a:rPr lang="en-US" dirty="0"/>
-            </a:br>
+              <a:t>If you're a distributed team, you can mob. You can use hangouts (other sharing technology is available) and share your screen</a:t>
+            </a:r>
+          </a:p>
+          <a:p>
             <a:endParaRPr lang="en-US" dirty="0"/>
           </a:p>
           <a:p>
             <a:r>
               <a:rPr lang="en-US" dirty="0"/>
-              <a:t>If anyone’s ever had remote meetings, you get the same kind of issues</a:t>
-            </a:r>
-          </a:p>
-          <a:p>
-            <a:r>
-              <a:rPr lang="en-US" dirty="0"/>
-              <a:t>Connections can be unreliable</a:t>
-            </a:r>
-          </a:p>
-          <a:p>
-            <a:r>
-              <a:rPr lang="en-US" dirty="0"/>
-              <a:t>And you lose being able to use body language to communicate</a:t>
-            </a:r>
-          </a:p>
-          <a:p>
-            <a:endParaRPr lang="en-US" dirty="0"/>
-          </a:p>
-          <a:p>
-            <a:r>
-              <a:rPr lang="en-US" dirty="0"/>
-              <a:t>But connections are getting better</a:t>
-            </a:r>
-          </a:p>
-          <a:p>
-            <a:r>
-              <a:rPr lang="en-US" dirty="0"/>
-              <a:t>Some people are experimenting with meetings in virtual reality, so maybe remote mobbing in the future won’t be too different from being co-located</a:t>
+              <a:t>Hopefully technology will continue to improve to make this easier</a:t>
             </a:r>
           </a:p>
         </p:txBody>
@@ -7561,36 +7502,35 @@
           <a:p>
             <a:r>
               <a:rPr lang="en-GB" dirty="0"/>
-              <a:t>But knowledge is spread around the team.</a:t>
+              <a:t>The trouble is:</a:t>
             </a:r>
           </a:p>
           <a:p>
             <a:r>
               <a:rPr lang="en-GB" dirty="0"/>
-              <a:t>And need to get agreement on things.</a:t>
+              <a:t>It's a new project, we need to make group decisions.</a:t>
             </a:r>
           </a:p>
           <a:p>
             <a:r>
               <a:rPr lang="en-GB" dirty="0"/>
-              <a:t>Each pair keeps interrupting the other.</a:t>
+              <a:t>And the pairs don't have enough context to do their work, it's spread around the team.</a:t>
             </a:r>
           </a:p>
           <a:p>
             <a:r>
               <a:rPr lang="en-GB" dirty="0"/>
-              <a:t>Frustrating.</a:t>
+              <a:t>So we interrupt each other all the time.</a:t>
+            </a:r>
+          </a:p>
+          <a:p>
+            <a:r>
+              <a:rPr lang="en-GB" dirty="0"/>
+              <a:t>Don't seem to get much done.</a:t>
             </a:r>
             <a:br>
               <a:rPr lang="en-GB" dirty="0"/>
             </a:br>
-            <a:br>
-              <a:rPr lang="en-GB" dirty="0"/>
-            </a:br>
-            <a:r>
-              <a:rPr lang="en-GB" dirty="0"/>
-              <a:t>We tried having sessions but we would have questions soon after the sessions.</a:t>
-            </a:r>
             <a:endParaRPr lang="en-US" dirty="0"/>
           </a:p>
         </p:txBody>
@@ -25111,12 +25051,6 @@
 </file>
 
 <file path=customXml/item1.xml><?xml version="1.0" encoding="utf-8"?>
-<p:properties xmlns:p="http://schemas.microsoft.com/office/2006/metadata/properties" xmlns:xsi="http://www.w3.org/2001/XMLSchema-instance">
-  <documentManagement/>
-</p:properties>
-</file>
-
-<file path=customXml/item2.xml><?xml version="1.0" encoding="utf-8"?>
 <?mso-contentType ?>
 <FormTemplates xmlns="http://schemas.microsoft.com/sharepoint/v3/contenttype/forms">
   <Display>DocumentLibraryForm</Display>
@@ -25125,7 +25059,7 @@
 </FormTemplates>
 </file>
 
-<file path=customXml/item3.xml><?xml version="1.0" encoding="utf-8"?>
+<file path=customXml/item2.xml><?xml version="1.0" encoding="utf-8"?>
 <ct:contentTypeSchema xmlns:ct="http://schemas.microsoft.com/office/2006/metadata/contentType" xmlns:ma="http://schemas.microsoft.com/office/2006/metadata/properties/metaAttributes" ct:_="" ma:_="" ma:contentTypeName="Document" ma:contentTypeID="0x0101005BEB3BB5FC069E4A8B1077D5FD23943C" ma:contentTypeVersion="2" ma:contentTypeDescription="Create a new document." ma:contentTypeScope="" ma:versionID="47ddf1554eeafa4d79d0318e64abc4a7">
   <xsd:schema xmlns:xsd="http://www.w3.org/2001/XMLSchema" xmlns:xs="http://www.w3.org/2001/XMLSchema" xmlns:p="http://schemas.microsoft.com/office/2006/metadata/properties" xmlns:ns2="d1b01c81-120a-4560-9817-a2c229f7d73c" targetNamespace="http://schemas.microsoft.com/office/2006/metadata/properties" ma:root="true" ma:fieldsID="1a8928d985599b3cc8311f2e57b9aa78" ns2:_="">
     <xsd:import namespace="d1b01c81-120a-4560-9817-a2c229f7d73c"/>
@@ -25273,15 +25207,13 @@
 </ct:contentTypeSchema>
 </file>
 
-<file path=customXml/itemProps1.xml><?xml version="1.0" encoding="utf-8"?>
-<ds:datastoreItem xmlns:ds="http://schemas.openxmlformats.org/officeDocument/2006/customXml" ds:itemID="{28288C4A-FB4D-4A80-A265-5C3EA7C36918}">
-  <ds:schemaRefs>
-    <ds:schemaRef ds:uri="http://schemas.microsoft.com/office/2006/metadata/properties"/>
-  </ds:schemaRefs>
-</ds:datastoreItem>
+<file path=customXml/item3.xml><?xml version="1.0" encoding="utf-8"?>
+<p:properties xmlns:p="http://schemas.microsoft.com/office/2006/metadata/properties" xmlns:xsi="http://www.w3.org/2001/XMLSchema-instance">
+  <documentManagement/>
+</p:properties>
 </file>
 
-<file path=customXml/itemProps2.xml><?xml version="1.0" encoding="utf-8"?>
+<file path=customXml/itemProps1.xml><?xml version="1.0" encoding="utf-8"?>
 <ds:datastoreItem xmlns:ds="http://schemas.openxmlformats.org/officeDocument/2006/customXml" ds:itemID="{5B0221C8-8D1F-449C-9E02-3B69D2872205}">
   <ds:schemaRefs>
     <ds:schemaRef ds:uri="http://schemas.microsoft.com/sharepoint/v3/contenttype/forms"/>
@@ -25289,7 +25221,7 @@
 </ds:datastoreItem>
 </file>
 
-<file path=customXml/itemProps3.xml><?xml version="1.0" encoding="utf-8"?>
+<file path=customXml/itemProps2.xml><?xml version="1.0" encoding="utf-8"?>
 <ds:datastoreItem xmlns:ds="http://schemas.openxmlformats.org/officeDocument/2006/customXml" ds:itemID="{B9E90AD6-4848-4215-B912-DB92A776088F}">
   <ds:schemaRefs>
     <ds:schemaRef ds:uri="http://schemas.microsoft.com/office/2006/metadata/contentType"/>
@@ -25305,4 +25237,12 @@
     <ds:schemaRef ds:uri="http://schemas.microsoft.com/internal/obd"/>
   </ds:schemaRefs>
 </ds:datastoreItem>
+</file>
+
+<file path=customXml/itemProps3.xml><?xml version="1.0" encoding="utf-8"?>
+<ds:datastoreItem xmlns:ds="http://schemas.openxmlformats.org/officeDocument/2006/customXml" ds:itemID="{28288C4A-FB4D-4A80-A265-5C3EA7C36918}">
+  <ds:schemaRefs>
+    <ds:schemaRef ds:uri="http://schemas.microsoft.com/office/2006/metadata/properties"/>
+  </ds:schemaRefs>
+</ds:datastoreItem>
 </file>
--- a/a-mob-mentality.pptx
+++ b/a-mob-mentality.pptx
@@ -5,10 +5,10 @@
     <p:sldMasterId id="2147483648" r:id="rId4"/>
   </p:sldMasterIdLst>
   <p:notesMasterIdLst>
-    <p:notesMasterId r:id="rId65"/>
+    <p:notesMasterId r:id="rId63"/>
   </p:notesMasterIdLst>
   <p:handoutMasterIdLst>
-    <p:handoutMasterId r:id="rId66"/>
+    <p:handoutMasterId r:id="rId64"/>
   </p:handoutMasterIdLst>
   <p:sldIdLst>
     <p:sldId id="314" r:id="rId5"/>
@@ -66,11 +66,9 @@
     <p:sldId id="372" r:id="rId57"/>
     <p:sldId id="373" r:id="rId58"/>
     <p:sldId id="377" r:id="rId59"/>
-    <p:sldId id="369" r:id="rId60"/>
-    <p:sldId id="370" r:id="rId61"/>
-    <p:sldId id="371" r:id="rId62"/>
-    <p:sldId id="374" r:id="rId63"/>
-    <p:sldId id="375" r:id="rId64"/>
+    <p:sldId id="371" r:id="rId60"/>
+    <p:sldId id="374" r:id="rId61"/>
+    <p:sldId id="375" r:id="rId62"/>
   </p:sldIdLst>
   <p:sldSz cx="12192000" cy="6858000"/>
   <p:notesSz cx="6858000" cy="9144000"/>
@@ -273,7 +271,7 @@
           <a:p>
             <a:fld id="{7BBE8AEC-3485-8F42-8DAA-65AC687FA28D}" type="datetimeFigureOut">
               <a:rPr lang="en-US" smtClean="0"/>
-              <a:t>9/28/19</a:t>
+              <a:t>9/29/19</a:t>
             </a:fld>
             <a:endParaRPr lang="en-US"/>
           </a:p>
@@ -438,7 +436,7 @@
           <a:p>
             <a:fld id="{F8C37668-4783-4882-B2E6-3A4D0BC25785}" type="datetimeFigureOut">
               <a:rPr lang="en-GB" smtClean="0"/>
-              <a:t>28/09/2019</a:t>
+              <a:t>29/09/2019</a:t>
             </a:fld>
             <a:endParaRPr lang="en-GB"/>
           </a:p>
@@ -1539,6 +1537,22 @@
               <a:t>But I think we're stuck with the name</a:t>
             </a:r>
           </a:p>
+          <a:p>
+            <a:endParaRPr lang="en-US" dirty="0"/>
+          </a:p>
+          <a:p>
+            <a:r>
+              <a:rPr lang="en-US" dirty="0"/>
+              <a:t>When you hear mob - think "the general population"</a:t>
+            </a:r>
+            <a:br>
+              <a:rPr lang="en-US" dirty="0"/>
+            </a:br>
+            <a:r>
+              <a:rPr lang="en-US" dirty="0"/>
+              <a:t>We want everyone to get involved</a:t>
+            </a:r>
+          </a:p>
         </p:txBody>
       </p:sp>
       <p:sp>
@@ -1918,9 +1932,18 @@
             </a:r>
           </a:p>
           <a:p>
-            <a:r>
-              <a:rPr lang="en-US" dirty="0"/>
-              <a:t>And it's changed how I think about software development.</a:t>
+            <a:endParaRPr lang="en-US" dirty="0"/>
+          </a:p>
+          <a:p>
+            <a:r>
+              <a:rPr lang="en-US" dirty="0"/>
+              <a:t>It's changed how I think about software development.</a:t>
+            </a:r>
+          </a:p>
+          <a:p>
+            <a:r>
+              <a:rPr lang="en-US" dirty="0"/>
+              <a:t>I'm a massive fan</a:t>
             </a:r>
           </a:p>
           <a:p>
@@ -4304,6 +4327,15 @@
           <a:p>
             <a:r>
               <a:rPr lang="en-US" dirty="0"/>
+              <a:t>Bit of a tongue twister!</a:t>
+            </a:r>
+          </a:p>
+          <a:p>
+            <a:endParaRPr lang="en-US" dirty="0"/>
+          </a:p>
+          <a:p>
+            <a:r>
+              <a:rPr lang="en-US" dirty="0"/>
               <a:t>This story coming up in the next sprint will require a big refactor, it’s definitely </a:t>
             </a:r>
             <a:r>
@@ -6522,13 +6554,17 @@
           <a:p>
             <a:r>
               <a:rPr lang="en-US" dirty="0"/>
-              <a:t>I’ve talked about three mobs over time, but mobbing isn’t done</a:t>
-            </a:r>
-          </a:p>
-          <a:p>
-            <a:r>
-              <a:rPr lang="en-US" dirty="0"/>
-              <a:t>People are still trying new things.</a:t>
+              <a:t>I’ve talked about three mobs over time</a:t>
+            </a:r>
+          </a:p>
+          <a:p>
+            <a:r>
+              <a:rPr lang="en-US" dirty="0"/>
+              <a:t>But what’s going to </a:t>
+            </a:r>
+            <a:r>
+              <a:rPr lang="en-US"/>
+              <a:t>happen next?</a:t>
             </a:r>
           </a:p>
         </p:txBody>
@@ -6615,27 +6651,20 @@
           <a:p>
             <a:r>
               <a:rPr lang="en-US" dirty="0"/>
-              <a:t>The tools out there are evolving</a:t>
-            </a:r>
-          </a:p>
-          <a:p>
-            <a:endParaRPr lang="en-US" dirty="0"/>
-          </a:p>
-          <a:p>
-            <a:r>
-              <a:rPr lang="en-US" dirty="0"/>
-              <a:t>IDEs are starting to allow you to share your editor with others, so they can drive too</a:t>
-            </a:r>
-            <a:br>
-              <a:rPr lang="en-US" dirty="0"/>
-            </a:br>
-            <a:r>
-              <a:rPr lang="en-US" dirty="0"/>
-              <a:t>There are tools like mobbing timers, to let you know when you need to rotate drivers</a:t>
-            </a:r>
-          </a:p>
-          <a:p>
-            <a:endParaRPr lang="en-US" dirty="0"/>
+              <a:t>But best of all, there’s a whole bunch of people around the world trying out mobbing</a:t>
+            </a:r>
+          </a:p>
+          <a:p>
+            <a:r>
+              <a:rPr lang="en-US" dirty="0"/>
+              <a:t>They’re experimenting and sharing their experiences</a:t>
+            </a:r>
+          </a:p>
+          <a:p>
+            <a:r>
+              <a:rPr lang="en-US" dirty="0"/>
+              <a:t>And we can all learn from each other</a:t>
+            </a:r>
           </a:p>
         </p:txBody>
       </p:sp>
@@ -6665,7 +6694,7 @@
     </p:spTree>
     <p:extLst>
       <p:ext uri="{BB962C8B-B14F-4D97-AF65-F5344CB8AC3E}">
-        <p14:creationId xmlns:p14="http://schemas.microsoft.com/office/powerpoint/2010/main" val="3036134761"/>
+        <p14:creationId xmlns:p14="http://schemas.microsoft.com/office/powerpoint/2010/main" val="162785280"/>
       </p:ext>
     </p:extLst>
   </p:cSld>
@@ -6721,25 +6750,58 @@
           <a:p>
             <a:r>
               <a:rPr lang="en-US" dirty="0"/>
-              <a:t>Remote mobbing is opening up possibilities</a:t>
-            </a:r>
-          </a:p>
-          <a:p>
+              <a:t>So maybe you’ve not mobbed before but you’d like to have a go?</a:t>
+            </a:r>
+            <a:br>
+              <a:rPr lang="en-US" dirty="0"/>
+            </a:br>
             <a:endParaRPr lang="en-US" dirty="0"/>
           </a:p>
           <a:p>
             <a:r>
               <a:rPr lang="en-US" dirty="0"/>
-              <a:t>If you're a distributed team, you can mob. You can use hangouts (other sharing technology is available) and share your screen</a:t>
-            </a:r>
-          </a:p>
-          <a:p>
-            <a:endParaRPr lang="en-US" dirty="0"/>
-          </a:p>
-          <a:p>
-            <a:r>
-              <a:rPr lang="en-US" dirty="0"/>
-              <a:t>Hopefully technology will continue to improve to make this easier</a:t>
+              <a:t>First off you’ll need to pick a topic. Maybe you could...</a:t>
+            </a:r>
+          </a:p>
+          <a:p>
+            <a:r>
+              <a:rPr lang="en-US" dirty="0"/>
+              <a:t>Do a kata, to have fun and learn together</a:t>
+            </a:r>
+          </a:p>
+          <a:p>
+            <a:r>
+              <a:rPr lang="en-US" dirty="0"/>
+              <a:t>Or maybe there’s some legacy code that people are scared to touch on their own</a:t>
+            </a:r>
+          </a:p>
+          <a:p>
+            <a:r>
+              <a:rPr lang="en-US" dirty="0"/>
+              <a:t>Or maybe there’s a new technology the team needs to get up to speed with</a:t>
+            </a:r>
+          </a:p>
+          <a:p>
+            <a:br>
+              <a:rPr lang="en-US" dirty="0"/>
+            </a:br>
+            <a:r>
+              <a:rPr lang="en-US" dirty="0"/>
+              <a:t>And then help the team by being a facilitator</a:t>
+            </a:r>
+            <a:br>
+              <a:rPr lang="en-US" dirty="0"/>
+            </a:br>
+            <a:r>
+              <a:rPr lang="en-US" dirty="0"/>
+              <a:t>That could involve finding a nice place with a big screen for them to use</a:t>
+            </a:r>
+            <a:br>
+              <a:rPr lang="en-US" dirty="0"/>
+            </a:br>
+            <a:r>
+              <a:rPr lang="en-US" dirty="0"/>
+              <a:t>Encouraging them to take regular breaks and have a retrospective</a:t>
             </a:r>
           </a:p>
         </p:txBody>
@@ -6770,7 +6832,7 @@
     </p:spTree>
     <p:extLst>
       <p:ext uri="{BB962C8B-B14F-4D97-AF65-F5344CB8AC3E}">
-        <p14:creationId xmlns:p14="http://schemas.microsoft.com/office/powerpoint/2010/main" val="4083507257"/>
+        <p14:creationId xmlns:p14="http://schemas.microsoft.com/office/powerpoint/2010/main" val="3999229775"/>
       </p:ext>
     </p:extLst>
   </p:cSld>
@@ -6826,19 +6888,31 @@
           <a:p>
             <a:r>
               <a:rPr lang="en-US" dirty="0"/>
-              <a:t>But best of all, there’s a whole bunch of people around the world trying out mobbing</a:t>
-            </a:r>
-          </a:p>
-          <a:p>
-            <a:r>
-              <a:rPr lang="en-US" dirty="0"/>
-              <a:t>They’re experimenting and sharing their experiences</a:t>
-            </a:r>
-          </a:p>
-          <a:p>
-            <a:r>
-              <a:rPr lang="en-US" dirty="0"/>
-              <a:t>And we can all learn from each other</a:t>
+              <a:t>And here are some links that you may find useful.</a:t>
+            </a:r>
+          </a:p>
+          <a:p>
+            <a:r>
+              <a:rPr lang="en-US" dirty="0"/>
+              <a:t>I’ll be tweeting these slides out on the Agile Cambridge hashtag on twitter shortly</a:t>
+            </a:r>
+          </a:p>
+          <a:p>
+            <a:endParaRPr lang="en-US" dirty="0"/>
+          </a:p>
+          <a:p>
+            <a:r>
+              <a:rPr lang="en-US" dirty="0"/>
+              <a:t>Any questions?</a:t>
+            </a:r>
+          </a:p>
+          <a:p>
+            <a:endParaRPr lang="en-US" dirty="0"/>
+          </a:p>
+          <a:p>
+            <a:r>
+              <a:rPr lang="en-US" dirty="0"/>
+              <a:t>Thank you</a:t>
             </a:r>
           </a:p>
         </p:txBody>
@@ -6869,145 +6943,7 @@
     </p:spTree>
     <p:extLst>
       <p:ext uri="{BB962C8B-B14F-4D97-AF65-F5344CB8AC3E}">
-        <p14:creationId xmlns:p14="http://schemas.microsoft.com/office/powerpoint/2010/main" val="162785280"/>
-      </p:ext>
-    </p:extLst>
-  </p:cSld>
-  <p:clrMapOvr>
-    <a:masterClrMapping/>
-  </p:clrMapOvr>
-</p:notes>
-</file>
-
-<file path=ppt/notesSlides/notesSlide59.xml><?xml version="1.0" encoding="utf-8"?>
-<p:notes xmlns:a="http://schemas.openxmlformats.org/drawingml/2006/main" xmlns:r="http://schemas.openxmlformats.org/officeDocument/2006/relationships" xmlns:p="http://schemas.openxmlformats.org/presentationml/2006/main">
-  <p:cSld>
-    <p:spTree>
-      <p:nvGrpSpPr>
-        <p:cNvPr id="1" name=""/>
-        <p:cNvGrpSpPr/>
-        <p:nvPr/>
-      </p:nvGrpSpPr>
-      <p:grpSpPr>
-        <a:xfrm>
-          <a:off x="0" y="0"/>
-          <a:ext cx="0" cy="0"/>
-          <a:chOff x="0" y="0"/>
-          <a:chExt cx="0" cy="0"/>
-        </a:xfrm>
-      </p:grpSpPr>
-      <p:sp>
-        <p:nvSpPr>
-          <p:cNvPr id="2" name="Slide Image Placeholder 1"/>
-          <p:cNvSpPr>
-            <a:spLocks noGrp="1" noRot="1" noChangeAspect="1"/>
-          </p:cNvSpPr>
-          <p:nvPr>
-            <p:ph type="sldImg"/>
-          </p:nvPr>
-        </p:nvSpPr>
-        <p:spPr/>
-      </p:sp>
-      <p:sp>
-        <p:nvSpPr>
-          <p:cNvPr id="3" name="Notes Placeholder 2"/>
-          <p:cNvSpPr>
-            <a:spLocks noGrp="1"/>
-          </p:cNvSpPr>
-          <p:nvPr>
-            <p:ph type="body" idx="1"/>
-          </p:nvPr>
-        </p:nvSpPr>
-        <p:spPr/>
-        <p:txBody>
-          <a:bodyPr/>
-          <a:lstStyle/>
-          <a:p>
-            <a:r>
-              <a:rPr lang="en-US" dirty="0"/>
-              <a:t>So maybe you’ve not mobbed before but you’d like to have a go?</a:t>
-            </a:r>
-            <a:br>
-              <a:rPr lang="en-US" dirty="0"/>
-            </a:br>
-            <a:endParaRPr lang="en-US" dirty="0"/>
-          </a:p>
-          <a:p>
-            <a:r>
-              <a:rPr lang="en-US" dirty="0"/>
-              <a:t>First off you’ll need to pick a topic. Maybe you could...</a:t>
-            </a:r>
-          </a:p>
-          <a:p>
-            <a:r>
-              <a:rPr lang="en-US" dirty="0"/>
-              <a:t>Do a kata, to have fun and learn together</a:t>
-            </a:r>
-          </a:p>
-          <a:p>
-            <a:r>
-              <a:rPr lang="en-US" dirty="0"/>
-              <a:t>Or maybe there’s some legacy code that people are scared to touch on their own</a:t>
-            </a:r>
-          </a:p>
-          <a:p>
-            <a:r>
-              <a:rPr lang="en-US" dirty="0"/>
-              <a:t>Or maybe there’s a new technology the team needs to get up to speed with</a:t>
-            </a:r>
-          </a:p>
-          <a:p>
-            <a:br>
-              <a:rPr lang="en-US" dirty="0"/>
-            </a:br>
-            <a:r>
-              <a:rPr lang="en-US" dirty="0"/>
-              <a:t>And then help the team by being a facilitator</a:t>
-            </a:r>
-            <a:br>
-              <a:rPr lang="en-US" dirty="0"/>
-            </a:br>
-            <a:r>
-              <a:rPr lang="en-US" dirty="0"/>
-              <a:t>That could involve finding a nice place with a big screen for them to use</a:t>
-            </a:r>
-            <a:br>
-              <a:rPr lang="en-US" dirty="0"/>
-            </a:br>
-            <a:r>
-              <a:rPr lang="en-US" dirty="0"/>
-              <a:t>Encouraging them to take regular breaks and have a retrospective</a:t>
-            </a:r>
-          </a:p>
-        </p:txBody>
-      </p:sp>
-      <p:sp>
-        <p:nvSpPr>
-          <p:cNvPr id="4" name="Slide Number Placeholder 3"/>
-          <p:cNvSpPr>
-            <a:spLocks noGrp="1"/>
-          </p:cNvSpPr>
-          <p:nvPr>
-            <p:ph type="sldNum" sz="quarter" idx="5"/>
-          </p:nvPr>
-        </p:nvSpPr>
-        <p:spPr/>
-        <p:txBody>
-          <a:bodyPr/>
-          <a:lstStyle/>
-          <a:p>
-            <a:fld id="{B99E8012-7AEC-4AAD-B52C-DF7E1601EEFE}" type="slidenum">
-              <a:rPr lang="en-GB" smtClean="0"/>
-              <a:t>59</a:t>
-            </a:fld>
-            <a:endParaRPr lang="en-GB"/>
-          </a:p>
-        </p:txBody>
-      </p:sp>
-    </p:spTree>
-    <p:extLst>
-      <p:ext uri="{BB962C8B-B14F-4D97-AF65-F5344CB8AC3E}">
-        <p14:creationId xmlns:p14="http://schemas.microsoft.com/office/powerpoint/2010/main" val="3999229775"/>
+        <p14:creationId xmlns:p14="http://schemas.microsoft.com/office/powerpoint/2010/main" val="3276869117"/>
       </p:ext>
     </p:extLst>
   </p:cSld>
@@ -7096,117 +7032,6 @@
     <p:extLst>
       <p:ext uri="{BB962C8B-B14F-4D97-AF65-F5344CB8AC3E}">
         <p14:creationId xmlns:p14="http://schemas.microsoft.com/office/powerpoint/2010/main" val="548723764"/>
-      </p:ext>
-    </p:extLst>
-  </p:cSld>
-  <p:clrMapOvr>
-    <a:masterClrMapping/>
-  </p:clrMapOvr>
-</p:notes>
-</file>
-
-<file path=ppt/notesSlides/notesSlide60.xml><?xml version="1.0" encoding="utf-8"?>
-<p:notes xmlns:a="http://schemas.openxmlformats.org/drawingml/2006/main" xmlns:r="http://schemas.openxmlformats.org/officeDocument/2006/relationships" xmlns:p="http://schemas.openxmlformats.org/presentationml/2006/main">
-  <p:cSld>
-    <p:spTree>
-      <p:nvGrpSpPr>
-        <p:cNvPr id="1" name=""/>
-        <p:cNvGrpSpPr/>
-        <p:nvPr/>
-      </p:nvGrpSpPr>
-      <p:grpSpPr>
-        <a:xfrm>
-          <a:off x="0" y="0"/>
-          <a:ext cx="0" cy="0"/>
-          <a:chOff x="0" y="0"/>
-          <a:chExt cx="0" cy="0"/>
-        </a:xfrm>
-      </p:grpSpPr>
-      <p:sp>
-        <p:nvSpPr>
-          <p:cNvPr id="2" name="Slide Image Placeholder 1"/>
-          <p:cNvSpPr>
-            <a:spLocks noGrp="1" noRot="1" noChangeAspect="1"/>
-          </p:cNvSpPr>
-          <p:nvPr>
-            <p:ph type="sldImg"/>
-          </p:nvPr>
-        </p:nvSpPr>
-        <p:spPr/>
-      </p:sp>
-      <p:sp>
-        <p:nvSpPr>
-          <p:cNvPr id="3" name="Notes Placeholder 2"/>
-          <p:cNvSpPr>
-            <a:spLocks noGrp="1"/>
-          </p:cNvSpPr>
-          <p:nvPr>
-            <p:ph type="body" idx="1"/>
-          </p:nvPr>
-        </p:nvSpPr>
-        <p:spPr/>
-        <p:txBody>
-          <a:bodyPr/>
-          <a:lstStyle/>
-          <a:p>
-            <a:r>
-              <a:rPr lang="en-US" dirty="0"/>
-              <a:t>And here are some links that you may find useful.</a:t>
-            </a:r>
-          </a:p>
-          <a:p>
-            <a:r>
-              <a:rPr lang="en-US" dirty="0"/>
-              <a:t>I’ll be tweeting these slides out on the Agile Cambridge hashtag on twitter shortly</a:t>
-            </a:r>
-          </a:p>
-          <a:p>
-            <a:endParaRPr lang="en-US" dirty="0"/>
-          </a:p>
-          <a:p>
-            <a:r>
-              <a:rPr lang="en-US" dirty="0"/>
-              <a:t>Any questions?</a:t>
-            </a:r>
-          </a:p>
-          <a:p>
-            <a:endParaRPr lang="en-US" dirty="0"/>
-          </a:p>
-          <a:p>
-            <a:r>
-              <a:rPr lang="en-US" dirty="0"/>
-              <a:t>Thank you</a:t>
-            </a:r>
-          </a:p>
-        </p:txBody>
-      </p:sp>
-      <p:sp>
-        <p:nvSpPr>
-          <p:cNvPr id="4" name="Slide Number Placeholder 3"/>
-          <p:cNvSpPr>
-            <a:spLocks noGrp="1"/>
-          </p:cNvSpPr>
-          <p:nvPr>
-            <p:ph type="sldNum" sz="quarter" idx="5"/>
-          </p:nvPr>
-        </p:nvSpPr>
-        <p:spPr/>
-        <p:txBody>
-          <a:bodyPr/>
-          <a:lstStyle/>
-          <a:p>
-            <a:fld id="{B99E8012-7AEC-4AAD-B52C-DF7E1601EEFE}" type="slidenum">
-              <a:rPr lang="en-GB" smtClean="0"/>
-              <a:t>60</a:t>
-            </a:fld>
-            <a:endParaRPr lang="en-GB"/>
-          </a:p>
-        </p:txBody>
-      </p:sp>
-    </p:spTree>
-    <p:extLst>
-      <p:ext uri="{BB962C8B-B14F-4D97-AF65-F5344CB8AC3E}">
-        <p14:creationId xmlns:p14="http://schemas.microsoft.com/office/powerpoint/2010/main" val="3276869117"/>
       </p:ext>
     </p:extLst>
   </p:cSld>
@@ -23030,182 +22855,6 @@
             <a:pPr algn="ctr"/>
             <a:r>
               <a:rPr lang="en-GB" sz="8800" dirty="0"/>
-              <a:t>Tools 🔧</a:t>
-            </a:r>
-            <a:endParaRPr lang="en-GB" dirty="0"/>
-          </a:p>
-        </p:txBody>
-      </p:sp>
-      <p:sp>
-        <p:nvSpPr>
-          <p:cNvPr id="5" name="Date Placeholder 4">
-            <a:extLst>
-              <a:ext uri="{FF2B5EF4-FFF2-40B4-BE49-F238E27FC236}">
-                <a16:creationId xmlns:a16="http://schemas.microsoft.com/office/drawing/2014/main" id="{9824FFE3-6C5B-B840-BE38-DAB059A1D5BC}"/>
-              </a:ext>
-            </a:extLst>
-          </p:cNvPr>
-          <p:cNvSpPr>
-            <a:spLocks noGrp="1"/>
-          </p:cNvSpPr>
-          <p:nvPr>
-            <p:ph type="dt" sz="half" idx="10"/>
-          </p:nvPr>
-        </p:nvSpPr>
-        <p:spPr/>
-        <p:txBody>
-          <a:bodyPr/>
-          <a:lstStyle/>
-          <a:p>
-            <a:r>
-              <a:rPr lang="en-GB"/>
-              <a:t>@owennell</a:t>
-            </a:r>
-            <a:endParaRPr lang="en-US" dirty="0"/>
-          </a:p>
-        </p:txBody>
-      </p:sp>
-    </p:spTree>
-    <p:extLst>
-      <p:ext uri="{BB962C8B-B14F-4D97-AF65-F5344CB8AC3E}">
-        <p14:creationId xmlns:p14="http://schemas.microsoft.com/office/powerpoint/2010/main" val="3006730636"/>
-      </p:ext>
-    </p:extLst>
-  </p:cSld>
-  <p:clrMapOvr>
-    <a:masterClrMapping/>
-  </p:clrMapOvr>
-</p:sld>
-</file>
-
-<file path=ppt/slides/slide57.xml><?xml version="1.0" encoding="utf-8"?>
-<p:sld xmlns:a="http://schemas.openxmlformats.org/drawingml/2006/main" xmlns:r="http://schemas.openxmlformats.org/officeDocument/2006/relationships" xmlns:p="http://schemas.openxmlformats.org/presentationml/2006/main">
-  <p:cSld>
-    <p:spTree>
-      <p:nvGrpSpPr>
-        <p:cNvPr id="1" name=""/>
-        <p:cNvGrpSpPr/>
-        <p:nvPr/>
-      </p:nvGrpSpPr>
-      <p:grpSpPr>
-        <a:xfrm>
-          <a:off x="0" y="0"/>
-          <a:ext cx="0" cy="0"/>
-          <a:chOff x="0" y="0"/>
-          <a:chExt cx="0" cy="0"/>
-        </a:xfrm>
-      </p:grpSpPr>
-      <p:sp>
-        <p:nvSpPr>
-          <p:cNvPr id="2" name="Title 1"/>
-          <p:cNvSpPr>
-            <a:spLocks noGrp="1"/>
-          </p:cNvSpPr>
-          <p:nvPr>
-            <p:ph type="title"/>
-          </p:nvPr>
-        </p:nvSpPr>
-        <p:spPr>
-          <a:xfrm>
-            <a:off x="1678346" y="3176198"/>
-            <a:ext cx="8835309" cy="505604"/>
-          </a:xfrm>
-        </p:spPr>
-        <p:txBody>
-          <a:bodyPr/>
-          <a:lstStyle/>
-          <a:p>
-            <a:pPr algn="ctr"/>
-            <a:r>
-              <a:rPr lang="en-GB" sz="8800" dirty="0"/>
-              <a:t>Remote 🎧</a:t>
-            </a:r>
-            <a:endParaRPr lang="en-GB" dirty="0"/>
-          </a:p>
-        </p:txBody>
-      </p:sp>
-      <p:sp>
-        <p:nvSpPr>
-          <p:cNvPr id="5" name="Date Placeholder 4">
-            <a:extLst>
-              <a:ext uri="{FF2B5EF4-FFF2-40B4-BE49-F238E27FC236}">
-                <a16:creationId xmlns:a16="http://schemas.microsoft.com/office/drawing/2014/main" id="{26D6769B-860C-034D-9FBA-52F1CC75AAD2}"/>
-              </a:ext>
-            </a:extLst>
-          </p:cNvPr>
-          <p:cNvSpPr>
-            <a:spLocks noGrp="1"/>
-          </p:cNvSpPr>
-          <p:nvPr>
-            <p:ph type="dt" sz="half" idx="10"/>
-          </p:nvPr>
-        </p:nvSpPr>
-        <p:spPr/>
-        <p:txBody>
-          <a:bodyPr/>
-          <a:lstStyle/>
-          <a:p>
-            <a:r>
-              <a:rPr lang="en-GB"/>
-              <a:t>@owennell</a:t>
-            </a:r>
-            <a:endParaRPr lang="en-US" dirty="0"/>
-          </a:p>
-        </p:txBody>
-      </p:sp>
-    </p:spTree>
-    <p:extLst>
-      <p:ext uri="{BB962C8B-B14F-4D97-AF65-F5344CB8AC3E}">
-        <p14:creationId xmlns:p14="http://schemas.microsoft.com/office/powerpoint/2010/main" val="2671301233"/>
-      </p:ext>
-    </p:extLst>
-  </p:cSld>
-  <p:clrMapOvr>
-    <a:masterClrMapping/>
-  </p:clrMapOvr>
-</p:sld>
-</file>
-
-<file path=ppt/slides/slide58.xml><?xml version="1.0" encoding="utf-8"?>
-<p:sld xmlns:a="http://schemas.openxmlformats.org/drawingml/2006/main" xmlns:r="http://schemas.openxmlformats.org/officeDocument/2006/relationships" xmlns:p="http://schemas.openxmlformats.org/presentationml/2006/main">
-  <p:cSld>
-    <p:spTree>
-      <p:nvGrpSpPr>
-        <p:cNvPr id="1" name=""/>
-        <p:cNvGrpSpPr/>
-        <p:nvPr/>
-      </p:nvGrpSpPr>
-      <p:grpSpPr>
-        <a:xfrm>
-          <a:off x="0" y="0"/>
-          <a:ext cx="0" cy="0"/>
-          <a:chOff x="0" y="0"/>
-          <a:chExt cx="0" cy="0"/>
-        </a:xfrm>
-      </p:grpSpPr>
-      <p:sp>
-        <p:nvSpPr>
-          <p:cNvPr id="2" name="Title 1"/>
-          <p:cNvSpPr>
-            <a:spLocks noGrp="1"/>
-          </p:cNvSpPr>
-          <p:nvPr>
-            <p:ph type="title"/>
-          </p:nvPr>
-        </p:nvSpPr>
-        <p:spPr>
-          <a:xfrm>
-            <a:off x="1678346" y="3176198"/>
-            <a:ext cx="8835309" cy="505604"/>
-          </a:xfrm>
-        </p:spPr>
-        <p:txBody>
-          <a:bodyPr/>
-          <a:lstStyle/>
-          <a:p>
-            <a:pPr algn="ctr"/>
-            <a:r>
-              <a:rPr lang="en-GB" sz="8800" dirty="0"/>
               <a:t>Community 🌍</a:t>
             </a:r>
             <a:br>
@@ -23265,7 +22914,7 @@
 </p:sld>
 </file>
 
-<file path=ppt/slides/slide59.xml><?xml version="1.0" encoding="utf-8"?>
+<file path=ppt/slides/slide57.xml><?xml version="1.0" encoding="utf-8"?>
 <p:sld xmlns:a="http://schemas.openxmlformats.org/drawingml/2006/main" xmlns:r="http://schemas.openxmlformats.org/officeDocument/2006/relationships" xmlns:p="http://schemas.openxmlformats.org/presentationml/2006/main">
   <p:cSld>
     <p:spTree>
@@ -23550,51 +23199,6 @@
                       </p:childTnLst>
                     </p:cTn>
                   </p:par>
-                  <p:par>
-                    <p:cTn id="11" fill="hold">
-                      <p:stCondLst>
-                        <p:cond delay="indefinite"/>
-                      </p:stCondLst>
-                      <p:childTnLst>
-                        <p:par>
-                          <p:cTn id="12" fill="hold">
-                            <p:stCondLst>
-                              <p:cond delay="0"/>
-                            </p:stCondLst>
-                            <p:childTnLst>
-                              <p:par>
-                                <p:cTn id="13" presetID="1" presetClass="entr" presetSubtype="0" fill="hold" grpId="1" nodeType="clickEffect">
-                                  <p:stCondLst>
-                                    <p:cond delay="0"/>
-                                  </p:stCondLst>
-                                  <p:childTnLst>
-                                    <p:set>
-                                      <p:cBhvr>
-                                        <p:cTn id="14" dur="1" fill="hold">
-                                          <p:stCondLst>
-                                            <p:cond delay="0"/>
-                                          </p:stCondLst>
-                                        </p:cTn>
-                                        <p:tgtEl>
-                                          <p:spTgt spid="4"/>
-                                        </p:tgtEl>
-                                        <p:attrNameLst>
-                                          <p:attrName>style.visibility</p:attrName>
-                                        </p:attrNameLst>
-                                      </p:cBhvr>
-                                      <p:to>
-                                        <p:strVal val="visible"/>
-                                      </p:to>
-                                    </p:set>
-                                  </p:childTnLst>
-                                </p:cTn>
-                              </p:par>
-                            </p:childTnLst>
-                          </p:cTn>
-                        </p:par>
-                      </p:childTnLst>
-                    </p:cTn>
-                  </p:par>
                 </p:childTnLst>
               </p:cTn>
               <p:prevCondLst>
@@ -23618,10 +23222,220 @@
     </p:tnLst>
     <p:bldLst>
       <p:bldP spid="4" grpId="0"/>
-      <p:bldP spid="4" grpId="1"/>
       <p:bldP spid="7" grpId="0"/>
     </p:bldLst>
   </p:timing>
+</p:sld>
+</file>
+
+<file path=ppt/slides/slide58.xml><?xml version="1.0" encoding="utf-8"?>
+<p:sld xmlns:a="http://schemas.openxmlformats.org/drawingml/2006/main" xmlns:r="http://schemas.openxmlformats.org/officeDocument/2006/relationships" xmlns:p="http://schemas.openxmlformats.org/presentationml/2006/main">
+  <p:cSld>
+    <p:spTree>
+      <p:nvGrpSpPr>
+        <p:cNvPr id="1" name=""/>
+        <p:cNvGrpSpPr/>
+        <p:nvPr/>
+      </p:nvGrpSpPr>
+      <p:grpSpPr>
+        <a:xfrm>
+          <a:off x="0" y="0"/>
+          <a:ext cx="0" cy="0"/>
+          <a:chOff x="0" y="0"/>
+          <a:chExt cx="0" cy="0"/>
+        </a:xfrm>
+      </p:grpSpPr>
+      <p:sp>
+        <p:nvSpPr>
+          <p:cNvPr id="2" name="Title 1"/>
+          <p:cNvSpPr>
+            <a:spLocks noGrp="1"/>
+          </p:cNvSpPr>
+          <p:nvPr>
+            <p:ph type="title"/>
+          </p:nvPr>
+        </p:nvSpPr>
+        <p:spPr>
+          <a:xfrm>
+            <a:off x="1678345" y="3964580"/>
+            <a:ext cx="8835309" cy="505604"/>
+          </a:xfrm>
+        </p:spPr>
+        <p:txBody>
+          <a:bodyPr/>
+          <a:lstStyle/>
+          <a:p>
+            <a:r>
+              <a:rPr lang="en-GB" sz="3200" dirty="0">
+                <a:hlinkClick r:id="rId3"/>
+              </a:rPr>
+              <a:t>Mob Programming book</a:t>
+            </a:r>
+            <a:r>
+              <a:rPr lang="en-GB" sz="3200" dirty="0"/>
+              <a:t> on </a:t>
+            </a:r>
+            <a:r>
+              <a:rPr lang="en-GB" sz="3200" dirty="0" err="1"/>
+              <a:t>Leanpub</a:t>
+            </a:r>
+            <a:br>
+              <a:rPr lang="en-GB" sz="3200" dirty="0"/>
+            </a:br>
+            <a:br>
+              <a:rPr lang="en-GB" sz="3200" dirty="0"/>
+            </a:br>
+            <a:r>
+              <a:rPr lang="en-GB" sz="3200" dirty="0"/>
+              <a:t>#</a:t>
+            </a:r>
+            <a:r>
+              <a:rPr lang="en-GB" sz="3200" dirty="0" err="1"/>
+              <a:t>mobprogramming</a:t>
+            </a:r>
+            <a:r>
+              <a:rPr lang="en-GB" sz="3200" dirty="0"/>
+              <a:t> on Twitter</a:t>
+            </a:r>
+            <a:br>
+              <a:rPr lang="en-GB" sz="3200" dirty="0"/>
+            </a:br>
+            <a:br>
+              <a:rPr lang="en-GB" sz="3200" dirty="0"/>
+            </a:br>
+            <a:r>
+              <a:rPr lang="en-GB" sz="3200" dirty="0">
+                <a:hlinkClick r:id="rId4"/>
+              </a:rPr>
+              <a:t>remotemobprogramming.org</a:t>
+            </a:r>
+            <a:br>
+              <a:rPr lang="en-GB" sz="3200" dirty="0"/>
+            </a:br>
+            <a:br>
+              <a:rPr lang="en-GB" sz="3200" dirty="0"/>
+            </a:br>
+            <a:r>
+              <a:rPr lang="en-GB" sz="3200" dirty="0">
+                <a:hlinkClick r:id="rId5"/>
+              </a:rPr>
+              <a:t>Mob Mentality Show</a:t>
+            </a:r>
+            <a:r>
+              <a:rPr lang="en-GB" sz="3200" dirty="0"/>
+              <a:t> on YouTube</a:t>
+            </a:r>
+            <a:br>
+              <a:rPr lang="en-GB" sz="3200" dirty="0"/>
+            </a:br>
+            <a:r>
+              <a:rPr lang="en-GB" sz="1800" i="1" dirty="0"/>
+              <a:t>(I wasn't involved, the name is a coincidence! </a:t>
+            </a:r>
+            <a:r>
+              <a:rPr lang="en-GB" sz="1800" dirty="0"/>
+              <a:t>😆</a:t>
+            </a:r>
+            <a:r>
+              <a:rPr lang="en-GB" sz="1800" i="1" dirty="0"/>
+              <a:t>)</a:t>
+            </a:r>
+            <a:endParaRPr lang="en-GB" sz="3200" i="1" dirty="0"/>
+          </a:p>
+        </p:txBody>
+      </p:sp>
+      <p:sp>
+        <p:nvSpPr>
+          <p:cNvPr id="5" name="Title 1">
+            <a:extLst>
+              <a:ext uri="{FF2B5EF4-FFF2-40B4-BE49-F238E27FC236}">
+                <a16:creationId xmlns:a16="http://schemas.microsoft.com/office/drawing/2014/main" id="{FC9E7EEC-6A09-614F-9341-D8F0F812425B}"/>
+              </a:ext>
+            </a:extLst>
+          </p:cNvPr>
+          <p:cNvSpPr txBox="1">
+            <a:spLocks/>
+          </p:cNvSpPr>
+          <p:nvPr/>
+        </p:nvSpPr>
+        <p:spPr>
+          <a:xfrm>
+            <a:off x="1678346" y="1112520"/>
+            <a:ext cx="8835309" cy="505604"/>
+          </a:xfrm>
+          <a:prstGeom prst="rect">
+            <a:avLst/>
+          </a:prstGeom>
+        </p:spPr>
+        <p:txBody>
+          <a:bodyPr vert="horz" lIns="0" tIns="38963" rIns="77925" bIns="38963" rtlCol="0" anchor="ctr">
+            <a:noAutofit/>
+          </a:bodyPr>
+          <a:lstStyle>
+            <a:lvl1pPr algn="l" defTabSz="389626" rtl="0" eaLnBrk="1" latinLnBrk="0" hangingPunct="1">
+              <a:spcBef>
+                <a:spcPct val="0"/>
+              </a:spcBef>
+              <a:buNone/>
+              <a:defRPr sz="4200" b="0" i="0" kern="1200" baseline="0">
+                <a:solidFill>
+                  <a:schemeClr val="bg1"/>
+                </a:solidFill>
+                <a:latin typeface="+mn-lt"/>
+                <a:ea typeface="Arial" charset="0"/>
+                <a:cs typeface="Arial" charset="0"/>
+              </a:defRPr>
+            </a:lvl1pPr>
+          </a:lstStyle>
+          <a:p>
+            <a:pPr algn="ctr"/>
+            <a:r>
+              <a:rPr lang="en-GB" sz="7200" dirty="0"/>
+              <a:t>Links</a:t>
+            </a:r>
+            <a:endParaRPr lang="en-GB" sz="3200" dirty="0"/>
+          </a:p>
+        </p:txBody>
+      </p:sp>
+      <p:sp>
+        <p:nvSpPr>
+          <p:cNvPr id="6" name="Date Placeholder 5">
+            <a:extLst>
+              <a:ext uri="{FF2B5EF4-FFF2-40B4-BE49-F238E27FC236}">
+                <a16:creationId xmlns:a16="http://schemas.microsoft.com/office/drawing/2014/main" id="{F97E6501-23CF-4C45-B785-96F6DD5FB904}"/>
+              </a:ext>
+            </a:extLst>
+          </p:cNvPr>
+          <p:cNvSpPr>
+            <a:spLocks noGrp="1"/>
+          </p:cNvSpPr>
+          <p:nvPr>
+            <p:ph type="dt" sz="half" idx="10"/>
+          </p:nvPr>
+        </p:nvSpPr>
+        <p:spPr/>
+        <p:txBody>
+          <a:bodyPr/>
+          <a:lstStyle/>
+          <a:p>
+            <a:r>
+              <a:rPr lang="en-GB"/>
+              <a:t>@owennell</a:t>
+            </a:r>
+            <a:endParaRPr lang="en-US" dirty="0"/>
+          </a:p>
+        </p:txBody>
+      </p:sp>
+    </p:spTree>
+    <p:extLst>
+      <p:ext uri="{BB962C8B-B14F-4D97-AF65-F5344CB8AC3E}">
+        <p14:creationId xmlns:p14="http://schemas.microsoft.com/office/powerpoint/2010/main" val="1180917442"/>
+      </p:ext>
+    </p:extLst>
+  </p:cSld>
+  <p:clrMapOvr>
+    <a:masterClrMapping/>
+  </p:clrMapOvr>
 </p:sld>
 </file>
 
@@ -23703,217 +23517,6 @@
     <p:extLst>
       <p:ext uri="{BB962C8B-B14F-4D97-AF65-F5344CB8AC3E}">
         <p14:creationId xmlns:p14="http://schemas.microsoft.com/office/powerpoint/2010/main" val="3109083235"/>
-      </p:ext>
-    </p:extLst>
-  </p:cSld>
-  <p:clrMapOvr>
-    <a:masterClrMapping/>
-  </p:clrMapOvr>
-</p:sld>
-</file>
-
-<file path=ppt/slides/slide60.xml><?xml version="1.0" encoding="utf-8"?>
-<p:sld xmlns:a="http://schemas.openxmlformats.org/drawingml/2006/main" xmlns:r="http://schemas.openxmlformats.org/officeDocument/2006/relationships" xmlns:p="http://schemas.openxmlformats.org/presentationml/2006/main">
-  <p:cSld>
-    <p:spTree>
-      <p:nvGrpSpPr>
-        <p:cNvPr id="1" name=""/>
-        <p:cNvGrpSpPr/>
-        <p:nvPr/>
-      </p:nvGrpSpPr>
-      <p:grpSpPr>
-        <a:xfrm>
-          <a:off x="0" y="0"/>
-          <a:ext cx="0" cy="0"/>
-          <a:chOff x="0" y="0"/>
-          <a:chExt cx="0" cy="0"/>
-        </a:xfrm>
-      </p:grpSpPr>
-      <p:sp>
-        <p:nvSpPr>
-          <p:cNvPr id="2" name="Title 1"/>
-          <p:cNvSpPr>
-            <a:spLocks noGrp="1"/>
-          </p:cNvSpPr>
-          <p:nvPr>
-            <p:ph type="title"/>
-          </p:nvPr>
-        </p:nvSpPr>
-        <p:spPr>
-          <a:xfrm>
-            <a:off x="1678345" y="3964580"/>
-            <a:ext cx="8835309" cy="505604"/>
-          </a:xfrm>
-        </p:spPr>
-        <p:txBody>
-          <a:bodyPr/>
-          <a:lstStyle/>
-          <a:p>
-            <a:r>
-              <a:rPr lang="en-GB" sz="3200" dirty="0">
-                <a:hlinkClick r:id="rId3"/>
-              </a:rPr>
-              <a:t>Mob Programming book</a:t>
-            </a:r>
-            <a:r>
-              <a:rPr lang="en-GB" sz="3200" dirty="0"/>
-              <a:t> on </a:t>
-            </a:r>
-            <a:r>
-              <a:rPr lang="en-GB" sz="3200" dirty="0" err="1"/>
-              <a:t>Leanpub</a:t>
-            </a:r>
-            <a:br>
-              <a:rPr lang="en-GB" sz="3200" dirty="0"/>
-            </a:br>
-            <a:br>
-              <a:rPr lang="en-GB" sz="3200" dirty="0"/>
-            </a:br>
-            <a:r>
-              <a:rPr lang="en-GB" sz="3200" dirty="0"/>
-              <a:t>#</a:t>
-            </a:r>
-            <a:r>
-              <a:rPr lang="en-GB" sz="3200" dirty="0" err="1"/>
-              <a:t>mobprogramming</a:t>
-            </a:r>
-            <a:r>
-              <a:rPr lang="en-GB" sz="3200" dirty="0"/>
-              <a:t> on Twitter</a:t>
-            </a:r>
-            <a:br>
-              <a:rPr lang="en-GB" sz="3200" dirty="0"/>
-            </a:br>
-            <a:br>
-              <a:rPr lang="en-GB" sz="3200" dirty="0"/>
-            </a:br>
-            <a:r>
-              <a:rPr lang="en-GB" sz="3200" dirty="0">
-                <a:hlinkClick r:id="rId4"/>
-              </a:rPr>
-              <a:t>remotemobprogramming.org</a:t>
-            </a:r>
-            <a:br>
-              <a:rPr lang="en-GB" sz="3200" dirty="0"/>
-            </a:br>
-            <a:br>
-              <a:rPr lang="en-GB" sz="3200" dirty="0"/>
-            </a:br>
-            <a:r>
-              <a:rPr lang="en-GB" sz="3200" dirty="0">
-                <a:hlinkClick r:id="rId5"/>
-              </a:rPr>
-              <a:t>Mob Mentality Show</a:t>
-            </a:r>
-            <a:r>
-              <a:rPr lang="en-GB" sz="3200" dirty="0"/>
-              <a:t> on YouTube</a:t>
-            </a:r>
-            <a:br>
-              <a:rPr lang="en-GB" sz="3200" dirty="0"/>
-            </a:br>
-            <a:r>
-              <a:rPr lang="en-GB" sz="1800" i="1" dirty="0"/>
-              <a:t>(I wasn't involved, the name is a coincidence! </a:t>
-            </a:r>
-            <a:r>
-              <a:rPr lang="en-GB" sz="1800" dirty="0"/>
-              <a:t>😆</a:t>
-            </a:r>
-            <a:r>
-              <a:rPr lang="en-GB" sz="1800" i="1" dirty="0"/>
-              <a:t>)</a:t>
-            </a:r>
-            <a:endParaRPr lang="en-GB" sz="3200" i="1" dirty="0"/>
-          </a:p>
-        </p:txBody>
-      </p:sp>
-      <p:sp>
-        <p:nvSpPr>
-          <p:cNvPr id="5" name="Title 1">
-            <a:extLst>
-              <a:ext uri="{FF2B5EF4-FFF2-40B4-BE49-F238E27FC236}">
-                <a16:creationId xmlns:a16="http://schemas.microsoft.com/office/drawing/2014/main" id="{FC9E7EEC-6A09-614F-9341-D8F0F812425B}"/>
-              </a:ext>
-            </a:extLst>
-          </p:cNvPr>
-          <p:cNvSpPr txBox="1">
-            <a:spLocks/>
-          </p:cNvSpPr>
-          <p:nvPr/>
-        </p:nvSpPr>
-        <p:spPr>
-          <a:xfrm>
-            <a:off x="1678346" y="1112520"/>
-            <a:ext cx="8835309" cy="505604"/>
-          </a:xfrm>
-          <a:prstGeom prst="rect">
-            <a:avLst/>
-          </a:prstGeom>
-        </p:spPr>
-        <p:txBody>
-          <a:bodyPr vert="horz" lIns="0" tIns="38963" rIns="77925" bIns="38963" rtlCol="0" anchor="ctr">
-            <a:noAutofit/>
-          </a:bodyPr>
-          <a:lstStyle>
-            <a:lvl1pPr algn="l" defTabSz="389626" rtl="0" eaLnBrk="1" latinLnBrk="0" hangingPunct="1">
-              <a:spcBef>
-                <a:spcPct val="0"/>
-              </a:spcBef>
-              <a:buNone/>
-              <a:defRPr sz="4200" b="0" i="0" kern="1200" baseline="0">
-                <a:solidFill>
-                  <a:schemeClr val="bg1"/>
-                </a:solidFill>
-                <a:latin typeface="+mn-lt"/>
-                <a:ea typeface="Arial" charset="0"/>
-                <a:cs typeface="Arial" charset="0"/>
-              </a:defRPr>
-            </a:lvl1pPr>
-          </a:lstStyle>
-          <a:p>
-            <a:pPr algn="ctr"/>
-            <a:r>
-              <a:rPr lang="en-GB" sz="7200" dirty="0"/>
-              <a:t>Links</a:t>
-            </a:r>
-            <a:endParaRPr lang="en-GB" sz="3200" dirty="0"/>
-          </a:p>
-        </p:txBody>
-      </p:sp>
-      <p:sp>
-        <p:nvSpPr>
-          <p:cNvPr id="6" name="Date Placeholder 5">
-            <a:extLst>
-              <a:ext uri="{FF2B5EF4-FFF2-40B4-BE49-F238E27FC236}">
-                <a16:creationId xmlns:a16="http://schemas.microsoft.com/office/drawing/2014/main" id="{F97E6501-23CF-4C45-B785-96F6DD5FB904}"/>
-              </a:ext>
-            </a:extLst>
-          </p:cNvPr>
-          <p:cNvSpPr>
-            <a:spLocks noGrp="1"/>
-          </p:cNvSpPr>
-          <p:nvPr>
-            <p:ph type="dt" sz="half" idx="10"/>
-          </p:nvPr>
-        </p:nvSpPr>
-        <p:spPr/>
-        <p:txBody>
-          <a:bodyPr/>
-          <a:lstStyle/>
-          <a:p>
-            <a:r>
-              <a:rPr lang="en-GB"/>
-              <a:t>@owennell</a:t>
-            </a:r>
-            <a:endParaRPr lang="en-US" dirty="0"/>
-          </a:p>
-        </p:txBody>
-      </p:sp>
-    </p:spTree>
-    <p:extLst>
-      <p:ext uri="{BB962C8B-B14F-4D97-AF65-F5344CB8AC3E}">
-        <p14:creationId xmlns:p14="http://schemas.microsoft.com/office/powerpoint/2010/main" val="1180917442"/>
       </p:ext>
     </p:extLst>
   </p:cSld>
@@ -25051,15 +24654,6 @@
 </file>
 
 <file path=customXml/item1.xml><?xml version="1.0" encoding="utf-8"?>
-<?mso-contentType ?>
-<FormTemplates xmlns="http://schemas.microsoft.com/sharepoint/v3/contenttype/forms">
-  <Display>DocumentLibraryForm</Display>
-  <Edit>DocumentLibraryForm</Edit>
-  <New>DocumentLibraryForm</New>
-</FormTemplates>
-</file>
-
-<file path=customXml/item2.xml><?xml version="1.0" encoding="utf-8"?>
 <ct:contentTypeSchema xmlns:ct="http://schemas.microsoft.com/office/2006/metadata/contentType" xmlns:ma="http://schemas.microsoft.com/office/2006/metadata/properties/metaAttributes" ct:_="" ma:_="" ma:contentTypeName="Document" ma:contentTypeID="0x0101005BEB3BB5FC069E4A8B1077D5FD23943C" ma:contentTypeVersion="2" ma:contentTypeDescription="Create a new document." ma:contentTypeScope="" ma:versionID="47ddf1554eeafa4d79d0318e64abc4a7">
   <xsd:schema xmlns:xsd="http://www.w3.org/2001/XMLSchema" xmlns:xs="http://www.w3.org/2001/XMLSchema" xmlns:p="http://schemas.microsoft.com/office/2006/metadata/properties" xmlns:ns2="d1b01c81-120a-4560-9817-a2c229f7d73c" targetNamespace="http://schemas.microsoft.com/office/2006/metadata/properties" ma:root="true" ma:fieldsID="1a8928d985599b3cc8311f2e57b9aa78" ns2:_="">
     <xsd:import namespace="d1b01c81-120a-4560-9817-a2c229f7d73c"/>
@@ -25207,21 +24801,22 @@
 </ct:contentTypeSchema>
 </file>
 
-<file path=customXml/item3.xml><?xml version="1.0" encoding="utf-8"?>
+<file path=customXml/item2.xml><?xml version="1.0" encoding="utf-8"?>
 <p:properties xmlns:p="http://schemas.microsoft.com/office/2006/metadata/properties" xmlns:xsi="http://www.w3.org/2001/XMLSchema-instance">
   <documentManagement/>
 </p:properties>
 </file>
 
-<file path=customXml/itemProps1.xml><?xml version="1.0" encoding="utf-8"?>
-<ds:datastoreItem xmlns:ds="http://schemas.openxmlformats.org/officeDocument/2006/customXml" ds:itemID="{5B0221C8-8D1F-449C-9E02-3B69D2872205}">
-  <ds:schemaRefs>
-    <ds:schemaRef ds:uri="http://schemas.microsoft.com/sharepoint/v3/contenttype/forms"/>
-  </ds:schemaRefs>
-</ds:datastoreItem>
+<file path=customXml/item3.xml><?xml version="1.0" encoding="utf-8"?>
+<?mso-contentType ?>
+<FormTemplates xmlns="http://schemas.microsoft.com/sharepoint/v3/contenttype/forms">
+  <Display>DocumentLibraryForm</Display>
+  <Edit>DocumentLibraryForm</Edit>
+  <New>DocumentLibraryForm</New>
+</FormTemplates>
 </file>
 
-<file path=customXml/itemProps2.xml><?xml version="1.0" encoding="utf-8"?>
+<file path=customXml/itemProps1.xml><?xml version="1.0" encoding="utf-8"?>
 <ds:datastoreItem xmlns:ds="http://schemas.openxmlformats.org/officeDocument/2006/customXml" ds:itemID="{B9E90AD6-4848-4215-B912-DB92A776088F}">
   <ds:schemaRefs>
     <ds:schemaRef ds:uri="http://schemas.microsoft.com/office/2006/metadata/contentType"/>
@@ -25239,10 +24834,18 @@
 </ds:datastoreItem>
 </file>
 
-<file path=customXml/itemProps3.xml><?xml version="1.0" encoding="utf-8"?>
+<file path=customXml/itemProps2.xml><?xml version="1.0" encoding="utf-8"?>
 <ds:datastoreItem xmlns:ds="http://schemas.openxmlformats.org/officeDocument/2006/customXml" ds:itemID="{28288C4A-FB4D-4A80-A265-5C3EA7C36918}">
   <ds:schemaRefs>
     <ds:schemaRef ds:uri="http://schemas.microsoft.com/office/2006/metadata/properties"/>
   </ds:schemaRefs>
 </ds:datastoreItem>
+</file>
+
+<file path=customXml/itemProps3.xml><?xml version="1.0" encoding="utf-8"?>
+<ds:datastoreItem xmlns:ds="http://schemas.openxmlformats.org/officeDocument/2006/customXml" ds:itemID="{5B0221C8-8D1F-449C-9E02-3B69D2872205}">
+  <ds:schemaRefs>
+    <ds:schemaRef ds:uri="http://schemas.microsoft.com/sharepoint/v3/contenttype/forms"/>
+  </ds:schemaRefs>
+</ds:datastoreItem>
 </file>
--- a/a-mob-mentality.pptx
+++ b/a-mob-mentality.pptx
@@ -68,7 +68,7 @@
     <p:sldId id="377" r:id="rId59"/>
     <p:sldId id="371" r:id="rId60"/>
     <p:sldId id="374" r:id="rId61"/>
-    <p:sldId id="375" r:id="rId62"/>
+    <p:sldId id="378" r:id="rId62"/>
   </p:sldIdLst>
   <p:sldSz cx="12192000" cy="6858000"/>
   <p:notesSz cx="6858000" cy="9144000"/>
@@ -271,7 +271,7 @@
           <a:p>
             <a:fld id="{7BBE8AEC-3485-8F42-8DAA-65AC687FA28D}" type="datetimeFigureOut">
               <a:rPr lang="en-US" smtClean="0"/>
-              <a:t>9/29/19</a:t>
+              <a:t>9/30/19</a:t>
             </a:fld>
             <a:endParaRPr lang="en-US"/>
           </a:p>
@@ -436,7 +436,7 @@
           <a:p>
             <a:fld id="{F8C37668-4783-4882-B2E6-3A4D0BC25785}" type="datetimeFigureOut">
               <a:rPr lang="en-GB" smtClean="0"/>
-              <a:t>29/09/2019</a:t>
+              <a:t>30/09/2019</a:t>
             </a:fld>
             <a:endParaRPr lang="en-GB"/>
           </a:p>
@@ -1417,6 +1417,15 @@
               <a:t>There may or may not be actual unicorns.</a:t>
             </a:r>
           </a:p>
+          <a:p>
+            <a:endParaRPr lang="en-US" dirty="0"/>
+          </a:p>
+          <a:p>
+            <a:r>
+              <a:rPr lang="en-US" dirty="0"/>
+              <a:t>Unicorn programming</a:t>
+            </a:r>
+          </a:p>
         </p:txBody>
       </p:sp>
       <p:sp>
@@ -6560,11 +6569,7 @@
           <a:p>
             <a:r>
               <a:rPr lang="en-US" dirty="0"/>
-              <a:t>But what’s going to </a:t>
-            </a:r>
-            <a:r>
-              <a:rPr lang="en-US"/>
-              <a:t>happen next?</a:t>
+              <a:t>But what’s going to happen next?</a:t>
             </a:r>
           </a:p>
         </p:txBody>
@@ -6943,7 +6948,7 @@
     </p:spTree>
     <p:extLst>
       <p:ext uri="{BB962C8B-B14F-4D97-AF65-F5344CB8AC3E}">
-        <p14:creationId xmlns:p14="http://schemas.microsoft.com/office/powerpoint/2010/main" val="3276869117"/>
+        <p14:creationId xmlns:p14="http://schemas.microsoft.com/office/powerpoint/2010/main" val="3685417224"/>
       </p:ext>
     </p:extLst>
   </p:cSld>
@@ -22509,7 +22514,7 @@
           <a:p>
             <a:r>
               <a:rPr lang="en-GB" sz="7200" dirty="0"/>
-              <a:t>Experiment 🔬</a:t>
+              <a:t>Experiment 🔬🔦</a:t>
             </a:r>
             <a:endParaRPr lang="en-GB" dirty="0"/>
           </a:p>
@@ -23257,8 +23262,8 @@
         </p:nvSpPr>
         <p:spPr>
           <a:xfrm>
-            <a:off x="1678345" y="3964580"/>
-            <a:ext cx="8835309" cy="505604"/>
+            <a:off x="1678345" y="2018365"/>
+            <a:ext cx="8835309" cy="3930539"/>
           </a:xfrm>
         </p:spPr>
         <p:txBody>
@@ -23266,81 +23271,90 @@
           <a:lstStyle/>
           <a:p>
             <a:r>
-              <a:rPr lang="en-GB" sz="3200" dirty="0">
+              <a:rPr lang="en-GB" sz="2400" dirty="0"/>
+              <a:t>#</a:t>
+            </a:r>
+            <a:r>
+              <a:rPr lang="en-GB" sz="2400" dirty="0" err="1"/>
+              <a:t>MobProgramming</a:t>
+            </a:r>
+            <a:r>
+              <a:rPr lang="en-GB" sz="2400" dirty="0"/>
+              <a:t> on Twitter</a:t>
+            </a:r>
+            <a:br>
+              <a:rPr lang="en-GB" sz="2400" dirty="0"/>
+            </a:br>
+            <a:br>
+              <a:rPr lang="en-GB" sz="2400" dirty="0"/>
+            </a:br>
+            <a:r>
+              <a:rPr lang="en-GB" sz="2400" dirty="0"/>
+              <a:t>The Mob Programming book</a:t>
+            </a:r>
+            <a:br>
+              <a:rPr lang="en-GB" sz="2400" dirty="0"/>
+            </a:br>
+            <a:r>
+              <a:rPr lang="en-GB" sz="2400" dirty="0">
                 <a:hlinkClick r:id="rId3"/>
               </a:rPr>
-              <a:t>Mob Programming book</a:t>
-            </a:r>
-            <a:r>
-              <a:rPr lang="en-GB" sz="3200" dirty="0"/>
-              <a:t> on </a:t>
-            </a:r>
-            <a:r>
-              <a:rPr lang="en-GB" sz="3200" dirty="0" err="1"/>
-              <a:t>Leanpub</a:t>
+              <a:t>https://leanpub.com/mobprogramming</a:t>
             </a:r>
             <a:br>
-              <a:rPr lang="en-GB" sz="3200" dirty="0"/>
+              <a:rPr lang="en-GB" sz="2400" dirty="0"/>
             </a:br>
             <a:br>
-              <a:rPr lang="en-GB" sz="3200" dirty="0"/>
+              <a:rPr lang="en-GB" sz="2400" dirty="0"/>
             </a:br>
             <a:r>
-              <a:rPr lang="en-GB" sz="3200" dirty="0"/>
-              <a:t>#</a:t>
-            </a:r>
-            <a:r>
-              <a:rPr lang="en-GB" sz="3200" dirty="0" err="1"/>
-              <a:t>mobprogramming</a:t>
-            </a:r>
-            <a:r>
-              <a:rPr lang="en-GB" sz="3200" dirty="0"/>
-              <a:t> on Twitter</a:t>
+              <a:rPr lang="en-GB" sz="2400" dirty="0"/>
+              <a:t>How one team mobs remotely</a:t>
             </a:r>
             <a:br>
-              <a:rPr lang="en-GB" sz="3200" dirty="0"/>
+              <a:rPr lang="en-GB" sz="2400" dirty="0"/>
             </a:br>
-            <a:br>
-              <a:rPr lang="en-GB" sz="3200" dirty="0"/>
-            </a:br>
-            <a:r>
-              <a:rPr lang="en-GB" sz="3200" dirty="0">
+            <a:r>
+              <a:rPr lang="en-GB" sz="2400" dirty="0">
                 <a:hlinkClick r:id="rId4"/>
               </a:rPr>
               <a:t>remotemobprogramming.org</a:t>
             </a:r>
             <a:br>
-              <a:rPr lang="en-GB" sz="3200" dirty="0"/>
+              <a:rPr lang="en-GB" sz="2400" dirty="0"/>
             </a:br>
             <a:br>
-              <a:rPr lang="en-GB" sz="3200" dirty="0"/>
+              <a:rPr lang="en-GB" sz="2400" dirty="0"/>
             </a:br>
             <a:r>
-              <a:rPr lang="en-GB" sz="3200" dirty="0">
+              <a:rPr lang="en-GB" sz="2400" dirty="0"/>
+              <a:t>Mob Mentality Show</a:t>
+            </a:r>
+            <a:br>
+              <a:rPr lang="en-GB" sz="2400" dirty="0"/>
+            </a:br>
+            <a:r>
+              <a:rPr lang="en-GB" sz="2400" dirty="0">
                 <a:hlinkClick r:id="rId5"/>
               </a:rPr>
-              <a:t>Mob Mentality Show</a:t>
-            </a:r>
-            <a:r>
-              <a:rPr lang="en-GB" sz="3200" dirty="0"/>
-              <a:t> on YouTube</a:t>
+              <a:t>https://www.youtube.com/channel/UCgt1lVMrdwlZKBaerxxp2iQ</a:t>
             </a:r>
             <a:br>
-              <a:rPr lang="en-GB" sz="3200" dirty="0"/>
+              <a:rPr lang="en-GB" sz="2400" dirty="0"/>
             </a:br>
             <a:r>
-              <a:rPr lang="en-GB" sz="1800" i="1" dirty="0"/>
+              <a:rPr lang="en-GB" sz="2400" i="1" dirty="0"/>
               <a:t>(I wasn't involved, the name is a coincidence! </a:t>
             </a:r>
             <a:r>
-              <a:rPr lang="en-GB" sz="1800" dirty="0"/>
+              <a:rPr lang="en-GB" sz="2400" dirty="0"/>
               <a:t>😆</a:t>
             </a:r>
             <a:r>
-              <a:rPr lang="en-GB" sz="1800" i="1" dirty="0"/>
+              <a:rPr lang="en-GB" sz="2400" i="1" dirty="0"/>
               <a:t>)</a:t>
             </a:r>
-            <a:endParaRPr lang="en-GB" sz="3200" i="1" dirty="0"/>
+            <a:endParaRPr lang="en-GB" sz="2400" dirty="0"/>
           </a:p>
         </p:txBody>
       </p:sp>
@@ -23426,10 +23440,58 @@
           </a:p>
         </p:txBody>
       </p:sp>
+      <p:sp>
+        <p:nvSpPr>
+          <p:cNvPr id="7" name="Title 1">
+            <a:extLst>
+              <a:ext uri="{FF2B5EF4-FFF2-40B4-BE49-F238E27FC236}">
+                <a16:creationId xmlns:a16="http://schemas.microsoft.com/office/drawing/2014/main" id="{C5939747-9639-3C44-8A12-672D73997D26}"/>
+              </a:ext>
+            </a:extLst>
+          </p:cNvPr>
+          <p:cNvSpPr txBox="1">
+            <a:spLocks/>
+          </p:cNvSpPr>
+          <p:nvPr/>
+        </p:nvSpPr>
+        <p:spPr>
+          <a:xfrm>
+            <a:off x="1678345" y="1993188"/>
+            <a:ext cx="8835309" cy="505604"/>
+          </a:xfrm>
+          <a:prstGeom prst="rect">
+            <a:avLst/>
+          </a:prstGeom>
+        </p:spPr>
+        <p:txBody>
+          <a:bodyPr vert="horz" lIns="0" tIns="38963" rIns="77925" bIns="38963" rtlCol="0" anchor="ctr">
+            <a:noAutofit/>
+          </a:bodyPr>
+          <a:lstStyle>
+            <a:lvl1pPr algn="l" defTabSz="389626" rtl="0" eaLnBrk="1" latinLnBrk="0" hangingPunct="1">
+              <a:spcBef>
+                <a:spcPct val="0"/>
+              </a:spcBef>
+              <a:buNone/>
+              <a:defRPr sz="4200" b="0" i="0" kern="1200" baseline="0">
+                <a:solidFill>
+                  <a:schemeClr val="bg1"/>
+                </a:solidFill>
+                <a:latin typeface="+mn-lt"/>
+                <a:ea typeface="Arial" charset="0"/>
+                <a:cs typeface="Arial" charset="0"/>
+              </a:defRPr>
+            </a:lvl1pPr>
+          </a:lstStyle>
+          <a:p>
+            <a:endParaRPr lang="en-GB" sz="3200" i="1" dirty="0"/>
+          </a:p>
+        </p:txBody>
+      </p:sp>
     </p:spTree>
     <p:extLst>
       <p:ext uri="{BB962C8B-B14F-4D97-AF65-F5344CB8AC3E}">
-        <p14:creationId xmlns:p14="http://schemas.microsoft.com/office/powerpoint/2010/main" val="1180917442"/>
+        <p14:creationId xmlns:p14="http://schemas.microsoft.com/office/powerpoint/2010/main" val="3927669071"/>
       </p:ext>
     </p:extLst>
   </p:cSld>
@@ -24654,6 +24716,21 @@
 </file>
 
 <file path=customXml/item1.xml><?xml version="1.0" encoding="utf-8"?>
+<p:properties xmlns:p="http://schemas.microsoft.com/office/2006/metadata/properties" xmlns:xsi="http://www.w3.org/2001/XMLSchema-instance">
+  <documentManagement/>
+</p:properties>
+</file>
+
+<file path=customXml/item2.xml><?xml version="1.0" encoding="utf-8"?>
+<?mso-contentType ?>
+<FormTemplates xmlns="http://schemas.microsoft.com/sharepoint/v3/contenttype/forms">
+  <Display>DocumentLibraryForm</Display>
+  <Edit>DocumentLibraryForm</Edit>
+  <New>DocumentLibraryForm</New>
+</FormTemplates>
+</file>
+
+<file path=customXml/item3.xml><?xml version="1.0" encoding="utf-8"?>
 <ct:contentTypeSchema xmlns:ct="http://schemas.microsoft.com/office/2006/metadata/contentType" xmlns:ma="http://schemas.microsoft.com/office/2006/metadata/properties/metaAttributes" ct:_="" ma:_="" ma:contentTypeName="Document" ma:contentTypeID="0x0101005BEB3BB5FC069E4A8B1077D5FD23943C" ma:contentTypeVersion="2" ma:contentTypeDescription="Create a new document." ma:contentTypeScope="" ma:versionID="47ddf1554eeafa4d79d0318e64abc4a7">
   <xsd:schema xmlns:xsd="http://www.w3.org/2001/XMLSchema" xmlns:xs="http://www.w3.org/2001/XMLSchema" xmlns:p="http://schemas.microsoft.com/office/2006/metadata/properties" xmlns:ns2="d1b01c81-120a-4560-9817-a2c229f7d73c" targetNamespace="http://schemas.microsoft.com/office/2006/metadata/properties" ma:root="true" ma:fieldsID="1a8928d985599b3cc8311f2e57b9aa78" ns2:_="">
     <xsd:import namespace="d1b01c81-120a-4560-9817-a2c229f7d73c"/>
@@ -24801,22 +24878,23 @@
 </ct:contentTypeSchema>
 </file>
 
-<file path=customXml/item2.xml><?xml version="1.0" encoding="utf-8"?>
-<p:properties xmlns:p="http://schemas.microsoft.com/office/2006/metadata/properties" xmlns:xsi="http://www.w3.org/2001/XMLSchema-instance">
-  <documentManagement/>
-</p:properties>
+<file path=customXml/itemProps1.xml><?xml version="1.0" encoding="utf-8"?>
+<ds:datastoreItem xmlns:ds="http://schemas.openxmlformats.org/officeDocument/2006/customXml" ds:itemID="{28288C4A-FB4D-4A80-A265-5C3EA7C36918}">
+  <ds:schemaRefs>
+    <ds:schemaRef ds:uri="http://schemas.microsoft.com/office/2006/metadata/properties"/>
+  </ds:schemaRefs>
+</ds:datastoreItem>
 </file>
 
-<file path=customXml/item3.xml><?xml version="1.0" encoding="utf-8"?>
-<?mso-contentType ?>
-<FormTemplates xmlns="http://schemas.microsoft.com/sharepoint/v3/contenttype/forms">
-  <Display>DocumentLibraryForm</Display>
-  <Edit>DocumentLibraryForm</Edit>
-  <New>DocumentLibraryForm</New>
-</FormTemplates>
+<file path=customXml/itemProps2.xml><?xml version="1.0" encoding="utf-8"?>
+<ds:datastoreItem xmlns:ds="http://schemas.openxmlformats.org/officeDocument/2006/customXml" ds:itemID="{5B0221C8-8D1F-449C-9E02-3B69D2872205}">
+  <ds:schemaRefs>
+    <ds:schemaRef ds:uri="http://schemas.microsoft.com/sharepoint/v3/contenttype/forms"/>
+  </ds:schemaRefs>
+</ds:datastoreItem>
 </file>
 
-<file path=customXml/itemProps1.xml><?xml version="1.0" encoding="utf-8"?>
+<file path=customXml/itemProps3.xml><?xml version="1.0" encoding="utf-8"?>
 <ds:datastoreItem xmlns:ds="http://schemas.openxmlformats.org/officeDocument/2006/customXml" ds:itemID="{B9E90AD6-4848-4215-B912-DB92A776088F}">
   <ds:schemaRefs>
     <ds:schemaRef ds:uri="http://schemas.microsoft.com/office/2006/metadata/contentType"/>
@@ -24832,20 +24910,4 @@
     <ds:schemaRef ds:uri="http://schemas.microsoft.com/internal/obd"/>
   </ds:schemaRefs>
 </ds:datastoreItem>
-</file>
-
-<file path=customXml/itemProps2.xml><?xml version="1.0" encoding="utf-8"?>
-<ds:datastoreItem xmlns:ds="http://schemas.openxmlformats.org/officeDocument/2006/customXml" ds:itemID="{28288C4A-FB4D-4A80-A265-5C3EA7C36918}">
-  <ds:schemaRefs>
-    <ds:schemaRef ds:uri="http://schemas.microsoft.com/office/2006/metadata/properties"/>
-  </ds:schemaRefs>
-</ds:datastoreItem>
-</file>
-
-<file path=customXml/itemProps3.xml><?xml version="1.0" encoding="utf-8"?>
-<ds:datastoreItem xmlns:ds="http://schemas.openxmlformats.org/officeDocument/2006/customXml" ds:itemID="{5B0221C8-8D1F-449C-9E02-3B69D2872205}">
-  <ds:schemaRefs>
-    <ds:schemaRef ds:uri="http://schemas.microsoft.com/sharepoint/v3/contenttype/forms"/>
-  </ds:schemaRefs>
-</ds:datastoreItem>
 </file>